--- a/illustration/illusts.pptx
+++ b/illustration/illusts.pptx
@@ -5,7 +5,7 @@
     <p:sldMasterId id="2147483648" r:id="rId1"/>
   </p:sldMasterIdLst>
   <p:notesMasterIdLst>
-    <p:notesMasterId r:id="rId15"/>
+    <p:notesMasterId r:id="rId17"/>
   </p:notesMasterIdLst>
   <p:sldIdLst>
     <p:sldId id="266" r:id="rId2"/>
@@ -21,6 +21,8 @@
     <p:sldId id="262" r:id="rId12"/>
     <p:sldId id="265" r:id="rId13"/>
     <p:sldId id="263" r:id="rId14"/>
+    <p:sldId id="272" r:id="rId15"/>
+    <p:sldId id="273" r:id="rId16"/>
   </p:sldIdLst>
   <p:sldSz cx="12192000" cy="6858000"/>
   <p:notesSz cx="6858000" cy="9144000"/>
@@ -209,7 +211,7 @@
           <a:p>
             <a:fld id="{3B91CE91-3241-4040-AF54-7BF47CA66737}" type="datetimeFigureOut">
               <a:rPr kumimoji="1" lang="ja-JP" altLang="en-US" smtClean="0"/>
-              <a:t>2020/12/23</a:t>
+              <a:t>2020/12/31</a:t>
             </a:fld>
             <a:endParaRPr kumimoji="1" lang="ja-JP" altLang="en-US"/>
           </a:p>
@@ -1084,7 +1086,7 @@
           <a:p>
             <a:fld id="{C245CA38-B217-504E-A0D9-BA25E637AC92}" type="datetimeFigureOut">
               <a:rPr kumimoji="1" lang="ja-JP" altLang="en-US" smtClean="0"/>
-              <a:t>2020/12/23</a:t>
+              <a:t>2020/12/31</a:t>
             </a:fld>
             <a:endParaRPr kumimoji="1" lang="ja-JP" altLang="en-US"/>
           </a:p>
@@ -1314,7 +1316,7 @@
           <a:p>
             <a:fld id="{C245CA38-B217-504E-A0D9-BA25E637AC92}" type="datetimeFigureOut">
               <a:rPr kumimoji="1" lang="ja-JP" altLang="en-US" smtClean="0"/>
-              <a:t>2020/12/23</a:t>
+              <a:t>2020/12/31</a:t>
             </a:fld>
             <a:endParaRPr kumimoji="1" lang="ja-JP" altLang="en-US"/>
           </a:p>
@@ -1554,7 +1556,7 @@
           <a:p>
             <a:fld id="{C245CA38-B217-504E-A0D9-BA25E637AC92}" type="datetimeFigureOut">
               <a:rPr kumimoji="1" lang="ja-JP" altLang="en-US" smtClean="0"/>
-              <a:t>2020/12/23</a:t>
+              <a:t>2020/12/31</a:t>
             </a:fld>
             <a:endParaRPr kumimoji="1" lang="ja-JP" altLang="en-US"/>
           </a:p>
@@ -1784,7 +1786,7 @@
           <a:p>
             <a:fld id="{C245CA38-B217-504E-A0D9-BA25E637AC92}" type="datetimeFigureOut">
               <a:rPr kumimoji="1" lang="ja-JP" altLang="en-US" smtClean="0"/>
-              <a:t>2020/12/23</a:t>
+              <a:t>2020/12/31</a:t>
             </a:fld>
             <a:endParaRPr kumimoji="1" lang="ja-JP" altLang="en-US"/>
           </a:p>
@@ -2059,7 +2061,7 @@
           <a:p>
             <a:fld id="{C245CA38-B217-504E-A0D9-BA25E637AC92}" type="datetimeFigureOut">
               <a:rPr kumimoji="1" lang="ja-JP" altLang="en-US" smtClean="0"/>
-              <a:t>2020/12/23</a:t>
+              <a:t>2020/12/31</a:t>
             </a:fld>
             <a:endParaRPr kumimoji="1" lang="ja-JP" altLang="en-US"/>
           </a:p>
@@ -2388,7 +2390,7 @@
           <a:p>
             <a:fld id="{C245CA38-B217-504E-A0D9-BA25E637AC92}" type="datetimeFigureOut">
               <a:rPr kumimoji="1" lang="ja-JP" altLang="en-US" smtClean="0"/>
-              <a:t>2020/12/23</a:t>
+              <a:t>2020/12/31</a:t>
             </a:fld>
             <a:endParaRPr kumimoji="1" lang="ja-JP" altLang="en-US"/>
           </a:p>
@@ -2864,7 +2866,7 @@
           <a:p>
             <a:fld id="{C245CA38-B217-504E-A0D9-BA25E637AC92}" type="datetimeFigureOut">
               <a:rPr kumimoji="1" lang="ja-JP" altLang="en-US" smtClean="0"/>
-              <a:t>2020/12/23</a:t>
+              <a:t>2020/12/31</a:t>
             </a:fld>
             <a:endParaRPr kumimoji="1" lang="ja-JP" altLang="en-US"/>
           </a:p>
@@ -3005,7 +3007,7 @@
           <a:p>
             <a:fld id="{C245CA38-B217-504E-A0D9-BA25E637AC92}" type="datetimeFigureOut">
               <a:rPr kumimoji="1" lang="ja-JP" altLang="en-US" smtClean="0"/>
-              <a:t>2020/12/23</a:t>
+              <a:t>2020/12/31</a:t>
             </a:fld>
             <a:endParaRPr kumimoji="1" lang="ja-JP" altLang="en-US"/>
           </a:p>
@@ -3118,7 +3120,7 @@
           <a:p>
             <a:fld id="{C245CA38-B217-504E-A0D9-BA25E637AC92}" type="datetimeFigureOut">
               <a:rPr kumimoji="1" lang="ja-JP" altLang="en-US" smtClean="0"/>
-              <a:t>2020/12/23</a:t>
+              <a:t>2020/12/31</a:t>
             </a:fld>
             <a:endParaRPr kumimoji="1" lang="ja-JP" altLang="en-US"/>
           </a:p>
@@ -3461,7 +3463,7 @@
           <a:p>
             <a:fld id="{C245CA38-B217-504E-A0D9-BA25E637AC92}" type="datetimeFigureOut">
               <a:rPr kumimoji="1" lang="ja-JP" altLang="en-US" smtClean="0"/>
-              <a:t>2020/12/23</a:t>
+              <a:t>2020/12/31</a:t>
             </a:fld>
             <a:endParaRPr kumimoji="1" lang="ja-JP" altLang="en-US"/>
           </a:p>
@@ -3749,7 +3751,7 @@
           <a:p>
             <a:fld id="{C245CA38-B217-504E-A0D9-BA25E637AC92}" type="datetimeFigureOut">
               <a:rPr kumimoji="1" lang="ja-JP" altLang="en-US" smtClean="0"/>
-              <a:t>2020/12/23</a:t>
+              <a:t>2020/12/31</a:t>
             </a:fld>
             <a:endParaRPr kumimoji="1" lang="ja-JP" altLang="en-US"/>
           </a:p>
@@ -4022,7 +4024,7 @@
           <a:p>
             <a:fld id="{C245CA38-B217-504E-A0D9-BA25E637AC92}" type="datetimeFigureOut">
               <a:rPr kumimoji="1" lang="ja-JP" altLang="en-US" smtClean="0"/>
-              <a:t>2020/12/23</a:t>
+              <a:t>2020/12/31</a:t>
             </a:fld>
             <a:endParaRPr kumimoji="1" lang="ja-JP" altLang="en-US"/>
           </a:p>
@@ -16443,8 +16445,8 @@
         </p:nvSpPr>
         <p:spPr>
           <a:xfrm>
-            <a:off x="5504751" y="1324262"/>
-            <a:ext cx="1048684" cy="369332"/>
+            <a:off x="5600931" y="1324262"/>
+            <a:ext cx="856324" cy="369332"/>
           </a:xfrm>
           <a:prstGeom prst="rect">
             <a:avLst/>
@@ -16463,7 +16465,7 @@
                 <a:latin typeface="Arial" panose="020B0604020202020204" pitchFamily="34" charset="0"/>
                 <a:cs typeface="Arial" panose="020B0604020202020204" pitchFamily="34" charset="0"/>
               </a:rPr>
-              <a:t>3×Φ1.5</a:t>
+              <a:t>3×Φ3</a:t>
             </a:r>
             <a:endParaRPr kumimoji="1" lang="ja-JP" altLang="en-US">
               <a:latin typeface="Arial" panose="020B0604020202020204" pitchFamily="34" charset="0"/>
@@ -16486,8 +16488,8 @@
         </p:nvSpPr>
         <p:spPr>
           <a:xfrm>
-            <a:off x="8000132" y="2818508"/>
-            <a:ext cx="817853" cy="369332"/>
+            <a:off x="8096312" y="2818508"/>
+            <a:ext cx="625492" cy="369332"/>
           </a:xfrm>
           <a:prstGeom prst="rect">
             <a:avLst/>
@@ -16506,7 +16508,7 @@
                 <a:latin typeface="Arial" panose="020B0604020202020204" pitchFamily="34" charset="0"/>
                 <a:cs typeface="Arial" panose="020B0604020202020204" pitchFamily="34" charset="0"/>
               </a:rPr>
-              <a:t>Φ25.0</a:t>
+              <a:t>Φ25</a:t>
             </a:r>
             <a:endParaRPr kumimoji="1" lang="ja-JP" altLang="en-US">
               <a:latin typeface="Arial" panose="020B0604020202020204" pitchFamily="34" charset="0"/>
@@ -16576,7 +16578,7 @@
         <p:spPr>
           <a:xfrm>
             <a:off x="7831459" y="3003174"/>
-            <a:ext cx="168673" cy="0"/>
+            <a:ext cx="264853" cy="0"/>
           </a:xfrm>
           <a:prstGeom prst="line">
             <a:avLst/>
@@ -16711,6 +16713,838 @@
     <p:extLst>
       <p:ext uri="{BB962C8B-B14F-4D97-AF65-F5344CB8AC3E}">
         <p14:creationId xmlns:p14="http://schemas.microsoft.com/office/powerpoint/2010/main" val="3465888439"/>
+      </p:ext>
+    </p:extLst>
+  </p:cSld>
+  <p:clrMapOvr>
+    <a:masterClrMapping/>
+  </p:clrMapOvr>
+</p:sld>
+</file>
+
+<file path=ppt/slides/slide14.xml><?xml version="1.0" encoding="utf-8"?>
+<p:sld xmlns:a="http://schemas.openxmlformats.org/drawingml/2006/main" xmlns:r="http://schemas.openxmlformats.org/officeDocument/2006/relationships" xmlns:p="http://schemas.openxmlformats.org/presentationml/2006/main">
+  <p:cSld>
+    <p:spTree>
+      <p:nvGrpSpPr>
+        <p:cNvPr id="1" name=""/>
+        <p:cNvGrpSpPr/>
+        <p:nvPr/>
+      </p:nvGrpSpPr>
+      <p:grpSpPr>
+        <a:xfrm>
+          <a:off x="0" y="0"/>
+          <a:ext cx="0" cy="0"/>
+          <a:chOff x="0" y="0"/>
+          <a:chExt cx="0" cy="0"/>
+        </a:xfrm>
+      </p:grpSpPr>
+      <p:sp>
+        <p:nvSpPr>
+          <p:cNvPr id="7" name="円/楕円 6">
+            <a:extLst>
+              <a:ext uri="{FF2B5EF4-FFF2-40B4-BE49-F238E27FC236}">
+                <a16:creationId xmlns:a16="http://schemas.microsoft.com/office/drawing/2014/main" id="{75034056-632A-E64C-B4A8-5F67F212A1F4}"/>
+              </a:ext>
+            </a:extLst>
+          </p:cNvPr>
+          <p:cNvSpPr/>
+          <p:nvPr/>
+        </p:nvSpPr>
+        <p:spPr>
+          <a:xfrm flipV="1">
+            <a:off x="6298275" y="3375411"/>
+            <a:ext cx="107175" cy="107175"/>
+          </a:xfrm>
+          <a:prstGeom prst="ellipse">
+            <a:avLst/>
+          </a:prstGeom>
+          <a:solidFill>
+            <a:srgbClr val="FF0000"/>
+          </a:solidFill>
+          <a:ln w="12700">
+            <a:noFill/>
+            <a:prstDash val="solid"/>
+            <a:extLst>
+              <a:ext uri="{C807C97D-BFC1-408E-A445-0C87EB9F89A2}">
+                <ask:lineSketchStyleProps xmlns:ask="http://schemas.microsoft.com/office/drawing/2018/sketchyshapes">
+                  <ask:type>
+                    <ask:lineSketchNone/>
+                  </ask:type>
+                </ask:lineSketchStyleProps>
+              </a:ext>
+            </a:extLst>
+          </a:ln>
+        </p:spPr>
+        <p:style>
+          <a:lnRef idx="2">
+            <a:schemeClr val="accent1">
+              <a:shade val="50000"/>
+            </a:schemeClr>
+          </a:lnRef>
+          <a:fillRef idx="1">
+            <a:schemeClr val="accent1"/>
+          </a:fillRef>
+          <a:effectRef idx="0">
+            <a:schemeClr val="accent1"/>
+          </a:effectRef>
+          <a:fontRef idx="minor">
+            <a:schemeClr val="lt1"/>
+          </a:fontRef>
+        </p:style>
+        <p:txBody>
+          <a:bodyPr rtlCol="0" anchor="ctr"/>
+          <a:lstStyle/>
+          <a:p>
+            <a:pPr algn="ctr"/>
+            <a:endParaRPr kumimoji="1" lang="ja-JP" altLang="en-US"/>
+          </a:p>
+        </p:txBody>
+      </p:sp>
+      <p:sp>
+        <p:nvSpPr>
+          <p:cNvPr id="2" name="円/楕円 1">
+            <a:extLst>
+              <a:ext uri="{FF2B5EF4-FFF2-40B4-BE49-F238E27FC236}">
+                <a16:creationId xmlns:a16="http://schemas.microsoft.com/office/drawing/2014/main" id="{76753AA0-A52E-7046-ADFB-D3B50287907E}"/>
+              </a:ext>
+            </a:extLst>
+          </p:cNvPr>
+          <p:cNvSpPr/>
+          <p:nvPr/>
+        </p:nvSpPr>
+        <p:spPr>
+          <a:xfrm>
+            <a:off x="4168897" y="2337516"/>
+            <a:ext cx="2182967" cy="2182967"/>
+          </a:xfrm>
+          <a:prstGeom prst="ellipse">
+            <a:avLst/>
+          </a:prstGeom>
+          <a:noFill/>
+          <a:ln w="12700">
+            <a:solidFill>
+              <a:srgbClr val="FF0000"/>
+            </a:solidFill>
+            <a:prstDash val="solid"/>
+            <a:extLst>
+              <a:ext uri="{C807C97D-BFC1-408E-A445-0C87EB9F89A2}">
+                <ask:lineSketchStyleProps xmlns:ask="http://schemas.microsoft.com/office/drawing/2018/sketchyshapes">
+                  <ask:type>
+                    <ask:lineSketchNone/>
+                  </ask:type>
+                </ask:lineSketchStyleProps>
+              </a:ext>
+            </a:extLst>
+          </a:ln>
+        </p:spPr>
+        <p:style>
+          <a:lnRef idx="2">
+            <a:schemeClr val="accent1">
+              <a:shade val="50000"/>
+            </a:schemeClr>
+          </a:lnRef>
+          <a:fillRef idx="1">
+            <a:schemeClr val="accent1"/>
+          </a:fillRef>
+          <a:effectRef idx="0">
+            <a:schemeClr val="accent1"/>
+          </a:effectRef>
+          <a:fontRef idx="minor">
+            <a:schemeClr val="lt1"/>
+          </a:fontRef>
+        </p:style>
+        <p:txBody>
+          <a:bodyPr rtlCol="0" anchor="ctr"/>
+          <a:lstStyle/>
+          <a:p>
+            <a:pPr algn="ctr"/>
+            <a:endParaRPr kumimoji="1" lang="ja-JP" altLang="en-US"/>
+          </a:p>
+        </p:txBody>
+      </p:sp>
+      <p:sp>
+        <p:nvSpPr>
+          <p:cNvPr id="3" name="円/楕円 2">
+            <a:extLst>
+              <a:ext uri="{FF2B5EF4-FFF2-40B4-BE49-F238E27FC236}">
+                <a16:creationId xmlns:a16="http://schemas.microsoft.com/office/drawing/2014/main" id="{58A67331-1B3A-5A4E-86A4-FAC9CAAE6267}"/>
+              </a:ext>
+            </a:extLst>
+          </p:cNvPr>
+          <p:cNvSpPr/>
+          <p:nvPr/>
+        </p:nvSpPr>
+        <p:spPr>
+          <a:xfrm>
+            <a:off x="5260380" y="2337516"/>
+            <a:ext cx="2182967" cy="2182967"/>
+          </a:xfrm>
+          <a:prstGeom prst="ellipse">
+            <a:avLst/>
+          </a:prstGeom>
+          <a:noFill/>
+          <a:ln w="12700">
+            <a:solidFill>
+              <a:srgbClr val="FF0000"/>
+            </a:solidFill>
+            <a:prstDash val="solid"/>
+            <a:extLst>
+              <a:ext uri="{C807C97D-BFC1-408E-A445-0C87EB9F89A2}">
+                <ask:lineSketchStyleProps xmlns:ask="http://schemas.microsoft.com/office/drawing/2018/sketchyshapes">
+                  <ask:type>
+                    <ask:lineSketchNone/>
+                  </ask:type>
+                </ask:lineSketchStyleProps>
+              </a:ext>
+            </a:extLst>
+          </a:ln>
+        </p:spPr>
+        <p:style>
+          <a:lnRef idx="2">
+            <a:schemeClr val="accent1">
+              <a:shade val="50000"/>
+            </a:schemeClr>
+          </a:lnRef>
+          <a:fillRef idx="1">
+            <a:schemeClr val="accent1"/>
+          </a:fillRef>
+          <a:effectRef idx="0">
+            <a:schemeClr val="accent1"/>
+          </a:effectRef>
+          <a:fontRef idx="minor">
+            <a:schemeClr val="lt1"/>
+          </a:fontRef>
+        </p:style>
+        <p:txBody>
+          <a:bodyPr rtlCol="0" anchor="ctr"/>
+          <a:lstStyle/>
+          <a:p>
+            <a:pPr algn="ctr"/>
+            <a:endParaRPr kumimoji="1" lang="ja-JP" altLang="en-US"/>
+          </a:p>
+        </p:txBody>
+      </p:sp>
+      <p:cxnSp>
+        <p:nvCxnSpPr>
+          <p:cNvPr id="5" name="直線矢印コネクタ 4">
+            <a:extLst>
+              <a:ext uri="{FF2B5EF4-FFF2-40B4-BE49-F238E27FC236}">
+                <a16:creationId xmlns:a16="http://schemas.microsoft.com/office/drawing/2014/main" id="{80DBD4AB-3FF9-6444-90F7-2865351E456C}"/>
+              </a:ext>
+            </a:extLst>
+          </p:cNvPr>
+          <p:cNvCxnSpPr>
+            <a:stCxn id="2" idx="2"/>
+            <a:endCxn id="2" idx="6"/>
+          </p:cNvCxnSpPr>
+          <p:nvPr/>
+        </p:nvCxnSpPr>
+        <p:spPr>
+          <a:xfrm>
+            <a:off x="4168897" y="3429000"/>
+            <a:ext cx="2182967" cy="0"/>
+          </a:xfrm>
+          <a:prstGeom prst="straightConnector1">
+            <a:avLst/>
+          </a:prstGeom>
+          <a:ln w="25400">
+            <a:solidFill>
+              <a:schemeClr val="tx1"/>
+            </a:solidFill>
+            <a:headEnd type="triangle" w="lg" len="lg"/>
+            <a:tailEnd type="triangle" w="lg" len="lg"/>
+          </a:ln>
+        </p:spPr>
+        <p:style>
+          <a:lnRef idx="1">
+            <a:schemeClr val="accent1"/>
+          </a:lnRef>
+          <a:fillRef idx="0">
+            <a:schemeClr val="accent1"/>
+          </a:fillRef>
+          <a:effectRef idx="0">
+            <a:schemeClr val="accent1"/>
+          </a:effectRef>
+          <a:fontRef idx="minor">
+            <a:schemeClr val="tx1"/>
+          </a:fontRef>
+        </p:style>
+      </p:cxnSp>
+      <p:sp>
+        <p:nvSpPr>
+          <p:cNvPr id="6" name="テキスト ボックス 5">
+            <a:extLst>
+              <a:ext uri="{FF2B5EF4-FFF2-40B4-BE49-F238E27FC236}">
+                <a16:creationId xmlns:a16="http://schemas.microsoft.com/office/drawing/2014/main" id="{BE3CB49E-2D25-5342-86B3-18AE52570782}"/>
+              </a:ext>
+            </a:extLst>
+          </p:cNvPr>
+          <p:cNvSpPr txBox="1"/>
+          <p:nvPr/>
+        </p:nvSpPr>
+        <p:spPr>
+          <a:xfrm>
+            <a:off x="4496500" y="3435290"/>
+            <a:ext cx="679994" cy="369332"/>
+          </a:xfrm>
+          <a:prstGeom prst="rect">
+            <a:avLst/>
+          </a:prstGeom>
+          <a:noFill/>
+        </p:spPr>
+        <p:txBody>
+          <a:bodyPr wrap="none" rtlCol="0">
+            <a:spAutoFit/>
+          </a:bodyPr>
+          <a:lstStyle/>
+          <a:p>
+            <a:pPr algn="ctr"/>
+            <a:r>
+              <a:rPr kumimoji="1" lang="en-US" altLang="ja-JP" dirty="0">
+                <a:latin typeface="Arial" panose="020B0604020202020204" pitchFamily="34" charset="0"/>
+                <a:cs typeface="Arial" panose="020B0604020202020204" pitchFamily="34" charset="0"/>
+              </a:rPr>
+              <a:t>HPD</a:t>
+            </a:r>
+            <a:endParaRPr kumimoji="1" lang="ja-JP" altLang="en-US">
+              <a:latin typeface="Arial" panose="020B0604020202020204" pitchFamily="34" charset="0"/>
+              <a:cs typeface="Arial" panose="020B0604020202020204" pitchFamily="34" charset="0"/>
+            </a:endParaRPr>
+          </a:p>
+        </p:txBody>
+      </p:sp>
+      <p:sp>
+        <p:nvSpPr>
+          <p:cNvPr id="8" name="円/楕円 7">
+            <a:extLst>
+              <a:ext uri="{FF2B5EF4-FFF2-40B4-BE49-F238E27FC236}">
+                <a16:creationId xmlns:a16="http://schemas.microsoft.com/office/drawing/2014/main" id="{D8540F65-4D1B-EF4A-BB4C-039F2D8732EA}"/>
+              </a:ext>
+            </a:extLst>
+          </p:cNvPr>
+          <p:cNvSpPr/>
+          <p:nvPr/>
+        </p:nvSpPr>
+        <p:spPr>
+          <a:xfrm flipV="1">
+            <a:off x="5206790" y="3375411"/>
+            <a:ext cx="107175" cy="107175"/>
+          </a:xfrm>
+          <a:prstGeom prst="ellipse">
+            <a:avLst/>
+          </a:prstGeom>
+          <a:solidFill>
+            <a:srgbClr val="FF0000"/>
+          </a:solidFill>
+          <a:ln w="12700">
+            <a:noFill/>
+            <a:prstDash val="solid"/>
+            <a:extLst>
+              <a:ext uri="{C807C97D-BFC1-408E-A445-0C87EB9F89A2}">
+                <ask:lineSketchStyleProps xmlns:ask="http://schemas.microsoft.com/office/drawing/2018/sketchyshapes">
+                  <ask:type>
+                    <ask:lineSketchNone/>
+                  </ask:type>
+                </ask:lineSketchStyleProps>
+              </a:ext>
+            </a:extLst>
+          </a:ln>
+        </p:spPr>
+        <p:style>
+          <a:lnRef idx="2">
+            <a:schemeClr val="accent1">
+              <a:shade val="50000"/>
+            </a:schemeClr>
+          </a:lnRef>
+          <a:fillRef idx="1">
+            <a:schemeClr val="accent1"/>
+          </a:fillRef>
+          <a:effectRef idx="0">
+            <a:schemeClr val="accent1"/>
+          </a:effectRef>
+          <a:fontRef idx="minor">
+            <a:schemeClr val="lt1"/>
+          </a:fontRef>
+        </p:style>
+        <p:txBody>
+          <a:bodyPr rtlCol="0" anchor="ctr"/>
+          <a:lstStyle/>
+          <a:p>
+            <a:pPr algn="ctr"/>
+            <a:endParaRPr kumimoji="1" lang="ja-JP" altLang="en-US"/>
+          </a:p>
+        </p:txBody>
+      </p:sp>
+    </p:spTree>
+    <p:extLst>
+      <p:ext uri="{BB962C8B-B14F-4D97-AF65-F5344CB8AC3E}">
+        <p14:creationId xmlns:p14="http://schemas.microsoft.com/office/powerpoint/2010/main" val="1465936288"/>
+      </p:ext>
+    </p:extLst>
+  </p:cSld>
+  <p:clrMapOvr>
+    <a:masterClrMapping/>
+  </p:clrMapOvr>
+</p:sld>
+</file>
+
+<file path=ppt/slides/slide15.xml><?xml version="1.0" encoding="utf-8"?>
+<p:sld xmlns:a="http://schemas.openxmlformats.org/drawingml/2006/main" xmlns:r="http://schemas.openxmlformats.org/officeDocument/2006/relationships" xmlns:p="http://schemas.openxmlformats.org/presentationml/2006/main">
+  <p:cSld>
+    <p:spTree>
+      <p:nvGrpSpPr>
+        <p:cNvPr id="1" name=""/>
+        <p:cNvGrpSpPr/>
+        <p:nvPr/>
+      </p:nvGrpSpPr>
+      <p:grpSpPr>
+        <a:xfrm>
+          <a:off x="0" y="0"/>
+          <a:ext cx="0" cy="0"/>
+          <a:chOff x="0" y="0"/>
+          <a:chExt cx="0" cy="0"/>
+        </a:xfrm>
+      </p:grpSpPr>
+      <p:pic>
+        <p:nvPicPr>
+          <p:cNvPr id="2" name="図 1" descr="スポーツゲーム, ミラー, テーブル が含まれている画像&#10;&#10;自動的に生成された説明">
+            <a:extLst>
+              <a:ext uri="{FF2B5EF4-FFF2-40B4-BE49-F238E27FC236}">
+                <a16:creationId xmlns:a16="http://schemas.microsoft.com/office/drawing/2014/main" id="{361956CF-B24A-ED4C-81C0-8ED7BB76BC46}"/>
+              </a:ext>
+            </a:extLst>
+          </p:cNvPr>
+          <p:cNvPicPr>
+            <a:picLocks noChangeAspect="1"/>
+          </p:cNvPicPr>
+          <p:nvPr/>
+        </p:nvPicPr>
+        <p:blipFill>
+          <a:blip r:embed="rId2"/>
+          <a:stretch>
+            <a:fillRect/>
+          </a:stretch>
+        </p:blipFill>
+        <p:spPr>
+          <a:xfrm>
+            <a:off x="2376224" y="2209657"/>
+            <a:ext cx="3975559" cy="2007374"/>
+          </a:xfrm>
+          <a:prstGeom prst="rect">
+            <a:avLst/>
+          </a:prstGeom>
+        </p:spPr>
+      </p:pic>
+      <p:sp>
+        <p:nvSpPr>
+          <p:cNvPr id="3" name="正方形/長方形 2">
+            <a:extLst>
+              <a:ext uri="{FF2B5EF4-FFF2-40B4-BE49-F238E27FC236}">
+                <a16:creationId xmlns:a16="http://schemas.microsoft.com/office/drawing/2014/main" id="{E1C5B159-5AEB-C04E-A2DE-0C4C240D881E}"/>
+              </a:ext>
+            </a:extLst>
+          </p:cNvPr>
+          <p:cNvSpPr/>
+          <p:nvPr/>
+        </p:nvSpPr>
+        <p:spPr>
+          <a:xfrm>
+            <a:off x="6835407" y="2963008"/>
+            <a:ext cx="1621839" cy="1617230"/>
+          </a:xfrm>
+          <a:prstGeom prst="rect">
+            <a:avLst/>
+          </a:prstGeom>
+          <a:noFill/>
+          <a:ln w="19050">
+            <a:solidFill>
+              <a:schemeClr val="tx1"/>
+            </a:solidFill>
+          </a:ln>
+          <a:scene3d>
+            <a:camera prst="orthographicFront">
+              <a:rot lat="600000" lon="19199986" rev="0"/>
+            </a:camera>
+            <a:lightRig rig="threePt" dir="t"/>
+          </a:scene3d>
+        </p:spPr>
+        <p:style>
+          <a:lnRef idx="2">
+            <a:schemeClr val="accent1">
+              <a:shade val="50000"/>
+            </a:schemeClr>
+          </a:lnRef>
+          <a:fillRef idx="1">
+            <a:schemeClr val="accent1"/>
+          </a:fillRef>
+          <a:effectRef idx="0">
+            <a:schemeClr val="accent1"/>
+          </a:effectRef>
+          <a:fontRef idx="minor">
+            <a:schemeClr val="lt1"/>
+          </a:fontRef>
+        </p:style>
+        <p:txBody>
+          <a:bodyPr rtlCol="0" anchor="ctr"/>
+          <a:lstStyle/>
+          <a:p>
+            <a:pPr algn="ctr"/>
+            <a:endParaRPr kumimoji="1" lang="ja-JP" altLang="en-US"/>
+          </a:p>
+        </p:txBody>
+      </p:sp>
+      <p:cxnSp>
+        <p:nvCxnSpPr>
+          <p:cNvPr id="5" name="直線コネクタ 4">
+            <a:extLst>
+              <a:ext uri="{FF2B5EF4-FFF2-40B4-BE49-F238E27FC236}">
+                <a16:creationId xmlns:a16="http://schemas.microsoft.com/office/drawing/2014/main" id="{B0B78339-06BB-D147-9554-22AAB52C54D5}"/>
+              </a:ext>
+            </a:extLst>
+          </p:cNvPr>
+          <p:cNvCxnSpPr>
+            <a:cxnSpLocks/>
+            <a:endCxn id="6" idx="0"/>
+          </p:cNvCxnSpPr>
+          <p:nvPr/>
+        </p:nvCxnSpPr>
+        <p:spPr>
+          <a:xfrm>
+            <a:off x="3015762" y="2963008"/>
+            <a:ext cx="4686616" cy="637134"/>
+          </a:xfrm>
+          <a:prstGeom prst="line">
+            <a:avLst/>
+          </a:prstGeom>
+          <a:ln w="12700">
+            <a:solidFill>
+              <a:srgbClr val="FF0000"/>
+            </a:solidFill>
+          </a:ln>
+        </p:spPr>
+        <p:style>
+          <a:lnRef idx="1">
+            <a:schemeClr val="accent1"/>
+          </a:lnRef>
+          <a:fillRef idx="0">
+            <a:schemeClr val="accent1"/>
+          </a:fillRef>
+          <a:effectRef idx="0">
+            <a:schemeClr val="accent1"/>
+          </a:effectRef>
+          <a:fontRef idx="minor">
+            <a:schemeClr val="tx1"/>
+          </a:fontRef>
+        </p:style>
+      </p:cxnSp>
+      <p:sp>
+        <p:nvSpPr>
+          <p:cNvPr id="6" name="円/楕円 5">
+            <a:extLst>
+              <a:ext uri="{FF2B5EF4-FFF2-40B4-BE49-F238E27FC236}">
+                <a16:creationId xmlns:a16="http://schemas.microsoft.com/office/drawing/2014/main" id="{4D071914-1077-4C4E-B5CB-53F25C256A34}"/>
+              </a:ext>
+            </a:extLst>
+          </p:cNvPr>
+          <p:cNvSpPr/>
+          <p:nvPr/>
+        </p:nvSpPr>
+        <p:spPr>
+          <a:xfrm>
+            <a:off x="7494842" y="3600142"/>
+            <a:ext cx="415072" cy="427953"/>
+          </a:xfrm>
+          <a:prstGeom prst="ellipse">
+            <a:avLst/>
+          </a:prstGeom>
+          <a:noFill/>
+          <a:ln w="15875">
+            <a:solidFill>
+              <a:srgbClr val="FF0000"/>
+            </a:solidFill>
+          </a:ln>
+          <a:scene3d>
+            <a:camera prst="orthographicFront">
+              <a:rot lat="0" lon="19199985" rev="0"/>
+            </a:camera>
+            <a:lightRig rig="threePt" dir="t"/>
+          </a:scene3d>
+        </p:spPr>
+        <p:style>
+          <a:lnRef idx="2">
+            <a:schemeClr val="accent1">
+              <a:shade val="50000"/>
+            </a:schemeClr>
+          </a:lnRef>
+          <a:fillRef idx="1">
+            <a:schemeClr val="accent1"/>
+          </a:fillRef>
+          <a:effectRef idx="0">
+            <a:schemeClr val="accent1"/>
+          </a:effectRef>
+          <a:fontRef idx="minor">
+            <a:schemeClr val="lt1"/>
+          </a:fontRef>
+        </p:style>
+        <p:txBody>
+          <a:bodyPr rtlCol="0" anchor="ctr"/>
+          <a:lstStyle/>
+          <a:p>
+            <a:pPr algn="ctr"/>
+            <a:endParaRPr kumimoji="1" lang="ja-JP" altLang="en-US"/>
+          </a:p>
+        </p:txBody>
+      </p:sp>
+      <p:cxnSp>
+        <p:nvCxnSpPr>
+          <p:cNvPr id="8" name="直線コネクタ 7">
+            <a:extLst>
+              <a:ext uri="{FF2B5EF4-FFF2-40B4-BE49-F238E27FC236}">
+                <a16:creationId xmlns:a16="http://schemas.microsoft.com/office/drawing/2014/main" id="{9BC315C8-1B5A-214C-A494-BC58A2DD2885}"/>
+              </a:ext>
+            </a:extLst>
+          </p:cNvPr>
+          <p:cNvCxnSpPr>
+            <a:cxnSpLocks/>
+          </p:cNvCxnSpPr>
+          <p:nvPr/>
+        </p:nvCxnSpPr>
+        <p:spPr>
+          <a:xfrm>
+            <a:off x="3015762" y="2963008"/>
+            <a:ext cx="4686616" cy="851111"/>
+          </a:xfrm>
+          <a:prstGeom prst="line">
+            <a:avLst/>
+          </a:prstGeom>
+          <a:ln w="12700">
+            <a:solidFill>
+              <a:srgbClr val="FF0000"/>
+            </a:solidFill>
+          </a:ln>
+        </p:spPr>
+        <p:style>
+          <a:lnRef idx="1">
+            <a:schemeClr val="accent1"/>
+          </a:lnRef>
+          <a:fillRef idx="0">
+            <a:schemeClr val="accent1"/>
+          </a:fillRef>
+          <a:effectRef idx="0">
+            <a:schemeClr val="accent1"/>
+          </a:effectRef>
+          <a:fontRef idx="minor">
+            <a:schemeClr val="tx1"/>
+          </a:fontRef>
+        </p:style>
+      </p:cxnSp>
+      <p:sp>
+        <p:nvSpPr>
+          <p:cNvPr id="12" name="アーチ 11">
+            <a:extLst>
+              <a:ext uri="{FF2B5EF4-FFF2-40B4-BE49-F238E27FC236}">
+                <a16:creationId xmlns:a16="http://schemas.microsoft.com/office/drawing/2014/main" id="{2CF5C553-686A-BE48-B7E2-A75A9BB704B1}"/>
+              </a:ext>
+            </a:extLst>
+          </p:cNvPr>
+          <p:cNvSpPr/>
+          <p:nvPr/>
+        </p:nvSpPr>
+        <p:spPr>
+          <a:xfrm rot="980056">
+            <a:off x="6156751" y="3261237"/>
+            <a:ext cx="417906" cy="538760"/>
+          </a:xfrm>
+          <a:prstGeom prst="blockArc">
+            <a:avLst>
+              <a:gd name="adj1" fmla="val 19526620"/>
+              <a:gd name="adj2" fmla="val 21480308"/>
+              <a:gd name="adj3" fmla="val 0"/>
+            </a:avLst>
+          </a:prstGeom>
+          <a:solidFill>
+            <a:schemeClr val="tx1"/>
+          </a:solidFill>
+          <a:ln w="12700">
+            <a:solidFill>
+              <a:schemeClr val="tx1"/>
+            </a:solidFill>
+          </a:ln>
+        </p:spPr>
+        <p:style>
+          <a:lnRef idx="2">
+            <a:schemeClr val="accent1">
+              <a:shade val="50000"/>
+            </a:schemeClr>
+          </a:lnRef>
+          <a:fillRef idx="1">
+            <a:schemeClr val="accent1"/>
+          </a:fillRef>
+          <a:effectRef idx="0">
+            <a:schemeClr val="accent1"/>
+          </a:effectRef>
+          <a:fontRef idx="minor">
+            <a:schemeClr val="lt1"/>
+          </a:fontRef>
+        </p:style>
+        <p:txBody>
+          <a:bodyPr rtlCol="0" anchor="ctr"/>
+          <a:lstStyle/>
+          <a:p>
+            <a:pPr algn="ctr"/>
+            <a:endParaRPr kumimoji="1" lang="ja-JP" altLang="en-US">
+              <a:solidFill>
+                <a:schemeClr val="tx1"/>
+              </a:solidFill>
+            </a:endParaRPr>
+          </a:p>
+        </p:txBody>
+      </p:sp>
+      <p:sp>
+        <p:nvSpPr>
+          <p:cNvPr id="13" name="テキスト ボックス 12">
+            <a:extLst>
+              <a:ext uri="{FF2B5EF4-FFF2-40B4-BE49-F238E27FC236}">
+                <a16:creationId xmlns:a16="http://schemas.microsoft.com/office/drawing/2014/main" id="{0D744D6B-1E28-7742-AD5F-63ED22FDD268}"/>
+              </a:ext>
+            </a:extLst>
+          </p:cNvPr>
+          <p:cNvSpPr txBox="1"/>
+          <p:nvPr/>
+        </p:nvSpPr>
+        <p:spPr>
+          <a:xfrm>
+            <a:off x="6419950" y="3059668"/>
+            <a:ext cx="394660" cy="369332"/>
+          </a:xfrm>
+          <a:prstGeom prst="rect">
+            <a:avLst/>
+          </a:prstGeom>
+          <a:noFill/>
+        </p:spPr>
+        <p:txBody>
+          <a:bodyPr wrap="square" rtlCol="0">
+            <a:spAutoFit/>
+          </a:bodyPr>
+          <a:lstStyle/>
+          <a:p>
+            <a:pPr algn="ctr"/>
+            <a:r>
+              <a:rPr kumimoji="1" lang="en-US" altLang="ja-JP" dirty="0">
+                <a:latin typeface="Arial" panose="020B0604020202020204" pitchFamily="34" charset="0"/>
+                <a:cs typeface="Arial" panose="020B0604020202020204" pitchFamily="34" charset="0"/>
+              </a:rPr>
+              <a:t>1</a:t>
+            </a:r>
+            <a:r>
+              <a:rPr lang="en-US" altLang="ja-JP" dirty="0">
+                <a:latin typeface="Arial" panose="020B0604020202020204" pitchFamily="34" charset="0"/>
+                <a:cs typeface="Arial" panose="020B0604020202020204" pitchFamily="34" charset="0"/>
+              </a:rPr>
+              <a:t>″</a:t>
+            </a:r>
+            <a:endParaRPr kumimoji="1" lang="ja-JP" altLang="en-US">
+              <a:latin typeface="Arial" panose="020B0604020202020204" pitchFamily="34" charset="0"/>
+              <a:cs typeface="Arial" panose="020B0604020202020204" pitchFamily="34" charset="0"/>
+            </a:endParaRPr>
+          </a:p>
+        </p:txBody>
+      </p:sp>
+      <p:cxnSp>
+        <p:nvCxnSpPr>
+          <p:cNvPr id="16" name="直線矢印コネクタ 15">
+            <a:extLst>
+              <a:ext uri="{FF2B5EF4-FFF2-40B4-BE49-F238E27FC236}">
+                <a16:creationId xmlns:a16="http://schemas.microsoft.com/office/drawing/2014/main" id="{160F48A2-FA60-684A-9CAA-91187DD7CB75}"/>
+              </a:ext>
+            </a:extLst>
+          </p:cNvPr>
+          <p:cNvCxnSpPr>
+            <a:cxnSpLocks/>
+            <a:stCxn id="6" idx="0"/>
+            <a:endCxn id="6" idx="4"/>
+          </p:cNvCxnSpPr>
+          <p:nvPr/>
+        </p:nvCxnSpPr>
+        <p:spPr>
+          <a:xfrm>
+            <a:off x="7702378" y="3600142"/>
+            <a:ext cx="0" cy="427953"/>
+          </a:xfrm>
+          <a:prstGeom prst="straightConnector1">
+            <a:avLst/>
+          </a:prstGeom>
+          <a:ln>
+            <a:solidFill>
+              <a:schemeClr val="tx1"/>
+            </a:solidFill>
+            <a:headEnd type="triangle"/>
+            <a:tailEnd type="triangle"/>
+          </a:ln>
+        </p:spPr>
+        <p:style>
+          <a:lnRef idx="1">
+            <a:schemeClr val="accent1"/>
+          </a:lnRef>
+          <a:fillRef idx="0">
+            <a:schemeClr val="accent1"/>
+          </a:fillRef>
+          <a:effectRef idx="0">
+            <a:schemeClr val="accent1"/>
+          </a:effectRef>
+          <a:fontRef idx="minor">
+            <a:schemeClr val="tx1"/>
+          </a:fontRef>
+        </p:style>
+      </p:cxnSp>
+      <p:sp>
+        <p:nvSpPr>
+          <p:cNvPr id="35" name="テキスト ボックス 34">
+            <a:extLst>
+              <a:ext uri="{FF2B5EF4-FFF2-40B4-BE49-F238E27FC236}">
+                <a16:creationId xmlns:a16="http://schemas.microsoft.com/office/drawing/2014/main" id="{3B20D8A2-BC2F-0240-B387-0A7449983BE7}"/>
+              </a:ext>
+            </a:extLst>
+          </p:cNvPr>
+          <p:cNvSpPr txBox="1"/>
+          <p:nvPr/>
+        </p:nvSpPr>
+        <p:spPr>
+          <a:xfrm>
+            <a:off x="7627625" y="3281575"/>
+            <a:ext cx="564577" cy="307777"/>
+          </a:xfrm>
+          <a:prstGeom prst="rect">
+            <a:avLst/>
+          </a:prstGeom>
+          <a:noFill/>
+        </p:spPr>
+        <p:txBody>
+          <a:bodyPr wrap="none" rtlCol="0">
+            <a:spAutoFit/>
+          </a:bodyPr>
+          <a:lstStyle/>
+          <a:p>
+            <a:pPr algn="ctr"/>
+            <a:r>
+              <a:rPr kumimoji="1" lang="en-US" altLang="ja-JP" sz="1400" dirty="0">
+                <a:latin typeface="Arial" panose="020B0604020202020204" pitchFamily="34" charset="0"/>
+                <a:cs typeface="Arial" panose="020B0604020202020204" pitchFamily="34" charset="0"/>
+              </a:rPr>
+              <a:t>HPD</a:t>
+            </a:r>
+            <a:endParaRPr kumimoji="1" lang="ja-JP" altLang="en-US" sz="1400">
+              <a:latin typeface="Arial" panose="020B0604020202020204" pitchFamily="34" charset="0"/>
+              <a:cs typeface="Arial" panose="020B0604020202020204" pitchFamily="34" charset="0"/>
+            </a:endParaRPr>
+          </a:p>
+        </p:txBody>
+      </p:sp>
+    </p:spTree>
+    <p:extLst>
+      <p:ext uri="{BB962C8B-B14F-4D97-AF65-F5344CB8AC3E}">
+        <p14:creationId xmlns:p14="http://schemas.microsoft.com/office/powerpoint/2010/main" val="2175050719"/>
       </p:ext>
     </p:extLst>
   </p:cSld>
@@ -26829,7 +27663,7 @@
         </p:blipFill>
         <p:spPr>
           <a:xfrm>
-            <a:off x="2015740" y="2174488"/>
+            <a:off x="2024532" y="2174488"/>
             <a:ext cx="3975559" cy="2007374"/>
           </a:xfrm>
           <a:prstGeom prst="rect">

--- a/illustration/illusts.pptx
+++ b/illustration/illusts.pptx
@@ -5,7 +5,7 @@
     <p:sldMasterId id="2147483648" r:id="rId1"/>
   </p:sldMasterIdLst>
   <p:notesMasterIdLst>
-    <p:notesMasterId r:id="rId17"/>
+    <p:notesMasterId r:id="rId18"/>
   </p:notesMasterIdLst>
   <p:sldIdLst>
     <p:sldId id="266" r:id="rId2"/>
@@ -23,6 +23,7 @@
     <p:sldId id="263" r:id="rId14"/>
     <p:sldId id="272" r:id="rId15"/>
     <p:sldId id="273" r:id="rId16"/>
+    <p:sldId id="274" r:id="rId17"/>
   </p:sldIdLst>
   <p:sldSz cx="12192000" cy="6858000"/>
   <p:notesSz cx="6858000" cy="9144000"/>
@@ -211,7 +212,7 @@
           <a:p>
             <a:fld id="{3B91CE91-3241-4040-AF54-7BF47CA66737}" type="datetimeFigureOut">
               <a:rPr kumimoji="1" lang="ja-JP" altLang="en-US" smtClean="0"/>
-              <a:t>2020/12/31</a:t>
+              <a:t>2021/1/10</a:t>
             </a:fld>
             <a:endParaRPr kumimoji="1" lang="ja-JP" altLang="en-US"/>
           </a:p>
@@ -1086,7 +1087,7 @@
           <a:p>
             <a:fld id="{C245CA38-B217-504E-A0D9-BA25E637AC92}" type="datetimeFigureOut">
               <a:rPr kumimoji="1" lang="ja-JP" altLang="en-US" smtClean="0"/>
-              <a:t>2020/12/31</a:t>
+              <a:t>2021/1/10</a:t>
             </a:fld>
             <a:endParaRPr kumimoji="1" lang="ja-JP" altLang="en-US"/>
           </a:p>
@@ -1316,7 +1317,7 @@
           <a:p>
             <a:fld id="{C245CA38-B217-504E-A0D9-BA25E637AC92}" type="datetimeFigureOut">
               <a:rPr kumimoji="1" lang="ja-JP" altLang="en-US" smtClean="0"/>
-              <a:t>2020/12/31</a:t>
+              <a:t>2021/1/10</a:t>
             </a:fld>
             <a:endParaRPr kumimoji="1" lang="ja-JP" altLang="en-US"/>
           </a:p>
@@ -1556,7 +1557,7 @@
           <a:p>
             <a:fld id="{C245CA38-B217-504E-A0D9-BA25E637AC92}" type="datetimeFigureOut">
               <a:rPr kumimoji="1" lang="ja-JP" altLang="en-US" smtClean="0"/>
-              <a:t>2020/12/31</a:t>
+              <a:t>2021/1/10</a:t>
             </a:fld>
             <a:endParaRPr kumimoji="1" lang="ja-JP" altLang="en-US"/>
           </a:p>
@@ -1786,7 +1787,7 @@
           <a:p>
             <a:fld id="{C245CA38-B217-504E-A0D9-BA25E637AC92}" type="datetimeFigureOut">
               <a:rPr kumimoji="1" lang="ja-JP" altLang="en-US" smtClean="0"/>
-              <a:t>2020/12/31</a:t>
+              <a:t>2021/1/10</a:t>
             </a:fld>
             <a:endParaRPr kumimoji="1" lang="ja-JP" altLang="en-US"/>
           </a:p>
@@ -2061,7 +2062,7 @@
           <a:p>
             <a:fld id="{C245CA38-B217-504E-A0D9-BA25E637AC92}" type="datetimeFigureOut">
               <a:rPr kumimoji="1" lang="ja-JP" altLang="en-US" smtClean="0"/>
-              <a:t>2020/12/31</a:t>
+              <a:t>2021/1/10</a:t>
             </a:fld>
             <a:endParaRPr kumimoji="1" lang="ja-JP" altLang="en-US"/>
           </a:p>
@@ -2390,7 +2391,7 @@
           <a:p>
             <a:fld id="{C245CA38-B217-504E-A0D9-BA25E637AC92}" type="datetimeFigureOut">
               <a:rPr kumimoji="1" lang="ja-JP" altLang="en-US" smtClean="0"/>
-              <a:t>2020/12/31</a:t>
+              <a:t>2021/1/10</a:t>
             </a:fld>
             <a:endParaRPr kumimoji="1" lang="ja-JP" altLang="en-US"/>
           </a:p>
@@ -2866,7 +2867,7 @@
           <a:p>
             <a:fld id="{C245CA38-B217-504E-A0D9-BA25E637AC92}" type="datetimeFigureOut">
               <a:rPr kumimoji="1" lang="ja-JP" altLang="en-US" smtClean="0"/>
-              <a:t>2020/12/31</a:t>
+              <a:t>2021/1/10</a:t>
             </a:fld>
             <a:endParaRPr kumimoji="1" lang="ja-JP" altLang="en-US"/>
           </a:p>
@@ -3007,7 +3008,7 @@
           <a:p>
             <a:fld id="{C245CA38-B217-504E-A0D9-BA25E637AC92}" type="datetimeFigureOut">
               <a:rPr kumimoji="1" lang="ja-JP" altLang="en-US" smtClean="0"/>
-              <a:t>2020/12/31</a:t>
+              <a:t>2021/1/10</a:t>
             </a:fld>
             <a:endParaRPr kumimoji="1" lang="ja-JP" altLang="en-US"/>
           </a:p>
@@ -3120,7 +3121,7 @@
           <a:p>
             <a:fld id="{C245CA38-B217-504E-A0D9-BA25E637AC92}" type="datetimeFigureOut">
               <a:rPr kumimoji="1" lang="ja-JP" altLang="en-US" smtClean="0"/>
-              <a:t>2020/12/31</a:t>
+              <a:t>2021/1/10</a:t>
             </a:fld>
             <a:endParaRPr kumimoji="1" lang="ja-JP" altLang="en-US"/>
           </a:p>
@@ -3463,7 +3464,7 @@
           <a:p>
             <a:fld id="{C245CA38-B217-504E-A0D9-BA25E637AC92}" type="datetimeFigureOut">
               <a:rPr kumimoji="1" lang="ja-JP" altLang="en-US" smtClean="0"/>
-              <a:t>2020/12/31</a:t>
+              <a:t>2021/1/10</a:t>
             </a:fld>
             <a:endParaRPr kumimoji="1" lang="ja-JP" altLang="en-US"/>
           </a:p>
@@ -3751,7 +3752,7 @@
           <a:p>
             <a:fld id="{C245CA38-B217-504E-A0D9-BA25E637AC92}" type="datetimeFigureOut">
               <a:rPr kumimoji="1" lang="ja-JP" altLang="en-US" smtClean="0"/>
-              <a:t>2020/12/31</a:t>
+              <a:t>2021/1/10</a:t>
             </a:fld>
             <a:endParaRPr kumimoji="1" lang="ja-JP" altLang="en-US"/>
           </a:p>
@@ -4024,7 +4025,7 @@
           <a:p>
             <a:fld id="{C245CA38-B217-504E-A0D9-BA25E637AC92}" type="datetimeFigureOut">
               <a:rPr kumimoji="1" lang="ja-JP" altLang="en-US" smtClean="0"/>
-              <a:t>2020/12/31</a:t>
+              <a:t>2021/1/10</a:t>
             </a:fld>
             <a:endParaRPr kumimoji="1" lang="ja-JP" altLang="en-US"/>
           </a:p>
@@ -17554,6 +17555,852 @@
 </p:sld>
 </file>
 
+<file path=ppt/slides/slide16.xml><?xml version="1.0" encoding="utf-8"?>
+<p:sld xmlns:a="http://schemas.openxmlformats.org/drawingml/2006/main" xmlns:r="http://schemas.openxmlformats.org/officeDocument/2006/relationships" xmlns:p="http://schemas.openxmlformats.org/presentationml/2006/main">
+  <p:cSld>
+    <p:spTree>
+      <p:nvGrpSpPr>
+        <p:cNvPr id="1" name=""/>
+        <p:cNvGrpSpPr/>
+        <p:nvPr/>
+      </p:nvGrpSpPr>
+      <p:grpSpPr>
+        <a:xfrm>
+          <a:off x="0" y="0"/>
+          <a:ext cx="0" cy="0"/>
+          <a:chOff x="0" y="0"/>
+          <a:chExt cx="0" cy="0"/>
+        </a:xfrm>
+      </p:grpSpPr>
+      <p:cxnSp>
+        <p:nvCxnSpPr>
+          <p:cNvPr id="3" name="直線コネクタ 2">
+            <a:extLst>
+              <a:ext uri="{FF2B5EF4-FFF2-40B4-BE49-F238E27FC236}">
+                <a16:creationId xmlns:a16="http://schemas.microsoft.com/office/drawing/2014/main" id="{8D788856-D4D5-8245-96BF-38A1487B8EA3}"/>
+              </a:ext>
+            </a:extLst>
+          </p:cNvPr>
+          <p:cNvCxnSpPr>
+            <a:cxnSpLocks/>
+          </p:cNvCxnSpPr>
+          <p:nvPr/>
+        </p:nvCxnSpPr>
+        <p:spPr>
+          <a:xfrm>
+            <a:off x="1126054" y="1817610"/>
+            <a:ext cx="2542582" cy="672481"/>
+          </a:xfrm>
+          <a:prstGeom prst="line">
+            <a:avLst/>
+          </a:prstGeom>
+          <a:ln w="44450">
+            <a:solidFill>
+              <a:schemeClr val="tx1"/>
+            </a:solidFill>
+          </a:ln>
+        </p:spPr>
+        <p:style>
+          <a:lnRef idx="1">
+            <a:schemeClr val="accent1"/>
+          </a:lnRef>
+          <a:fillRef idx="0">
+            <a:schemeClr val="accent1"/>
+          </a:fillRef>
+          <a:effectRef idx="0">
+            <a:schemeClr val="accent1"/>
+          </a:effectRef>
+          <a:fontRef idx="minor">
+            <a:schemeClr val="tx1"/>
+          </a:fontRef>
+        </p:style>
+      </p:cxnSp>
+      <p:cxnSp>
+        <p:nvCxnSpPr>
+          <p:cNvPr id="6" name="直線コネクタ 5">
+            <a:extLst>
+              <a:ext uri="{FF2B5EF4-FFF2-40B4-BE49-F238E27FC236}">
+                <a16:creationId xmlns:a16="http://schemas.microsoft.com/office/drawing/2014/main" id="{2D549BCA-7DD3-5540-AE50-F57A16F973D0}"/>
+              </a:ext>
+            </a:extLst>
+          </p:cNvPr>
+          <p:cNvCxnSpPr>
+            <a:cxnSpLocks/>
+          </p:cNvCxnSpPr>
+          <p:nvPr/>
+        </p:nvCxnSpPr>
+        <p:spPr>
+          <a:xfrm>
+            <a:off x="3668636" y="2490091"/>
+            <a:ext cx="1715100" cy="1349503"/>
+          </a:xfrm>
+          <a:prstGeom prst="line">
+            <a:avLst/>
+          </a:prstGeom>
+          <a:ln w="44450">
+            <a:solidFill>
+              <a:schemeClr val="tx1"/>
+            </a:solidFill>
+          </a:ln>
+        </p:spPr>
+        <p:style>
+          <a:lnRef idx="1">
+            <a:schemeClr val="accent1"/>
+          </a:lnRef>
+          <a:fillRef idx="0">
+            <a:schemeClr val="accent1"/>
+          </a:fillRef>
+          <a:effectRef idx="0">
+            <a:schemeClr val="accent1"/>
+          </a:effectRef>
+          <a:fontRef idx="minor">
+            <a:schemeClr val="tx1"/>
+          </a:fontRef>
+        </p:style>
+      </p:cxnSp>
+      <p:cxnSp>
+        <p:nvCxnSpPr>
+          <p:cNvPr id="8" name="直線コネクタ 7">
+            <a:extLst>
+              <a:ext uri="{FF2B5EF4-FFF2-40B4-BE49-F238E27FC236}">
+                <a16:creationId xmlns:a16="http://schemas.microsoft.com/office/drawing/2014/main" id="{EB31BF87-6CCB-6D4E-97A9-E0229BCDC3CE}"/>
+              </a:ext>
+            </a:extLst>
+          </p:cNvPr>
+          <p:cNvCxnSpPr>
+            <a:cxnSpLocks/>
+          </p:cNvCxnSpPr>
+          <p:nvPr/>
+        </p:nvCxnSpPr>
+        <p:spPr>
+          <a:xfrm>
+            <a:off x="1126054" y="2153850"/>
+            <a:ext cx="1280102" cy="6120"/>
+          </a:xfrm>
+          <a:prstGeom prst="line">
+            <a:avLst/>
+          </a:prstGeom>
+          <a:ln w="50800">
+            <a:solidFill>
+              <a:srgbClr val="FF0000"/>
+            </a:solidFill>
+          </a:ln>
+        </p:spPr>
+        <p:style>
+          <a:lnRef idx="1">
+            <a:schemeClr val="accent1"/>
+          </a:lnRef>
+          <a:fillRef idx="0">
+            <a:schemeClr val="accent1"/>
+          </a:fillRef>
+          <a:effectRef idx="0">
+            <a:schemeClr val="accent1"/>
+          </a:effectRef>
+          <a:fontRef idx="minor">
+            <a:schemeClr val="tx1"/>
+          </a:fontRef>
+        </p:style>
+      </p:cxnSp>
+      <p:cxnSp>
+        <p:nvCxnSpPr>
+          <p:cNvPr id="10" name="直線コネクタ 9">
+            <a:extLst>
+              <a:ext uri="{FF2B5EF4-FFF2-40B4-BE49-F238E27FC236}">
+                <a16:creationId xmlns:a16="http://schemas.microsoft.com/office/drawing/2014/main" id="{9CAC823C-6899-6847-8A63-DF7D7314527D}"/>
+              </a:ext>
+            </a:extLst>
+          </p:cNvPr>
+          <p:cNvCxnSpPr>
+            <a:cxnSpLocks/>
+          </p:cNvCxnSpPr>
+          <p:nvPr/>
+        </p:nvCxnSpPr>
+        <p:spPr>
+          <a:xfrm>
+            <a:off x="2405957" y="2179714"/>
+            <a:ext cx="2307870" cy="1141002"/>
+          </a:xfrm>
+          <a:prstGeom prst="line">
+            <a:avLst/>
+          </a:prstGeom>
+          <a:ln w="50800">
+            <a:solidFill>
+              <a:srgbClr val="FF0000"/>
+            </a:solidFill>
+          </a:ln>
+        </p:spPr>
+        <p:style>
+          <a:lnRef idx="1">
+            <a:schemeClr val="accent1"/>
+          </a:lnRef>
+          <a:fillRef idx="0">
+            <a:schemeClr val="accent1"/>
+          </a:fillRef>
+          <a:effectRef idx="0">
+            <a:schemeClr val="accent1"/>
+          </a:effectRef>
+          <a:fontRef idx="minor">
+            <a:schemeClr val="tx1"/>
+          </a:fontRef>
+        </p:style>
+      </p:cxnSp>
+      <p:cxnSp>
+        <p:nvCxnSpPr>
+          <p:cNvPr id="15" name="直線コネクタ 14">
+            <a:extLst>
+              <a:ext uri="{FF2B5EF4-FFF2-40B4-BE49-F238E27FC236}">
+                <a16:creationId xmlns:a16="http://schemas.microsoft.com/office/drawing/2014/main" id="{D4F085A1-D185-BE47-BA8C-95A4A6A749B8}"/>
+              </a:ext>
+            </a:extLst>
+          </p:cNvPr>
+          <p:cNvCxnSpPr>
+            <a:cxnSpLocks/>
+          </p:cNvCxnSpPr>
+          <p:nvPr/>
+        </p:nvCxnSpPr>
+        <p:spPr>
+          <a:xfrm>
+            <a:off x="4692082" y="3301864"/>
+            <a:ext cx="903705" cy="1564105"/>
+          </a:xfrm>
+          <a:prstGeom prst="line">
+            <a:avLst/>
+          </a:prstGeom>
+          <a:ln w="50800">
+            <a:solidFill>
+              <a:srgbClr val="FF0000"/>
+            </a:solidFill>
+          </a:ln>
+        </p:spPr>
+        <p:style>
+          <a:lnRef idx="1">
+            <a:schemeClr val="accent1"/>
+          </a:lnRef>
+          <a:fillRef idx="0">
+            <a:schemeClr val="accent1"/>
+          </a:fillRef>
+          <a:effectRef idx="0">
+            <a:schemeClr val="accent1"/>
+          </a:effectRef>
+          <a:fontRef idx="minor">
+            <a:schemeClr val="tx1"/>
+          </a:fontRef>
+        </p:style>
+      </p:cxnSp>
+      <p:cxnSp>
+        <p:nvCxnSpPr>
+          <p:cNvPr id="39" name="直線コネクタ 38">
+            <a:extLst>
+              <a:ext uri="{FF2B5EF4-FFF2-40B4-BE49-F238E27FC236}">
+                <a16:creationId xmlns:a16="http://schemas.microsoft.com/office/drawing/2014/main" id="{179DE9B3-E6A2-8B4B-A363-BCFD963D8D0B}"/>
+              </a:ext>
+            </a:extLst>
+          </p:cNvPr>
+          <p:cNvCxnSpPr>
+            <a:cxnSpLocks/>
+          </p:cNvCxnSpPr>
+          <p:nvPr/>
+        </p:nvCxnSpPr>
+        <p:spPr>
+          <a:xfrm>
+            <a:off x="6494292" y="1930642"/>
+            <a:ext cx="2461460" cy="926371"/>
+          </a:xfrm>
+          <a:prstGeom prst="line">
+            <a:avLst/>
+          </a:prstGeom>
+          <a:ln w="44450">
+            <a:solidFill>
+              <a:schemeClr val="tx1"/>
+            </a:solidFill>
+          </a:ln>
+        </p:spPr>
+        <p:style>
+          <a:lnRef idx="1">
+            <a:schemeClr val="accent1"/>
+          </a:lnRef>
+          <a:fillRef idx="0">
+            <a:schemeClr val="accent1"/>
+          </a:fillRef>
+          <a:effectRef idx="0">
+            <a:schemeClr val="accent1"/>
+          </a:effectRef>
+          <a:fontRef idx="minor">
+            <a:schemeClr val="tx1"/>
+          </a:fontRef>
+        </p:style>
+      </p:cxnSp>
+      <p:cxnSp>
+        <p:nvCxnSpPr>
+          <p:cNvPr id="40" name="直線コネクタ 39">
+            <a:extLst>
+              <a:ext uri="{FF2B5EF4-FFF2-40B4-BE49-F238E27FC236}">
+                <a16:creationId xmlns:a16="http://schemas.microsoft.com/office/drawing/2014/main" id="{1F657ED4-457E-D046-BB3F-657EAC3BE121}"/>
+              </a:ext>
+            </a:extLst>
+          </p:cNvPr>
+          <p:cNvCxnSpPr>
+            <a:cxnSpLocks/>
+          </p:cNvCxnSpPr>
+          <p:nvPr/>
+        </p:nvCxnSpPr>
+        <p:spPr>
+          <a:xfrm>
+            <a:off x="8955753" y="2857013"/>
+            <a:ext cx="1569704" cy="1516165"/>
+          </a:xfrm>
+          <a:prstGeom prst="line">
+            <a:avLst/>
+          </a:prstGeom>
+          <a:ln w="44450">
+            <a:solidFill>
+              <a:schemeClr val="tx1"/>
+            </a:solidFill>
+          </a:ln>
+        </p:spPr>
+        <p:style>
+          <a:lnRef idx="1">
+            <a:schemeClr val="accent1"/>
+          </a:lnRef>
+          <a:fillRef idx="0">
+            <a:schemeClr val="accent1"/>
+          </a:fillRef>
+          <a:effectRef idx="0">
+            <a:schemeClr val="accent1"/>
+          </a:effectRef>
+          <a:fontRef idx="minor">
+            <a:schemeClr val="tx1"/>
+          </a:fontRef>
+        </p:style>
+      </p:cxnSp>
+      <p:cxnSp>
+        <p:nvCxnSpPr>
+          <p:cNvPr id="41" name="直線コネクタ 40">
+            <a:extLst>
+              <a:ext uri="{FF2B5EF4-FFF2-40B4-BE49-F238E27FC236}">
+                <a16:creationId xmlns:a16="http://schemas.microsoft.com/office/drawing/2014/main" id="{7AAA1EA4-8763-6E45-9F60-DD0C0A594816}"/>
+              </a:ext>
+            </a:extLst>
+          </p:cNvPr>
+          <p:cNvCxnSpPr>
+            <a:cxnSpLocks/>
+          </p:cNvCxnSpPr>
+          <p:nvPr/>
+        </p:nvCxnSpPr>
+        <p:spPr>
+          <a:xfrm>
+            <a:off x="6562677" y="2400807"/>
+            <a:ext cx="1170491" cy="0"/>
+          </a:xfrm>
+          <a:prstGeom prst="line">
+            <a:avLst/>
+          </a:prstGeom>
+          <a:ln w="50800">
+            <a:solidFill>
+              <a:srgbClr val="FF0000"/>
+            </a:solidFill>
+          </a:ln>
+        </p:spPr>
+        <p:style>
+          <a:lnRef idx="1">
+            <a:schemeClr val="accent1"/>
+          </a:lnRef>
+          <a:fillRef idx="0">
+            <a:schemeClr val="accent1"/>
+          </a:fillRef>
+          <a:effectRef idx="0">
+            <a:schemeClr val="accent1"/>
+          </a:effectRef>
+          <a:fontRef idx="minor">
+            <a:schemeClr val="tx1"/>
+          </a:fontRef>
+        </p:style>
+      </p:cxnSp>
+      <p:cxnSp>
+        <p:nvCxnSpPr>
+          <p:cNvPr id="42" name="直線コネクタ 41">
+            <a:extLst>
+              <a:ext uri="{FF2B5EF4-FFF2-40B4-BE49-F238E27FC236}">
+                <a16:creationId xmlns:a16="http://schemas.microsoft.com/office/drawing/2014/main" id="{86716CB4-F81C-0740-9065-5D1E4AFA3DC8}"/>
+              </a:ext>
+            </a:extLst>
+          </p:cNvPr>
+          <p:cNvCxnSpPr>
+            <a:cxnSpLocks/>
+          </p:cNvCxnSpPr>
+          <p:nvPr/>
+        </p:nvCxnSpPr>
+        <p:spPr>
+          <a:xfrm>
+            <a:off x="7730972" y="2420430"/>
+            <a:ext cx="2180534" cy="1368730"/>
+          </a:xfrm>
+          <a:prstGeom prst="line">
+            <a:avLst/>
+          </a:prstGeom>
+          <a:ln w="50800">
+            <a:solidFill>
+              <a:srgbClr val="FF0000"/>
+            </a:solidFill>
+          </a:ln>
+        </p:spPr>
+        <p:style>
+          <a:lnRef idx="1">
+            <a:schemeClr val="accent1"/>
+          </a:lnRef>
+          <a:fillRef idx="0">
+            <a:schemeClr val="accent1"/>
+          </a:fillRef>
+          <a:effectRef idx="0">
+            <a:schemeClr val="accent1"/>
+          </a:effectRef>
+          <a:fontRef idx="minor">
+            <a:schemeClr val="tx1"/>
+          </a:fontRef>
+        </p:style>
+      </p:cxnSp>
+      <p:cxnSp>
+        <p:nvCxnSpPr>
+          <p:cNvPr id="43" name="直線コネクタ 42">
+            <a:extLst>
+              <a:ext uri="{FF2B5EF4-FFF2-40B4-BE49-F238E27FC236}">
+                <a16:creationId xmlns:a16="http://schemas.microsoft.com/office/drawing/2014/main" id="{BF1F6F4A-003A-4449-B279-3E216FEA47F1}"/>
+              </a:ext>
+            </a:extLst>
+          </p:cNvPr>
+          <p:cNvCxnSpPr>
+            <a:cxnSpLocks/>
+          </p:cNvCxnSpPr>
+          <p:nvPr/>
+        </p:nvCxnSpPr>
+        <p:spPr>
+          <a:xfrm>
+            <a:off x="9886623" y="3732579"/>
+            <a:ext cx="663717" cy="1281198"/>
+          </a:xfrm>
+          <a:prstGeom prst="line">
+            <a:avLst/>
+          </a:prstGeom>
+          <a:ln w="50800">
+            <a:solidFill>
+              <a:srgbClr val="FF0000"/>
+            </a:solidFill>
+          </a:ln>
+        </p:spPr>
+        <p:style>
+          <a:lnRef idx="1">
+            <a:schemeClr val="accent1"/>
+          </a:lnRef>
+          <a:fillRef idx="0">
+            <a:schemeClr val="accent1"/>
+          </a:fillRef>
+          <a:effectRef idx="0">
+            <a:schemeClr val="accent1"/>
+          </a:effectRef>
+          <a:fontRef idx="minor">
+            <a:schemeClr val="tx1"/>
+          </a:fontRef>
+        </p:style>
+      </p:cxnSp>
+      <p:cxnSp>
+        <p:nvCxnSpPr>
+          <p:cNvPr id="51" name="直線コネクタ 50">
+            <a:extLst>
+              <a:ext uri="{FF2B5EF4-FFF2-40B4-BE49-F238E27FC236}">
+                <a16:creationId xmlns:a16="http://schemas.microsoft.com/office/drawing/2014/main" id="{BEF1FBEE-D441-AE4A-BE0C-4CA265813877}"/>
+              </a:ext>
+            </a:extLst>
+          </p:cNvPr>
+          <p:cNvCxnSpPr>
+            <a:cxnSpLocks/>
+          </p:cNvCxnSpPr>
+          <p:nvPr/>
+        </p:nvCxnSpPr>
+        <p:spPr>
+          <a:xfrm>
+            <a:off x="1126054" y="1793116"/>
+            <a:ext cx="1833714" cy="0"/>
+          </a:xfrm>
+          <a:prstGeom prst="line">
+            <a:avLst/>
+          </a:prstGeom>
+          <a:ln w="22225">
+            <a:solidFill>
+              <a:schemeClr val="tx1">
+                <a:lumMod val="50000"/>
+                <a:lumOff val="50000"/>
+              </a:schemeClr>
+            </a:solidFill>
+            <a:prstDash val="sysDash"/>
+          </a:ln>
+        </p:spPr>
+        <p:style>
+          <a:lnRef idx="1">
+            <a:schemeClr val="accent1"/>
+          </a:lnRef>
+          <a:fillRef idx="0">
+            <a:schemeClr val="accent1"/>
+          </a:fillRef>
+          <a:effectRef idx="0">
+            <a:schemeClr val="accent1"/>
+          </a:effectRef>
+          <a:fontRef idx="minor">
+            <a:schemeClr val="tx1"/>
+          </a:fontRef>
+        </p:style>
+      </p:cxnSp>
+      <p:cxnSp>
+        <p:nvCxnSpPr>
+          <p:cNvPr id="54" name="直線コネクタ 53">
+            <a:extLst>
+              <a:ext uri="{FF2B5EF4-FFF2-40B4-BE49-F238E27FC236}">
+                <a16:creationId xmlns:a16="http://schemas.microsoft.com/office/drawing/2014/main" id="{137D6892-8CC8-F44C-BEBE-A775EF8048DC}"/>
+              </a:ext>
+            </a:extLst>
+          </p:cNvPr>
+          <p:cNvCxnSpPr>
+            <a:cxnSpLocks/>
+          </p:cNvCxnSpPr>
+          <p:nvPr/>
+        </p:nvCxnSpPr>
+        <p:spPr>
+          <a:xfrm>
+            <a:off x="3668636" y="2490091"/>
+            <a:ext cx="1898873" cy="481709"/>
+          </a:xfrm>
+          <a:prstGeom prst="line">
+            <a:avLst/>
+          </a:prstGeom>
+          <a:ln w="22225">
+            <a:solidFill>
+              <a:schemeClr val="tx1">
+                <a:lumMod val="50000"/>
+                <a:lumOff val="50000"/>
+              </a:schemeClr>
+            </a:solidFill>
+            <a:prstDash val="sysDash"/>
+          </a:ln>
+        </p:spPr>
+        <p:style>
+          <a:lnRef idx="1">
+            <a:schemeClr val="accent1"/>
+          </a:lnRef>
+          <a:fillRef idx="0">
+            <a:schemeClr val="accent1"/>
+          </a:fillRef>
+          <a:effectRef idx="0">
+            <a:schemeClr val="accent1"/>
+          </a:effectRef>
+          <a:fontRef idx="minor">
+            <a:schemeClr val="tx1"/>
+          </a:fontRef>
+        </p:style>
+      </p:cxnSp>
+      <p:sp>
+        <p:nvSpPr>
+          <p:cNvPr id="57" name="フリーフォーム 56">
+            <a:extLst>
+              <a:ext uri="{FF2B5EF4-FFF2-40B4-BE49-F238E27FC236}">
+                <a16:creationId xmlns:a16="http://schemas.microsoft.com/office/drawing/2014/main" id="{08C65726-9FAF-E24A-9B7E-C6828DDC3420}"/>
+              </a:ext>
+            </a:extLst>
+          </p:cNvPr>
+          <p:cNvSpPr/>
+          <p:nvPr/>
+        </p:nvSpPr>
+        <p:spPr>
+          <a:xfrm>
+            <a:off x="1968349" y="1791069"/>
+            <a:ext cx="140696" cy="249303"/>
+          </a:xfrm>
+          <a:custGeom>
+            <a:avLst/>
+            <a:gdLst>
+              <a:gd name="connsiteX0" fmla="*/ 0 w 37071"/>
+              <a:gd name="connsiteY0" fmla="*/ 0 h 123567"/>
+              <a:gd name="connsiteX1" fmla="*/ 24714 w 37071"/>
+              <a:gd name="connsiteY1" fmla="*/ 86497 h 123567"/>
+              <a:gd name="connsiteX2" fmla="*/ 37071 w 37071"/>
+              <a:gd name="connsiteY2" fmla="*/ 123567 h 123567"/>
+              <a:gd name="connsiteX0" fmla="*/ 0 w 37071"/>
+              <a:gd name="connsiteY0" fmla="*/ 0 h 123567"/>
+              <a:gd name="connsiteX1" fmla="*/ 37071 w 37071"/>
+              <a:gd name="connsiteY1" fmla="*/ 123567 h 123567"/>
+              <a:gd name="connsiteX0" fmla="*/ 70856 w 70856"/>
+              <a:gd name="connsiteY0" fmla="*/ 0 h 132259"/>
+              <a:gd name="connsiteX1" fmla="*/ 0 w 70856"/>
+              <a:gd name="connsiteY1" fmla="*/ 132259 h 132259"/>
+              <a:gd name="connsiteX0" fmla="*/ 5945 w 5945"/>
+              <a:gd name="connsiteY0" fmla="*/ 0 h 19748"/>
+              <a:gd name="connsiteX1" fmla="*/ 0 w 5945"/>
+              <a:gd name="connsiteY1" fmla="*/ 19748 h 19748"/>
+              <a:gd name="connsiteX0" fmla="*/ 10000 w 10000"/>
+              <a:gd name="connsiteY0" fmla="*/ 0 h 10000"/>
+              <a:gd name="connsiteX1" fmla="*/ 0 w 10000"/>
+              <a:gd name="connsiteY1" fmla="*/ 10000 h 10000"/>
+              <a:gd name="connsiteX0" fmla="*/ 10000 w 10000"/>
+              <a:gd name="connsiteY0" fmla="*/ 0 h 10000"/>
+              <a:gd name="connsiteX1" fmla="*/ 0 w 10000"/>
+              <a:gd name="connsiteY1" fmla="*/ 10000 h 10000"/>
+            </a:gdLst>
+            <a:ahLst/>
+            <a:cxnLst>
+              <a:cxn ang="0">
+                <a:pos x="connsiteX0" y="connsiteY0"/>
+              </a:cxn>
+              <a:cxn ang="0">
+                <a:pos x="connsiteX1" y="connsiteY1"/>
+              </a:cxn>
+            </a:cxnLst>
+            <a:rect l="l" t="t" r="r" b="b"/>
+            <a:pathLst>
+              <a:path w="10000" h="10000">
+                <a:moveTo>
+                  <a:pt x="10000" y="0"/>
+                </a:moveTo>
+                <a:cubicBezTo>
+                  <a:pt x="7967" y="5534"/>
+                  <a:pt x="7666" y="6667"/>
+                  <a:pt x="0" y="10000"/>
+                </a:cubicBezTo>
+              </a:path>
+            </a:pathLst>
+          </a:custGeom>
+          <a:noFill/>
+          <a:ln w="25400">
+            <a:solidFill>
+              <a:schemeClr val="tx1"/>
+            </a:solidFill>
+          </a:ln>
+        </p:spPr>
+        <p:style>
+          <a:lnRef idx="2">
+            <a:schemeClr val="accent1">
+              <a:shade val="50000"/>
+            </a:schemeClr>
+          </a:lnRef>
+          <a:fillRef idx="1">
+            <a:schemeClr val="accent1"/>
+          </a:fillRef>
+          <a:effectRef idx="0">
+            <a:schemeClr val="accent1"/>
+          </a:effectRef>
+          <a:fontRef idx="minor">
+            <a:schemeClr val="lt1"/>
+          </a:fontRef>
+        </p:style>
+        <p:txBody>
+          <a:bodyPr rtlCol="0" anchor="ctr"/>
+          <a:lstStyle/>
+          <a:p>
+            <a:pPr algn="ctr"/>
+            <a:endParaRPr kumimoji="1" lang="ja-JP" altLang="en-US"/>
+          </a:p>
+        </p:txBody>
+      </p:sp>
+      <p:sp>
+        <p:nvSpPr>
+          <p:cNvPr id="58" name="テキスト ボックス 57">
+            <a:extLst>
+              <a:ext uri="{FF2B5EF4-FFF2-40B4-BE49-F238E27FC236}">
+                <a16:creationId xmlns:a16="http://schemas.microsoft.com/office/drawing/2014/main" id="{2077D1CB-F4BD-554D-AE5F-18FDD9A99F53}"/>
+              </a:ext>
+            </a:extLst>
+          </p:cNvPr>
+          <p:cNvSpPr txBox="1"/>
+          <p:nvPr/>
+        </p:nvSpPr>
+        <p:spPr>
+          <a:xfrm>
+            <a:off x="2391997" y="1592554"/>
+            <a:ext cx="389850" cy="646331"/>
+          </a:xfrm>
+          <a:prstGeom prst="rect">
+            <a:avLst/>
+          </a:prstGeom>
+          <a:noFill/>
+        </p:spPr>
+        <p:txBody>
+          <a:bodyPr wrap="none" rtlCol="0">
+            <a:spAutoFit/>
+          </a:bodyPr>
+          <a:lstStyle/>
+          <a:p>
+            <a:r>
+              <a:rPr kumimoji="1" lang="en-US" altLang="ja-JP" sz="3600" dirty="0">
+                <a:latin typeface="Times New Roman" panose="02020603050405020304" pitchFamily="18" charset="0"/>
+                <a:cs typeface="Times New Roman" panose="02020603050405020304" pitchFamily="18" charset="0"/>
+              </a:rPr>
+              <a:t>a</a:t>
+            </a:r>
+            <a:endParaRPr kumimoji="1" lang="ja-JP" altLang="en-US" sz="3600">
+              <a:latin typeface="Times New Roman" panose="02020603050405020304" pitchFamily="18" charset="0"/>
+              <a:cs typeface="Times New Roman" panose="02020603050405020304" pitchFamily="18" charset="0"/>
+            </a:endParaRPr>
+          </a:p>
+        </p:txBody>
+      </p:sp>
+      <p:sp>
+        <p:nvSpPr>
+          <p:cNvPr id="59" name="フリーフォーム 58">
+            <a:extLst>
+              <a:ext uri="{FF2B5EF4-FFF2-40B4-BE49-F238E27FC236}">
+                <a16:creationId xmlns:a16="http://schemas.microsoft.com/office/drawing/2014/main" id="{36B41DA9-73AD-0D4B-896A-0393CA906F5A}"/>
+              </a:ext>
+            </a:extLst>
+          </p:cNvPr>
+          <p:cNvSpPr/>
+          <p:nvPr/>
+        </p:nvSpPr>
+        <p:spPr>
+          <a:xfrm>
+            <a:off x="4270636" y="2708362"/>
+            <a:ext cx="206682" cy="263438"/>
+          </a:xfrm>
+          <a:custGeom>
+            <a:avLst/>
+            <a:gdLst>
+              <a:gd name="connsiteX0" fmla="*/ 0 w 37071"/>
+              <a:gd name="connsiteY0" fmla="*/ 0 h 123567"/>
+              <a:gd name="connsiteX1" fmla="*/ 24714 w 37071"/>
+              <a:gd name="connsiteY1" fmla="*/ 86497 h 123567"/>
+              <a:gd name="connsiteX2" fmla="*/ 37071 w 37071"/>
+              <a:gd name="connsiteY2" fmla="*/ 123567 h 123567"/>
+              <a:gd name="connsiteX0" fmla="*/ 0 w 37071"/>
+              <a:gd name="connsiteY0" fmla="*/ 0 h 123567"/>
+              <a:gd name="connsiteX1" fmla="*/ 37071 w 37071"/>
+              <a:gd name="connsiteY1" fmla="*/ 123567 h 123567"/>
+              <a:gd name="connsiteX0" fmla="*/ 70856 w 70856"/>
+              <a:gd name="connsiteY0" fmla="*/ 0 h 132259"/>
+              <a:gd name="connsiteX1" fmla="*/ 0 w 70856"/>
+              <a:gd name="connsiteY1" fmla="*/ 132259 h 132259"/>
+              <a:gd name="connsiteX0" fmla="*/ 5945 w 5945"/>
+              <a:gd name="connsiteY0" fmla="*/ 0 h 19748"/>
+              <a:gd name="connsiteX1" fmla="*/ 0 w 5945"/>
+              <a:gd name="connsiteY1" fmla="*/ 19748 h 19748"/>
+              <a:gd name="connsiteX0" fmla="*/ 10000 w 10000"/>
+              <a:gd name="connsiteY0" fmla="*/ 0 h 10000"/>
+              <a:gd name="connsiteX1" fmla="*/ 0 w 10000"/>
+              <a:gd name="connsiteY1" fmla="*/ 10000 h 10000"/>
+              <a:gd name="connsiteX0" fmla="*/ 10000 w 10000"/>
+              <a:gd name="connsiteY0" fmla="*/ 0 h 10000"/>
+              <a:gd name="connsiteX1" fmla="*/ 0 w 10000"/>
+              <a:gd name="connsiteY1" fmla="*/ 10000 h 10000"/>
+              <a:gd name="connsiteX0" fmla="*/ 14690 w 14690"/>
+              <a:gd name="connsiteY0" fmla="*/ 0 h 10567"/>
+              <a:gd name="connsiteX1" fmla="*/ 0 w 14690"/>
+              <a:gd name="connsiteY1" fmla="*/ 10567 h 10567"/>
+            </a:gdLst>
+            <a:ahLst/>
+            <a:cxnLst>
+              <a:cxn ang="0">
+                <a:pos x="connsiteX0" y="connsiteY0"/>
+              </a:cxn>
+              <a:cxn ang="0">
+                <a:pos x="connsiteX1" y="connsiteY1"/>
+              </a:cxn>
+            </a:cxnLst>
+            <a:rect l="l" t="t" r="r" b="b"/>
+            <a:pathLst>
+              <a:path w="14690" h="10567">
+                <a:moveTo>
+                  <a:pt x="14690" y="0"/>
+                </a:moveTo>
+                <a:cubicBezTo>
+                  <a:pt x="12657" y="5534"/>
+                  <a:pt x="7666" y="7234"/>
+                  <a:pt x="0" y="10567"/>
+                </a:cubicBezTo>
+              </a:path>
+            </a:pathLst>
+          </a:custGeom>
+          <a:noFill/>
+          <a:ln w="25400">
+            <a:solidFill>
+              <a:schemeClr val="tx1"/>
+            </a:solidFill>
+          </a:ln>
+        </p:spPr>
+        <p:style>
+          <a:lnRef idx="2">
+            <a:schemeClr val="accent1">
+              <a:shade val="50000"/>
+            </a:schemeClr>
+          </a:lnRef>
+          <a:fillRef idx="1">
+            <a:schemeClr val="accent1"/>
+          </a:fillRef>
+          <a:effectRef idx="0">
+            <a:schemeClr val="accent1"/>
+          </a:effectRef>
+          <a:fontRef idx="minor">
+            <a:schemeClr val="lt1"/>
+          </a:fontRef>
+        </p:style>
+        <p:txBody>
+          <a:bodyPr rtlCol="0" anchor="ctr"/>
+          <a:lstStyle/>
+          <a:p>
+            <a:pPr algn="ctr"/>
+            <a:endParaRPr kumimoji="1" lang="ja-JP" altLang="en-US"/>
+          </a:p>
+        </p:txBody>
+      </p:sp>
+      <p:sp>
+        <p:nvSpPr>
+          <p:cNvPr id="60" name="テキスト ボックス 59">
+            <a:extLst>
+              <a:ext uri="{FF2B5EF4-FFF2-40B4-BE49-F238E27FC236}">
+                <a16:creationId xmlns:a16="http://schemas.microsoft.com/office/drawing/2014/main" id="{8F4477BE-C5E5-8D42-ADCC-A34A01359966}"/>
+              </a:ext>
+            </a:extLst>
+          </p:cNvPr>
+          <p:cNvSpPr txBox="1"/>
+          <p:nvPr/>
+        </p:nvSpPr>
+        <p:spPr>
+          <a:xfrm>
+            <a:off x="4477318" y="2610659"/>
+            <a:ext cx="415498" cy="646331"/>
+          </a:xfrm>
+          <a:prstGeom prst="rect">
+            <a:avLst/>
+          </a:prstGeom>
+          <a:noFill/>
+        </p:spPr>
+        <p:txBody>
+          <a:bodyPr wrap="none" rtlCol="0">
+            <a:spAutoFit/>
+          </a:bodyPr>
+          <a:lstStyle/>
+          <a:p>
+            <a:r>
+              <a:rPr kumimoji="1" lang="en-US" altLang="ja-JP" sz="3600" dirty="0">
+                <a:latin typeface="Times New Roman" panose="02020603050405020304" pitchFamily="18" charset="0"/>
+                <a:cs typeface="Times New Roman" panose="02020603050405020304" pitchFamily="18" charset="0"/>
+              </a:rPr>
+              <a:t>b</a:t>
+            </a:r>
+            <a:endParaRPr kumimoji="1" lang="ja-JP" altLang="en-US" sz="3600">
+              <a:latin typeface="Times New Roman" panose="02020603050405020304" pitchFamily="18" charset="0"/>
+              <a:cs typeface="Times New Roman" panose="02020603050405020304" pitchFamily="18" charset="0"/>
+            </a:endParaRPr>
+          </a:p>
+        </p:txBody>
+      </p:sp>
+    </p:spTree>
+    <p:extLst>
+      <p:ext uri="{BB962C8B-B14F-4D97-AF65-F5344CB8AC3E}">
+        <p14:creationId xmlns:p14="http://schemas.microsoft.com/office/powerpoint/2010/main" val="3958894385"/>
+      </p:ext>
+    </p:extLst>
+  </p:cSld>
+  <p:clrMapOvr>
+    <a:masterClrMapping/>
+  </p:clrMapOvr>
+</p:sld>
+</file>
+
 <file path=ppt/slides/slide2.xml><?xml version="1.0" encoding="utf-8"?>
 <p:sld xmlns:a="http://schemas.openxmlformats.org/drawingml/2006/main" xmlns:r="http://schemas.openxmlformats.org/officeDocument/2006/relationships" xmlns:p="http://schemas.openxmlformats.org/presentationml/2006/main">
   <p:cSld>

--- a/illustration/illusts.pptx
+++ b/illustration/illusts.pptx
@@ -24,6 +24,8 @@
     <p:sldId id="269" r:id="rId17"/>
     <p:sldId id="270" r:id="rId18"/>
     <p:sldId id="271" r:id="rId19"/>
+    <p:sldId id="272" r:id="rId20"/>
+    <p:sldId id="273" r:id="rId21"/>
   </p:sldIdLst>
   <p:sldSz cx="12192000" cy="6858000"/>
   <p:notesSz cx="6858000" cy="9144000"/>
@@ -78,34 +80,7 @@
                 </a:solidFill>
                 <a:latin typeface="游ゴシック"/>
               </a:rPr>
-              <a:t>Click to </a:t>
-            </a:r>
-            <a:r>
-              <a:rPr b="0" lang="en-US" sz="1800" spc="-1" strike="noStrike">
-                <a:solidFill>
-                  <a:srgbClr val="000000"/>
-                </a:solidFill>
-                <a:latin typeface="游ゴシック"/>
-              </a:rPr>
-              <a:t>move </a:t>
-            </a:r>
-            <a:r>
-              <a:rPr b="0" lang="en-US" sz="1800" spc="-1" strike="noStrike">
-                <a:solidFill>
-                  <a:srgbClr val="000000"/>
-                </a:solidFill>
-                <a:latin typeface="游ゴシック"/>
-              </a:rPr>
-              <a:t>the </a:t>
-            </a:r>
-            <a:r>
-              <a:rPr b="0" lang="en-US" sz="1800" spc="-1" strike="noStrike">
-                <a:solidFill>
-                  <a:srgbClr val="000000"/>
-                </a:solidFill>
-                <a:latin typeface="游ゴシック"/>
-              </a:rPr>
-              <a:t>slide</a:t>
+              <a:t>Click to move the slide</a:t>
             </a:r>
             <a:endParaRPr b="0" lang="en-US" sz="1800" spc="-1" strike="noStrike">
               <a:solidFill>
@@ -144,25 +119,7 @@
               <a:rPr b="0" lang="en-US" sz="2000" spc="-1" strike="noStrike">
                 <a:latin typeface="Arial"/>
               </a:rPr>
-              <a:t>Click to </a:t>
-            </a:r>
-            <a:r>
-              <a:rPr b="0" lang="en-US" sz="2000" spc="-1" strike="noStrike">
-                <a:latin typeface="Arial"/>
-              </a:rPr>
-              <a:t>edit the </a:t>
-            </a:r>
-            <a:r>
-              <a:rPr b="0" lang="en-US" sz="2000" spc="-1" strike="noStrike">
-                <a:latin typeface="Arial"/>
-              </a:rPr>
-              <a:t>notes </a:t>
-            </a:r>
-            <a:r>
-              <a:rPr b="0" lang="en-US" sz="2000" spc="-1" strike="noStrike">
-                <a:latin typeface="Arial"/>
-              </a:rPr>
-              <a:t>format</a:t>
+              <a:t>Click to edit the notes format</a:t>
             </a:r>
             <a:endParaRPr b="0" lang="en-US" sz="2000" spc="-1" strike="noStrike">
               <a:latin typeface="Arial"/>
@@ -304,7 +261,7 @@
           </a:bodyPr>
           <a:p>
             <a:pPr algn="r"/>
-            <a:fld id="{75FE1CD2-7A9F-4AD6-A1ED-79AC1C3E80DE}" type="slidenum">
+            <a:fld id="{C9CFB2B4-5DE7-444D-B120-43651FCD3BF0}" type="slidenum">
               <a:rPr b="0" lang="en-US" sz="1400" spc="-1" strike="noStrike">
                 <a:latin typeface="Times New Roman"/>
               </a:rPr>
@@ -341,7 +298,7 @@
       </p:grpSpPr>
       <p:sp>
         <p:nvSpPr>
-          <p:cNvPr id="293" name="PlaceHolder 1"/>
+          <p:cNvPr id="343" name="PlaceHolder 1"/>
           <p:cNvSpPr>
             <a:spLocks noGrp="1"/>
           </p:cNvSpPr>
@@ -361,7 +318,7 @@
       </p:sp>
       <p:sp>
         <p:nvSpPr>
-          <p:cNvPr id="294" name="PlaceHolder 2"/>
+          <p:cNvPr id="344" name="PlaceHolder 2"/>
           <p:cNvSpPr>
             <a:spLocks noGrp="1"/>
           </p:cNvSpPr>
@@ -391,7 +348,7 @@
       </p:sp>
       <p:sp>
         <p:nvSpPr>
-          <p:cNvPr id="295" name="TextShape 3"/>
+          <p:cNvPr id="345" name="TextShape 3"/>
           <p:cNvSpPr txBox="1"/>
           <p:nvPr/>
         </p:nvSpPr>
@@ -418,7 +375,7 @@
                 <a:spcPct val="100000"/>
               </a:lnSpc>
             </a:pPr>
-            <a:fld id="{9874D7E1-3659-4D87-A606-F6DD8E7623AD}" type="slidenum">
+            <a:fld id="{D162F1CF-8BD2-4667-9E9C-E5D073849E10}" type="slidenum">
               <a:rPr b="0" lang="en-US" sz="1200" spc="-1" strike="noStrike">
                 <a:latin typeface="Times New Roman"/>
               </a:rPr>
@@ -454,7 +411,7 @@
       </p:grpSpPr>
       <p:sp>
         <p:nvSpPr>
-          <p:cNvPr id="281" name="PlaceHolder 1"/>
+          <p:cNvPr id="331" name="PlaceHolder 1"/>
           <p:cNvSpPr>
             <a:spLocks noGrp="1"/>
           </p:cNvSpPr>
@@ -474,7 +431,7 @@
       </p:sp>
       <p:sp>
         <p:nvSpPr>
-          <p:cNvPr id="282" name="PlaceHolder 2"/>
+          <p:cNvPr id="332" name="PlaceHolder 2"/>
           <p:cNvSpPr>
             <a:spLocks noGrp="1"/>
           </p:cNvSpPr>
@@ -504,7 +461,7 @@
       </p:sp>
       <p:sp>
         <p:nvSpPr>
-          <p:cNvPr id="283" name="TextShape 3"/>
+          <p:cNvPr id="333" name="TextShape 3"/>
           <p:cNvSpPr txBox="1"/>
           <p:nvPr/>
         </p:nvSpPr>
@@ -531,7 +488,7 @@
                 <a:spcPct val="100000"/>
               </a:lnSpc>
             </a:pPr>
-            <a:fld id="{37A11F2D-1D65-4E94-BCA7-19FFC29BE843}" type="slidenum">
+            <a:fld id="{E5BBF6A9-EE49-4EA0-BFA1-819FDC9A1D3D}" type="slidenum">
               <a:rPr b="0" lang="en-US" sz="1200" spc="-1" strike="noStrike">
                 <a:latin typeface="Times New Roman"/>
               </a:rPr>
@@ -567,7 +524,7 @@
       </p:grpSpPr>
       <p:sp>
         <p:nvSpPr>
-          <p:cNvPr id="284" name="PlaceHolder 1"/>
+          <p:cNvPr id="334" name="PlaceHolder 1"/>
           <p:cNvSpPr>
             <a:spLocks noGrp="1"/>
           </p:cNvSpPr>
@@ -587,7 +544,7 @@
       </p:sp>
       <p:sp>
         <p:nvSpPr>
-          <p:cNvPr id="285" name="PlaceHolder 2"/>
+          <p:cNvPr id="335" name="PlaceHolder 2"/>
           <p:cNvSpPr>
             <a:spLocks noGrp="1"/>
           </p:cNvSpPr>
@@ -617,7 +574,7 @@
       </p:sp>
       <p:sp>
         <p:nvSpPr>
-          <p:cNvPr id="286" name="TextShape 3"/>
+          <p:cNvPr id="336" name="TextShape 3"/>
           <p:cNvSpPr txBox="1"/>
           <p:nvPr/>
         </p:nvSpPr>
@@ -644,7 +601,7 @@
                 <a:spcPct val="100000"/>
               </a:lnSpc>
             </a:pPr>
-            <a:fld id="{A6676CB2-3D95-44A2-AF36-0B71DD60A02B}" type="slidenum">
+            <a:fld id="{571BB554-F08D-4486-90C5-683344C67B4A}" type="slidenum">
               <a:rPr b="0" lang="en-US" sz="1200" spc="-1" strike="noStrike">
                 <a:latin typeface="Times New Roman"/>
               </a:rPr>
@@ -680,7 +637,7 @@
       </p:grpSpPr>
       <p:sp>
         <p:nvSpPr>
-          <p:cNvPr id="287" name="PlaceHolder 1"/>
+          <p:cNvPr id="337" name="PlaceHolder 1"/>
           <p:cNvSpPr>
             <a:spLocks noGrp="1"/>
           </p:cNvSpPr>
@@ -700,7 +657,7 @@
       </p:sp>
       <p:sp>
         <p:nvSpPr>
-          <p:cNvPr id="288" name="PlaceHolder 2"/>
+          <p:cNvPr id="338" name="PlaceHolder 2"/>
           <p:cNvSpPr>
             <a:spLocks noGrp="1"/>
           </p:cNvSpPr>
@@ -730,7 +687,7 @@
       </p:sp>
       <p:sp>
         <p:nvSpPr>
-          <p:cNvPr id="289" name="TextShape 3"/>
+          <p:cNvPr id="339" name="TextShape 3"/>
           <p:cNvSpPr txBox="1"/>
           <p:nvPr/>
         </p:nvSpPr>
@@ -757,7 +714,7 @@
                 <a:spcPct val="100000"/>
               </a:lnSpc>
             </a:pPr>
-            <a:fld id="{53CF4E91-D0FD-4BCE-9D7D-AB07AFA33450}" type="slidenum">
+            <a:fld id="{16160B40-5B3C-4FF7-8B89-CC93DF4FAB88}" type="slidenum">
               <a:rPr b="0" lang="en-US" sz="1200" spc="-1" strike="noStrike">
                 <a:latin typeface="Times New Roman"/>
               </a:rPr>
@@ -793,7 +750,7 @@
       </p:grpSpPr>
       <p:sp>
         <p:nvSpPr>
-          <p:cNvPr id="290" name="PlaceHolder 1"/>
+          <p:cNvPr id="340" name="PlaceHolder 1"/>
           <p:cNvSpPr>
             <a:spLocks noGrp="1"/>
           </p:cNvSpPr>
@@ -813,7 +770,7 @@
       </p:sp>
       <p:sp>
         <p:nvSpPr>
-          <p:cNvPr id="291" name="PlaceHolder 2"/>
+          <p:cNvPr id="341" name="PlaceHolder 2"/>
           <p:cNvSpPr>
             <a:spLocks noGrp="1"/>
           </p:cNvSpPr>
@@ -870,7 +827,7 @@
       </p:sp>
       <p:sp>
         <p:nvSpPr>
-          <p:cNvPr id="292" name="TextShape 3"/>
+          <p:cNvPr id="342" name="TextShape 3"/>
           <p:cNvSpPr txBox="1"/>
           <p:nvPr/>
         </p:nvSpPr>
@@ -897,7 +854,7 @@
                 <a:spcPct val="100000"/>
               </a:lnSpc>
             </a:pPr>
-            <a:fld id="{7F159BD5-7FFC-4163-956F-5DF33D90E5BB}" type="slidenum">
+            <a:fld id="{03C08396-B5D5-4BA5-B4F8-0A404591B405}" type="slidenum">
               <a:rPr b="0" lang="en-US" sz="1200" spc="-1" strike="noStrike">
                 <a:latin typeface="Times New Roman"/>
               </a:rPr>
@@ -2415,14 +2372,14 @@
                 <a:spcPct val="100000"/>
               </a:lnSpc>
             </a:pPr>
-            <a:fld id="{C807A0F9-C0C1-4624-900A-AF9910F4C051}" type="datetime">
+            <a:fld id="{568B4E41-416C-44FC-9C17-B73E5FE52CA5}" type="datetime">
               <a:rPr b="0" lang="en-US" sz="1200" spc="-1" strike="noStrike">
                 <a:solidFill>
                   <a:srgbClr val="8b8b8b"/>
                 </a:solidFill>
                 <a:latin typeface="游ゴシック"/>
               </a:rPr>
-              <a:t>1/11/21</a:t>
+              <a:t>1/12/21</a:t>
             </a:fld>
             <a:endParaRPr b="0" lang="en-US" sz="1200" spc="-1" strike="noStrike">
               <a:latin typeface="Times New Roman"/>
@@ -2489,7 +2446,7 @@
                 <a:spcPct val="100000"/>
               </a:lnSpc>
             </a:pPr>
-            <a:fld id="{AA3BEB87-DC03-4A70-BA62-ECF82939363A}" type="slidenum">
+            <a:fld id="{65678C23-9827-40D8-B7E6-3797A3E1603F}" type="slidenum">
               <a:rPr b="0" lang="en-US" sz="1200" spc="-1" strike="noStrike">
                 <a:solidFill>
                   <a:srgbClr val="8b8b8b"/>
@@ -2535,7 +2492,16 @@
                 </a:solidFill>
                 <a:latin typeface="游ゴシック"/>
               </a:rPr>
-              <a:t>Click </a:t>
+              <a:t>Clic</a:t>
+            </a:r>
+            <a:r>
+              <a:rPr b="0" lang="en-US" sz="1800" spc="-1" strike="noStrike">
+                <a:solidFill>
+                  <a:srgbClr val="000000"/>
+                </a:solidFill>
+                <a:latin typeface="游ゴシック"/>
+              </a:rPr>
+              <a:t>k </a:t>
             </a:r>
             <a:r>
               <a:rPr b="0" lang="en-US" sz="1800" spc="-1" strike="noStrike">
@@ -2553,7 +2519,16 @@
                 </a:solidFill>
                 <a:latin typeface="游ゴシック"/>
               </a:rPr>
-              <a:t>edit </a:t>
+              <a:t>edi</a:t>
+            </a:r>
+            <a:r>
+              <a:rPr b="0" lang="en-US" sz="1800" spc="-1" strike="noStrike">
+                <a:solidFill>
+                  <a:srgbClr val="000000"/>
+                </a:solidFill>
+                <a:latin typeface="游ゴシック"/>
+              </a:rPr>
+              <a:t>t </a:t>
             </a:r>
             <a:r>
               <a:rPr b="0" lang="en-US" sz="1800" spc="-1" strike="noStrike">
@@ -2571,7 +2546,7 @@
                 </a:solidFill>
                 <a:latin typeface="游ゴシック"/>
               </a:rPr>
-              <a:t>title </a:t>
+              <a:t>titl</a:t>
             </a:r>
             <a:r>
               <a:rPr b="0" lang="en-US" sz="1800" spc="-1" strike="noStrike">
@@ -2580,7 +2555,7 @@
                 </a:solidFill>
                 <a:latin typeface="游ゴシック"/>
               </a:rPr>
-              <a:t>text </a:t>
+              <a:t>e </a:t>
             </a:r>
             <a:r>
               <a:rPr b="0" lang="en-US" sz="1800" spc="-1" strike="noStrike">
@@ -2589,7 +2564,7 @@
                 </a:solidFill>
                 <a:latin typeface="游ゴシック"/>
               </a:rPr>
-              <a:t>form</a:t>
+              <a:t>tex</a:t>
             </a:r>
             <a:r>
               <a:rPr b="0" lang="en-US" sz="1800" spc="-1" strike="noStrike">
@@ -2598,7 +2573,34 @@
                 </a:solidFill>
                 <a:latin typeface="游ゴシック"/>
               </a:rPr>
-              <a:t>at</a:t>
+              <a:t>t </a:t>
+            </a:r>
+            <a:r>
+              <a:rPr b="0" lang="en-US" sz="1800" spc="-1" strike="noStrike">
+                <a:solidFill>
+                  <a:srgbClr val="000000"/>
+                </a:solidFill>
+                <a:latin typeface="游ゴシック"/>
+              </a:rPr>
+              <a:t>for</a:t>
+            </a:r>
+            <a:r>
+              <a:rPr b="0" lang="en-US" sz="1800" spc="-1" strike="noStrike">
+                <a:solidFill>
+                  <a:srgbClr val="000000"/>
+                </a:solidFill>
+                <a:latin typeface="游ゴシック"/>
+              </a:rPr>
+              <a:t>ma</a:t>
+            </a:r>
+            <a:r>
+              <a:rPr b="0" lang="en-US" sz="1800" spc="-1" strike="noStrike">
+                <a:solidFill>
+                  <a:srgbClr val="000000"/>
+                </a:solidFill>
+                <a:latin typeface="游ゴシック"/>
+              </a:rPr>
+              <a:t>t</a:t>
             </a:r>
             <a:endParaRPr b="0" lang="en-US" sz="1800" spc="-1" strike="noStrike">
               <a:solidFill>
@@ -6005,8 +6007,8 @@
         </p:nvSpPr>
         <p:spPr>
           <a:xfrm>
-            <a:off x="6600960" y="1534680"/>
-            <a:ext cx="498240" cy="364680"/>
+            <a:off x="6566040" y="1486440"/>
+            <a:ext cx="568440" cy="424800"/>
           </a:xfrm>
           <a:prstGeom prst="rect">
             <a:avLst/>
@@ -6033,7 +6035,7 @@
               </a:lnSpc>
             </a:pPr>
             <a:r>
-              <a:rPr b="0" lang="en-US" sz="1800" spc="-1" strike="noStrike">
+              <a:rPr b="0" lang="en-US" sz="2200" spc="-1" strike="noStrike">
                 <a:solidFill>
                   <a:srgbClr val="000000"/>
                 </a:solidFill>
@@ -6041,7 +6043,7 @@
               </a:rPr>
               <a:t>2.5</a:t>
             </a:r>
-            <a:endParaRPr b="0" lang="en-US" sz="1800" spc="-1" strike="noStrike">
+            <a:endParaRPr b="0" lang="en-US" sz="2200" spc="-1" strike="noStrike">
               <a:latin typeface="Arial"/>
             </a:endParaRPr>
           </a:p>
@@ -6055,8 +6057,8 @@
         </p:nvSpPr>
         <p:spPr>
           <a:xfrm>
-            <a:off x="8167320" y="2818440"/>
-            <a:ext cx="617040" cy="364680"/>
+            <a:off x="8138160" y="2797920"/>
+            <a:ext cx="713160" cy="424800"/>
           </a:xfrm>
           <a:prstGeom prst="rect">
             <a:avLst/>
@@ -6083,7 +6085,7 @@
               </a:lnSpc>
             </a:pPr>
             <a:r>
-              <a:rPr b="0" lang="en-US" sz="1800" spc="-1" strike="noStrike">
+              <a:rPr b="0" lang="en-US" sz="2200" spc="-1" strike="noStrike">
                 <a:solidFill>
                   <a:srgbClr val="000000"/>
                 </a:solidFill>
@@ -6091,7 +6093,7 @@
               </a:rPr>
               <a:t>Φ26</a:t>
             </a:r>
-            <a:endParaRPr b="0" lang="en-US" sz="1800" spc="-1" strike="noStrike">
+            <a:endParaRPr b="0" lang="en-US" sz="2200" spc="-1" strike="noStrike">
               <a:latin typeface="Arial"/>
             </a:endParaRPr>
           </a:p>
@@ -6177,8 +6179,8 @@
           <a:prstGeom prst="blockArc">
             <a:avLst>
               <a:gd name="adj1" fmla="val 5685876"/>
-              <a:gd name="adj2" fmla="val 5027296"/>
-              <a:gd name="adj3" fmla="val 0"/>
+              <a:gd name="adj2" fmla="val 5111593"/>
+              <a:gd name="adj3" fmla="val 166"/>
             </a:avLst>
           </a:prstGeom>
           <a:noFill/>
@@ -6217,8 +6219,8 @@
           <a:prstGeom prst="blockArc">
             <a:avLst>
               <a:gd name="adj1" fmla="val 5697216"/>
-              <a:gd name="adj2" fmla="val 4999859"/>
-              <a:gd name="adj3" fmla="val 85"/>
+              <a:gd name="adj2" fmla="val 5091873"/>
+              <a:gd name="adj3" fmla="val 201"/>
             </a:avLst>
           </a:prstGeom>
           <a:noFill/>
@@ -6545,8 +6547,8 @@
         </p:nvSpPr>
         <p:spPr>
           <a:xfrm>
-            <a:off x="8308800" y="2307600"/>
-            <a:ext cx="333360" cy="364680"/>
+            <a:off x="8138160" y="2286000"/>
+            <a:ext cx="713160" cy="424800"/>
           </a:xfrm>
           <a:prstGeom prst="rect">
             <a:avLst/>
@@ -6573,15 +6575,15 @@
               </a:lnSpc>
             </a:pPr>
             <a:r>
-              <a:rPr b="0" lang="en-US" sz="1800" spc="-1" strike="noStrike">
+              <a:rPr b="0" lang="en-US" sz="2200" spc="-1" strike="noStrike">
                 <a:solidFill>
                   <a:srgbClr val="000000"/>
                 </a:solidFill>
                 <a:latin typeface="Arial"/>
               </a:rPr>
-              <a:t>A</a:t>
+              <a:t>Φ25</a:t>
             </a:r>
-            <a:endParaRPr b="0" lang="en-US" sz="1800" spc="-1" strike="noStrike">
+            <a:endParaRPr b="0" lang="en-US" sz="2200" spc="-1" strike="noStrike">
               <a:latin typeface="Arial"/>
             </a:endParaRPr>
           </a:p>
@@ -7125,18 +7127,188 @@
           <p:nvPr/>
         </p:nvSpPr>
         <p:spPr>
-          <a:xfrm flipV="1">
-            <a:off x="6298200" y="3374640"/>
-            <a:ext cx="106920" cy="106920"/>
-          </a:xfrm>
-          <a:prstGeom prst="ellipse">
-            <a:avLst/>
-          </a:prstGeom>
-          <a:solidFill>
-            <a:srgbClr val="ff0000"/>
-          </a:solidFill>
+          <a:xfrm>
+            <a:off x="6566040" y="1486440"/>
+            <a:ext cx="568440" cy="424800"/>
+          </a:xfrm>
+          <a:prstGeom prst="rect">
+            <a:avLst/>
+          </a:prstGeom>
+          <a:noFill/>
           <a:ln>
             <a:noFill/>
+          </a:ln>
+        </p:spPr>
+        <p:style>
+          <a:lnRef idx="0"/>
+          <a:fillRef idx="0"/>
+          <a:effectRef idx="0"/>
+          <a:fontRef idx="minor"/>
+        </p:style>
+        <p:txBody>
+          <a:bodyPr wrap="none" lIns="90000" rIns="90000" tIns="45000" bIns="45000">
+            <a:spAutoFit/>
+          </a:bodyPr>
+          <a:p>
+            <a:pPr algn="ctr">
+              <a:lnSpc>
+                <a:spcPct val="100000"/>
+              </a:lnSpc>
+            </a:pPr>
+            <a:r>
+              <a:rPr b="0" lang="en-US" sz="2200" spc="-1" strike="noStrike">
+                <a:solidFill>
+                  <a:srgbClr val="000000"/>
+                </a:solidFill>
+                <a:latin typeface="Arial"/>
+              </a:rPr>
+              <a:t>2.5</a:t>
+            </a:r>
+            <a:endParaRPr b="0" lang="en-US" sz="2200" spc="-1" strike="noStrike">
+              <a:latin typeface="Arial"/>
+            </a:endParaRPr>
+          </a:p>
+        </p:txBody>
+      </p:sp>
+      <p:sp>
+        <p:nvSpPr>
+          <p:cNvPr id="251" name="CustomShape 2"/>
+          <p:cNvSpPr/>
+          <p:nvPr/>
+        </p:nvSpPr>
+        <p:spPr>
+          <a:xfrm>
+            <a:off x="8138160" y="2797920"/>
+            <a:ext cx="713160" cy="424800"/>
+          </a:xfrm>
+          <a:prstGeom prst="rect">
+            <a:avLst/>
+          </a:prstGeom>
+          <a:noFill/>
+          <a:ln>
+            <a:noFill/>
+          </a:ln>
+        </p:spPr>
+        <p:style>
+          <a:lnRef idx="0"/>
+          <a:fillRef idx="0"/>
+          <a:effectRef idx="0"/>
+          <a:fontRef idx="minor"/>
+        </p:style>
+        <p:txBody>
+          <a:bodyPr wrap="none" lIns="90000" rIns="90000" tIns="45000" bIns="45000">
+            <a:spAutoFit/>
+          </a:bodyPr>
+          <a:p>
+            <a:pPr algn="ctr">
+              <a:lnSpc>
+                <a:spcPct val="100000"/>
+              </a:lnSpc>
+            </a:pPr>
+            <a:r>
+              <a:rPr b="0" lang="en-US" sz="2200" spc="-1" strike="noStrike">
+                <a:solidFill>
+                  <a:srgbClr val="000000"/>
+                </a:solidFill>
+                <a:latin typeface="Arial"/>
+              </a:rPr>
+              <a:t>Φ26</a:t>
+            </a:r>
+            <a:endParaRPr b="0" lang="en-US" sz="2200" spc="-1" strike="noStrike">
+              <a:latin typeface="Arial"/>
+            </a:endParaRPr>
+          </a:p>
+        </p:txBody>
+      </p:sp>
+      <p:sp>
+        <p:nvSpPr>
+          <p:cNvPr id="252" name="Line 3"/>
+          <p:cNvSpPr/>
+          <p:nvPr/>
+        </p:nvSpPr>
+        <p:spPr>
+          <a:xfrm flipV="1">
+            <a:off x="7729560" y="2994120"/>
+            <a:ext cx="168480" cy="550080"/>
+          </a:xfrm>
+          <a:prstGeom prst="line">
+            <a:avLst/>
+          </a:prstGeom>
+          <a:ln w="12600">
+            <a:solidFill>
+              <a:schemeClr val="tx1"/>
+            </a:solidFill>
+          </a:ln>
+        </p:spPr>
+        <p:style>
+          <a:lnRef idx="1">
+            <a:schemeClr val="accent1"/>
+          </a:lnRef>
+          <a:fillRef idx="0">
+            <a:schemeClr val="accent1"/>
+          </a:fillRef>
+          <a:effectRef idx="0">
+            <a:schemeClr val="accent1"/>
+          </a:effectRef>
+          <a:fontRef idx="minor"/>
+        </p:style>
+      </p:sp>
+      <p:sp>
+        <p:nvSpPr>
+          <p:cNvPr id="253" name="Line 4"/>
+          <p:cNvSpPr/>
+          <p:nvPr/>
+        </p:nvSpPr>
+        <p:spPr>
+          <a:xfrm>
+            <a:off x="7898040" y="3003120"/>
+            <a:ext cx="264960" cy="0"/>
+          </a:xfrm>
+          <a:prstGeom prst="line">
+            <a:avLst/>
+          </a:prstGeom>
+          <a:ln w="12600">
+            <a:solidFill>
+              <a:schemeClr val="tx1"/>
+            </a:solidFill>
+          </a:ln>
+        </p:spPr>
+        <p:style>
+          <a:lnRef idx="1">
+            <a:schemeClr val="accent1"/>
+          </a:lnRef>
+          <a:fillRef idx="0">
+            <a:schemeClr val="accent1"/>
+          </a:fillRef>
+          <a:effectRef idx="0">
+            <a:schemeClr val="accent1"/>
+          </a:effectRef>
+          <a:fontRef idx="minor"/>
+        </p:style>
+      </p:sp>
+      <p:sp>
+        <p:nvSpPr>
+          <p:cNvPr id="254" name="CustomShape 5"/>
+          <p:cNvSpPr/>
+          <p:nvPr/>
+        </p:nvSpPr>
+        <p:spPr>
+          <a:xfrm rot="10800000">
+            <a:off x="4462560" y="1910880"/>
+            <a:ext cx="3267000" cy="3267000"/>
+          </a:xfrm>
+          <a:prstGeom prst="blockArc">
+            <a:avLst>
+              <a:gd name="adj1" fmla="val 5685876"/>
+              <a:gd name="adj2" fmla="val 5111593"/>
+              <a:gd name="adj3" fmla="val 166"/>
+            </a:avLst>
+          </a:prstGeom>
+          <a:noFill/>
+          <a:ln>
+            <a:solidFill>
+              <a:schemeClr val="tx1"/>
+            </a:solidFill>
           </a:ln>
         </p:spPr>
         <p:style>
@@ -7156,22 +7328,26 @@
       </p:sp>
       <p:sp>
         <p:nvSpPr>
-          <p:cNvPr id="251" name="CustomShape 2"/>
-          <p:cNvSpPr/>
-          <p:nvPr/>
-        </p:nvSpPr>
-        <p:spPr>
-          <a:xfrm>
-            <a:off x="4168800" y="2337480"/>
-            <a:ext cx="2182680" cy="2182680"/>
-          </a:xfrm>
-          <a:prstGeom prst="ellipse">
-            <a:avLst/>
+          <p:cNvPr id="255" name="CustomShape 6"/>
+          <p:cNvSpPr/>
+          <p:nvPr/>
+        </p:nvSpPr>
+        <p:spPr>
+          <a:xfrm rot="10800000">
+            <a:off x="4623120" y="2066400"/>
+            <a:ext cx="2945880" cy="2955600"/>
+          </a:xfrm>
+          <a:prstGeom prst="blockArc">
+            <a:avLst>
+              <a:gd name="adj1" fmla="val 5697216"/>
+              <a:gd name="adj2" fmla="val 5091873"/>
+              <a:gd name="adj3" fmla="val 201"/>
+            </a:avLst>
           </a:prstGeom>
           <a:noFill/>
           <a:ln>
             <a:solidFill>
-              <a:srgbClr val="ff0000"/>
+              <a:schemeClr val="tx1"/>
             </a:solidFill>
           </a:ln>
         </p:spPr>
@@ -7192,50 +7368,80 @@
       </p:sp>
       <p:sp>
         <p:nvSpPr>
-          <p:cNvPr id="252" name="CustomShape 3"/>
-          <p:cNvSpPr/>
-          <p:nvPr/>
-        </p:nvSpPr>
-        <p:spPr>
-          <a:xfrm>
-            <a:off x="5260320" y="2337480"/>
-            <a:ext cx="2182680" cy="2182680"/>
-          </a:xfrm>
-          <a:prstGeom prst="ellipse">
-            <a:avLst/>
-          </a:prstGeom>
-          <a:noFill/>
-          <a:ln>
-            <a:solidFill>
-              <a:srgbClr val="ff0000"/>
-            </a:solidFill>
-          </a:ln>
-        </p:spPr>
-        <p:style>
-          <a:lnRef idx="2">
-            <a:schemeClr val="accent1">
-              <a:shade val="50000"/>
-            </a:schemeClr>
-          </a:lnRef>
-          <a:fillRef idx="1">
-            <a:schemeClr val="accent1"/>
-          </a:fillRef>
-          <a:effectRef idx="0">
-            <a:schemeClr val="accent1"/>
-          </a:effectRef>
-          <a:fontRef idx="minor"/>
-        </p:style>
-      </p:sp>
-      <p:sp>
-        <p:nvSpPr>
-          <p:cNvPr id="253" name="CustomShape 4"/>
-          <p:cNvSpPr/>
-          <p:nvPr/>
-        </p:nvSpPr>
-        <p:spPr>
-          <a:xfrm>
-            <a:off x="4168800" y="3429000"/>
-            <a:ext cx="2182680" cy="360"/>
+          <p:cNvPr id="256" name="Line 7"/>
+          <p:cNvSpPr/>
+          <p:nvPr/>
+        </p:nvSpPr>
+        <p:spPr>
+          <a:xfrm>
+            <a:off x="5966280" y="1910520"/>
+            <a:ext cx="0" cy="155880"/>
+          </a:xfrm>
+          <a:prstGeom prst="line">
+            <a:avLst/>
+          </a:prstGeom>
+          <a:ln w="12600">
+            <a:solidFill>
+              <a:schemeClr val="tx1"/>
+            </a:solidFill>
+          </a:ln>
+        </p:spPr>
+        <p:style>
+          <a:lnRef idx="1">
+            <a:schemeClr val="accent1"/>
+          </a:lnRef>
+          <a:fillRef idx="0">
+            <a:schemeClr val="accent1"/>
+          </a:fillRef>
+          <a:effectRef idx="0">
+            <a:schemeClr val="accent1"/>
+          </a:effectRef>
+          <a:fontRef idx="minor"/>
+        </p:style>
+      </p:sp>
+      <p:sp>
+        <p:nvSpPr>
+          <p:cNvPr id="257" name="Line 8"/>
+          <p:cNvSpPr/>
+          <p:nvPr/>
+        </p:nvSpPr>
+        <p:spPr>
+          <a:xfrm>
+            <a:off x="6221520" y="1910520"/>
+            <a:ext cx="0" cy="155880"/>
+          </a:xfrm>
+          <a:prstGeom prst="line">
+            <a:avLst/>
+          </a:prstGeom>
+          <a:ln w="12600">
+            <a:solidFill>
+              <a:schemeClr val="tx1"/>
+            </a:solidFill>
+          </a:ln>
+        </p:spPr>
+        <p:style>
+          <a:lnRef idx="1">
+            <a:schemeClr val="accent1"/>
+          </a:lnRef>
+          <a:fillRef idx="0">
+            <a:schemeClr val="accent1"/>
+          </a:fillRef>
+          <a:effectRef idx="0">
+            <a:schemeClr val="accent1"/>
+          </a:effectRef>
+          <a:fontRef idx="minor"/>
+        </p:style>
+      </p:sp>
+      <p:sp>
+        <p:nvSpPr>
+          <p:cNvPr id="258" name="CustomShape 9"/>
+          <p:cNvSpPr/>
+          <p:nvPr/>
+        </p:nvSpPr>
+        <p:spPr>
+          <a:xfrm>
+            <a:off x="5595120" y="1719360"/>
+            <a:ext cx="375840" cy="360"/>
           </a:xfrm>
           <a:custGeom>
             <a:avLst/>
@@ -7254,12 +7460,11 @@
             </a:pathLst>
           </a:custGeom>
           <a:noFill/>
-          <a:ln w="25560">
+          <a:ln>
             <a:solidFill>
               <a:schemeClr val="tx1"/>
             </a:solidFill>
-            <a:headEnd len="lg" type="triangle" w="lg"/>
-            <a:tailEnd len="lg" type="triangle" w="lg"/>
+            <a:tailEnd len="med" type="triangle" w="med"/>
           </a:ln>
         </p:spPr>
         <p:style>
@@ -7277,14 +7482,194 @@
       </p:sp>
       <p:sp>
         <p:nvSpPr>
-          <p:cNvPr id="254" name="CustomShape 5"/>
-          <p:cNvSpPr/>
-          <p:nvPr/>
-        </p:nvSpPr>
-        <p:spPr>
-          <a:xfrm>
-            <a:off x="4504680" y="3435120"/>
-            <a:ext cx="662760" cy="364680"/>
+          <p:cNvPr id="259" name="Line 10"/>
+          <p:cNvSpPr/>
+          <p:nvPr/>
+        </p:nvSpPr>
+        <p:spPr>
+          <a:xfrm>
+            <a:off x="5966280" y="1648080"/>
+            <a:ext cx="0" cy="262440"/>
+          </a:xfrm>
+          <a:prstGeom prst="line">
+            <a:avLst/>
+          </a:prstGeom>
+          <a:ln>
+            <a:solidFill>
+              <a:schemeClr val="tx1"/>
+            </a:solidFill>
+          </a:ln>
+        </p:spPr>
+        <p:style>
+          <a:lnRef idx="1">
+            <a:schemeClr val="accent1"/>
+          </a:lnRef>
+          <a:fillRef idx="0">
+            <a:schemeClr val="accent1"/>
+          </a:fillRef>
+          <a:effectRef idx="0">
+            <a:schemeClr val="accent1"/>
+          </a:effectRef>
+          <a:fontRef idx="minor"/>
+        </p:style>
+      </p:sp>
+      <p:sp>
+        <p:nvSpPr>
+          <p:cNvPr id="260" name="Line 11"/>
+          <p:cNvSpPr/>
+          <p:nvPr/>
+        </p:nvSpPr>
+        <p:spPr>
+          <a:xfrm>
+            <a:off x="6221520" y="1648080"/>
+            <a:ext cx="0" cy="268920"/>
+          </a:xfrm>
+          <a:prstGeom prst="line">
+            <a:avLst/>
+          </a:prstGeom>
+          <a:ln>
+            <a:solidFill>
+              <a:schemeClr val="tx1"/>
+            </a:solidFill>
+          </a:ln>
+        </p:spPr>
+        <p:style>
+          <a:lnRef idx="1">
+            <a:schemeClr val="accent1"/>
+          </a:lnRef>
+          <a:fillRef idx="0">
+            <a:schemeClr val="accent1"/>
+          </a:fillRef>
+          <a:effectRef idx="0">
+            <a:schemeClr val="accent1"/>
+          </a:effectRef>
+          <a:fontRef idx="minor"/>
+        </p:style>
+      </p:sp>
+      <p:sp>
+        <p:nvSpPr>
+          <p:cNvPr id="261" name="CustomShape 12"/>
+          <p:cNvSpPr/>
+          <p:nvPr/>
+        </p:nvSpPr>
+        <p:spPr>
+          <a:xfrm>
+            <a:off x="6221880" y="1719360"/>
+            <a:ext cx="375840" cy="360"/>
+          </a:xfrm>
+          <a:custGeom>
+            <a:avLst/>
+            <a:gdLst/>
+            <a:ahLst/>
+            <a:rect l="l" t="t" r="r" b="b"/>
+            <a:pathLst>
+              <a:path w="21600" h="21600">
+                <a:moveTo>
+                  <a:pt x="0" y="0"/>
+                </a:moveTo>
+                <a:lnTo>
+                  <a:pt x="21600" y="21600"/>
+                </a:lnTo>
+              </a:path>
+            </a:pathLst>
+          </a:custGeom>
+          <a:noFill/>
+          <a:ln>
+            <a:solidFill>
+              <a:schemeClr val="tx1"/>
+            </a:solidFill>
+            <a:headEnd len="med" type="triangle" w="med"/>
+          </a:ln>
+        </p:spPr>
+        <p:style>
+          <a:lnRef idx="1">
+            <a:schemeClr val="accent1"/>
+          </a:lnRef>
+          <a:fillRef idx="0">
+            <a:schemeClr val="accent1"/>
+          </a:fillRef>
+          <a:effectRef idx="0">
+            <a:schemeClr val="accent1"/>
+          </a:effectRef>
+          <a:fontRef idx="minor"/>
+        </p:style>
+      </p:sp>
+      <p:sp>
+        <p:nvSpPr>
+          <p:cNvPr id="262" name="Line 13"/>
+          <p:cNvSpPr/>
+          <p:nvPr/>
+        </p:nvSpPr>
+        <p:spPr>
+          <a:xfrm flipV="1">
+            <a:off x="7569000" y="2483280"/>
+            <a:ext cx="300960" cy="1060920"/>
+          </a:xfrm>
+          <a:prstGeom prst="line">
+            <a:avLst/>
+          </a:prstGeom>
+          <a:ln w="12600">
+            <a:solidFill>
+              <a:schemeClr val="tx1"/>
+            </a:solidFill>
+          </a:ln>
+        </p:spPr>
+        <p:style>
+          <a:lnRef idx="1">
+            <a:schemeClr val="accent1"/>
+          </a:lnRef>
+          <a:fillRef idx="0">
+            <a:schemeClr val="accent1"/>
+          </a:fillRef>
+          <a:effectRef idx="0">
+            <a:schemeClr val="accent1"/>
+          </a:effectRef>
+          <a:fontRef idx="minor"/>
+        </p:style>
+      </p:sp>
+      <p:sp>
+        <p:nvSpPr>
+          <p:cNvPr id="263" name="Line 14"/>
+          <p:cNvSpPr/>
+          <p:nvPr/>
+        </p:nvSpPr>
+        <p:spPr>
+          <a:xfrm>
+            <a:off x="7869960" y="2491920"/>
+            <a:ext cx="264960" cy="0"/>
+          </a:xfrm>
+          <a:prstGeom prst="line">
+            <a:avLst/>
+          </a:prstGeom>
+          <a:ln w="12600">
+            <a:solidFill>
+              <a:schemeClr val="tx1"/>
+            </a:solidFill>
+          </a:ln>
+        </p:spPr>
+        <p:style>
+          <a:lnRef idx="1">
+            <a:schemeClr val="accent1"/>
+          </a:lnRef>
+          <a:fillRef idx="0">
+            <a:schemeClr val="accent1"/>
+          </a:fillRef>
+          <a:effectRef idx="0">
+            <a:schemeClr val="accent1"/>
+          </a:effectRef>
+          <a:fontRef idx="minor"/>
+        </p:style>
+      </p:sp>
+      <p:sp>
+        <p:nvSpPr>
+          <p:cNvPr id="264" name="CustomShape 15"/>
+          <p:cNvSpPr/>
+          <p:nvPr/>
+        </p:nvSpPr>
+        <p:spPr>
+          <a:xfrm>
+            <a:off x="8138160" y="2286000"/>
+            <a:ext cx="713160" cy="424800"/>
           </a:xfrm>
           <a:prstGeom prst="rect">
             <a:avLst/>
@@ -7311,15 +7696,15 @@
               </a:lnSpc>
             </a:pPr>
             <a:r>
-              <a:rPr b="0" lang="en-US" sz="1800" spc="-1" strike="noStrike">
+              <a:rPr b="0" lang="en-US" sz="2200" spc="-1" strike="noStrike">
                 <a:solidFill>
                   <a:srgbClr val="000000"/>
                 </a:solidFill>
                 <a:latin typeface="Arial"/>
               </a:rPr>
-              <a:t>HPD</a:t>
+              <a:t>Φ25</a:t>
             </a:r>
-            <a:endParaRPr b="0" lang="en-US" sz="1800" spc="-1" strike="noStrike">
+            <a:endParaRPr b="0" lang="en-US" sz="2200" spc="-1" strike="noStrike">
               <a:latin typeface="Arial"/>
             </a:endParaRPr>
           </a:p>
@@ -7327,23 +7712,93 @@
       </p:sp>
       <p:sp>
         <p:nvSpPr>
-          <p:cNvPr id="255" name="CustomShape 6"/>
+          <p:cNvPr id="265" name="Line 16"/>
           <p:cNvSpPr/>
           <p:nvPr/>
         </p:nvSpPr>
         <p:spPr>
           <a:xfrm flipV="1">
-            <a:off x="5206680" y="3374640"/>
-            <a:ext cx="106920" cy="106920"/>
-          </a:xfrm>
-          <a:prstGeom prst="ellipse">
-            <a:avLst/>
-          </a:prstGeom>
-          <a:solidFill>
-            <a:srgbClr val="ff0000"/>
-          </a:solidFill>
+            <a:off x="7726680" y="2997360"/>
+            <a:ext cx="168480" cy="550080"/>
+          </a:xfrm>
+          <a:prstGeom prst="line">
+            <a:avLst/>
+          </a:prstGeom>
+          <a:ln w="12600">
+            <a:solidFill>
+              <a:schemeClr val="tx1"/>
+            </a:solidFill>
+          </a:ln>
+        </p:spPr>
+        <p:style>
+          <a:lnRef idx="1">
+            <a:schemeClr val="accent1"/>
+          </a:lnRef>
+          <a:fillRef idx="0">
+            <a:schemeClr val="accent1"/>
+          </a:fillRef>
+          <a:effectRef idx="0">
+            <a:schemeClr val="accent1"/>
+          </a:effectRef>
+          <a:fontRef idx="minor"/>
+        </p:style>
+      </p:sp>
+      <p:sp>
+        <p:nvSpPr>
+          <p:cNvPr id="266" name="Line 17"/>
+          <p:cNvSpPr/>
+          <p:nvPr/>
+        </p:nvSpPr>
+        <p:spPr>
+          <a:xfrm>
+            <a:off x="7895160" y="3006360"/>
+            <a:ext cx="264960" cy="0"/>
+          </a:xfrm>
+          <a:prstGeom prst="line">
+            <a:avLst/>
+          </a:prstGeom>
+          <a:ln w="12600">
+            <a:solidFill>
+              <a:schemeClr val="tx1"/>
+            </a:solidFill>
+          </a:ln>
+        </p:spPr>
+        <p:style>
+          <a:lnRef idx="1">
+            <a:schemeClr val="accent1"/>
+          </a:lnRef>
+          <a:fillRef idx="0">
+            <a:schemeClr val="accent1"/>
+          </a:fillRef>
+          <a:effectRef idx="0">
+            <a:schemeClr val="accent1"/>
+          </a:effectRef>
+          <a:fontRef idx="minor"/>
+        </p:style>
+      </p:sp>
+      <p:sp>
+        <p:nvSpPr>
+          <p:cNvPr id="267" name="CustomShape 18"/>
+          <p:cNvSpPr/>
+          <p:nvPr/>
+        </p:nvSpPr>
+        <p:spPr>
+          <a:xfrm rot="10800000">
+            <a:off x="5029200" y="2468520"/>
+            <a:ext cx="2103120" cy="2103120"/>
+          </a:xfrm>
+          <a:prstGeom prst="blockArc">
+            <a:avLst>
+              <a:gd name="adj1" fmla="val 5880002"/>
+              <a:gd name="adj2" fmla="val 5040669"/>
+              <a:gd name="adj3" fmla="val 378"/>
+            </a:avLst>
+          </a:prstGeom>
+          <a:noFill/>
           <a:ln>
-            <a:noFill/>
+            <a:solidFill>
+              <a:schemeClr val="tx1"/>
+            </a:solidFill>
           </a:ln>
         </p:spPr>
         <p:style>
@@ -7353,6 +7808,443 @@
             </a:schemeClr>
           </a:lnRef>
           <a:fillRef idx="1">
+            <a:schemeClr val="accent1"/>
+          </a:fillRef>
+          <a:effectRef idx="0">
+            <a:schemeClr val="accent1"/>
+          </a:effectRef>
+          <a:fontRef idx="minor"/>
+        </p:style>
+      </p:sp>
+      <p:sp>
+        <p:nvSpPr>
+          <p:cNvPr id="268" name="Line 19"/>
+          <p:cNvSpPr/>
+          <p:nvPr/>
+        </p:nvSpPr>
+        <p:spPr>
+          <a:xfrm>
+            <a:off x="5979600" y="2468880"/>
+            <a:ext cx="0" cy="155880"/>
+          </a:xfrm>
+          <a:prstGeom prst="line">
+            <a:avLst/>
+          </a:prstGeom>
+          <a:ln w="12600">
+            <a:solidFill>
+              <a:schemeClr val="tx1"/>
+            </a:solidFill>
+          </a:ln>
+        </p:spPr>
+        <p:style>
+          <a:lnRef idx="1">
+            <a:schemeClr val="accent1"/>
+          </a:lnRef>
+          <a:fillRef idx="0">
+            <a:schemeClr val="accent1"/>
+          </a:fillRef>
+          <a:effectRef idx="0">
+            <a:schemeClr val="accent1"/>
+          </a:effectRef>
+          <a:fontRef idx="minor"/>
+        </p:style>
+      </p:sp>
+      <p:sp>
+        <p:nvSpPr>
+          <p:cNvPr id="269" name="Line 20"/>
+          <p:cNvSpPr/>
+          <p:nvPr/>
+        </p:nvSpPr>
+        <p:spPr>
+          <a:xfrm>
+            <a:off x="6217920" y="2468880"/>
+            <a:ext cx="0" cy="155880"/>
+          </a:xfrm>
+          <a:prstGeom prst="line">
+            <a:avLst/>
+          </a:prstGeom>
+          <a:ln w="12600">
+            <a:solidFill>
+              <a:schemeClr val="tx1"/>
+            </a:solidFill>
+          </a:ln>
+        </p:spPr>
+        <p:style>
+          <a:lnRef idx="1">
+            <a:schemeClr val="accent1"/>
+          </a:lnRef>
+          <a:fillRef idx="0">
+            <a:schemeClr val="accent1"/>
+          </a:fillRef>
+          <a:effectRef idx="0">
+            <a:schemeClr val="accent1"/>
+          </a:effectRef>
+          <a:fontRef idx="minor"/>
+        </p:style>
+      </p:sp>
+      <p:sp>
+        <p:nvSpPr>
+          <p:cNvPr id="270" name="Line 21"/>
+          <p:cNvSpPr/>
+          <p:nvPr/>
+        </p:nvSpPr>
+        <p:spPr>
+          <a:xfrm flipV="1">
+            <a:off x="7566120" y="2486520"/>
+            <a:ext cx="300960" cy="1060920"/>
+          </a:xfrm>
+          <a:prstGeom prst="line">
+            <a:avLst/>
+          </a:prstGeom>
+          <a:ln w="12600">
+            <a:solidFill>
+              <a:schemeClr val="tx1"/>
+            </a:solidFill>
+          </a:ln>
+        </p:spPr>
+        <p:style>
+          <a:lnRef idx="1">
+            <a:schemeClr val="accent1"/>
+          </a:lnRef>
+          <a:fillRef idx="0">
+            <a:schemeClr val="accent1"/>
+          </a:fillRef>
+          <a:effectRef idx="0">
+            <a:schemeClr val="accent1"/>
+          </a:effectRef>
+          <a:fontRef idx="minor"/>
+        </p:style>
+      </p:sp>
+      <p:sp>
+        <p:nvSpPr>
+          <p:cNvPr id="271" name="Line 22"/>
+          <p:cNvSpPr/>
+          <p:nvPr/>
+        </p:nvSpPr>
+        <p:spPr>
+          <a:xfrm>
+            <a:off x="7867080" y="2495160"/>
+            <a:ext cx="264960" cy="0"/>
+          </a:xfrm>
+          <a:prstGeom prst="line">
+            <a:avLst/>
+          </a:prstGeom>
+          <a:ln w="12600">
+            <a:solidFill>
+              <a:schemeClr val="tx1"/>
+            </a:solidFill>
+          </a:ln>
+        </p:spPr>
+        <p:style>
+          <a:lnRef idx="1">
+            <a:schemeClr val="accent1"/>
+          </a:lnRef>
+          <a:fillRef idx="0">
+            <a:schemeClr val="accent1"/>
+          </a:fillRef>
+          <a:effectRef idx="0">
+            <a:schemeClr val="accent1"/>
+          </a:effectRef>
+          <a:fontRef idx="minor"/>
+        </p:style>
+      </p:sp>
+      <p:sp>
+        <p:nvSpPr>
+          <p:cNvPr id="272" name="CustomShape 23"/>
+          <p:cNvSpPr/>
+          <p:nvPr/>
+        </p:nvSpPr>
+        <p:spPr>
+          <a:xfrm rot="10800000">
+            <a:off x="5175360" y="2595960"/>
+            <a:ext cx="1828800" cy="1828800"/>
+          </a:xfrm>
+          <a:prstGeom prst="blockArc">
+            <a:avLst>
+              <a:gd name="adj1" fmla="val 5880002"/>
+              <a:gd name="adj2" fmla="val 4963283"/>
+              <a:gd name="adj3" fmla="val 367"/>
+            </a:avLst>
+          </a:prstGeom>
+          <a:noFill/>
+          <a:ln>
+            <a:solidFill>
+              <a:schemeClr val="tx1"/>
+            </a:solidFill>
+          </a:ln>
+        </p:spPr>
+        <p:style>
+          <a:lnRef idx="2">
+            <a:schemeClr val="accent1">
+              <a:shade val="50000"/>
+            </a:schemeClr>
+          </a:lnRef>
+          <a:fillRef idx="1">
+            <a:schemeClr val="accent1"/>
+          </a:fillRef>
+          <a:effectRef idx="0">
+            <a:schemeClr val="accent1"/>
+          </a:effectRef>
+          <a:fontRef idx="minor"/>
+        </p:style>
+      </p:sp>
+      <p:sp>
+        <p:nvSpPr>
+          <p:cNvPr id="273" name="Line 24"/>
+          <p:cNvSpPr/>
+          <p:nvPr/>
+        </p:nvSpPr>
+        <p:spPr>
+          <a:xfrm>
+            <a:off x="5966280" y="1910880"/>
+            <a:ext cx="0" cy="155880"/>
+          </a:xfrm>
+          <a:prstGeom prst="line">
+            <a:avLst/>
+          </a:prstGeom>
+          <a:ln w="12600">
+            <a:solidFill>
+              <a:schemeClr val="tx1"/>
+            </a:solidFill>
+          </a:ln>
+        </p:spPr>
+        <p:style>
+          <a:lnRef idx="1">
+            <a:schemeClr val="accent1"/>
+          </a:lnRef>
+          <a:fillRef idx="0">
+            <a:schemeClr val="accent1"/>
+          </a:fillRef>
+          <a:effectRef idx="0">
+            <a:schemeClr val="accent1"/>
+          </a:effectRef>
+          <a:fontRef idx="minor"/>
+        </p:style>
+      </p:sp>
+      <p:sp>
+        <p:nvSpPr>
+          <p:cNvPr id="274" name="CustomShape 25"/>
+          <p:cNvSpPr/>
+          <p:nvPr/>
+        </p:nvSpPr>
+        <p:spPr>
+          <a:xfrm>
+            <a:off x="7606080" y="4548960"/>
+            <a:ext cx="713160" cy="424800"/>
+          </a:xfrm>
+          <a:prstGeom prst="rect">
+            <a:avLst/>
+          </a:prstGeom>
+          <a:noFill/>
+          <a:ln>
+            <a:noFill/>
+          </a:ln>
+        </p:spPr>
+        <p:style>
+          <a:lnRef idx="0"/>
+          <a:fillRef idx="0"/>
+          <a:effectRef idx="0"/>
+          <a:fontRef idx="minor"/>
+        </p:style>
+        <p:txBody>
+          <a:bodyPr wrap="none" lIns="90000" rIns="90000" tIns="45000" bIns="45000">
+            <a:spAutoFit/>
+          </a:bodyPr>
+          <a:p>
+            <a:pPr algn="ctr">
+              <a:lnSpc>
+                <a:spcPct val="100000"/>
+              </a:lnSpc>
+            </a:pPr>
+            <a:r>
+              <a:rPr b="0" lang="en-US" sz="2200" spc="-1" strike="noStrike">
+                <a:solidFill>
+                  <a:srgbClr val="000000"/>
+                </a:solidFill>
+                <a:latin typeface="Arial"/>
+              </a:rPr>
+              <a:t>Φ20</a:t>
+            </a:r>
+            <a:endParaRPr b="0" lang="en-US" sz="2200" spc="-1" strike="noStrike">
+              <a:latin typeface="Arial"/>
+            </a:endParaRPr>
+          </a:p>
+        </p:txBody>
+      </p:sp>
+      <p:sp>
+        <p:nvSpPr>
+          <p:cNvPr id="275" name="CustomShape 26"/>
+          <p:cNvSpPr/>
+          <p:nvPr/>
+        </p:nvSpPr>
+        <p:spPr>
+          <a:xfrm>
+            <a:off x="7606080" y="5022360"/>
+            <a:ext cx="713160" cy="424800"/>
+          </a:xfrm>
+          <a:prstGeom prst="rect">
+            <a:avLst/>
+          </a:prstGeom>
+          <a:noFill/>
+          <a:ln>
+            <a:noFill/>
+          </a:ln>
+        </p:spPr>
+        <p:style>
+          <a:lnRef idx="0"/>
+          <a:fillRef idx="0"/>
+          <a:effectRef idx="0"/>
+          <a:fontRef idx="minor"/>
+        </p:style>
+        <p:txBody>
+          <a:bodyPr wrap="none" lIns="90000" rIns="90000" tIns="45000" bIns="45000">
+            <a:spAutoFit/>
+          </a:bodyPr>
+          <a:p>
+            <a:pPr algn="ctr">
+              <a:lnSpc>
+                <a:spcPct val="100000"/>
+              </a:lnSpc>
+            </a:pPr>
+            <a:r>
+              <a:rPr b="0" lang="en-US" sz="2200" spc="-1" strike="noStrike">
+                <a:solidFill>
+                  <a:srgbClr val="000000"/>
+                </a:solidFill>
+                <a:latin typeface="Arial"/>
+              </a:rPr>
+              <a:t>Φ21</a:t>
+            </a:r>
+            <a:endParaRPr b="0" lang="en-US" sz="2200" spc="-1" strike="noStrike">
+              <a:latin typeface="Arial"/>
+            </a:endParaRPr>
+          </a:p>
+        </p:txBody>
+      </p:sp>
+      <p:sp>
+        <p:nvSpPr>
+          <p:cNvPr id="276" name="Line 27"/>
+          <p:cNvSpPr/>
+          <p:nvPr/>
+        </p:nvSpPr>
+        <p:spPr>
+          <a:xfrm>
+            <a:off x="7315200" y="5248080"/>
+            <a:ext cx="264960" cy="0"/>
+          </a:xfrm>
+          <a:prstGeom prst="line">
+            <a:avLst/>
+          </a:prstGeom>
+          <a:ln w="12600">
+            <a:solidFill>
+              <a:schemeClr val="tx1"/>
+            </a:solidFill>
+          </a:ln>
+        </p:spPr>
+        <p:style>
+          <a:lnRef idx="1">
+            <a:schemeClr val="accent1"/>
+          </a:lnRef>
+          <a:fillRef idx="0">
+            <a:schemeClr val="accent1"/>
+          </a:fillRef>
+          <a:effectRef idx="0">
+            <a:schemeClr val="accent1"/>
+          </a:effectRef>
+          <a:fontRef idx="minor"/>
+        </p:style>
+      </p:sp>
+      <p:sp>
+        <p:nvSpPr>
+          <p:cNvPr id="277" name="Line 28"/>
+          <p:cNvSpPr/>
+          <p:nvPr/>
+        </p:nvSpPr>
+        <p:spPr>
+          <a:xfrm>
+            <a:off x="7315200" y="4754880"/>
+            <a:ext cx="264960" cy="0"/>
+          </a:xfrm>
+          <a:prstGeom prst="line">
+            <a:avLst/>
+          </a:prstGeom>
+          <a:ln w="12600">
+            <a:solidFill>
+              <a:schemeClr val="tx1"/>
+            </a:solidFill>
+          </a:ln>
+        </p:spPr>
+        <p:style>
+          <a:lnRef idx="1">
+            <a:schemeClr val="accent1"/>
+          </a:lnRef>
+          <a:fillRef idx="0">
+            <a:schemeClr val="accent1"/>
+          </a:fillRef>
+          <a:effectRef idx="0">
+            <a:schemeClr val="accent1"/>
+          </a:effectRef>
+          <a:fontRef idx="minor"/>
+        </p:style>
+      </p:sp>
+      <p:sp>
+        <p:nvSpPr>
+          <p:cNvPr id="278" name="Line 29"/>
+          <p:cNvSpPr/>
+          <p:nvPr/>
+        </p:nvSpPr>
+        <p:spPr>
+          <a:xfrm flipH="1" flipV="1">
+            <a:off x="6949440" y="4114800"/>
+            <a:ext cx="365760" cy="641520"/>
+          </a:xfrm>
+          <a:prstGeom prst="line">
+            <a:avLst/>
+          </a:prstGeom>
+          <a:ln w="12600">
+            <a:solidFill>
+              <a:schemeClr val="tx1"/>
+            </a:solidFill>
+          </a:ln>
+        </p:spPr>
+        <p:style>
+          <a:lnRef idx="1">
+            <a:schemeClr val="accent1"/>
+          </a:lnRef>
+          <a:fillRef idx="0">
+            <a:schemeClr val="accent1"/>
+          </a:fillRef>
+          <a:effectRef idx="0">
+            <a:schemeClr val="accent1"/>
+          </a:effectRef>
+          <a:fontRef idx="minor"/>
+        </p:style>
+      </p:sp>
+      <p:sp>
+        <p:nvSpPr>
+          <p:cNvPr id="279" name="Line 30"/>
+          <p:cNvSpPr/>
+          <p:nvPr/>
+        </p:nvSpPr>
+        <p:spPr>
+          <a:xfrm flipH="1" flipV="1">
+            <a:off x="6675120" y="4206240"/>
+            <a:ext cx="640080" cy="1041840"/>
+          </a:xfrm>
+          <a:prstGeom prst="line">
+            <a:avLst/>
+          </a:prstGeom>
+          <a:ln w="12600">
+            <a:solidFill>
+              <a:schemeClr val="tx1"/>
+            </a:solidFill>
+          </a:ln>
+        </p:spPr>
+        <p:style>
+          <a:lnRef idx="1">
+            <a:schemeClr val="accent1"/>
+          </a:lnRef>
+          <a:fillRef idx="0">
             <a:schemeClr val="accent1"/>
           </a:fillRef>
           <a:effectRef idx="0">
@@ -7391,41 +8283,18 @@
           <a:chExt cx="0" cy="0"/>
         </a:xfrm>
       </p:grpSpPr>
-      <p:pic>
-        <p:nvPicPr>
-          <p:cNvPr id="256" name="図 1" descr="スポーツゲーム, ミラー, テーブル が含まれている画像&#10;&#10;自動的に生成された説明"/>
-          <p:cNvPicPr/>
-          <p:nvPr/>
-        </p:nvPicPr>
-        <p:blipFill>
-          <a:blip r:embed="rId1"/>
-          <a:stretch/>
-        </p:blipFill>
-        <p:spPr>
-          <a:xfrm>
-            <a:off x="2376360" y="2209680"/>
-            <a:ext cx="3975120" cy="2007000"/>
-          </a:xfrm>
-          <a:prstGeom prst="rect">
-            <a:avLst/>
-          </a:prstGeom>
-          <a:ln>
-            <a:noFill/>
-          </a:ln>
-        </p:spPr>
-      </p:pic>
-      <p:sp>
-        <p:nvSpPr>
-          <p:cNvPr id="257" name="CustomShape 1"/>
-          <p:cNvSpPr/>
-          <p:nvPr/>
-        </p:nvSpPr>
-        <p:spPr>
-          <a:xfrm>
-            <a:off x="6835320" y="2963160"/>
-            <a:ext cx="1621440" cy="1616760"/>
-          </a:xfrm>
-          <a:prstGeom prst="rect">
+      <p:sp>
+        <p:nvSpPr>
+          <p:cNvPr id="280" name="CustomShape 1"/>
+          <p:cNvSpPr/>
+          <p:nvPr/>
+        </p:nvSpPr>
+        <p:spPr>
+          <a:xfrm>
+            <a:off x="5858280" y="1739880"/>
+            <a:ext cx="341280" cy="341280"/>
+          </a:xfrm>
+          <a:prstGeom prst="ellipse">
             <a:avLst/>
           </a:prstGeom>
           <a:noFill/>
@@ -7434,12 +8303,6 @@
               <a:schemeClr val="tx1"/>
             </a:solidFill>
           </a:ln>
-          <a:scene3d>
-            <a:camera prst="orthographicFront">
-              <a:rot lat="600000" lon="19199986" rev="0"/>
-            </a:camera>
-            <a:lightRig dir="t" rig="threePt"/>
-          </a:scene3d>
         </p:spPr>
         <p:style>
           <a:lnRef idx="2">
@@ -7458,63 +8321,25 @@
       </p:sp>
       <p:sp>
         <p:nvSpPr>
-          <p:cNvPr id="258" name="Line 2"/>
-          <p:cNvSpPr/>
-          <p:nvPr/>
-        </p:nvSpPr>
-        <p:spPr>
-          <a:xfrm>
-            <a:off x="3015720" y="2962800"/>
-            <a:ext cx="4686480" cy="637200"/>
-          </a:xfrm>
-          <a:prstGeom prst="line">
-            <a:avLst/>
-          </a:prstGeom>
-          <a:ln w="12600">
-            <a:solidFill>
-              <a:srgbClr val="ff0000"/>
-            </a:solidFill>
-          </a:ln>
-        </p:spPr>
-        <p:style>
-          <a:lnRef idx="1">
-            <a:schemeClr val="accent1"/>
-          </a:lnRef>
-          <a:fillRef idx="0">
-            <a:schemeClr val="accent1"/>
-          </a:fillRef>
-          <a:effectRef idx="0">
-            <a:schemeClr val="accent1"/>
-          </a:effectRef>
-          <a:fontRef idx="minor"/>
-        </p:style>
-      </p:sp>
-      <p:sp>
-        <p:nvSpPr>
-          <p:cNvPr id="259" name="CustomShape 3"/>
-          <p:cNvSpPr/>
-          <p:nvPr/>
-        </p:nvSpPr>
-        <p:spPr>
-          <a:xfrm>
-            <a:off x="7494840" y="3600000"/>
-            <a:ext cx="414720" cy="427680"/>
+          <p:cNvPr id="281" name="CustomShape 2"/>
+          <p:cNvSpPr/>
+          <p:nvPr/>
+        </p:nvSpPr>
+        <p:spPr>
+          <a:xfrm>
+            <a:off x="4395240" y="1910880"/>
+            <a:ext cx="3267000" cy="3267000"/>
           </a:xfrm>
           <a:prstGeom prst="ellipse">
             <a:avLst/>
           </a:prstGeom>
           <a:noFill/>
-          <a:ln w="15840">
-            <a:solidFill>
-              <a:srgbClr val="ff0000"/>
-            </a:solidFill>
-          </a:ln>
-          <a:scene3d>
-            <a:camera prst="orthographicFront">
-              <a:rot lat="0" lon="19199985" rev="0"/>
-            </a:camera>
-            <a:lightRig dir="t" rig="threePt"/>
-          </a:scene3d>
+          <a:ln>
+            <a:solidFill>
+              <a:schemeClr val="tx1"/>
+            </a:solidFill>
+            <a:prstDash val="dash"/>
+          </a:ln>
         </p:spPr>
         <p:style>
           <a:lnRef idx="2">
@@ -7533,59 +8358,20 @@
       </p:sp>
       <p:sp>
         <p:nvSpPr>
-          <p:cNvPr id="260" name="Line 4"/>
-          <p:cNvSpPr/>
-          <p:nvPr/>
-        </p:nvSpPr>
-        <p:spPr>
-          <a:xfrm>
-            <a:off x="3015720" y="2962800"/>
-            <a:ext cx="4686480" cy="851040"/>
-          </a:xfrm>
-          <a:prstGeom prst="line">
-            <a:avLst/>
-          </a:prstGeom>
-          <a:ln w="12600">
-            <a:solidFill>
-              <a:srgbClr val="ff0000"/>
-            </a:solidFill>
-          </a:ln>
-        </p:spPr>
-        <p:style>
-          <a:lnRef idx="1">
-            <a:schemeClr val="accent1"/>
-          </a:lnRef>
-          <a:fillRef idx="0">
-            <a:schemeClr val="accent1"/>
-          </a:fillRef>
-          <a:effectRef idx="0">
-            <a:schemeClr val="accent1"/>
-          </a:effectRef>
-          <a:fontRef idx="minor"/>
-        </p:style>
-      </p:sp>
-      <p:sp>
-        <p:nvSpPr>
-          <p:cNvPr id="261" name="CustomShape 5"/>
-          <p:cNvSpPr/>
-          <p:nvPr/>
-        </p:nvSpPr>
-        <p:spPr>
-          <a:xfrm rot="979800">
-            <a:off x="6156720" y="3260880"/>
-            <a:ext cx="417600" cy="538560"/>
-          </a:xfrm>
-          <a:prstGeom prst="blockArc">
-            <a:avLst>
-              <a:gd name="adj1" fmla="val 19526620"/>
-              <a:gd name="adj2" fmla="val 21480308"/>
-              <a:gd name="adj3" fmla="val 0"/>
-            </a:avLst>
-          </a:prstGeom>
-          <a:solidFill>
-            <a:schemeClr val="tx1"/>
-          </a:solidFill>
-          <a:ln>
+          <p:cNvPr id="282" name="CustomShape 3"/>
+          <p:cNvSpPr/>
+          <p:nvPr/>
+        </p:nvSpPr>
+        <p:spPr>
+          <a:xfrm>
+            <a:off x="5858280" y="5007600"/>
+            <a:ext cx="341280" cy="341280"/>
+          </a:xfrm>
+          <a:prstGeom prst="ellipse">
+            <a:avLst/>
+          </a:prstGeom>
+          <a:noFill/>
+          <a:ln w="19080">
             <a:solidFill>
               <a:schemeClr val="tx1"/>
             </a:solidFill>
@@ -7608,14 +8394,118 @@
       </p:sp>
       <p:sp>
         <p:nvSpPr>
-          <p:cNvPr id="262" name="CustomShape 6"/>
-          <p:cNvSpPr/>
-          <p:nvPr/>
-        </p:nvSpPr>
-        <p:spPr>
-          <a:xfrm>
-            <a:off x="6419880" y="3059640"/>
-            <a:ext cx="394200" cy="364680"/>
+          <p:cNvPr id="283" name="CustomShape 4"/>
+          <p:cNvSpPr/>
+          <p:nvPr/>
+        </p:nvSpPr>
+        <p:spPr>
+          <a:xfrm>
+            <a:off x="7013520" y="4545360"/>
+            <a:ext cx="341280" cy="341280"/>
+          </a:xfrm>
+          <a:prstGeom prst="ellipse">
+            <a:avLst/>
+          </a:prstGeom>
+          <a:noFill/>
+          <a:ln w="19080">
+            <a:solidFill>
+              <a:schemeClr val="tx1"/>
+            </a:solidFill>
+          </a:ln>
+        </p:spPr>
+        <p:style>
+          <a:lnRef idx="2">
+            <a:schemeClr val="accent1">
+              <a:shade val="50000"/>
+            </a:schemeClr>
+          </a:lnRef>
+          <a:fillRef idx="1">
+            <a:schemeClr val="accent1"/>
+          </a:fillRef>
+          <a:effectRef idx="0">
+            <a:schemeClr val="accent1"/>
+          </a:effectRef>
+          <a:fontRef idx="minor"/>
+        </p:style>
+      </p:sp>
+      <p:sp>
+        <p:nvSpPr>
+          <p:cNvPr id="284" name="Line 5"/>
+          <p:cNvSpPr/>
+          <p:nvPr/>
+        </p:nvSpPr>
+        <p:spPr>
+          <a:xfrm flipV="1">
+            <a:off x="6028920" y="1910520"/>
+            <a:ext cx="0" cy="3267720"/>
+          </a:xfrm>
+          <a:prstGeom prst="line">
+            <a:avLst/>
+          </a:prstGeom>
+          <a:ln w="12600">
+            <a:solidFill>
+              <a:schemeClr val="tx1"/>
+            </a:solidFill>
+            <a:prstDash val="dash"/>
+          </a:ln>
+        </p:spPr>
+        <p:style>
+          <a:lnRef idx="1">
+            <a:schemeClr val="accent1"/>
+          </a:lnRef>
+          <a:fillRef idx="0">
+            <a:schemeClr val="accent1"/>
+          </a:fillRef>
+          <a:effectRef idx="0">
+            <a:schemeClr val="accent1"/>
+          </a:effectRef>
+          <a:fontRef idx="minor"/>
+        </p:style>
+      </p:sp>
+      <p:sp>
+        <p:nvSpPr>
+          <p:cNvPr id="285" name="Line 6"/>
+          <p:cNvSpPr/>
+          <p:nvPr/>
+        </p:nvSpPr>
+        <p:spPr>
+          <a:xfrm flipH="1" flipV="1">
+            <a:off x="6028920" y="3566160"/>
+            <a:ext cx="1155240" cy="1133280"/>
+          </a:xfrm>
+          <a:prstGeom prst="line">
+            <a:avLst/>
+          </a:prstGeom>
+          <a:ln w="12600">
+            <a:solidFill>
+              <a:schemeClr val="tx1"/>
+            </a:solidFill>
+            <a:prstDash val="dash"/>
+          </a:ln>
+        </p:spPr>
+        <p:style>
+          <a:lnRef idx="1">
+            <a:schemeClr val="accent1"/>
+          </a:lnRef>
+          <a:fillRef idx="0">
+            <a:schemeClr val="accent1"/>
+          </a:fillRef>
+          <a:effectRef idx="0">
+            <a:schemeClr val="accent1"/>
+          </a:effectRef>
+          <a:fontRef idx="minor"/>
+        </p:style>
+      </p:sp>
+      <p:sp>
+        <p:nvSpPr>
+          <p:cNvPr id="286" name="CustomShape 7"/>
+          <p:cNvSpPr/>
+          <p:nvPr/>
+        </p:nvSpPr>
+        <p:spPr>
+          <a:xfrm>
+            <a:off x="5653440" y="1324440"/>
+            <a:ext cx="750960" cy="364680"/>
           </a:xfrm>
           <a:prstGeom prst="rect">
             <a:avLst/>
@@ -7632,7 +8522,7 @@
           <a:fontRef idx="minor"/>
         </p:style>
         <p:txBody>
-          <a:bodyPr lIns="90000" rIns="90000" tIns="45000" bIns="45000">
+          <a:bodyPr wrap="none" lIns="90000" rIns="90000" tIns="45000" bIns="45000">
             <a:spAutoFit/>
           </a:bodyPr>
           <a:p>
@@ -7648,7 +8538,34 @@
                 </a:solidFill>
                 <a:latin typeface="Arial"/>
               </a:rPr>
-              <a:t>1″</a:t>
+              <a:t>3</a:t>
+            </a:r>
+            <a:r>
+              <a:rPr b="0" lang="en-US" sz="1800" spc="-1" strike="noStrike">
+                <a:solidFill>
+                  <a:srgbClr val="000000"/>
+                </a:solidFill>
+                <a:latin typeface="Arial"/>
+              </a:rPr>
+              <a:t>×</a:t>
+            </a:r>
+            <a:r>
+              <a:rPr b="0" lang="en-US" sz="1800" spc="-1" strike="noStrike">
+                <a:solidFill>
+                  <a:srgbClr val="000000"/>
+                </a:solidFill>
+                <a:latin typeface="Arial"/>
+              </a:rPr>
+              <a:t>Φ</a:t>
+            </a:r>
+            <a:r>
+              <a:rPr b="0" lang="en-US" sz="1800" spc="-1" strike="noStrike">
+                <a:solidFill>
+                  <a:srgbClr val="000000"/>
+                </a:solidFill>
+                <a:latin typeface="Arial"/>
+              </a:rPr>
+              <a:t>3</a:t>
             </a:r>
             <a:endParaRPr b="0" lang="en-US" sz="1800" spc="-1" strike="noStrike">
               <a:latin typeface="Arial"/>
@@ -7658,63 +8575,14 @@
       </p:sp>
       <p:sp>
         <p:nvSpPr>
-          <p:cNvPr id="263" name="CustomShape 7"/>
-          <p:cNvSpPr/>
-          <p:nvPr/>
-        </p:nvSpPr>
-        <p:spPr>
-          <a:xfrm>
-            <a:off x="7702200" y="3600000"/>
-            <a:ext cx="360" cy="427680"/>
-          </a:xfrm>
-          <a:custGeom>
-            <a:avLst/>
-            <a:gdLst/>
-            <a:ahLst/>
-            <a:rect l="l" t="t" r="r" b="b"/>
-            <a:pathLst>
-              <a:path w="21600" h="21600">
-                <a:moveTo>
-                  <a:pt x="0" y="0"/>
-                </a:moveTo>
-                <a:lnTo>
-                  <a:pt x="21600" y="21600"/>
-                </a:lnTo>
-              </a:path>
-            </a:pathLst>
-          </a:custGeom>
-          <a:noFill/>
-          <a:ln>
-            <a:solidFill>
-              <a:schemeClr val="tx1"/>
-            </a:solidFill>
-            <a:headEnd len="med" type="triangle" w="med"/>
-            <a:tailEnd len="med" type="triangle" w="med"/>
-          </a:ln>
-        </p:spPr>
-        <p:style>
-          <a:lnRef idx="1">
-            <a:schemeClr val="accent1"/>
-          </a:lnRef>
-          <a:fillRef idx="0">
-            <a:schemeClr val="accent1"/>
-          </a:fillRef>
-          <a:effectRef idx="0">
-            <a:schemeClr val="accent1"/>
-          </a:effectRef>
-          <a:fontRef idx="minor"/>
-        </p:style>
-      </p:sp>
-      <p:sp>
-        <p:nvSpPr>
-          <p:cNvPr id="264" name="CustomShape 8"/>
-          <p:cNvSpPr/>
-          <p:nvPr/>
-        </p:nvSpPr>
-        <p:spPr>
-          <a:xfrm>
-            <a:off x="7631640" y="3281400"/>
-            <a:ext cx="555840" cy="303480"/>
+          <p:cNvPr id="287" name="CustomShape 8"/>
+          <p:cNvSpPr/>
+          <p:nvPr/>
+        </p:nvSpPr>
+        <p:spPr>
+          <a:xfrm>
+            <a:off x="8100360" y="2818440"/>
+            <a:ext cx="617040" cy="364680"/>
           </a:xfrm>
           <a:prstGeom prst="rect">
             <a:avLst/>
@@ -7741,19 +8609,482 @@
               </a:lnSpc>
             </a:pPr>
             <a:r>
-              <a:rPr b="0" lang="en-US" sz="1400" spc="-1" strike="noStrike">
+              <a:rPr b="0" lang="en-US" sz="1800" spc="-1" strike="noStrike">
                 <a:solidFill>
                   <a:srgbClr val="000000"/>
                 </a:solidFill>
                 <a:latin typeface="Arial"/>
               </a:rPr>
-              <a:t>HPD</a:t>
+              <a:t>Φ25</a:t>
             </a:r>
-            <a:endParaRPr b="0" lang="en-US" sz="1400" spc="-1" strike="noStrike">
+            <a:endParaRPr b="0" lang="en-US" sz="1800" spc="-1" strike="noStrike">
               <a:latin typeface="Arial"/>
             </a:endParaRPr>
           </a:p>
         </p:txBody>
+      </p:sp>
+      <p:sp>
+        <p:nvSpPr>
+          <p:cNvPr id="288" name="Line 9"/>
+          <p:cNvSpPr/>
+          <p:nvPr/>
+        </p:nvSpPr>
+        <p:spPr>
+          <a:xfrm flipV="1">
+            <a:off x="7662600" y="2994120"/>
+            <a:ext cx="168840" cy="550080"/>
+          </a:xfrm>
+          <a:prstGeom prst="line">
+            <a:avLst/>
+          </a:prstGeom>
+          <a:ln w="12600">
+            <a:solidFill>
+              <a:schemeClr val="tx1"/>
+            </a:solidFill>
+          </a:ln>
+        </p:spPr>
+        <p:style>
+          <a:lnRef idx="1">
+            <a:schemeClr val="accent1"/>
+          </a:lnRef>
+          <a:fillRef idx="0">
+            <a:schemeClr val="accent1"/>
+          </a:fillRef>
+          <a:effectRef idx="0">
+            <a:schemeClr val="accent1"/>
+          </a:effectRef>
+          <a:fontRef idx="minor"/>
+        </p:style>
+      </p:sp>
+      <p:sp>
+        <p:nvSpPr>
+          <p:cNvPr id="289" name="Line 10"/>
+          <p:cNvSpPr/>
+          <p:nvPr/>
+        </p:nvSpPr>
+        <p:spPr>
+          <a:xfrm>
+            <a:off x="7831440" y="3003120"/>
+            <a:ext cx="264600" cy="0"/>
+          </a:xfrm>
+          <a:prstGeom prst="line">
+            <a:avLst/>
+          </a:prstGeom>
+          <a:ln w="12600">
+            <a:solidFill>
+              <a:schemeClr val="tx1"/>
+            </a:solidFill>
+          </a:ln>
+        </p:spPr>
+        <p:style>
+          <a:lnRef idx="1">
+            <a:schemeClr val="accent1"/>
+          </a:lnRef>
+          <a:fillRef idx="0">
+            <a:schemeClr val="accent1"/>
+          </a:fillRef>
+          <a:effectRef idx="0">
+            <a:schemeClr val="accent1"/>
+          </a:effectRef>
+          <a:fontRef idx="minor"/>
+        </p:style>
+      </p:sp>
+      <p:sp>
+        <p:nvSpPr>
+          <p:cNvPr id="290" name="CustomShape 11"/>
+          <p:cNvSpPr/>
+          <p:nvPr/>
+        </p:nvSpPr>
+        <p:spPr>
+          <a:xfrm rot="5400000">
+            <a:off x="5586120" y="3126240"/>
+            <a:ext cx="885600" cy="836280"/>
+          </a:xfrm>
+          <a:prstGeom prst="blockArc">
+            <a:avLst>
+              <a:gd name="adj1" fmla="val 18940121"/>
+              <a:gd name="adj2" fmla="val 21480308"/>
+              <a:gd name="adj3" fmla="val 0"/>
+            </a:avLst>
+          </a:prstGeom>
+          <a:solidFill>
+            <a:schemeClr val="tx1"/>
+          </a:solidFill>
+          <a:ln>
+            <a:solidFill>
+              <a:schemeClr val="tx1"/>
+            </a:solidFill>
+          </a:ln>
+        </p:spPr>
+        <p:style>
+          <a:lnRef idx="2">
+            <a:schemeClr val="accent1">
+              <a:shade val="50000"/>
+            </a:schemeClr>
+          </a:lnRef>
+          <a:fillRef idx="1">
+            <a:schemeClr val="accent1"/>
+          </a:fillRef>
+          <a:effectRef idx="0">
+            <a:schemeClr val="accent1"/>
+          </a:effectRef>
+          <a:fontRef idx="minor"/>
+        </p:style>
+      </p:sp>
+      <p:sp>
+        <p:nvSpPr>
+          <p:cNvPr id="291" name="CustomShape 12"/>
+          <p:cNvSpPr/>
+          <p:nvPr/>
+        </p:nvSpPr>
+        <p:spPr>
+          <a:xfrm>
+            <a:off x="6042240" y="3945600"/>
+            <a:ext cx="525240" cy="346680"/>
+          </a:xfrm>
+          <a:prstGeom prst="rect">
+            <a:avLst/>
+          </a:prstGeom>
+          <a:noFill/>
+          <a:ln>
+            <a:noFill/>
+          </a:ln>
+        </p:spPr>
+        <p:style>
+          <a:lnRef idx="0"/>
+          <a:fillRef idx="0"/>
+          <a:effectRef idx="0"/>
+          <a:fontRef idx="minor"/>
+        </p:style>
+        <p:txBody>
+          <a:bodyPr lIns="36000" rIns="36000" tIns="36000" bIns="36000">
+            <a:spAutoFit/>
+          </a:bodyPr>
+          <a:p>
+            <a:pPr algn="ctr">
+              <a:lnSpc>
+                <a:spcPct val="100000"/>
+              </a:lnSpc>
+            </a:pPr>
+            <a:r>
+              <a:rPr b="0" lang="en-US" sz="1800" spc="-1" strike="noStrike">
+                <a:solidFill>
+                  <a:srgbClr val="000000"/>
+                </a:solidFill>
+                <a:latin typeface="Arial"/>
+              </a:rPr>
+              <a:t>45˚</a:t>
+            </a:r>
+            <a:endParaRPr b="0" lang="en-US" sz="1800" spc="-1" strike="noStrike">
+              <a:latin typeface="Arial"/>
+            </a:endParaRPr>
+          </a:p>
+        </p:txBody>
+      </p:sp>
+      <p:sp>
+        <p:nvSpPr>
+          <p:cNvPr id="292" name="CustomShape 13"/>
+          <p:cNvSpPr/>
+          <p:nvPr/>
+        </p:nvSpPr>
+        <p:spPr>
+          <a:xfrm>
+            <a:off x="4773240" y="2267640"/>
+            <a:ext cx="2526120" cy="2526120"/>
+          </a:xfrm>
+          <a:prstGeom prst="ellipse">
+            <a:avLst/>
+          </a:prstGeom>
+          <a:noFill/>
+          <a:ln>
+            <a:solidFill>
+              <a:schemeClr val="tx1"/>
+            </a:solidFill>
+            <a:prstDash val="dash"/>
+          </a:ln>
+        </p:spPr>
+        <p:style>
+          <a:lnRef idx="2">
+            <a:schemeClr val="accent1">
+              <a:shade val="50000"/>
+            </a:schemeClr>
+          </a:lnRef>
+          <a:fillRef idx="1">
+            <a:schemeClr val="accent1"/>
+          </a:fillRef>
+          <a:effectRef idx="0">
+            <a:schemeClr val="accent1"/>
+          </a:effectRef>
+          <a:fontRef idx="minor"/>
+        </p:style>
+      </p:sp>
+      <p:sp>
+        <p:nvSpPr>
+          <p:cNvPr id="293" name="Line 14"/>
+          <p:cNvSpPr/>
+          <p:nvPr/>
+        </p:nvSpPr>
+        <p:spPr>
+          <a:xfrm flipH="1">
+            <a:off x="4754880" y="3566160"/>
+            <a:ext cx="2544480" cy="0"/>
+          </a:xfrm>
+          <a:prstGeom prst="line">
+            <a:avLst/>
+          </a:prstGeom>
+          <a:ln w="12600">
+            <a:solidFill>
+              <a:schemeClr val="tx1"/>
+            </a:solidFill>
+            <a:prstDash val="dash"/>
+          </a:ln>
+        </p:spPr>
+        <p:style>
+          <a:lnRef idx="1">
+            <a:schemeClr val="accent1"/>
+          </a:lnRef>
+          <a:fillRef idx="0">
+            <a:schemeClr val="accent1"/>
+          </a:fillRef>
+          <a:effectRef idx="0">
+            <a:schemeClr val="accent1"/>
+          </a:effectRef>
+          <a:fontRef idx="minor"/>
+        </p:style>
+      </p:sp>
+      <p:sp>
+        <p:nvSpPr>
+          <p:cNvPr id="294" name="Line 15"/>
+          <p:cNvSpPr/>
+          <p:nvPr/>
+        </p:nvSpPr>
+        <p:spPr>
+          <a:xfrm flipH="1">
+            <a:off x="6028920" y="2834640"/>
+            <a:ext cx="1011960" cy="731520"/>
+          </a:xfrm>
+          <a:prstGeom prst="line">
+            <a:avLst/>
+          </a:prstGeom>
+          <a:ln w="12600">
+            <a:solidFill>
+              <a:schemeClr val="tx1"/>
+            </a:solidFill>
+            <a:prstDash val="dash"/>
+          </a:ln>
+        </p:spPr>
+        <p:style>
+          <a:lnRef idx="1">
+            <a:schemeClr val="accent1"/>
+          </a:lnRef>
+          <a:fillRef idx="0">
+            <a:schemeClr val="accent1"/>
+          </a:fillRef>
+          <a:effectRef idx="0">
+            <a:schemeClr val="accent1"/>
+          </a:effectRef>
+          <a:fontRef idx="minor"/>
+        </p:style>
+      </p:sp>
+      <p:sp>
+        <p:nvSpPr>
+          <p:cNvPr id="295" name="CustomShape 16"/>
+          <p:cNvSpPr/>
+          <p:nvPr/>
+        </p:nvSpPr>
+        <p:spPr>
+          <a:xfrm>
+            <a:off x="5789520" y="3200400"/>
+            <a:ext cx="702720" cy="745200"/>
+          </a:xfrm>
+          <a:prstGeom prst="blockArc">
+            <a:avLst>
+              <a:gd name="adj1" fmla="val 18940121"/>
+              <a:gd name="adj2" fmla="val 21480308"/>
+              <a:gd name="adj3" fmla="val 0"/>
+            </a:avLst>
+          </a:prstGeom>
+          <a:solidFill>
+            <a:schemeClr val="tx1"/>
+          </a:solidFill>
+          <a:ln>
+            <a:solidFill>
+              <a:schemeClr val="tx1"/>
+            </a:solidFill>
+          </a:ln>
+        </p:spPr>
+        <p:style>
+          <a:lnRef idx="2">
+            <a:schemeClr val="accent1">
+              <a:shade val="50000"/>
+            </a:schemeClr>
+          </a:lnRef>
+          <a:fillRef idx="1">
+            <a:schemeClr val="accent1"/>
+          </a:fillRef>
+          <a:effectRef idx="0">
+            <a:schemeClr val="accent1"/>
+          </a:effectRef>
+          <a:fontRef idx="minor"/>
+        </p:style>
+      </p:sp>
+      <p:sp>
+        <p:nvSpPr>
+          <p:cNvPr id="296" name="CustomShape 17"/>
+          <p:cNvSpPr/>
+          <p:nvPr/>
+        </p:nvSpPr>
+        <p:spPr>
+          <a:xfrm>
+            <a:off x="6424200" y="3200400"/>
+            <a:ext cx="525240" cy="346680"/>
+          </a:xfrm>
+          <a:prstGeom prst="rect">
+            <a:avLst/>
+          </a:prstGeom>
+          <a:noFill/>
+          <a:ln>
+            <a:noFill/>
+          </a:ln>
+        </p:spPr>
+        <p:style>
+          <a:lnRef idx="0"/>
+          <a:fillRef idx="0"/>
+          <a:effectRef idx="0"/>
+          <a:fontRef idx="minor"/>
+        </p:style>
+        <p:txBody>
+          <a:bodyPr lIns="36000" rIns="36000" tIns="36000" bIns="36000">
+            <a:spAutoFit/>
+          </a:bodyPr>
+          <a:p>
+            <a:pPr algn="ctr">
+              <a:lnSpc>
+                <a:spcPct val="100000"/>
+              </a:lnSpc>
+            </a:pPr>
+            <a:r>
+              <a:rPr b="0" lang="en-US" sz="1800" spc="-1" strike="noStrike">
+                <a:solidFill>
+                  <a:srgbClr val="000000"/>
+                </a:solidFill>
+                <a:latin typeface="Arial"/>
+              </a:rPr>
+              <a:t>45˚</a:t>
+            </a:r>
+            <a:endParaRPr b="0" lang="en-US" sz="1800" spc="-1" strike="noStrike">
+              <a:latin typeface="Arial"/>
+            </a:endParaRPr>
+          </a:p>
+        </p:txBody>
+      </p:sp>
+      <p:sp>
+        <p:nvSpPr>
+          <p:cNvPr id="297" name="CustomShape 18"/>
+          <p:cNvSpPr/>
+          <p:nvPr/>
+        </p:nvSpPr>
+        <p:spPr>
+          <a:xfrm>
+            <a:off x="6882480" y="2651760"/>
+            <a:ext cx="341280" cy="341280"/>
+          </a:xfrm>
+          <a:prstGeom prst="ellipse">
+            <a:avLst/>
+          </a:prstGeom>
+          <a:noFill/>
+          <a:ln w="19080">
+            <a:solidFill>
+              <a:schemeClr val="tx1"/>
+            </a:solidFill>
+          </a:ln>
+        </p:spPr>
+        <p:style>
+          <a:lnRef idx="2">
+            <a:schemeClr val="accent1">
+              <a:shade val="50000"/>
+            </a:schemeClr>
+          </a:lnRef>
+          <a:fillRef idx="1">
+            <a:schemeClr val="accent1"/>
+          </a:fillRef>
+          <a:effectRef idx="0">
+            <a:schemeClr val="accent1"/>
+          </a:effectRef>
+          <a:fontRef idx="minor"/>
+        </p:style>
+      </p:sp>
+      <p:sp>
+        <p:nvSpPr>
+          <p:cNvPr id="298" name="CustomShape 19"/>
+          <p:cNvSpPr/>
+          <p:nvPr/>
+        </p:nvSpPr>
+        <p:spPr>
+          <a:xfrm>
+            <a:off x="7132320" y="3383280"/>
+            <a:ext cx="341280" cy="341280"/>
+          </a:xfrm>
+          <a:prstGeom prst="ellipse">
+            <a:avLst/>
+          </a:prstGeom>
+          <a:noFill/>
+          <a:ln w="19080">
+            <a:solidFill>
+              <a:schemeClr val="tx1"/>
+            </a:solidFill>
+          </a:ln>
+        </p:spPr>
+        <p:style>
+          <a:lnRef idx="2">
+            <a:schemeClr val="accent1">
+              <a:shade val="50000"/>
+            </a:schemeClr>
+          </a:lnRef>
+          <a:fillRef idx="1">
+            <a:schemeClr val="accent1"/>
+          </a:fillRef>
+          <a:effectRef idx="0">
+            <a:schemeClr val="accent1"/>
+          </a:effectRef>
+          <a:fontRef idx="minor"/>
+        </p:style>
+      </p:sp>
+      <p:sp>
+        <p:nvSpPr>
+          <p:cNvPr id="299" name="CustomShape 20"/>
+          <p:cNvSpPr/>
+          <p:nvPr/>
+        </p:nvSpPr>
+        <p:spPr>
+          <a:xfrm>
+            <a:off x="4596480" y="3407760"/>
+            <a:ext cx="341280" cy="341280"/>
+          </a:xfrm>
+          <a:prstGeom prst="ellipse">
+            <a:avLst/>
+          </a:prstGeom>
+          <a:noFill/>
+          <a:ln w="19080">
+            <a:solidFill>
+              <a:schemeClr val="tx1"/>
+            </a:solidFill>
+          </a:ln>
+        </p:spPr>
+        <p:style>
+          <a:lnRef idx="2">
+            <a:schemeClr val="accent1">
+              <a:shade val="50000"/>
+            </a:schemeClr>
+          </a:lnRef>
+          <a:fillRef idx="1">
+            <a:schemeClr val="accent1"/>
+          </a:fillRef>
+          <a:effectRef idx="0">
+            <a:schemeClr val="accent1"/>
+          </a:effectRef>
+          <a:fontRef idx="minor"/>
+        </p:style>
       </p:sp>
     </p:spTree>
   </p:cSld>
@@ -7787,7 +9118,674 @@
       </p:grpSpPr>
       <p:sp>
         <p:nvSpPr>
-          <p:cNvPr id="265" name="Line 1"/>
+          <p:cNvPr id="300" name="CustomShape 1"/>
+          <p:cNvSpPr/>
+          <p:nvPr/>
+        </p:nvSpPr>
+        <p:spPr>
+          <a:xfrm flipV="1">
+            <a:off x="6298200" y="3374640"/>
+            <a:ext cx="106920" cy="106920"/>
+          </a:xfrm>
+          <a:prstGeom prst="ellipse">
+            <a:avLst/>
+          </a:prstGeom>
+          <a:solidFill>
+            <a:srgbClr val="ff0000"/>
+          </a:solidFill>
+          <a:ln>
+            <a:noFill/>
+          </a:ln>
+        </p:spPr>
+        <p:style>
+          <a:lnRef idx="2">
+            <a:schemeClr val="accent1">
+              <a:shade val="50000"/>
+            </a:schemeClr>
+          </a:lnRef>
+          <a:fillRef idx="1">
+            <a:schemeClr val="accent1"/>
+          </a:fillRef>
+          <a:effectRef idx="0">
+            <a:schemeClr val="accent1"/>
+          </a:effectRef>
+          <a:fontRef idx="minor"/>
+        </p:style>
+      </p:sp>
+      <p:sp>
+        <p:nvSpPr>
+          <p:cNvPr id="301" name="CustomShape 2"/>
+          <p:cNvSpPr/>
+          <p:nvPr/>
+        </p:nvSpPr>
+        <p:spPr>
+          <a:xfrm>
+            <a:off x="4168800" y="2337480"/>
+            <a:ext cx="2182680" cy="2182680"/>
+          </a:xfrm>
+          <a:prstGeom prst="ellipse">
+            <a:avLst/>
+          </a:prstGeom>
+          <a:noFill/>
+          <a:ln>
+            <a:solidFill>
+              <a:srgbClr val="ff0000"/>
+            </a:solidFill>
+          </a:ln>
+        </p:spPr>
+        <p:style>
+          <a:lnRef idx="2">
+            <a:schemeClr val="accent1">
+              <a:shade val="50000"/>
+            </a:schemeClr>
+          </a:lnRef>
+          <a:fillRef idx="1">
+            <a:schemeClr val="accent1"/>
+          </a:fillRef>
+          <a:effectRef idx="0">
+            <a:schemeClr val="accent1"/>
+          </a:effectRef>
+          <a:fontRef idx="minor"/>
+        </p:style>
+      </p:sp>
+      <p:sp>
+        <p:nvSpPr>
+          <p:cNvPr id="302" name="CustomShape 3"/>
+          <p:cNvSpPr/>
+          <p:nvPr/>
+        </p:nvSpPr>
+        <p:spPr>
+          <a:xfrm>
+            <a:off x="5260320" y="2337480"/>
+            <a:ext cx="2182680" cy="2182680"/>
+          </a:xfrm>
+          <a:prstGeom prst="ellipse">
+            <a:avLst/>
+          </a:prstGeom>
+          <a:noFill/>
+          <a:ln>
+            <a:solidFill>
+              <a:srgbClr val="ff0000"/>
+            </a:solidFill>
+          </a:ln>
+        </p:spPr>
+        <p:style>
+          <a:lnRef idx="2">
+            <a:schemeClr val="accent1">
+              <a:shade val="50000"/>
+            </a:schemeClr>
+          </a:lnRef>
+          <a:fillRef idx="1">
+            <a:schemeClr val="accent1"/>
+          </a:fillRef>
+          <a:effectRef idx="0">
+            <a:schemeClr val="accent1"/>
+          </a:effectRef>
+          <a:fontRef idx="minor"/>
+        </p:style>
+      </p:sp>
+      <p:sp>
+        <p:nvSpPr>
+          <p:cNvPr id="303" name="CustomShape 4"/>
+          <p:cNvSpPr/>
+          <p:nvPr/>
+        </p:nvSpPr>
+        <p:spPr>
+          <a:xfrm>
+            <a:off x="4168800" y="3429000"/>
+            <a:ext cx="2182680" cy="360"/>
+          </a:xfrm>
+          <a:custGeom>
+            <a:avLst/>
+            <a:gdLst/>
+            <a:ahLst/>
+            <a:rect l="l" t="t" r="r" b="b"/>
+            <a:pathLst>
+              <a:path w="21600" h="21600">
+                <a:moveTo>
+                  <a:pt x="0" y="0"/>
+                </a:moveTo>
+                <a:lnTo>
+                  <a:pt x="21600" y="21600"/>
+                </a:lnTo>
+              </a:path>
+            </a:pathLst>
+          </a:custGeom>
+          <a:noFill/>
+          <a:ln w="25560">
+            <a:solidFill>
+              <a:schemeClr val="tx1"/>
+            </a:solidFill>
+            <a:headEnd len="lg" type="triangle" w="lg"/>
+            <a:tailEnd len="lg" type="triangle" w="lg"/>
+          </a:ln>
+        </p:spPr>
+        <p:style>
+          <a:lnRef idx="1">
+            <a:schemeClr val="accent1"/>
+          </a:lnRef>
+          <a:fillRef idx="0">
+            <a:schemeClr val="accent1"/>
+          </a:fillRef>
+          <a:effectRef idx="0">
+            <a:schemeClr val="accent1"/>
+          </a:effectRef>
+          <a:fontRef idx="minor"/>
+        </p:style>
+      </p:sp>
+      <p:sp>
+        <p:nvSpPr>
+          <p:cNvPr id="304" name="CustomShape 5"/>
+          <p:cNvSpPr/>
+          <p:nvPr/>
+        </p:nvSpPr>
+        <p:spPr>
+          <a:xfrm>
+            <a:off x="4504680" y="3435120"/>
+            <a:ext cx="662760" cy="364680"/>
+          </a:xfrm>
+          <a:prstGeom prst="rect">
+            <a:avLst/>
+          </a:prstGeom>
+          <a:noFill/>
+          <a:ln>
+            <a:noFill/>
+          </a:ln>
+        </p:spPr>
+        <p:style>
+          <a:lnRef idx="0"/>
+          <a:fillRef idx="0"/>
+          <a:effectRef idx="0"/>
+          <a:fontRef idx="minor"/>
+        </p:style>
+        <p:txBody>
+          <a:bodyPr wrap="none" lIns="90000" rIns="90000" tIns="45000" bIns="45000">
+            <a:spAutoFit/>
+          </a:bodyPr>
+          <a:p>
+            <a:pPr algn="ctr">
+              <a:lnSpc>
+                <a:spcPct val="100000"/>
+              </a:lnSpc>
+            </a:pPr>
+            <a:r>
+              <a:rPr b="0" lang="en-US" sz="1800" spc="-1" strike="noStrike">
+                <a:solidFill>
+                  <a:srgbClr val="000000"/>
+                </a:solidFill>
+                <a:latin typeface="Arial"/>
+              </a:rPr>
+              <a:t>HPD</a:t>
+            </a:r>
+            <a:endParaRPr b="0" lang="en-US" sz="1800" spc="-1" strike="noStrike">
+              <a:latin typeface="Arial"/>
+            </a:endParaRPr>
+          </a:p>
+        </p:txBody>
+      </p:sp>
+      <p:sp>
+        <p:nvSpPr>
+          <p:cNvPr id="305" name="CustomShape 6"/>
+          <p:cNvSpPr/>
+          <p:nvPr/>
+        </p:nvSpPr>
+        <p:spPr>
+          <a:xfrm flipV="1">
+            <a:off x="5206680" y="3374640"/>
+            <a:ext cx="106920" cy="106920"/>
+          </a:xfrm>
+          <a:prstGeom prst="ellipse">
+            <a:avLst/>
+          </a:prstGeom>
+          <a:solidFill>
+            <a:srgbClr val="ff0000"/>
+          </a:solidFill>
+          <a:ln>
+            <a:noFill/>
+          </a:ln>
+        </p:spPr>
+        <p:style>
+          <a:lnRef idx="2">
+            <a:schemeClr val="accent1">
+              <a:shade val="50000"/>
+            </a:schemeClr>
+          </a:lnRef>
+          <a:fillRef idx="1">
+            <a:schemeClr val="accent1"/>
+          </a:fillRef>
+          <a:effectRef idx="0">
+            <a:schemeClr val="accent1"/>
+          </a:effectRef>
+          <a:fontRef idx="minor"/>
+        </p:style>
+      </p:sp>
+    </p:spTree>
+  </p:cSld>
+  <mc:AlternateContent>
+    <mc:Choice Requires="p14">
+      <p:transition spd="slow" p14:dur="2000"/>
+    </mc:Choice>
+    <mc:Fallback>
+      <p:transition spd="slow"/>
+    </mc:Fallback>
+  </mc:AlternateContent>
+</p:sld>
+</file>
+
+<file path=ppt/slides/slide17.xml><?xml version="1.0" encoding="utf-8"?>
+<p:sld xmlns:a="http://schemas.openxmlformats.org/drawingml/2006/main" xmlns:p="http://schemas.openxmlformats.org/presentationml/2006/main" xmlns:r="http://schemas.openxmlformats.org/officeDocument/2006/relationships" xmlns:p14="http://schemas.microsoft.com/office/powerpoint/2010/main" xmlns:p15="http://schemas.microsoft.com/office/powerpoint/2012/main" xmlns:mc="http://schemas.openxmlformats.org/markup-compatibility/2006">
+  <p:cSld>
+    <p:spTree>
+      <p:nvGrpSpPr>
+        <p:cNvPr id="1" name=""/>
+        <p:cNvGrpSpPr/>
+        <p:nvPr/>
+      </p:nvGrpSpPr>
+      <p:grpSpPr>
+        <a:xfrm>
+          <a:off x="0" y="0"/>
+          <a:ext cx="0" cy="0"/>
+          <a:chOff x="0" y="0"/>
+          <a:chExt cx="0" cy="0"/>
+        </a:xfrm>
+      </p:grpSpPr>
+      <p:pic>
+        <p:nvPicPr>
+          <p:cNvPr id="306" name="図 1" descr="スポーツゲーム, ミラー, テーブル が含まれている画像&#10;&#10;自動的に生成された説明"/>
+          <p:cNvPicPr/>
+          <p:nvPr/>
+        </p:nvPicPr>
+        <p:blipFill>
+          <a:blip r:embed="rId1"/>
+          <a:stretch/>
+        </p:blipFill>
+        <p:spPr>
+          <a:xfrm>
+            <a:off x="2376360" y="2209680"/>
+            <a:ext cx="3975120" cy="2007000"/>
+          </a:xfrm>
+          <a:prstGeom prst="rect">
+            <a:avLst/>
+          </a:prstGeom>
+          <a:ln>
+            <a:noFill/>
+          </a:ln>
+        </p:spPr>
+      </p:pic>
+      <p:sp>
+        <p:nvSpPr>
+          <p:cNvPr id="307" name="CustomShape 1"/>
+          <p:cNvSpPr/>
+          <p:nvPr/>
+        </p:nvSpPr>
+        <p:spPr>
+          <a:xfrm>
+            <a:off x="6835320" y="2963160"/>
+            <a:ext cx="1621440" cy="1616760"/>
+          </a:xfrm>
+          <a:prstGeom prst="rect">
+            <a:avLst/>
+          </a:prstGeom>
+          <a:noFill/>
+          <a:ln w="19080">
+            <a:solidFill>
+              <a:schemeClr val="tx1"/>
+            </a:solidFill>
+          </a:ln>
+          <a:scene3d>
+            <a:camera prst="orthographicFront">
+              <a:rot lat="600000" lon="19199986" rev="0"/>
+            </a:camera>
+            <a:lightRig dir="t" rig="threePt"/>
+          </a:scene3d>
+        </p:spPr>
+        <p:style>
+          <a:lnRef idx="2">
+            <a:schemeClr val="accent1">
+              <a:shade val="50000"/>
+            </a:schemeClr>
+          </a:lnRef>
+          <a:fillRef idx="1">
+            <a:schemeClr val="accent1"/>
+          </a:fillRef>
+          <a:effectRef idx="0">
+            <a:schemeClr val="accent1"/>
+          </a:effectRef>
+          <a:fontRef idx="minor"/>
+        </p:style>
+      </p:sp>
+      <p:sp>
+        <p:nvSpPr>
+          <p:cNvPr id="308" name="Line 2"/>
+          <p:cNvSpPr/>
+          <p:nvPr/>
+        </p:nvSpPr>
+        <p:spPr>
+          <a:xfrm>
+            <a:off x="3015720" y="2962800"/>
+            <a:ext cx="4686480" cy="637200"/>
+          </a:xfrm>
+          <a:prstGeom prst="line">
+            <a:avLst/>
+          </a:prstGeom>
+          <a:ln w="12600">
+            <a:solidFill>
+              <a:srgbClr val="ff0000"/>
+            </a:solidFill>
+          </a:ln>
+        </p:spPr>
+        <p:style>
+          <a:lnRef idx="1">
+            <a:schemeClr val="accent1"/>
+          </a:lnRef>
+          <a:fillRef idx="0">
+            <a:schemeClr val="accent1"/>
+          </a:fillRef>
+          <a:effectRef idx="0">
+            <a:schemeClr val="accent1"/>
+          </a:effectRef>
+          <a:fontRef idx="minor"/>
+        </p:style>
+      </p:sp>
+      <p:sp>
+        <p:nvSpPr>
+          <p:cNvPr id="309" name="CustomShape 3"/>
+          <p:cNvSpPr/>
+          <p:nvPr/>
+        </p:nvSpPr>
+        <p:spPr>
+          <a:xfrm>
+            <a:off x="7494840" y="3600000"/>
+            <a:ext cx="414720" cy="427680"/>
+          </a:xfrm>
+          <a:prstGeom prst="ellipse">
+            <a:avLst/>
+          </a:prstGeom>
+          <a:noFill/>
+          <a:ln w="15840">
+            <a:solidFill>
+              <a:srgbClr val="ff0000"/>
+            </a:solidFill>
+          </a:ln>
+          <a:scene3d>
+            <a:camera prst="orthographicFront">
+              <a:rot lat="0" lon="19199985" rev="0"/>
+            </a:camera>
+            <a:lightRig dir="t" rig="threePt"/>
+          </a:scene3d>
+        </p:spPr>
+        <p:style>
+          <a:lnRef idx="2">
+            <a:schemeClr val="accent1">
+              <a:shade val="50000"/>
+            </a:schemeClr>
+          </a:lnRef>
+          <a:fillRef idx="1">
+            <a:schemeClr val="accent1"/>
+          </a:fillRef>
+          <a:effectRef idx="0">
+            <a:schemeClr val="accent1"/>
+          </a:effectRef>
+          <a:fontRef idx="minor"/>
+        </p:style>
+      </p:sp>
+      <p:sp>
+        <p:nvSpPr>
+          <p:cNvPr id="310" name="Line 4"/>
+          <p:cNvSpPr/>
+          <p:nvPr/>
+        </p:nvSpPr>
+        <p:spPr>
+          <a:xfrm>
+            <a:off x="3015720" y="2962800"/>
+            <a:ext cx="4686480" cy="851040"/>
+          </a:xfrm>
+          <a:prstGeom prst="line">
+            <a:avLst/>
+          </a:prstGeom>
+          <a:ln w="12600">
+            <a:solidFill>
+              <a:srgbClr val="ff0000"/>
+            </a:solidFill>
+          </a:ln>
+        </p:spPr>
+        <p:style>
+          <a:lnRef idx="1">
+            <a:schemeClr val="accent1"/>
+          </a:lnRef>
+          <a:fillRef idx="0">
+            <a:schemeClr val="accent1"/>
+          </a:fillRef>
+          <a:effectRef idx="0">
+            <a:schemeClr val="accent1"/>
+          </a:effectRef>
+          <a:fontRef idx="minor"/>
+        </p:style>
+      </p:sp>
+      <p:sp>
+        <p:nvSpPr>
+          <p:cNvPr id="311" name="CustomShape 5"/>
+          <p:cNvSpPr/>
+          <p:nvPr/>
+        </p:nvSpPr>
+        <p:spPr>
+          <a:xfrm rot="979800">
+            <a:off x="6156720" y="3260880"/>
+            <a:ext cx="417600" cy="538560"/>
+          </a:xfrm>
+          <a:prstGeom prst="blockArc">
+            <a:avLst>
+              <a:gd name="adj1" fmla="val 19526620"/>
+              <a:gd name="adj2" fmla="val 21480308"/>
+              <a:gd name="adj3" fmla="val 0"/>
+            </a:avLst>
+          </a:prstGeom>
+          <a:solidFill>
+            <a:schemeClr val="tx1"/>
+          </a:solidFill>
+          <a:ln>
+            <a:solidFill>
+              <a:schemeClr val="tx1"/>
+            </a:solidFill>
+          </a:ln>
+        </p:spPr>
+        <p:style>
+          <a:lnRef idx="2">
+            <a:schemeClr val="accent1">
+              <a:shade val="50000"/>
+            </a:schemeClr>
+          </a:lnRef>
+          <a:fillRef idx="1">
+            <a:schemeClr val="accent1"/>
+          </a:fillRef>
+          <a:effectRef idx="0">
+            <a:schemeClr val="accent1"/>
+          </a:effectRef>
+          <a:fontRef idx="minor"/>
+        </p:style>
+      </p:sp>
+      <p:sp>
+        <p:nvSpPr>
+          <p:cNvPr id="312" name="CustomShape 6"/>
+          <p:cNvSpPr/>
+          <p:nvPr/>
+        </p:nvSpPr>
+        <p:spPr>
+          <a:xfrm>
+            <a:off x="6419880" y="3059640"/>
+            <a:ext cx="394200" cy="364680"/>
+          </a:xfrm>
+          <a:prstGeom prst="rect">
+            <a:avLst/>
+          </a:prstGeom>
+          <a:noFill/>
+          <a:ln>
+            <a:noFill/>
+          </a:ln>
+        </p:spPr>
+        <p:style>
+          <a:lnRef idx="0"/>
+          <a:fillRef idx="0"/>
+          <a:effectRef idx="0"/>
+          <a:fontRef idx="minor"/>
+        </p:style>
+        <p:txBody>
+          <a:bodyPr lIns="90000" rIns="90000" tIns="45000" bIns="45000">
+            <a:spAutoFit/>
+          </a:bodyPr>
+          <a:p>
+            <a:pPr algn="ctr">
+              <a:lnSpc>
+                <a:spcPct val="100000"/>
+              </a:lnSpc>
+            </a:pPr>
+            <a:r>
+              <a:rPr b="0" lang="en-US" sz="1800" spc="-1" strike="noStrike">
+                <a:solidFill>
+                  <a:srgbClr val="000000"/>
+                </a:solidFill>
+                <a:latin typeface="Arial"/>
+              </a:rPr>
+              <a:t>1″</a:t>
+            </a:r>
+            <a:endParaRPr b="0" lang="en-US" sz="1800" spc="-1" strike="noStrike">
+              <a:latin typeface="Arial"/>
+            </a:endParaRPr>
+          </a:p>
+        </p:txBody>
+      </p:sp>
+      <p:sp>
+        <p:nvSpPr>
+          <p:cNvPr id="313" name="CustomShape 7"/>
+          <p:cNvSpPr/>
+          <p:nvPr/>
+        </p:nvSpPr>
+        <p:spPr>
+          <a:xfrm>
+            <a:off x="7702200" y="3600000"/>
+            <a:ext cx="360" cy="427680"/>
+          </a:xfrm>
+          <a:custGeom>
+            <a:avLst/>
+            <a:gdLst/>
+            <a:ahLst/>
+            <a:rect l="l" t="t" r="r" b="b"/>
+            <a:pathLst>
+              <a:path w="21600" h="21600">
+                <a:moveTo>
+                  <a:pt x="0" y="0"/>
+                </a:moveTo>
+                <a:lnTo>
+                  <a:pt x="21600" y="21600"/>
+                </a:lnTo>
+              </a:path>
+            </a:pathLst>
+          </a:custGeom>
+          <a:noFill/>
+          <a:ln>
+            <a:solidFill>
+              <a:schemeClr val="tx1"/>
+            </a:solidFill>
+            <a:headEnd len="med" type="triangle" w="med"/>
+            <a:tailEnd len="med" type="triangle" w="med"/>
+          </a:ln>
+        </p:spPr>
+        <p:style>
+          <a:lnRef idx="1">
+            <a:schemeClr val="accent1"/>
+          </a:lnRef>
+          <a:fillRef idx="0">
+            <a:schemeClr val="accent1"/>
+          </a:fillRef>
+          <a:effectRef idx="0">
+            <a:schemeClr val="accent1"/>
+          </a:effectRef>
+          <a:fontRef idx="minor"/>
+        </p:style>
+      </p:sp>
+      <p:sp>
+        <p:nvSpPr>
+          <p:cNvPr id="314" name="CustomShape 8"/>
+          <p:cNvSpPr/>
+          <p:nvPr/>
+        </p:nvSpPr>
+        <p:spPr>
+          <a:xfrm>
+            <a:off x="7631640" y="3281400"/>
+            <a:ext cx="555840" cy="303480"/>
+          </a:xfrm>
+          <a:prstGeom prst="rect">
+            <a:avLst/>
+          </a:prstGeom>
+          <a:noFill/>
+          <a:ln>
+            <a:noFill/>
+          </a:ln>
+        </p:spPr>
+        <p:style>
+          <a:lnRef idx="0"/>
+          <a:fillRef idx="0"/>
+          <a:effectRef idx="0"/>
+          <a:fontRef idx="minor"/>
+        </p:style>
+        <p:txBody>
+          <a:bodyPr wrap="none" lIns="90000" rIns="90000" tIns="45000" bIns="45000">
+            <a:spAutoFit/>
+          </a:bodyPr>
+          <a:p>
+            <a:pPr algn="ctr">
+              <a:lnSpc>
+                <a:spcPct val="100000"/>
+              </a:lnSpc>
+            </a:pPr>
+            <a:r>
+              <a:rPr b="0" lang="en-US" sz="1400" spc="-1" strike="noStrike">
+                <a:solidFill>
+                  <a:srgbClr val="000000"/>
+                </a:solidFill>
+                <a:latin typeface="Arial"/>
+              </a:rPr>
+              <a:t>HPD</a:t>
+            </a:r>
+            <a:endParaRPr b="0" lang="en-US" sz="1400" spc="-1" strike="noStrike">
+              <a:latin typeface="Arial"/>
+            </a:endParaRPr>
+          </a:p>
+        </p:txBody>
+      </p:sp>
+    </p:spTree>
+  </p:cSld>
+  <mc:AlternateContent>
+    <mc:Choice Requires="p14">
+      <p:transition spd="slow" p14:dur="2000"/>
+    </mc:Choice>
+    <mc:Fallback>
+      <p:transition spd="slow"/>
+    </mc:Fallback>
+  </mc:AlternateContent>
+</p:sld>
+</file>
+
+<file path=ppt/slides/slide18.xml><?xml version="1.0" encoding="utf-8"?>
+<p:sld xmlns:a="http://schemas.openxmlformats.org/drawingml/2006/main" xmlns:p="http://schemas.openxmlformats.org/presentationml/2006/main" xmlns:r="http://schemas.openxmlformats.org/officeDocument/2006/relationships" xmlns:p14="http://schemas.microsoft.com/office/powerpoint/2010/main" xmlns:p15="http://schemas.microsoft.com/office/powerpoint/2012/main" xmlns:mc="http://schemas.openxmlformats.org/markup-compatibility/2006">
+  <p:cSld>
+    <p:spTree>
+      <p:nvGrpSpPr>
+        <p:cNvPr id="1" name=""/>
+        <p:cNvGrpSpPr/>
+        <p:nvPr/>
+      </p:nvGrpSpPr>
+      <p:grpSpPr>
+        <a:xfrm>
+          <a:off x="0" y="0"/>
+          <a:ext cx="0" cy="0"/>
+          <a:chOff x="0" y="0"/>
+          <a:chExt cx="0" cy="0"/>
+        </a:xfrm>
+      </p:grpSpPr>
+      <p:sp>
+        <p:nvSpPr>
+          <p:cNvPr id="315" name="Line 1"/>
           <p:cNvSpPr/>
           <p:nvPr/>
         </p:nvSpPr>
@@ -7820,7 +9818,7 @@
       </p:sp>
       <p:sp>
         <p:nvSpPr>
-          <p:cNvPr id="266" name="Line 2"/>
+          <p:cNvPr id="316" name="Line 2"/>
           <p:cNvSpPr/>
           <p:nvPr/>
         </p:nvSpPr>
@@ -7853,7 +9851,7 @@
       </p:sp>
       <p:sp>
         <p:nvSpPr>
-          <p:cNvPr id="267" name="Line 3"/>
+          <p:cNvPr id="317" name="Line 3"/>
           <p:cNvSpPr/>
           <p:nvPr/>
         </p:nvSpPr>
@@ -7886,7 +9884,7 @@
       </p:sp>
       <p:sp>
         <p:nvSpPr>
-          <p:cNvPr id="268" name="Line 4"/>
+          <p:cNvPr id="318" name="Line 4"/>
           <p:cNvSpPr/>
           <p:nvPr/>
         </p:nvSpPr>
@@ -7919,7 +9917,7 @@
       </p:sp>
       <p:sp>
         <p:nvSpPr>
-          <p:cNvPr id="269" name="Line 5"/>
+          <p:cNvPr id="319" name="Line 5"/>
           <p:cNvSpPr/>
           <p:nvPr/>
         </p:nvSpPr>
@@ -7952,7 +9950,7 @@
       </p:sp>
       <p:sp>
         <p:nvSpPr>
-          <p:cNvPr id="270" name="Line 6"/>
+          <p:cNvPr id="320" name="Line 6"/>
           <p:cNvSpPr/>
           <p:nvPr/>
         </p:nvSpPr>
@@ -7985,7 +9983,7 @@
       </p:sp>
       <p:sp>
         <p:nvSpPr>
-          <p:cNvPr id="271" name="Line 7"/>
+          <p:cNvPr id="321" name="Line 7"/>
           <p:cNvSpPr/>
           <p:nvPr/>
         </p:nvSpPr>
@@ -8018,7 +10016,7 @@
       </p:sp>
       <p:sp>
         <p:nvSpPr>
-          <p:cNvPr id="272" name="Line 8"/>
+          <p:cNvPr id="322" name="Line 8"/>
           <p:cNvSpPr/>
           <p:nvPr/>
         </p:nvSpPr>
@@ -8051,7 +10049,7 @@
       </p:sp>
       <p:sp>
         <p:nvSpPr>
-          <p:cNvPr id="273" name="Line 9"/>
+          <p:cNvPr id="323" name="Line 9"/>
           <p:cNvSpPr/>
           <p:nvPr/>
         </p:nvSpPr>
@@ -8084,7 +10082,7 @@
       </p:sp>
       <p:sp>
         <p:nvSpPr>
-          <p:cNvPr id="274" name="Line 10"/>
+          <p:cNvPr id="324" name="Line 10"/>
           <p:cNvSpPr/>
           <p:nvPr/>
         </p:nvSpPr>
@@ -8117,7 +10115,7 @@
       </p:sp>
       <p:sp>
         <p:nvSpPr>
-          <p:cNvPr id="275" name="Line 11"/>
+          <p:cNvPr id="325" name="Line 11"/>
           <p:cNvSpPr/>
           <p:nvPr/>
         </p:nvSpPr>
@@ -8154,7 +10152,7 @@
       </p:sp>
       <p:sp>
         <p:nvSpPr>
-          <p:cNvPr id="276" name="Line 12"/>
+          <p:cNvPr id="326" name="Line 12"/>
           <p:cNvSpPr/>
           <p:nvPr/>
         </p:nvSpPr>
@@ -8191,7 +10189,7 @@
       </p:sp>
       <p:sp>
         <p:nvSpPr>
-          <p:cNvPr id="277" name="CustomShape 13"/>
+          <p:cNvPr id="327" name="CustomShape 13"/>
           <p:cNvSpPr/>
           <p:nvPr/>
         </p:nvSpPr>
@@ -8242,7 +10240,7 @@
       </p:sp>
       <p:sp>
         <p:nvSpPr>
-          <p:cNvPr id="278" name="CustomShape 14"/>
+          <p:cNvPr id="328" name="CustomShape 14"/>
           <p:cNvSpPr/>
           <p:nvPr/>
         </p:nvSpPr>
@@ -8292,7 +10290,7 @@
       </p:sp>
       <p:sp>
         <p:nvSpPr>
-          <p:cNvPr id="279" name="CustomShape 15"/>
+          <p:cNvPr id="329" name="CustomShape 15"/>
           <p:cNvSpPr/>
           <p:nvPr/>
         </p:nvSpPr>
@@ -8343,7 +10341,7 @@
       </p:sp>
       <p:sp>
         <p:nvSpPr>
-          <p:cNvPr id="280" name="CustomShape 16"/>
+          <p:cNvPr id="330" name="CustomShape 16"/>
           <p:cNvSpPr/>
           <p:nvPr/>
         </p:nvSpPr>

--- a/illustration/illusts.pptx
+++ b/illustration/illusts.pptx
@@ -80,7 +80,205 @@
                 </a:solidFill>
                 <a:latin typeface="游ゴシック"/>
               </a:rPr>
-              <a:t>Click to move the slide</a:t>
+              <a:t>C</a:t>
+            </a:r>
+            <a:r>
+              <a:rPr b="0" lang="en-US" sz="1800" spc="-1" strike="noStrike">
+                <a:solidFill>
+                  <a:srgbClr val="000000"/>
+                </a:solidFill>
+                <a:latin typeface="游ゴシック"/>
+              </a:rPr>
+              <a:t>l</a:t>
+            </a:r>
+            <a:r>
+              <a:rPr b="0" lang="en-US" sz="1800" spc="-1" strike="noStrike">
+                <a:solidFill>
+                  <a:srgbClr val="000000"/>
+                </a:solidFill>
+                <a:latin typeface="游ゴシック"/>
+              </a:rPr>
+              <a:t>i</a:t>
+            </a:r>
+            <a:r>
+              <a:rPr b="0" lang="en-US" sz="1800" spc="-1" strike="noStrike">
+                <a:solidFill>
+                  <a:srgbClr val="000000"/>
+                </a:solidFill>
+                <a:latin typeface="游ゴシック"/>
+              </a:rPr>
+              <a:t>c</a:t>
+            </a:r>
+            <a:r>
+              <a:rPr b="0" lang="en-US" sz="1800" spc="-1" strike="noStrike">
+                <a:solidFill>
+                  <a:srgbClr val="000000"/>
+                </a:solidFill>
+                <a:latin typeface="游ゴシック"/>
+              </a:rPr>
+              <a:t>k</a:t>
+            </a:r>
+            <a:r>
+              <a:rPr b="0" lang="en-US" sz="1800" spc="-1" strike="noStrike">
+                <a:solidFill>
+                  <a:srgbClr val="000000"/>
+                </a:solidFill>
+                <a:latin typeface="游ゴシック"/>
+              </a:rPr>
+              <a:t> </a:t>
+            </a:r>
+            <a:r>
+              <a:rPr b="0" lang="en-US" sz="1800" spc="-1" strike="noStrike">
+                <a:solidFill>
+                  <a:srgbClr val="000000"/>
+                </a:solidFill>
+                <a:latin typeface="游ゴシック"/>
+              </a:rPr>
+              <a:t>t</a:t>
+            </a:r>
+            <a:r>
+              <a:rPr b="0" lang="en-US" sz="1800" spc="-1" strike="noStrike">
+                <a:solidFill>
+                  <a:srgbClr val="000000"/>
+                </a:solidFill>
+                <a:latin typeface="游ゴシック"/>
+              </a:rPr>
+              <a:t>o</a:t>
+            </a:r>
+            <a:r>
+              <a:rPr b="0" lang="en-US" sz="1800" spc="-1" strike="noStrike">
+                <a:solidFill>
+                  <a:srgbClr val="000000"/>
+                </a:solidFill>
+                <a:latin typeface="游ゴシック"/>
+              </a:rPr>
+              <a:t> </a:t>
+            </a:r>
+            <a:r>
+              <a:rPr b="0" lang="en-US" sz="1800" spc="-1" strike="noStrike">
+                <a:solidFill>
+                  <a:srgbClr val="000000"/>
+                </a:solidFill>
+                <a:latin typeface="游ゴシック"/>
+              </a:rPr>
+              <a:t>m</a:t>
+            </a:r>
+            <a:r>
+              <a:rPr b="0" lang="en-US" sz="1800" spc="-1" strike="noStrike">
+                <a:solidFill>
+                  <a:srgbClr val="000000"/>
+                </a:solidFill>
+                <a:latin typeface="游ゴシック"/>
+              </a:rPr>
+              <a:t>o</a:t>
+            </a:r>
+            <a:r>
+              <a:rPr b="0" lang="en-US" sz="1800" spc="-1" strike="noStrike">
+                <a:solidFill>
+                  <a:srgbClr val="000000"/>
+                </a:solidFill>
+                <a:latin typeface="游ゴシック"/>
+              </a:rPr>
+              <a:t>v</a:t>
+            </a:r>
+            <a:r>
+              <a:rPr b="0" lang="en-US" sz="1800" spc="-1" strike="noStrike">
+                <a:solidFill>
+                  <a:srgbClr val="000000"/>
+                </a:solidFill>
+                <a:latin typeface="游ゴシック"/>
+              </a:rPr>
+              <a:t>e</a:t>
+            </a:r>
+            <a:r>
+              <a:rPr b="0" lang="en-US" sz="1800" spc="-1" strike="noStrike">
+                <a:solidFill>
+                  <a:srgbClr val="000000"/>
+                </a:solidFill>
+                <a:latin typeface="游ゴシック"/>
+              </a:rPr>
+              <a:t> </a:t>
+            </a:r>
+            <a:r>
+              <a:rPr b="0" lang="en-US" sz="1800" spc="-1" strike="noStrike">
+                <a:solidFill>
+                  <a:srgbClr val="000000"/>
+                </a:solidFill>
+                <a:latin typeface="游ゴシック"/>
+              </a:rPr>
+              <a:t>t</a:t>
+            </a:r>
+            <a:r>
+              <a:rPr b="0" lang="en-US" sz="1800" spc="-1" strike="noStrike">
+                <a:solidFill>
+                  <a:srgbClr val="000000"/>
+                </a:solidFill>
+                <a:latin typeface="游ゴシック"/>
+              </a:rPr>
+              <a:t>h</a:t>
+            </a:r>
+            <a:r>
+              <a:rPr b="0" lang="en-US" sz="1800" spc="-1" strike="noStrike">
+                <a:solidFill>
+                  <a:srgbClr val="000000"/>
+                </a:solidFill>
+                <a:latin typeface="游ゴシック"/>
+              </a:rPr>
+              <a:t>e</a:t>
+            </a:r>
+            <a:r>
+              <a:rPr b="0" lang="en-US" sz="1800" spc="-1" strike="noStrike">
+                <a:solidFill>
+                  <a:srgbClr val="000000"/>
+                </a:solidFill>
+                <a:latin typeface="游ゴシック"/>
+              </a:rPr>
+              <a:t> </a:t>
+            </a:r>
+            <a:r>
+              <a:rPr b="0" lang="en-US" sz="1800" spc="-1" strike="noStrike">
+                <a:solidFill>
+                  <a:srgbClr val="000000"/>
+                </a:solidFill>
+                <a:latin typeface="游ゴシック"/>
+              </a:rPr>
+              <a:t>s</a:t>
+            </a:r>
+            <a:r>
+              <a:rPr b="0" lang="en-US" sz="1800" spc="-1" strike="noStrike">
+                <a:solidFill>
+                  <a:srgbClr val="000000"/>
+                </a:solidFill>
+                <a:latin typeface="游ゴシック"/>
+              </a:rPr>
+              <a:t>l</a:t>
+            </a:r>
+            <a:r>
+              <a:rPr b="0" lang="en-US" sz="1800" spc="-1" strike="noStrike">
+                <a:solidFill>
+                  <a:srgbClr val="000000"/>
+                </a:solidFill>
+                <a:latin typeface="游ゴシック"/>
+              </a:rPr>
+              <a:t>i</a:t>
+            </a:r>
+            <a:r>
+              <a:rPr b="0" lang="en-US" sz="1800" spc="-1" strike="noStrike">
+                <a:solidFill>
+                  <a:srgbClr val="000000"/>
+                </a:solidFill>
+                <a:latin typeface="游ゴシック"/>
+              </a:rPr>
+              <a:t>d</a:t>
+            </a:r>
+            <a:r>
+              <a:rPr b="0" lang="en-US" sz="1800" spc="-1" strike="noStrike">
+                <a:solidFill>
+                  <a:srgbClr val="000000"/>
+                </a:solidFill>
+                <a:latin typeface="游ゴシック"/>
+              </a:rPr>
+              <a:t>e</a:t>
             </a:r>
             <a:endParaRPr b="0" lang="en-US" sz="1800" spc="-1" strike="noStrike">
               <a:solidFill>
@@ -119,7 +317,181 @@
               <a:rPr b="0" lang="en-US" sz="2000" spc="-1" strike="noStrike">
                 <a:latin typeface="Arial"/>
               </a:rPr>
-              <a:t>Click to edit the notes format</a:t>
+              <a:t>C</a:t>
+            </a:r>
+            <a:r>
+              <a:rPr b="0" lang="en-US" sz="2000" spc="-1" strike="noStrike">
+                <a:latin typeface="Arial"/>
+              </a:rPr>
+              <a:t>l</a:t>
+            </a:r>
+            <a:r>
+              <a:rPr b="0" lang="en-US" sz="2000" spc="-1" strike="noStrike">
+                <a:latin typeface="Arial"/>
+              </a:rPr>
+              <a:t>i</a:t>
+            </a:r>
+            <a:r>
+              <a:rPr b="0" lang="en-US" sz="2000" spc="-1" strike="noStrike">
+                <a:latin typeface="Arial"/>
+              </a:rPr>
+              <a:t>c</a:t>
+            </a:r>
+            <a:r>
+              <a:rPr b="0" lang="en-US" sz="2000" spc="-1" strike="noStrike">
+                <a:latin typeface="Arial"/>
+              </a:rPr>
+              <a:t>k</a:t>
+            </a:r>
+            <a:r>
+              <a:rPr b="0" lang="en-US" sz="2000" spc="-1" strike="noStrike">
+                <a:latin typeface="Arial"/>
+              </a:rPr>
+              <a:t> </a:t>
+            </a:r>
+            <a:r>
+              <a:rPr b="0" lang="en-US" sz="2000" spc="-1" strike="noStrike">
+                <a:latin typeface="Arial"/>
+              </a:rPr>
+              <a:t>t</a:t>
+            </a:r>
+            <a:r>
+              <a:rPr b="0" lang="en-US" sz="2000" spc="-1" strike="noStrike">
+                <a:latin typeface="Arial"/>
+              </a:rPr>
+              <a:t>o</a:t>
+            </a:r>
+            <a:r>
+              <a:rPr b="0" lang="en-US" sz="2000" spc="-1" strike="noStrike">
+                <a:latin typeface="Arial"/>
+              </a:rPr>
+              <a:t> </a:t>
+            </a:r>
+            <a:r>
+              <a:rPr b="0" lang="en-US" sz="2000" spc="-1" strike="noStrike">
+                <a:latin typeface="Arial"/>
+              </a:rPr>
+              <a:t>e</a:t>
+            </a:r>
+            <a:r>
+              <a:rPr b="0" lang="en-US" sz="2000" spc="-1" strike="noStrike">
+                <a:latin typeface="Arial"/>
+              </a:rPr>
+              <a:t>d</a:t>
+            </a:r>
+            <a:r>
+              <a:rPr b="0" lang="en-US" sz="2000" spc="-1" strike="noStrike">
+                <a:latin typeface="Arial"/>
+              </a:rPr>
+              <a:t>i</a:t>
+            </a:r>
+            <a:r>
+              <a:rPr b="0" lang="en-US" sz="2000" spc="-1" strike="noStrike">
+                <a:latin typeface="Arial"/>
+              </a:rPr>
+              <a:t>t</a:t>
+            </a:r>
+            <a:r>
+              <a:rPr b="0" lang="en-US" sz="2000" spc="-1" strike="noStrike">
+                <a:latin typeface="Arial"/>
+              </a:rPr>
+              <a:t> </a:t>
+            </a:r>
+            <a:r>
+              <a:rPr b="0" lang="en-US" sz="2000" spc="-1" strike="noStrike">
+                <a:latin typeface="Arial"/>
+              </a:rPr>
+              <a:t>t</a:t>
+            </a:r>
+            <a:r>
+              <a:rPr b="0" lang="en-US" sz="2000" spc="-1" strike="noStrike">
+                <a:latin typeface="Arial"/>
+              </a:rPr>
+              <a:t>h</a:t>
+            </a:r>
+            <a:r>
+              <a:rPr b="0" lang="en-US" sz="2000" spc="-1" strike="noStrike">
+                <a:latin typeface="Arial"/>
+              </a:rPr>
+              <a:t>e</a:t>
+            </a:r>
+            <a:r>
+              <a:rPr b="0" lang="en-US" sz="2000" spc="-1" strike="noStrike">
+                <a:latin typeface="Arial"/>
+              </a:rPr>
+              <a:t> </a:t>
+            </a:r>
+            <a:r>
+              <a:rPr b="0" lang="en-US" sz="2000" spc="-1" strike="noStrike">
+                <a:latin typeface="Arial"/>
+              </a:rPr>
+              <a:t>n</a:t>
+            </a:r>
+            <a:r>
+              <a:rPr b="0" lang="en-US" sz="2000" spc="-1" strike="noStrike">
+                <a:latin typeface="Arial"/>
+              </a:rPr>
+              <a:t>o</a:t>
+            </a:r>
+            <a:r>
+              <a:rPr b="0" lang="en-US" sz="2000" spc="-1" strike="noStrike">
+                <a:latin typeface="Arial"/>
+              </a:rPr>
+              <a:t>t</a:t>
+            </a:r>
+            <a:r>
+              <a:rPr b="0" lang="en-US" sz="2000" spc="-1" strike="noStrike">
+                <a:latin typeface="Arial"/>
+              </a:rPr>
+              <a:t>e</a:t>
+            </a:r>
+            <a:r>
+              <a:rPr b="0" lang="en-US" sz="2000" spc="-1" strike="noStrike">
+                <a:latin typeface="Arial"/>
+              </a:rPr>
+              <a:t>s</a:t>
+            </a:r>
+            <a:r>
+              <a:rPr b="0" lang="en-US" sz="2000" spc="-1" strike="noStrike">
+                <a:latin typeface="Arial"/>
+              </a:rPr>
+              <a:t> </a:t>
+            </a:r>
+            <a:r>
+              <a:rPr b="0" lang="en-US" sz="2000" spc="-1" strike="noStrike">
+                <a:latin typeface="Arial"/>
+              </a:rPr>
+              <a:t>f</a:t>
+            </a:r>
+            <a:r>
+              <a:rPr b="0" lang="en-US" sz="2000" spc="-1" strike="noStrike">
+                <a:latin typeface="Arial"/>
+              </a:rPr>
+              <a:t>o</a:t>
+            </a:r>
+            <a:r>
+              <a:rPr b="0" lang="en-US" sz="2000" spc="-1" strike="noStrike">
+                <a:latin typeface="Arial"/>
+              </a:rPr>
+              <a:t>r</a:t>
+            </a:r>
+            <a:r>
+              <a:rPr b="0" lang="en-US" sz="2000" spc="-1" strike="noStrike">
+                <a:latin typeface="Arial"/>
+              </a:rPr>
+              <a:t>m</a:t>
+            </a:r>
+            <a:r>
+              <a:rPr b="0" lang="en-US" sz="2000" spc="-1" strike="noStrike">
+                <a:latin typeface="Arial"/>
+              </a:rPr>
+              <a:t>a</a:t>
+            </a:r>
+            <a:r>
+              <a:rPr b="0" lang="en-US" sz="2000" spc="-1" strike="noStrike">
+                <a:latin typeface="Arial"/>
+              </a:rPr>
+              <a:t>t</a:t>
             </a:r>
             <a:endParaRPr b="0" lang="en-US" sz="2000" spc="-1" strike="noStrike">
               <a:latin typeface="Arial"/>
@@ -261,7 +633,7 @@
           </a:bodyPr>
           <a:p>
             <a:pPr algn="r"/>
-            <a:fld id="{C9CFB2B4-5DE7-444D-B120-43651FCD3BF0}" type="slidenum">
+            <a:fld id="{AAE55E3C-2788-43B2-B0D6-8D4110A77758}" type="slidenum">
               <a:rPr b="0" lang="en-US" sz="1400" spc="-1" strike="noStrike">
                 <a:latin typeface="Times New Roman"/>
               </a:rPr>
@@ -375,7 +747,7 @@
                 <a:spcPct val="100000"/>
               </a:lnSpc>
             </a:pPr>
-            <a:fld id="{D162F1CF-8BD2-4667-9E9C-E5D073849E10}" type="slidenum">
+            <a:fld id="{1E986D54-8581-477F-87CB-E7C7608D13A1}" type="slidenum">
               <a:rPr b="0" lang="en-US" sz="1200" spc="-1" strike="noStrike">
                 <a:latin typeface="Times New Roman"/>
               </a:rPr>
@@ -488,7 +860,7 @@
                 <a:spcPct val="100000"/>
               </a:lnSpc>
             </a:pPr>
-            <a:fld id="{E5BBF6A9-EE49-4EA0-BFA1-819FDC9A1D3D}" type="slidenum">
+            <a:fld id="{E5984171-1397-498E-8F3B-C43A09C06E4A}" type="slidenum">
               <a:rPr b="0" lang="en-US" sz="1200" spc="-1" strike="noStrike">
                 <a:latin typeface="Times New Roman"/>
               </a:rPr>
@@ -601,7 +973,7 @@
                 <a:spcPct val="100000"/>
               </a:lnSpc>
             </a:pPr>
-            <a:fld id="{571BB554-F08D-4486-90C5-683344C67B4A}" type="slidenum">
+            <a:fld id="{DCC49C1A-25FF-4513-BC72-A66C9724743B}" type="slidenum">
               <a:rPr b="0" lang="en-US" sz="1200" spc="-1" strike="noStrike">
                 <a:latin typeface="Times New Roman"/>
               </a:rPr>
@@ -714,7 +1086,7 @@
                 <a:spcPct val="100000"/>
               </a:lnSpc>
             </a:pPr>
-            <a:fld id="{16160B40-5B3C-4FF7-8B89-CC93DF4FAB88}" type="slidenum">
+            <a:fld id="{6D15D0E0-7158-49E4-82D6-7CCEB65801AF}" type="slidenum">
               <a:rPr b="0" lang="en-US" sz="1200" spc="-1" strike="noStrike">
                 <a:latin typeface="Times New Roman"/>
               </a:rPr>
@@ -854,7 +1226,7 @@
                 <a:spcPct val="100000"/>
               </a:lnSpc>
             </a:pPr>
-            <a:fld id="{03C08396-B5D5-4BA5-B4F8-0A404591B405}" type="slidenum">
+            <a:fld id="{AFFC69D9-3937-41B3-9218-598B180385A7}" type="slidenum">
               <a:rPr b="0" lang="en-US" sz="1200" spc="-1" strike="noStrike">
                 <a:latin typeface="Times New Roman"/>
               </a:rPr>
@@ -2372,14 +2744,14 @@
                 <a:spcPct val="100000"/>
               </a:lnSpc>
             </a:pPr>
-            <a:fld id="{568B4E41-416C-44FC-9C17-B73E5FE52CA5}" type="datetime">
+            <a:fld id="{C7FE4B84-72B1-46AE-A199-78D4D105F10B}" type="datetime">
               <a:rPr b="0" lang="en-US" sz="1200" spc="-1" strike="noStrike">
                 <a:solidFill>
                   <a:srgbClr val="8b8b8b"/>
                 </a:solidFill>
                 <a:latin typeface="游ゴシック"/>
               </a:rPr>
-              <a:t>1/12/21</a:t>
+              <a:t>1/13/21</a:t>
             </a:fld>
             <a:endParaRPr b="0" lang="en-US" sz="1200" spc="-1" strike="noStrike">
               <a:latin typeface="Times New Roman"/>
@@ -2446,7 +2818,7 @@
                 <a:spcPct val="100000"/>
               </a:lnSpc>
             </a:pPr>
-            <a:fld id="{65678C23-9827-40D8-B7E6-3797A3E1603F}" type="slidenum">
+            <a:fld id="{2B813424-4EAF-4435-A097-DA01AE9355D3}" type="slidenum">
               <a:rPr b="0" lang="en-US" sz="1200" spc="-1" strike="noStrike">
                 <a:solidFill>
                   <a:srgbClr val="8b8b8b"/>
@@ -2501,7 +2873,7 @@
                 </a:solidFill>
                 <a:latin typeface="游ゴシック"/>
               </a:rPr>
-              <a:t>k </a:t>
+              <a:t>k to </a:t>
             </a:r>
             <a:r>
               <a:rPr b="0" lang="en-US" sz="1800" spc="-1" strike="noStrike">
@@ -2510,25 +2882,7 @@
                 </a:solidFill>
                 <a:latin typeface="游ゴシック"/>
               </a:rPr>
-              <a:t>to </a:t>
-            </a:r>
-            <a:r>
-              <a:rPr b="0" lang="en-US" sz="1800" spc="-1" strike="noStrike">
-                <a:solidFill>
-                  <a:srgbClr val="000000"/>
-                </a:solidFill>
-                <a:latin typeface="游ゴシック"/>
-              </a:rPr>
-              <a:t>edi</a:t>
-            </a:r>
-            <a:r>
-              <a:rPr b="0" lang="en-US" sz="1800" spc="-1" strike="noStrike">
-                <a:solidFill>
-                  <a:srgbClr val="000000"/>
-                </a:solidFill>
-                <a:latin typeface="游ゴシック"/>
-              </a:rPr>
-              <a:t>t </a:t>
+              <a:t>edit </a:t>
             </a:r>
             <a:r>
               <a:rPr b="0" lang="en-US" sz="1800" spc="-1" strike="noStrike">
@@ -2546,7 +2900,7 @@
                 </a:solidFill>
                 <a:latin typeface="游ゴシック"/>
               </a:rPr>
-              <a:t>titl</a:t>
+              <a:t>title </a:t>
             </a:r>
             <a:r>
               <a:rPr b="0" lang="en-US" sz="1800" spc="-1" strike="noStrike">
@@ -2555,25 +2909,7 @@
                 </a:solidFill>
                 <a:latin typeface="游ゴシック"/>
               </a:rPr>
-              <a:t>e </a:t>
-            </a:r>
-            <a:r>
-              <a:rPr b="0" lang="en-US" sz="1800" spc="-1" strike="noStrike">
-                <a:solidFill>
-                  <a:srgbClr val="000000"/>
-                </a:solidFill>
-                <a:latin typeface="游ゴシック"/>
-              </a:rPr>
-              <a:t>tex</a:t>
-            </a:r>
-            <a:r>
-              <a:rPr b="0" lang="en-US" sz="1800" spc="-1" strike="noStrike">
-                <a:solidFill>
-                  <a:srgbClr val="000000"/>
-                </a:solidFill>
-                <a:latin typeface="游ゴシック"/>
-              </a:rPr>
-              <a:t>t </a:t>
+              <a:t>text </a:t>
             </a:r>
             <a:r>
               <a:rPr b="0" lang="en-US" sz="1800" spc="-1" strike="noStrike">
@@ -2591,16 +2927,7 @@
                 </a:solidFill>
                 <a:latin typeface="游ゴシック"/>
               </a:rPr>
-              <a:t>ma</a:t>
-            </a:r>
-            <a:r>
-              <a:rPr b="0" lang="en-US" sz="1800" spc="-1" strike="noStrike">
-                <a:solidFill>
-                  <a:srgbClr val="000000"/>
-                </a:solidFill>
-                <a:latin typeface="游ゴシック"/>
-              </a:rPr>
-              <a:t>t</a:t>
+              <a:t>mat</a:t>
             </a:r>
             <a:endParaRPr b="0" lang="en-US" sz="1800" spc="-1" strike="noStrike">
               <a:solidFill>

--- a/illustration/illusts.pptx
+++ b/illustration/illusts.pptx
@@ -26,6 +26,7 @@
     <p:sldId id="271" r:id="rId19"/>
     <p:sldId id="272" r:id="rId20"/>
     <p:sldId id="273" r:id="rId21"/>
+    <p:sldId id="274" r:id="rId22"/>
   </p:sldIdLst>
   <p:sldSz cx="12192000" cy="6858000"/>
   <p:notesSz cx="6858000" cy="9144000"/>
@@ -51,7 +52,7 @@
       </p:grpSpPr>
       <p:sp>
         <p:nvSpPr>
-          <p:cNvPr id="41" name="PlaceHolder 1"/>
+          <p:cNvPr id="38" name="PlaceHolder 1"/>
           <p:cNvSpPr>
             <a:spLocks noGrp="1"/>
           </p:cNvSpPr>
@@ -73,225 +74,22 @@
             <a:noAutofit/>
           </a:bodyPr>
           <a:p>
+            <a:pPr algn="ctr"/>
             <a:r>
-              <a:rPr b="0" lang="en-US" sz="1800" spc="-1" strike="noStrike">
-                <a:solidFill>
-                  <a:srgbClr val="000000"/>
-                </a:solidFill>
-                <a:latin typeface="游ゴシック"/>
+              <a:rPr b="0" lang="en-US" sz="4400" spc="-1" strike="noStrike">
+                <a:latin typeface="Arial"/>
               </a:rPr>
-              <a:t>C</a:t>
+              <a:t>Click to move the slide</a:t>
             </a:r>
-            <a:r>
-              <a:rPr b="0" lang="en-US" sz="1800" spc="-1" strike="noStrike">
-                <a:solidFill>
-                  <a:srgbClr val="000000"/>
-                </a:solidFill>
-                <a:latin typeface="游ゴシック"/>
-              </a:rPr>
-              <a:t>l</a:t>
-            </a:r>
-            <a:r>
-              <a:rPr b="0" lang="en-US" sz="1800" spc="-1" strike="noStrike">
-                <a:solidFill>
-                  <a:srgbClr val="000000"/>
-                </a:solidFill>
-                <a:latin typeface="游ゴシック"/>
-              </a:rPr>
-              <a:t>i</a:t>
-            </a:r>
-            <a:r>
-              <a:rPr b="0" lang="en-US" sz="1800" spc="-1" strike="noStrike">
-                <a:solidFill>
-                  <a:srgbClr val="000000"/>
-                </a:solidFill>
-                <a:latin typeface="游ゴシック"/>
-              </a:rPr>
-              <a:t>c</a:t>
-            </a:r>
-            <a:r>
-              <a:rPr b="0" lang="en-US" sz="1800" spc="-1" strike="noStrike">
-                <a:solidFill>
-                  <a:srgbClr val="000000"/>
-                </a:solidFill>
-                <a:latin typeface="游ゴシック"/>
-              </a:rPr>
-              <a:t>k</a:t>
-            </a:r>
-            <a:r>
-              <a:rPr b="0" lang="en-US" sz="1800" spc="-1" strike="noStrike">
-                <a:solidFill>
-                  <a:srgbClr val="000000"/>
-                </a:solidFill>
-                <a:latin typeface="游ゴシック"/>
-              </a:rPr>
-              <a:t> </a:t>
-            </a:r>
-            <a:r>
-              <a:rPr b="0" lang="en-US" sz="1800" spc="-1" strike="noStrike">
-                <a:solidFill>
-                  <a:srgbClr val="000000"/>
-                </a:solidFill>
-                <a:latin typeface="游ゴシック"/>
-              </a:rPr>
-              <a:t>t</a:t>
-            </a:r>
-            <a:r>
-              <a:rPr b="0" lang="en-US" sz="1800" spc="-1" strike="noStrike">
-                <a:solidFill>
-                  <a:srgbClr val="000000"/>
-                </a:solidFill>
-                <a:latin typeface="游ゴシック"/>
-              </a:rPr>
-              <a:t>o</a:t>
-            </a:r>
-            <a:r>
-              <a:rPr b="0" lang="en-US" sz="1800" spc="-1" strike="noStrike">
-                <a:solidFill>
-                  <a:srgbClr val="000000"/>
-                </a:solidFill>
-                <a:latin typeface="游ゴシック"/>
-              </a:rPr>
-              <a:t> </a:t>
-            </a:r>
-            <a:r>
-              <a:rPr b="0" lang="en-US" sz="1800" spc="-1" strike="noStrike">
-                <a:solidFill>
-                  <a:srgbClr val="000000"/>
-                </a:solidFill>
-                <a:latin typeface="游ゴシック"/>
-              </a:rPr>
-              <a:t>m</a:t>
-            </a:r>
-            <a:r>
-              <a:rPr b="0" lang="en-US" sz="1800" spc="-1" strike="noStrike">
-                <a:solidFill>
-                  <a:srgbClr val="000000"/>
-                </a:solidFill>
-                <a:latin typeface="游ゴシック"/>
-              </a:rPr>
-              <a:t>o</a:t>
-            </a:r>
-            <a:r>
-              <a:rPr b="0" lang="en-US" sz="1800" spc="-1" strike="noStrike">
-                <a:solidFill>
-                  <a:srgbClr val="000000"/>
-                </a:solidFill>
-                <a:latin typeface="游ゴシック"/>
-              </a:rPr>
-              <a:t>v</a:t>
-            </a:r>
-            <a:r>
-              <a:rPr b="0" lang="en-US" sz="1800" spc="-1" strike="noStrike">
-                <a:solidFill>
-                  <a:srgbClr val="000000"/>
-                </a:solidFill>
-                <a:latin typeface="游ゴシック"/>
-              </a:rPr>
-              <a:t>e</a:t>
-            </a:r>
-            <a:r>
-              <a:rPr b="0" lang="en-US" sz="1800" spc="-1" strike="noStrike">
-                <a:solidFill>
-                  <a:srgbClr val="000000"/>
-                </a:solidFill>
-                <a:latin typeface="游ゴシック"/>
-              </a:rPr>
-              <a:t> </a:t>
-            </a:r>
-            <a:r>
-              <a:rPr b="0" lang="en-US" sz="1800" spc="-1" strike="noStrike">
-                <a:solidFill>
-                  <a:srgbClr val="000000"/>
-                </a:solidFill>
-                <a:latin typeface="游ゴシック"/>
-              </a:rPr>
-              <a:t>t</a:t>
-            </a:r>
-            <a:r>
-              <a:rPr b="0" lang="en-US" sz="1800" spc="-1" strike="noStrike">
-                <a:solidFill>
-                  <a:srgbClr val="000000"/>
-                </a:solidFill>
-                <a:latin typeface="游ゴシック"/>
-              </a:rPr>
-              <a:t>h</a:t>
-            </a:r>
-            <a:r>
-              <a:rPr b="0" lang="en-US" sz="1800" spc="-1" strike="noStrike">
-                <a:solidFill>
-                  <a:srgbClr val="000000"/>
-                </a:solidFill>
-                <a:latin typeface="游ゴシック"/>
-              </a:rPr>
-              <a:t>e</a:t>
-            </a:r>
-            <a:r>
-              <a:rPr b="0" lang="en-US" sz="1800" spc="-1" strike="noStrike">
-                <a:solidFill>
-                  <a:srgbClr val="000000"/>
-                </a:solidFill>
-                <a:latin typeface="游ゴシック"/>
-              </a:rPr>
-              <a:t> </a:t>
-            </a:r>
-            <a:r>
-              <a:rPr b="0" lang="en-US" sz="1800" spc="-1" strike="noStrike">
-                <a:solidFill>
-                  <a:srgbClr val="000000"/>
-                </a:solidFill>
-                <a:latin typeface="游ゴシック"/>
-              </a:rPr>
-              <a:t>s</a:t>
-            </a:r>
-            <a:r>
-              <a:rPr b="0" lang="en-US" sz="1800" spc="-1" strike="noStrike">
-                <a:solidFill>
-                  <a:srgbClr val="000000"/>
-                </a:solidFill>
-                <a:latin typeface="游ゴシック"/>
-              </a:rPr>
-              <a:t>l</a:t>
-            </a:r>
-            <a:r>
-              <a:rPr b="0" lang="en-US" sz="1800" spc="-1" strike="noStrike">
-                <a:solidFill>
-                  <a:srgbClr val="000000"/>
-                </a:solidFill>
-                <a:latin typeface="游ゴシック"/>
-              </a:rPr>
-              <a:t>i</a:t>
-            </a:r>
-            <a:r>
-              <a:rPr b="0" lang="en-US" sz="1800" spc="-1" strike="noStrike">
-                <a:solidFill>
-                  <a:srgbClr val="000000"/>
-                </a:solidFill>
-                <a:latin typeface="游ゴシック"/>
-              </a:rPr>
-              <a:t>d</a:t>
-            </a:r>
-            <a:r>
-              <a:rPr b="0" lang="en-US" sz="1800" spc="-1" strike="noStrike">
-                <a:solidFill>
-                  <a:srgbClr val="000000"/>
-                </a:solidFill>
-                <a:latin typeface="游ゴシック"/>
-              </a:rPr>
-              <a:t>e</a:t>
-            </a:r>
-            <a:endParaRPr b="0" lang="en-US" sz="1800" spc="-1" strike="noStrike">
-              <a:solidFill>
-                <a:srgbClr val="000000"/>
-              </a:solidFill>
-              <a:latin typeface="游ゴシック"/>
+            <a:endParaRPr b="0" lang="en-US" sz="4400" spc="-1" strike="noStrike">
+              <a:latin typeface="Arial"/>
             </a:endParaRPr>
           </a:p>
         </p:txBody>
       </p:sp>
       <p:sp>
         <p:nvSpPr>
-          <p:cNvPr id="42" name="PlaceHolder 2"/>
+          <p:cNvPr id="39" name="PlaceHolder 2"/>
           <p:cNvSpPr>
             <a:spLocks noGrp="1"/>
           </p:cNvSpPr>
@@ -317,181 +115,7 @@
               <a:rPr b="0" lang="en-US" sz="2000" spc="-1" strike="noStrike">
                 <a:latin typeface="Arial"/>
               </a:rPr>
-              <a:t>C</a:t>
-            </a:r>
-            <a:r>
-              <a:rPr b="0" lang="en-US" sz="2000" spc="-1" strike="noStrike">
-                <a:latin typeface="Arial"/>
-              </a:rPr>
-              <a:t>l</a:t>
-            </a:r>
-            <a:r>
-              <a:rPr b="0" lang="en-US" sz="2000" spc="-1" strike="noStrike">
-                <a:latin typeface="Arial"/>
-              </a:rPr>
-              <a:t>i</a:t>
-            </a:r>
-            <a:r>
-              <a:rPr b="0" lang="en-US" sz="2000" spc="-1" strike="noStrike">
-                <a:latin typeface="Arial"/>
-              </a:rPr>
-              <a:t>c</a:t>
-            </a:r>
-            <a:r>
-              <a:rPr b="0" lang="en-US" sz="2000" spc="-1" strike="noStrike">
-                <a:latin typeface="Arial"/>
-              </a:rPr>
-              <a:t>k</a:t>
-            </a:r>
-            <a:r>
-              <a:rPr b="0" lang="en-US" sz="2000" spc="-1" strike="noStrike">
-                <a:latin typeface="Arial"/>
-              </a:rPr>
-              <a:t> </a:t>
-            </a:r>
-            <a:r>
-              <a:rPr b="0" lang="en-US" sz="2000" spc="-1" strike="noStrike">
-                <a:latin typeface="Arial"/>
-              </a:rPr>
-              <a:t>t</a:t>
-            </a:r>
-            <a:r>
-              <a:rPr b="0" lang="en-US" sz="2000" spc="-1" strike="noStrike">
-                <a:latin typeface="Arial"/>
-              </a:rPr>
-              <a:t>o</a:t>
-            </a:r>
-            <a:r>
-              <a:rPr b="0" lang="en-US" sz="2000" spc="-1" strike="noStrike">
-                <a:latin typeface="Arial"/>
-              </a:rPr>
-              <a:t> </a:t>
-            </a:r>
-            <a:r>
-              <a:rPr b="0" lang="en-US" sz="2000" spc="-1" strike="noStrike">
-                <a:latin typeface="Arial"/>
-              </a:rPr>
-              <a:t>e</a:t>
-            </a:r>
-            <a:r>
-              <a:rPr b="0" lang="en-US" sz="2000" spc="-1" strike="noStrike">
-                <a:latin typeface="Arial"/>
-              </a:rPr>
-              <a:t>d</a:t>
-            </a:r>
-            <a:r>
-              <a:rPr b="0" lang="en-US" sz="2000" spc="-1" strike="noStrike">
-                <a:latin typeface="Arial"/>
-              </a:rPr>
-              <a:t>i</a:t>
-            </a:r>
-            <a:r>
-              <a:rPr b="0" lang="en-US" sz="2000" spc="-1" strike="noStrike">
-                <a:latin typeface="Arial"/>
-              </a:rPr>
-              <a:t>t</a:t>
-            </a:r>
-            <a:r>
-              <a:rPr b="0" lang="en-US" sz="2000" spc="-1" strike="noStrike">
-                <a:latin typeface="Arial"/>
-              </a:rPr>
-              <a:t> </a:t>
-            </a:r>
-            <a:r>
-              <a:rPr b="0" lang="en-US" sz="2000" spc="-1" strike="noStrike">
-                <a:latin typeface="Arial"/>
-              </a:rPr>
-              <a:t>t</a:t>
-            </a:r>
-            <a:r>
-              <a:rPr b="0" lang="en-US" sz="2000" spc="-1" strike="noStrike">
-                <a:latin typeface="Arial"/>
-              </a:rPr>
-              <a:t>h</a:t>
-            </a:r>
-            <a:r>
-              <a:rPr b="0" lang="en-US" sz="2000" spc="-1" strike="noStrike">
-                <a:latin typeface="Arial"/>
-              </a:rPr>
-              <a:t>e</a:t>
-            </a:r>
-            <a:r>
-              <a:rPr b="0" lang="en-US" sz="2000" spc="-1" strike="noStrike">
-                <a:latin typeface="Arial"/>
-              </a:rPr>
-              <a:t> </a:t>
-            </a:r>
-            <a:r>
-              <a:rPr b="0" lang="en-US" sz="2000" spc="-1" strike="noStrike">
-                <a:latin typeface="Arial"/>
-              </a:rPr>
-              <a:t>n</a:t>
-            </a:r>
-            <a:r>
-              <a:rPr b="0" lang="en-US" sz="2000" spc="-1" strike="noStrike">
-                <a:latin typeface="Arial"/>
-              </a:rPr>
-              <a:t>o</a:t>
-            </a:r>
-            <a:r>
-              <a:rPr b="0" lang="en-US" sz="2000" spc="-1" strike="noStrike">
-                <a:latin typeface="Arial"/>
-              </a:rPr>
-              <a:t>t</a:t>
-            </a:r>
-            <a:r>
-              <a:rPr b="0" lang="en-US" sz="2000" spc="-1" strike="noStrike">
-                <a:latin typeface="Arial"/>
-              </a:rPr>
-              <a:t>e</a:t>
-            </a:r>
-            <a:r>
-              <a:rPr b="0" lang="en-US" sz="2000" spc="-1" strike="noStrike">
-                <a:latin typeface="Arial"/>
-              </a:rPr>
-              <a:t>s</a:t>
-            </a:r>
-            <a:r>
-              <a:rPr b="0" lang="en-US" sz="2000" spc="-1" strike="noStrike">
-                <a:latin typeface="Arial"/>
-              </a:rPr>
-              <a:t> </a:t>
-            </a:r>
-            <a:r>
-              <a:rPr b="0" lang="en-US" sz="2000" spc="-1" strike="noStrike">
-                <a:latin typeface="Arial"/>
-              </a:rPr>
-              <a:t>f</a:t>
-            </a:r>
-            <a:r>
-              <a:rPr b="0" lang="en-US" sz="2000" spc="-1" strike="noStrike">
-                <a:latin typeface="Arial"/>
-              </a:rPr>
-              <a:t>o</a:t>
-            </a:r>
-            <a:r>
-              <a:rPr b="0" lang="en-US" sz="2000" spc="-1" strike="noStrike">
-                <a:latin typeface="Arial"/>
-              </a:rPr>
-              <a:t>r</a:t>
-            </a:r>
-            <a:r>
-              <a:rPr b="0" lang="en-US" sz="2000" spc="-1" strike="noStrike">
-                <a:latin typeface="Arial"/>
-              </a:rPr>
-              <a:t>m</a:t>
-            </a:r>
-            <a:r>
-              <a:rPr b="0" lang="en-US" sz="2000" spc="-1" strike="noStrike">
-                <a:latin typeface="Arial"/>
-              </a:rPr>
-              <a:t>a</a:t>
-            </a:r>
-            <a:r>
-              <a:rPr b="0" lang="en-US" sz="2000" spc="-1" strike="noStrike">
-                <a:latin typeface="Arial"/>
-              </a:rPr>
-              <a:t>t</a:t>
+              <a:t>Click to edit the notes format</a:t>
             </a:r>
             <a:endParaRPr b="0" lang="en-US" sz="2000" spc="-1" strike="noStrike">
               <a:latin typeface="Arial"/>
@@ -501,7 +125,7 @@
       </p:sp>
       <p:sp>
         <p:nvSpPr>
-          <p:cNvPr id="43" name="PlaceHolder 3"/>
+          <p:cNvPr id="40" name="PlaceHolder 3"/>
           <p:cNvSpPr>
             <a:spLocks noGrp="1"/>
           </p:cNvSpPr>
@@ -537,7 +161,7 @@
       </p:sp>
       <p:sp>
         <p:nvSpPr>
-          <p:cNvPr id="44" name="PlaceHolder 4"/>
+          <p:cNvPr id="41" name="PlaceHolder 4"/>
           <p:cNvSpPr>
             <a:spLocks noGrp="1"/>
           </p:cNvSpPr>
@@ -574,7 +198,7 @@
       </p:sp>
       <p:sp>
         <p:nvSpPr>
-          <p:cNvPr id="45" name="PlaceHolder 5"/>
+          <p:cNvPr id="42" name="PlaceHolder 5"/>
           <p:cNvSpPr>
             <a:spLocks noGrp="1"/>
           </p:cNvSpPr>
@@ -610,7 +234,7 @@
       </p:sp>
       <p:sp>
         <p:nvSpPr>
-          <p:cNvPr id="46" name="PlaceHolder 6"/>
+          <p:cNvPr id="43" name="PlaceHolder 6"/>
           <p:cNvSpPr>
             <a:spLocks noGrp="1"/>
           </p:cNvSpPr>
@@ -633,7 +257,7 @@
           </a:bodyPr>
           <a:p>
             <a:pPr algn="r"/>
-            <a:fld id="{AAE55E3C-2788-43B2-B0D6-8D4110A77758}" type="slidenum">
+            <a:fld id="{DA18A278-99BC-4241-BFB6-D18A6D6549FE}" type="slidenum">
               <a:rPr b="0" lang="en-US" sz="1400" spc="-1" strike="noStrike">
                 <a:latin typeface="Times New Roman"/>
               </a:rPr>
@@ -670,7 +294,7 @@
       </p:grpSpPr>
       <p:sp>
         <p:nvSpPr>
-          <p:cNvPr id="343" name="PlaceHolder 1"/>
+          <p:cNvPr id="352" name="PlaceHolder 1"/>
           <p:cNvSpPr>
             <a:spLocks noGrp="1"/>
           </p:cNvSpPr>
@@ -681,7 +305,7 @@
         <p:spPr>
           <a:xfrm>
             <a:off x="685800" y="1143000"/>
-            <a:ext cx="5486040" cy="3085920"/>
+            <a:ext cx="5485680" cy="3085560"/>
           </a:xfrm>
           <a:prstGeom prst="rect">
             <a:avLst/>
@@ -690,7 +314,7 @@
       </p:sp>
       <p:sp>
         <p:nvSpPr>
-          <p:cNvPr id="344" name="PlaceHolder 2"/>
+          <p:cNvPr id="353" name="PlaceHolder 2"/>
           <p:cNvSpPr>
             <a:spLocks noGrp="1"/>
           </p:cNvSpPr>
@@ -701,14 +325,14 @@
         <p:spPr>
           <a:xfrm>
             <a:off x="685800" y="4400640"/>
-            <a:ext cx="5486040" cy="3600000"/>
+            <a:ext cx="5485680" cy="3599640"/>
           </a:xfrm>
           <a:prstGeom prst="rect">
             <a:avLst/>
           </a:prstGeom>
         </p:spPr>
         <p:txBody>
-          <a:bodyPr>
+          <a:bodyPr lIns="0" rIns="0" tIns="0" bIns="0">
             <a:noAutofit/>
           </a:bodyPr>
           <a:p>
@@ -720,14 +344,14 @@
       </p:sp>
       <p:sp>
         <p:nvSpPr>
-          <p:cNvPr id="345" name="TextShape 3"/>
-          <p:cNvSpPr txBox="1"/>
+          <p:cNvPr id="354" name="CustomShape 3"/>
+          <p:cNvSpPr/>
           <p:nvPr/>
         </p:nvSpPr>
         <p:spPr>
           <a:xfrm>
             <a:off x="3884760" y="8685360"/>
-            <a:ext cx="2971440" cy="458280"/>
+            <a:ext cx="2971080" cy="457920"/>
           </a:xfrm>
           <a:prstGeom prst="rect">
             <a:avLst/>
@@ -737,8 +361,14 @@
             <a:noFill/>
           </a:ln>
         </p:spPr>
+        <p:style>
+          <a:lnRef idx="0"/>
+          <a:fillRef idx="0"/>
+          <a:effectRef idx="0"/>
+          <a:fontRef idx="minor"/>
+        </p:style>
         <p:txBody>
-          <a:bodyPr anchor="b">
+          <a:bodyPr lIns="90000" rIns="90000" tIns="45000" bIns="45000" anchor="b">
             <a:noAutofit/>
           </a:bodyPr>
           <a:p>
@@ -747,14 +377,14 @@
                 <a:spcPct val="100000"/>
               </a:lnSpc>
             </a:pPr>
-            <a:fld id="{1E986D54-8581-477F-87CB-E7C7608D13A1}" type="slidenum">
+            <a:fld id="{CBFC79ED-726A-44B2-89A7-18B8EB938F03}" type="slidenum">
               <a:rPr b="0" lang="en-US" sz="1200" spc="-1" strike="noStrike">
                 <a:latin typeface="Times New Roman"/>
               </a:rPr>
               <a:t>&lt;number&gt;</a:t>
             </a:fld>
             <a:endParaRPr b="0" lang="en-US" sz="1200" spc="-1" strike="noStrike">
-              <a:latin typeface="Times New Roman"/>
+              <a:latin typeface="Arial"/>
             </a:endParaRPr>
           </a:p>
         </p:txBody>
@@ -783,7 +413,7 @@
       </p:grpSpPr>
       <p:sp>
         <p:nvSpPr>
-          <p:cNvPr id="331" name="PlaceHolder 1"/>
+          <p:cNvPr id="340" name="PlaceHolder 1"/>
           <p:cNvSpPr>
             <a:spLocks noGrp="1"/>
           </p:cNvSpPr>
@@ -794,7 +424,7 @@
         <p:spPr>
           <a:xfrm>
             <a:off x="685800" y="1143000"/>
-            <a:ext cx="5486040" cy="3085920"/>
+            <a:ext cx="5485680" cy="3085560"/>
           </a:xfrm>
           <a:prstGeom prst="rect">
             <a:avLst/>
@@ -803,7 +433,7 @@
       </p:sp>
       <p:sp>
         <p:nvSpPr>
-          <p:cNvPr id="332" name="PlaceHolder 2"/>
+          <p:cNvPr id="341" name="PlaceHolder 2"/>
           <p:cNvSpPr>
             <a:spLocks noGrp="1"/>
           </p:cNvSpPr>
@@ -814,14 +444,14 @@
         <p:spPr>
           <a:xfrm>
             <a:off x="685800" y="4400640"/>
-            <a:ext cx="5486040" cy="3600000"/>
+            <a:ext cx="5485680" cy="3599640"/>
           </a:xfrm>
           <a:prstGeom prst="rect">
             <a:avLst/>
           </a:prstGeom>
         </p:spPr>
         <p:txBody>
-          <a:bodyPr>
+          <a:bodyPr lIns="0" rIns="0" tIns="0" bIns="0">
             <a:noAutofit/>
           </a:bodyPr>
           <a:p>
@@ -833,14 +463,14 @@
       </p:sp>
       <p:sp>
         <p:nvSpPr>
-          <p:cNvPr id="333" name="TextShape 3"/>
-          <p:cNvSpPr txBox="1"/>
+          <p:cNvPr id="342" name="CustomShape 3"/>
+          <p:cNvSpPr/>
           <p:nvPr/>
         </p:nvSpPr>
         <p:spPr>
           <a:xfrm>
             <a:off x="3884760" y="8685360"/>
-            <a:ext cx="2971440" cy="458280"/>
+            <a:ext cx="2971080" cy="457920"/>
           </a:xfrm>
           <a:prstGeom prst="rect">
             <a:avLst/>
@@ -850,8 +480,14 @@
             <a:noFill/>
           </a:ln>
         </p:spPr>
+        <p:style>
+          <a:lnRef idx="0"/>
+          <a:fillRef idx="0"/>
+          <a:effectRef idx="0"/>
+          <a:fontRef idx="minor"/>
+        </p:style>
         <p:txBody>
-          <a:bodyPr anchor="b">
+          <a:bodyPr lIns="90000" rIns="90000" tIns="45000" bIns="45000" anchor="b">
             <a:noAutofit/>
           </a:bodyPr>
           <a:p>
@@ -860,14 +496,14 @@
                 <a:spcPct val="100000"/>
               </a:lnSpc>
             </a:pPr>
-            <a:fld id="{E5984171-1397-498E-8F3B-C43A09C06E4A}" type="slidenum">
+            <a:fld id="{E924ED38-6BAD-4373-94DF-84DB8838052F}" type="slidenum">
               <a:rPr b="0" lang="en-US" sz="1200" spc="-1" strike="noStrike">
                 <a:latin typeface="Times New Roman"/>
               </a:rPr>
               <a:t>&lt;number&gt;</a:t>
             </a:fld>
             <a:endParaRPr b="0" lang="en-US" sz="1200" spc="-1" strike="noStrike">
-              <a:latin typeface="Times New Roman"/>
+              <a:latin typeface="Arial"/>
             </a:endParaRPr>
           </a:p>
         </p:txBody>
@@ -896,7 +532,7 @@
       </p:grpSpPr>
       <p:sp>
         <p:nvSpPr>
-          <p:cNvPr id="334" name="PlaceHolder 1"/>
+          <p:cNvPr id="343" name="PlaceHolder 1"/>
           <p:cNvSpPr>
             <a:spLocks noGrp="1"/>
           </p:cNvSpPr>
@@ -907,7 +543,7 @@
         <p:spPr>
           <a:xfrm>
             <a:off x="685800" y="1143000"/>
-            <a:ext cx="5486040" cy="3085920"/>
+            <a:ext cx="5485680" cy="3085560"/>
           </a:xfrm>
           <a:prstGeom prst="rect">
             <a:avLst/>
@@ -916,7 +552,7 @@
       </p:sp>
       <p:sp>
         <p:nvSpPr>
-          <p:cNvPr id="335" name="PlaceHolder 2"/>
+          <p:cNvPr id="344" name="PlaceHolder 2"/>
           <p:cNvSpPr>
             <a:spLocks noGrp="1"/>
           </p:cNvSpPr>
@@ -927,14 +563,14 @@
         <p:spPr>
           <a:xfrm>
             <a:off x="685800" y="4400640"/>
-            <a:ext cx="5486040" cy="3600000"/>
+            <a:ext cx="5485680" cy="3599640"/>
           </a:xfrm>
           <a:prstGeom prst="rect">
             <a:avLst/>
           </a:prstGeom>
         </p:spPr>
         <p:txBody>
-          <a:bodyPr>
+          <a:bodyPr lIns="0" rIns="0" tIns="0" bIns="0">
             <a:noAutofit/>
           </a:bodyPr>
           <a:p>
@@ -946,14 +582,14 @@
       </p:sp>
       <p:sp>
         <p:nvSpPr>
-          <p:cNvPr id="336" name="TextShape 3"/>
-          <p:cNvSpPr txBox="1"/>
+          <p:cNvPr id="345" name="CustomShape 3"/>
+          <p:cNvSpPr/>
           <p:nvPr/>
         </p:nvSpPr>
         <p:spPr>
           <a:xfrm>
             <a:off x="3884760" y="8685360"/>
-            <a:ext cx="2971440" cy="458280"/>
+            <a:ext cx="2971080" cy="457920"/>
           </a:xfrm>
           <a:prstGeom prst="rect">
             <a:avLst/>
@@ -963,8 +599,14 @@
             <a:noFill/>
           </a:ln>
         </p:spPr>
+        <p:style>
+          <a:lnRef idx="0"/>
+          <a:fillRef idx="0"/>
+          <a:effectRef idx="0"/>
+          <a:fontRef idx="minor"/>
+        </p:style>
         <p:txBody>
-          <a:bodyPr anchor="b">
+          <a:bodyPr lIns="90000" rIns="90000" tIns="45000" bIns="45000" anchor="b">
             <a:noAutofit/>
           </a:bodyPr>
           <a:p>
@@ -973,14 +615,14 @@
                 <a:spcPct val="100000"/>
               </a:lnSpc>
             </a:pPr>
-            <a:fld id="{DCC49C1A-25FF-4513-BC72-A66C9724743B}" type="slidenum">
+            <a:fld id="{0A9ABBCD-92FB-4DC0-9EEA-AA8D7B74385E}" type="slidenum">
               <a:rPr b="0" lang="en-US" sz="1200" spc="-1" strike="noStrike">
                 <a:latin typeface="Times New Roman"/>
               </a:rPr>
               <a:t>&lt;number&gt;</a:t>
             </a:fld>
             <a:endParaRPr b="0" lang="en-US" sz="1200" spc="-1" strike="noStrike">
-              <a:latin typeface="Times New Roman"/>
+              <a:latin typeface="Arial"/>
             </a:endParaRPr>
           </a:p>
         </p:txBody>
@@ -1009,7 +651,7 @@
       </p:grpSpPr>
       <p:sp>
         <p:nvSpPr>
-          <p:cNvPr id="337" name="PlaceHolder 1"/>
+          <p:cNvPr id="346" name="PlaceHolder 1"/>
           <p:cNvSpPr>
             <a:spLocks noGrp="1"/>
           </p:cNvSpPr>
@@ -1020,7 +662,7 @@
         <p:spPr>
           <a:xfrm>
             <a:off x="685800" y="1143000"/>
-            <a:ext cx="5486040" cy="3085920"/>
+            <a:ext cx="5485680" cy="3085560"/>
           </a:xfrm>
           <a:prstGeom prst="rect">
             <a:avLst/>
@@ -1029,7 +671,7 @@
       </p:sp>
       <p:sp>
         <p:nvSpPr>
-          <p:cNvPr id="338" name="PlaceHolder 2"/>
+          <p:cNvPr id="347" name="PlaceHolder 2"/>
           <p:cNvSpPr>
             <a:spLocks noGrp="1"/>
           </p:cNvSpPr>
@@ -1040,14 +682,14 @@
         <p:spPr>
           <a:xfrm>
             <a:off x="685800" y="4400640"/>
-            <a:ext cx="5486040" cy="3600000"/>
+            <a:ext cx="5485680" cy="3599640"/>
           </a:xfrm>
           <a:prstGeom prst="rect">
             <a:avLst/>
           </a:prstGeom>
         </p:spPr>
         <p:txBody>
-          <a:bodyPr>
+          <a:bodyPr lIns="0" rIns="0" tIns="0" bIns="0">
             <a:noAutofit/>
           </a:bodyPr>
           <a:p>
@@ -1059,14 +701,14 @@
       </p:sp>
       <p:sp>
         <p:nvSpPr>
-          <p:cNvPr id="339" name="TextShape 3"/>
-          <p:cNvSpPr txBox="1"/>
+          <p:cNvPr id="348" name="CustomShape 3"/>
+          <p:cNvSpPr/>
           <p:nvPr/>
         </p:nvSpPr>
         <p:spPr>
           <a:xfrm>
             <a:off x="3884760" y="8685360"/>
-            <a:ext cx="2971440" cy="458280"/>
+            <a:ext cx="2971080" cy="457920"/>
           </a:xfrm>
           <a:prstGeom prst="rect">
             <a:avLst/>
@@ -1076,8 +718,14 @@
             <a:noFill/>
           </a:ln>
         </p:spPr>
+        <p:style>
+          <a:lnRef idx="0"/>
+          <a:fillRef idx="0"/>
+          <a:effectRef idx="0"/>
+          <a:fontRef idx="minor"/>
+        </p:style>
         <p:txBody>
-          <a:bodyPr anchor="b">
+          <a:bodyPr lIns="90000" rIns="90000" tIns="45000" bIns="45000" anchor="b">
             <a:noAutofit/>
           </a:bodyPr>
           <a:p>
@@ -1086,14 +734,14 @@
                 <a:spcPct val="100000"/>
               </a:lnSpc>
             </a:pPr>
-            <a:fld id="{6D15D0E0-7158-49E4-82D6-7CCEB65801AF}" type="slidenum">
+            <a:fld id="{6692A462-9DF1-40B3-B44D-CD6A9454F8BC}" type="slidenum">
               <a:rPr b="0" lang="en-US" sz="1200" spc="-1" strike="noStrike">
                 <a:latin typeface="Times New Roman"/>
               </a:rPr>
               <a:t>&lt;number&gt;</a:t>
             </a:fld>
             <a:endParaRPr b="0" lang="en-US" sz="1200" spc="-1" strike="noStrike">
-              <a:latin typeface="Times New Roman"/>
+              <a:latin typeface="Arial"/>
             </a:endParaRPr>
           </a:p>
         </p:txBody>
@@ -1122,7 +770,7 @@
       </p:grpSpPr>
       <p:sp>
         <p:nvSpPr>
-          <p:cNvPr id="340" name="PlaceHolder 1"/>
+          <p:cNvPr id="349" name="PlaceHolder 1"/>
           <p:cNvSpPr>
             <a:spLocks noGrp="1"/>
           </p:cNvSpPr>
@@ -1133,7 +781,7 @@
         <p:spPr>
           <a:xfrm>
             <a:off x="685800" y="1143000"/>
-            <a:ext cx="5486040" cy="3085920"/>
+            <a:ext cx="5485680" cy="3085560"/>
           </a:xfrm>
           <a:prstGeom prst="rect">
             <a:avLst/>
@@ -1142,7 +790,7 @@
       </p:sp>
       <p:sp>
         <p:nvSpPr>
-          <p:cNvPr id="341" name="PlaceHolder 2"/>
+          <p:cNvPr id="350" name="PlaceHolder 2"/>
           <p:cNvSpPr>
             <a:spLocks noGrp="1"/>
           </p:cNvSpPr>
@@ -1153,21 +801,24 @@
         <p:spPr>
           <a:xfrm>
             <a:off x="685800" y="4400640"/>
-            <a:ext cx="5486040" cy="3600000"/>
+            <a:ext cx="5485680" cy="3599640"/>
           </a:xfrm>
           <a:prstGeom prst="rect">
             <a:avLst/>
           </a:prstGeom>
         </p:spPr>
         <p:txBody>
-          <a:bodyPr>
+          <a:bodyPr lIns="0" rIns="0" tIns="0" bIns="0">
             <a:noAutofit/>
           </a:bodyPr>
           <a:p>
-            <a:pPr marL="216000" indent="-216000">
+            <a:pPr marL="216000" indent="-215640">
               <a:lnSpc>
                 <a:spcPct val="100000"/>
               </a:lnSpc>
+              <a:tabLst>
+                <a:tab algn="l" pos="0"/>
+              </a:tabLst>
             </a:pPr>
             <a:r>
               <a:rPr b="0" lang="en-US" sz="2000" spc="-1" strike="noStrike">
@@ -1180,10 +831,13 @@
             </a:endParaRPr>
           </a:p>
           <a:p>
-            <a:pPr marL="216000" indent="-216000">
+            <a:pPr marL="216000" indent="-215640">
               <a:lnSpc>
                 <a:spcPct val="100000"/>
               </a:lnSpc>
+              <a:tabLst>
+                <a:tab algn="l" pos="0"/>
+              </a:tabLst>
             </a:pPr>
             <a:r>
               <a:rPr b="0" lang="ja-JP" sz="2000" spc="-1" strike="noStrike">
@@ -1199,14 +853,14 @@
       </p:sp>
       <p:sp>
         <p:nvSpPr>
-          <p:cNvPr id="342" name="TextShape 3"/>
-          <p:cNvSpPr txBox="1"/>
+          <p:cNvPr id="351" name="CustomShape 3"/>
+          <p:cNvSpPr/>
           <p:nvPr/>
         </p:nvSpPr>
         <p:spPr>
           <a:xfrm>
             <a:off x="3884760" y="8685360"/>
-            <a:ext cx="2971440" cy="458280"/>
+            <a:ext cx="2971080" cy="457920"/>
           </a:xfrm>
           <a:prstGeom prst="rect">
             <a:avLst/>
@@ -1216,8 +870,14 @@
             <a:noFill/>
           </a:ln>
         </p:spPr>
+        <p:style>
+          <a:lnRef idx="0"/>
+          <a:fillRef idx="0"/>
+          <a:effectRef idx="0"/>
+          <a:fontRef idx="minor"/>
+        </p:style>
         <p:txBody>
-          <a:bodyPr anchor="b">
+          <a:bodyPr lIns="90000" rIns="90000" tIns="45000" bIns="45000" anchor="b">
             <a:noAutofit/>
           </a:bodyPr>
           <a:p>
@@ -1226,14 +886,14 @@
                 <a:spcPct val="100000"/>
               </a:lnSpc>
             </a:pPr>
-            <a:fld id="{AFFC69D9-3937-41B3-9218-598B180385A7}" type="slidenum">
+            <a:fld id="{B721A490-1922-423E-B142-99FBEB17D8DB}" type="slidenum">
               <a:rPr b="0" lang="en-US" sz="1200" spc="-1" strike="noStrike">
                 <a:latin typeface="Times New Roman"/>
               </a:rPr>
               <a:t>&lt;number&gt;</a:t>
             </a:fld>
             <a:endParaRPr b="0" lang="en-US" sz="1200" spc="-1" strike="noStrike">
-              <a:latin typeface="Times New Roman"/>
+              <a:latin typeface="Arial"/>
             </a:endParaRPr>
           </a:p>
         </p:txBody>
@@ -1284,7 +944,7 @@
       </p:grpSpPr>
       <p:sp>
         <p:nvSpPr>
-          <p:cNvPr id="26" name="PlaceHolder 1"/>
+          <p:cNvPr id="23" name="PlaceHolder 1"/>
           <p:cNvSpPr>
             <a:spLocks noGrp="1"/>
           </p:cNvSpPr>
@@ -1306,18 +966,16 @@
             <a:noAutofit/>
           </a:bodyPr>
           <a:p>
-            <a:endParaRPr b="0" lang="en-US" sz="1800" spc="-1" strike="noStrike">
-              <a:solidFill>
-                <a:srgbClr val="000000"/>
-              </a:solidFill>
-              <a:latin typeface="游ゴシック"/>
+            <a:pPr algn="ctr"/>
+            <a:endParaRPr b="0" lang="en-US" sz="4400" spc="-1" strike="noStrike">
+              <a:latin typeface="Arial"/>
             </a:endParaRPr>
           </a:p>
         </p:txBody>
       </p:sp>
       <p:sp>
         <p:nvSpPr>
-          <p:cNvPr id="27" name="PlaceHolder 2"/>
+          <p:cNvPr id="24" name="PlaceHolder 2"/>
           <p:cNvSpPr>
             <a:spLocks noGrp="1"/>
           </p:cNvSpPr>
@@ -1339,18 +997,15 @@
             <a:normAutofit/>
           </a:bodyPr>
           <a:p>
-            <a:endParaRPr b="0" lang="en-US" sz="2800" spc="-1" strike="noStrike">
-              <a:solidFill>
-                <a:srgbClr val="000000"/>
-              </a:solidFill>
-              <a:latin typeface="游ゴシック"/>
+            <a:endParaRPr b="0" lang="en-US" sz="3200" spc="-1" strike="noStrike">
+              <a:latin typeface="Arial"/>
             </a:endParaRPr>
           </a:p>
         </p:txBody>
       </p:sp>
       <p:sp>
         <p:nvSpPr>
-          <p:cNvPr id="28" name="PlaceHolder 3"/>
+          <p:cNvPr id="25" name="PlaceHolder 3"/>
           <p:cNvSpPr>
             <a:spLocks noGrp="1"/>
           </p:cNvSpPr>
@@ -1372,11 +1027,8 @@
             <a:normAutofit/>
           </a:bodyPr>
           <a:p>
-            <a:endParaRPr b="0" lang="en-US" sz="2800" spc="-1" strike="noStrike">
-              <a:solidFill>
-                <a:srgbClr val="000000"/>
-              </a:solidFill>
-              <a:latin typeface="游ゴシック"/>
+            <a:endParaRPr b="0" lang="en-US" sz="3200" spc="-1" strike="noStrike">
+              <a:latin typeface="Arial"/>
             </a:endParaRPr>
           </a:p>
         </p:txBody>
@@ -1405,7 +1057,7 @@
       </p:grpSpPr>
       <p:sp>
         <p:nvSpPr>
-          <p:cNvPr id="29" name="PlaceHolder 1"/>
+          <p:cNvPr id="26" name="PlaceHolder 1"/>
           <p:cNvSpPr>
             <a:spLocks noGrp="1"/>
           </p:cNvSpPr>
@@ -1427,18 +1079,16 @@
             <a:noAutofit/>
           </a:bodyPr>
           <a:p>
-            <a:endParaRPr b="0" lang="en-US" sz="1800" spc="-1" strike="noStrike">
-              <a:solidFill>
-                <a:srgbClr val="000000"/>
-              </a:solidFill>
-              <a:latin typeface="游ゴシック"/>
+            <a:pPr algn="ctr"/>
+            <a:endParaRPr b="0" lang="en-US" sz="4400" spc="-1" strike="noStrike">
+              <a:latin typeface="Arial"/>
             </a:endParaRPr>
           </a:p>
         </p:txBody>
       </p:sp>
       <p:sp>
         <p:nvSpPr>
-          <p:cNvPr id="30" name="PlaceHolder 2"/>
+          <p:cNvPr id="27" name="PlaceHolder 2"/>
           <p:cNvSpPr>
             <a:spLocks noGrp="1"/>
           </p:cNvSpPr>
@@ -1460,18 +1110,15 @@
             <a:normAutofit/>
           </a:bodyPr>
           <a:p>
-            <a:endParaRPr b="0" lang="en-US" sz="2800" spc="-1" strike="noStrike">
-              <a:solidFill>
-                <a:srgbClr val="000000"/>
-              </a:solidFill>
-              <a:latin typeface="游ゴシック"/>
+            <a:endParaRPr b="0" lang="en-US" sz="3200" spc="-1" strike="noStrike">
+              <a:latin typeface="Arial"/>
             </a:endParaRPr>
           </a:p>
         </p:txBody>
       </p:sp>
       <p:sp>
         <p:nvSpPr>
-          <p:cNvPr id="31" name="PlaceHolder 3"/>
+          <p:cNvPr id="28" name="PlaceHolder 3"/>
           <p:cNvSpPr>
             <a:spLocks noGrp="1"/>
           </p:cNvSpPr>
@@ -1493,18 +1140,15 @@
             <a:normAutofit/>
           </a:bodyPr>
           <a:p>
-            <a:endParaRPr b="0" lang="en-US" sz="2800" spc="-1" strike="noStrike">
-              <a:solidFill>
-                <a:srgbClr val="000000"/>
-              </a:solidFill>
-              <a:latin typeface="游ゴシック"/>
+            <a:endParaRPr b="0" lang="en-US" sz="3200" spc="-1" strike="noStrike">
+              <a:latin typeface="Arial"/>
             </a:endParaRPr>
           </a:p>
         </p:txBody>
       </p:sp>
       <p:sp>
         <p:nvSpPr>
-          <p:cNvPr id="32" name="PlaceHolder 4"/>
+          <p:cNvPr id="29" name="PlaceHolder 4"/>
           <p:cNvSpPr>
             <a:spLocks noGrp="1"/>
           </p:cNvSpPr>
@@ -1526,18 +1170,15 @@
             <a:normAutofit/>
           </a:bodyPr>
           <a:p>
-            <a:endParaRPr b="0" lang="en-US" sz="2800" spc="-1" strike="noStrike">
-              <a:solidFill>
-                <a:srgbClr val="000000"/>
-              </a:solidFill>
-              <a:latin typeface="游ゴシック"/>
+            <a:endParaRPr b="0" lang="en-US" sz="3200" spc="-1" strike="noStrike">
+              <a:latin typeface="Arial"/>
             </a:endParaRPr>
           </a:p>
         </p:txBody>
       </p:sp>
       <p:sp>
         <p:nvSpPr>
-          <p:cNvPr id="33" name="PlaceHolder 5"/>
+          <p:cNvPr id="30" name="PlaceHolder 5"/>
           <p:cNvSpPr>
             <a:spLocks noGrp="1"/>
           </p:cNvSpPr>
@@ -1559,11 +1200,8 @@
             <a:normAutofit/>
           </a:bodyPr>
           <a:p>
-            <a:endParaRPr b="0" lang="en-US" sz="2800" spc="-1" strike="noStrike">
-              <a:solidFill>
-                <a:srgbClr val="000000"/>
-              </a:solidFill>
-              <a:latin typeface="游ゴシック"/>
+            <a:endParaRPr b="0" lang="en-US" sz="3200" spc="-1" strike="noStrike">
+              <a:latin typeface="Arial"/>
             </a:endParaRPr>
           </a:p>
         </p:txBody>
@@ -1592,7 +1230,7 @@
       </p:grpSpPr>
       <p:sp>
         <p:nvSpPr>
-          <p:cNvPr id="34" name="PlaceHolder 1"/>
+          <p:cNvPr id="31" name="PlaceHolder 1"/>
           <p:cNvSpPr>
             <a:spLocks noGrp="1"/>
           </p:cNvSpPr>
@@ -1614,18 +1252,16 @@
             <a:noAutofit/>
           </a:bodyPr>
           <a:p>
-            <a:endParaRPr b="0" lang="en-US" sz="1800" spc="-1" strike="noStrike">
-              <a:solidFill>
-                <a:srgbClr val="000000"/>
-              </a:solidFill>
-              <a:latin typeface="游ゴシック"/>
+            <a:pPr algn="ctr"/>
+            <a:endParaRPr b="0" lang="en-US" sz="4400" spc="-1" strike="noStrike">
+              <a:latin typeface="Arial"/>
             </a:endParaRPr>
           </a:p>
         </p:txBody>
       </p:sp>
       <p:sp>
         <p:nvSpPr>
-          <p:cNvPr id="35" name="PlaceHolder 2"/>
+          <p:cNvPr id="32" name="PlaceHolder 2"/>
           <p:cNvSpPr>
             <a:spLocks noGrp="1"/>
           </p:cNvSpPr>
@@ -1647,18 +1283,15 @@
             <a:normAutofit/>
           </a:bodyPr>
           <a:p>
-            <a:endParaRPr b="0" lang="en-US" sz="2800" spc="-1" strike="noStrike">
-              <a:solidFill>
-                <a:srgbClr val="000000"/>
-              </a:solidFill>
-              <a:latin typeface="游ゴシック"/>
+            <a:endParaRPr b="0" lang="en-US" sz="3200" spc="-1" strike="noStrike">
+              <a:latin typeface="Arial"/>
             </a:endParaRPr>
           </a:p>
         </p:txBody>
       </p:sp>
       <p:sp>
         <p:nvSpPr>
-          <p:cNvPr id="36" name="PlaceHolder 3"/>
+          <p:cNvPr id="33" name="PlaceHolder 3"/>
           <p:cNvSpPr>
             <a:spLocks noGrp="1"/>
           </p:cNvSpPr>
@@ -1680,18 +1313,15 @@
             <a:normAutofit/>
           </a:bodyPr>
           <a:p>
-            <a:endParaRPr b="0" lang="en-US" sz="2800" spc="-1" strike="noStrike">
-              <a:solidFill>
-                <a:srgbClr val="000000"/>
-              </a:solidFill>
-              <a:latin typeface="游ゴシック"/>
+            <a:endParaRPr b="0" lang="en-US" sz="3200" spc="-1" strike="noStrike">
+              <a:latin typeface="Arial"/>
             </a:endParaRPr>
           </a:p>
         </p:txBody>
       </p:sp>
       <p:sp>
         <p:nvSpPr>
-          <p:cNvPr id="37" name="PlaceHolder 4"/>
+          <p:cNvPr id="34" name="PlaceHolder 4"/>
           <p:cNvSpPr>
             <a:spLocks noGrp="1"/>
           </p:cNvSpPr>
@@ -1713,18 +1343,15 @@
             <a:normAutofit/>
           </a:bodyPr>
           <a:p>
-            <a:endParaRPr b="0" lang="en-US" sz="2800" spc="-1" strike="noStrike">
-              <a:solidFill>
-                <a:srgbClr val="000000"/>
-              </a:solidFill>
-              <a:latin typeface="游ゴシック"/>
+            <a:endParaRPr b="0" lang="en-US" sz="3200" spc="-1" strike="noStrike">
+              <a:latin typeface="Arial"/>
             </a:endParaRPr>
           </a:p>
         </p:txBody>
       </p:sp>
       <p:sp>
         <p:nvSpPr>
-          <p:cNvPr id="38" name="PlaceHolder 5"/>
+          <p:cNvPr id="35" name="PlaceHolder 5"/>
           <p:cNvSpPr>
             <a:spLocks noGrp="1"/>
           </p:cNvSpPr>
@@ -1746,18 +1373,15 @@
             <a:normAutofit/>
           </a:bodyPr>
           <a:p>
-            <a:endParaRPr b="0" lang="en-US" sz="2800" spc="-1" strike="noStrike">
-              <a:solidFill>
-                <a:srgbClr val="000000"/>
-              </a:solidFill>
-              <a:latin typeface="游ゴシック"/>
+            <a:endParaRPr b="0" lang="en-US" sz="3200" spc="-1" strike="noStrike">
+              <a:latin typeface="Arial"/>
             </a:endParaRPr>
           </a:p>
         </p:txBody>
       </p:sp>
       <p:sp>
         <p:nvSpPr>
-          <p:cNvPr id="39" name="PlaceHolder 6"/>
+          <p:cNvPr id="36" name="PlaceHolder 6"/>
           <p:cNvSpPr>
             <a:spLocks noGrp="1"/>
           </p:cNvSpPr>
@@ -1779,18 +1403,15 @@
             <a:normAutofit/>
           </a:bodyPr>
           <a:p>
-            <a:endParaRPr b="0" lang="en-US" sz="2800" spc="-1" strike="noStrike">
-              <a:solidFill>
-                <a:srgbClr val="000000"/>
-              </a:solidFill>
-              <a:latin typeface="游ゴシック"/>
+            <a:endParaRPr b="0" lang="en-US" sz="3200" spc="-1" strike="noStrike">
+              <a:latin typeface="Arial"/>
             </a:endParaRPr>
           </a:p>
         </p:txBody>
       </p:sp>
       <p:sp>
         <p:nvSpPr>
-          <p:cNvPr id="40" name="PlaceHolder 7"/>
+          <p:cNvPr id="37" name="PlaceHolder 7"/>
           <p:cNvSpPr>
             <a:spLocks noGrp="1"/>
           </p:cNvSpPr>
@@ -1812,11 +1433,8 @@
             <a:normAutofit/>
           </a:bodyPr>
           <a:p>
-            <a:endParaRPr b="0" lang="en-US" sz="2800" spc="-1" strike="noStrike">
-              <a:solidFill>
-                <a:srgbClr val="000000"/>
-              </a:solidFill>
-              <a:latin typeface="游ゴシック"/>
+            <a:endParaRPr b="0" lang="en-US" sz="3200" spc="-1" strike="noStrike">
+              <a:latin typeface="Arial"/>
             </a:endParaRPr>
           </a:p>
         </p:txBody>
@@ -1845,7 +1463,7 @@
       </p:grpSpPr>
       <p:sp>
         <p:nvSpPr>
-          <p:cNvPr id="5" name="PlaceHolder 1"/>
+          <p:cNvPr id="2" name="PlaceHolder 1"/>
           <p:cNvSpPr>
             <a:spLocks noGrp="1"/>
           </p:cNvSpPr>
@@ -1867,18 +1485,16 @@
             <a:noAutofit/>
           </a:bodyPr>
           <a:p>
-            <a:endParaRPr b="0" lang="en-US" sz="1800" spc="-1" strike="noStrike">
-              <a:solidFill>
-                <a:srgbClr val="000000"/>
-              </a:solidFill>
-              <a:latin typeface="游ゴシック"/>
+            <a:pPr algn="ctr"/>
+            <a:endParaRPr b="0" lang="en-US" sz="4400" spc="-1" strike="noStrike">
+              <a:latin typeface="Arial"/>
             </a:endParaRPr>
           </a:p>
         </p:txBody>
       </p:sp>
       <p:sp>
         <p:nvSpPr>
-          <p:cNvPr id="6" name="PlaceHolder 2"/>
+          <p:cNvPr id="3" name="PlaceHolder 2"/>
           <p:cNvSpPr>
             <a:spLocks noGrp="1"/>
           </p:cNvSpPr>
@@ -1931,7 +1547,7 @@
       </p:grpSpPr>
       <p:sp>
         <p:nvSpPr>
-          <p:cNvPr id="7" name="PlaceHolder 1"/>
+          <p:cNvPr id="4" name="PlaceHolder 1"/>
           <p:cNvSpPr>
             <a:spLocks noGrp="1"/>
           </p:cNvSpPr>
@@ -1953,18 +1569,16 @@
             <a:noAutofit/>
           </a:bodyPr>
           <a:p>
-            <a:endParaRPr b="0" lang="en-US" sz="1800" spc="-1" strike="noStrike">
-              <a:solidFill>
-                <a:srgbClr val="000000"/>
-              </a:solidFill>
-              <a:latin typeface="游ゴシック"/>
+            <a:pPr algn="ctr"/>
+            <a:endParaRPr b="0" lang="en-US" sz="4400" spc="-1" strike="noStrike">
+              <a:latin typeface="Arial"/>
             </a:endParaRPr>
           </a:p>
         </p:txBody>
       </p:sp>
       <p:sp>
         <p:nvSpPr>
-          <p:cNvPr id="8" name="PlaceHolder 2"/>
+          <p:cNvPr id="5" name="PlaceHolder 2"/>
           <p:cNvSpPr>
             <a:spLocks noGrp="1"/>
           </p:cNvSpPr>
@@ -1986,11 +1600,8 @@
             <a:normAutofit/>
           </a:bodyPr>
           <a:p>
-            <a:endParaRPr b="0" lang="en-US" sz="2800" spc="-1" strike="noStrike">
-              <a:solidFill>
-                <a:srgbClr val="000000"/>
-              </a:solidFill>
-              <a:latin typeface="游ゴシック"/>
+            <a:endParaRPr b="0" lang="en-US" sz="3200" spc="-1" strike="noStrike">
+              <a:latin typeface="Arial"/>
             </a:endParaRPr>
           </a:p>
         </p:txBody>
@@ -2019,7 +1630,7 @@
       </p:grpSpPr>
       <p:sp>
         <p:nvSpPr>
-          <p:cNvPr id="9" name="PlaceHolder 1"/>
+          <p:cNvPr id="6" name="PlaceHolder 1"/>
           <p:cNvSpPr>
             <a:spLocks noGrp="1"/>
           </p:cNvSpPr>
@@ -2041,18 +1652,16 @@
             <a:noAutofit/>
           </a:bodyPr>
           <a:p>
-            <a:endParaRPr b="0" lang="en-US" sz="1800" spc="-1" strike="noStrike">
-              <a:solidFill>
-                <a:srgbClr val="000000"/>
-              </a:solidFill>
-              <a:latin typeface="游ゴシック"/>
+            <a:pPr algn="ctr"/>
+            <a:endParaRPr b="0" lang="en-US" sz="4400" spc="-1" strike="noStrike">
+              <a:latin typeface="Arial"/>
             </a:endParaRPr>
           </a:p>
         </p:txBody>
       </p:sp>
       <p:sp>
         <p:nvSpPr>
-          <p:cNvPr id="10" name="PlaceHolder 2"/>
+          <p:cNvPr id="7" name="PlaceHolder 2"/>
           <p:cNvSpPr>
             <a:spLocks noGrp="1"/>
           </p:cNvSpPr>
@@ -2074,18 +1683,15 @@
             <a:normAutofit/>
           </a:bodyPr>
           <a:p>
-            <a:endParaRPr b="0" lang="en-US" sz="2800" spc="-1" strike="noStrike">
-              <a:solidFill>
-                <a:srgbClr val="000000"/>
-              </a:solidFill>
-              <a:latin typeface="游ゴシック"/>
+            <a:endParaRPr b="0" lang="en-US" sz="3200" spc="-1" strike="noStrike">
+              <a:latin typeface="Arial"/>
             </a:endParaRPr>
           </a:p>
         </p:txBody>
       </p:sp>
       <p:sp>
         <p:nvSpPr>
-          <p:cNvPr id="11" name="PlaceHolder 3"/>
+          <p:cNvPr id="8" name="PlaceHolder 3"/>
           <p:cNvSpPr>
             <a:spLocks noGrp="1"/>
           </p:cNvSpPr>
@@ -2107,11 +1713,8 @@
             <a:normAutofit/>
           </a:bodyPr>
           <a:p>
-            <a:endParaRPr b="0" lang="en-US" sz="2800" spc="-1" strike="noStrike">
-              <a:solidFill>
-                <a:srgbClr val="000000"/>
-              </a:solidFill>
-              <a:latin typeface="游ゴシック"/>
+            <a:endParaRPr b="0" lang="en-US" sz="3200" spc="-1" strike="noStrike">
+              <a:latin typeface="Arial"/>
             </a:endParaRPr>
           </a:p>
         </p:txBody>
@@ -2140,7 +1743,7 @@
       </p:grpSpPr>
       <p:sp>
         <p:nvSpPr>
-          <p:cNvPr id="12" name="PlaceHolder 1"/>
+          <p:cNvPr id="9" name="PlaceHolder 1"/>
           <p:cNvSpPr>
             <a:spLocks noGrp="1"/>
           </p:cNvSpPr>
@@ -2162,11 +1765,9 @@
             <a:noAutofit/>
           </a:bodyPr>
           <a:p>
-            <a:endParaRPr b="0" lang="en-US" sz="1800" spc="-1" strike="noStrike">
-              <a:solidFill>
-                <a:srgbClr val="000000"/>
-              </a:solidFill>
-              <a:latin typeface="游ゴシック"/>
+            <a:pPr algn="ctr"/>
+            <a:endParaRPr b="0" lang="en-US" sz="4400" spc="-1" strike="noStrike">
+              <a:latin typeface="Arial"/>
             </a:endParaRPr>
           </a:p>
         </p:txBody>
@@ -2195,7 +1796,7 @@
       </p:grpSpPr>
       <p:sp>
         <p:nvSpPr>
-          <p:cNvPr id="13" name="PlaceHolder 1"/>
+          <p:cNvPr id="10" name="PlaceHolder 1"/>
           <p:cNvSpPr>
             <a:spLocks noGrp="1"/>
           </p:cNvSpPr>
@@ -2248,7 +1849,7 @@
       </p:grpSpPr>
       <p:sp>
         <p:nvSpPr>
-          <p:cNvPr id="14" name="PlaceHolder 1"/>
+          <p:cNvPr id="11" name="PlaceHolder 1"/>
           <p:cNvSpPr>
             <a:spLocks noGrp="1"/>
           </p:cNvSpPr>
@@ -2270,18 +1871,16 @@
             <a:noAutofit/>
           </a:bodyPr>
           <a:p>
-            <a:endParaRPr b="0" lang="en-US" sz="1800" spc="-1" strike="noStrike">
-              <a:solidFill>
-                <a:srgbClr val="000000"/>
-              </a:solidFill>
-              <a:latin typeface="游ゴシック"/>
+            <a:pPr algn="ctr"/>
+            <a:endParaRPr b="0" lang="en-US" sz="4400" spc="-1" strike="noStrike">
+              <a:latin typeface="Arial"/>
             </a:endParaRPr>
           </a:p>
         </p:txBody>
       </p:sp>
       <p:sp>
         <p:nvSpPr>
-          <p:cNvPr id="15" name="PlaceHolder 2"/>
+          <p:cNvPr id="12" name="PlaceHolder 2"/>
           <p:cNvSpPr>
             <a:spLocks noGrp="1"/>
           </p:cNvSpPr>
@@ -2303,18 +1902,15 @@
             <a:normAutofit/>
           </a:bodyPr>
           <a:p>
-            <a:endParaRPr b="0" lang="en-US" sz="2800" spc="-1" strike="noStrike">
-              <a:solidFill>
-                <a:srgbClr val="000000"/>
-              </a:solidFill>
-              <a:latin typeface="游ゴシック"/>
+            <a:endParaRPr b="0" lang="en-US" sz="3200" spc="-1" strike="noStrike">
+              <a:latin typeface="Arial"/>
             </a:endParaRPr>
           </a:p>
         </p:txBody>
       </p:sp>
       <p:sp>
         <p:nvSpPr>
-          <p:cNvPr id="16" name="PlaceHolder 3"/>
+          <p:cNvPr id="13" name="PlaceHolder 3"/>
           <p:cNvSpPr>
             <a:spLocks noGrp="1"/>
           </p:cNvSpPr>
@@ -2336,18 +1932,15 @@
             <a:normAutofit/>
           </a:bodyPr>
           <a:p>
-            <a:endParaRPr b="0" lang="en-US" sz="2800" spc="-1" strike="noStrike">
-              <a:solidFill>
-                <a:srgbClr val="000000"/>
-              </a:solidFill>
-              <a:latin typeface="游ゴシック"/>
+            <a:endParaRPr b="0" lang="en-US" sz="3200" spc="-1" strike="noStrike">
+              <a:latin typeface="Arial"/>
             </a:endParaRPr>
           </a:p>
         </p:txBody>
       </p:sp>
       <p:sp>
         <p:nvSpPr>
-          <p:cNvPr id="17" name="PlaceHolder 4"/>
+          <p:cNvPr id="14" name="PlaceHolder 4"/>
           <p:cNvSpPr>
             <a:spLocks noGrp="1"/>
           </p:cNvSpPr>
@@ -2369,11 +1962,8 @@
             <a:normAutofit/>
           </a:bodyPr>
           <a:p>
-            <a:endParaRPr b="0" lang="en-US" sz="2800" spc="-1" strike="noStrike">
-              <a:solidFill>
-                <a:srgbClr val="000000"/>
-              </a:solidFill>
-              <a:latin typeface="游ゴシック"/>
+            <a:endParaRPr b="0" lang="en-US" sz="3200" spc="-1" strike="noStrike">
+              <a:latin typeface="Arial"/>
             </a:endParaRPr>
           </a:p>
         </p:txBody>
@@ -2402,7 +1992,7 @@
       </p:grpSpPr>
       <p:sp>
         <p:nvSpPr>
-          <p:cNvPr id="18" name="PlaceHolder 1"/>
+          <p:cNvPr id="15" name="PlaceHolder 1"/>
           <p:cNvSpPr>
             <a:spLocks noGrp="1"/>
           </p:cNvSpPr>
@@ -2424,18 +2014,16 @@
             <a:noAutofit/>
           </a:bodyPr>
           <a:p>
-            <a:endParaRPr b="0" lang="en-US" sz="1800" spc="-1" strike="noStrike">
-              <a:solidFill>
-                <a:srgbClr val="000000"/>
-              </a:solidFill>
-              <a:latin typeface="游ゴシック"/>
+            <a:pPr algn="ctr"/>
+            <a:endParaRPr b="0" lang="en-US" sz="4400" spc="-1" strike="noStrike">
+              <a:latin typeface="Arial"/>
             </a:endParaRPr>
           </a:p>
         </p:txBody>
       </p:sp>
       <p:sp>
         <p:nvSpPr>
-          <p:cNvPr id="19" name="PlaceHolder 2"/>
+          <p:cNvPr id="16" name="PlaceHolder 2"/>
           <p:cNvSpPr>
             <a:spLocks noGrp="1"/>
           </p:cNvSpPr>
@@ -2457,18 +2045,15 @@
             <a:normAutofit/>
           </a:bodyPr>
           <a:p>
-            <a:endParaRPr b="0" lang="en-US" sz="2800" spc="-1" strike="noStrike">
-              <a:solidFill>
-                <a:srgbClr val="000000"/>
-              </a:solidFill>
-              <a:latin typeface="游ゴシック"/>
+            <a:endParaRPr b="0" lang="en-US" sz="3200" spc="-1" strike="noStrike">
+              <a:latin typeface="Arial"/>
             </a:endParaRPr>
           </a:p>
         </p:txBody>
       </p:sp>
       <p:sp>
         <p:nvSpPr>
-          <p:cNvPr id="20" name="PlaceHolder 3"/>
+          <p:cNvPr id="17" name="PlaceHolder 3"/>
           <p:cNvSpPr>
             <a:spLocks noGrp="1"/>
           </p:cNvSpPr>
@@ -2490,18 +2075,15 @@
             <a:normAutofit/>
           </a:bodyPr>
           <a:p>
-            <a:endParaRPr b="0" lang="en-US" sz="2800" spc="-1" strike="noStrike">
-              <a:solidFill>
-                <a:srgbClr val="000000"/>
-              </a:solidFill>
-              <a:latin typeface="游ゴシック"/>
+            <a:endParaRPr b="0" lang="en-US" sz="3200" spc="-1" strike="noStrike">
+              <a:latin typeface="Arial"/>
             </a:endParaRPr>
           </a:p>
         </p:txBody>
       </p:sp>
       <p:sp>
         <p:nvSpPr>
-          <p:cNvPr id="21" name="PlaceHolder 4"/>
+          <p:cNvPr id="18" name="PlaceHolder 4"/>
           <p:cNvSpPr>
             <a:spLocks noGrp="1"/>
           </p:cNvSpPr>
@@ -2523,11 +2105,8 @@
             <a:normAutofit/>
           </a:bodyPr>
           <a:p>
-            <a:endParaRPr b="0" lang="en-US" sz="2800" spc="-1" strike="noStrike">
-              <a:solidFill>
-                <a:srgbClr val="000000"/>
-              </a:solidFill>
-              <a:latin typeface="游ゴシック"/>
+            <a:endParaRPr b="0" lang="en-US" sz="3200" spc="-1" strike="noStrike">
+              <a:latin typeface="Arial"/>
             </a:endParaRPr>
           </a:p>
         </p:txBody>
@@ -2556,7 +2135,7 @@
       </p:grpSpPr>
       <p:sp>
         <p:nvSpPr>
-          <p:cNvPr id="22" name="PlaceHolder 1"/>
+          <p:cNvPr id="19" name="PlaceHolder 1"/>
           <p:cNvSpPr>
             <a:spLocks noGrp="1"/>
           </p:cNvSpPr>
@@ -2578,18 +2157,16 @@
             <a:noAutofit/>
           </a:bodyPr>
           <a:p>
-            <a:endParaRPr b="0" lang="en-US" sz="1800" spc="-1" strike="noStrike">
-              <a:solidFill>
-                <a:srgbClr val="000000"/>
-              </a:solidFill>
-              <a:latin typeface="游ゴシック"/>
+            <a:pPr algn="ctr"/>
+            <a:endParaRPr b="0" lang="en-US" sz="4400" spc="-1" strike="noStrike">
+              <a:latin typeface="Arial"/>
             </a:endParaRPr>
           </a:p>
         </p:txBody>
       </p:sp>
       <p:sp>
         <p:nvSpPr>
-          <p:cNvPr id="23" name="PlaceHolder 2"/>
+          <p:cNvPr id="20" name="PlaceHolder 2"/>
           <p:cNvSpPr>
             <a:spLocks noGrp="1"/>
           </p:cNvSpPr>
@@ -2611,18 +2188,15 @@
             <a:normAutofit/>
           </a:bodyPr>
           <a:p>
-            <a:endParaRPr b="0" lang="en-US" sz="2800" spc="-1" strike="noStrike">
-              <a:solidFill>
-                <a:srgbClr val="000000"/>
-              </a:solidFill>
-              <a:latin typeface="游ゴシック"/>
+            <a:endParaRPr b="0" lang="en-US" sz="3200" spc="-1" strike="noStrike">
+              <a:latin typeface="Arial"/>
             </a:endParaRPr>
           </a:p>
         </p:txBody>
       </p:sp>
       <p:sp>
         <p:nvSpPr>
-          <p:cNvPr id="24" name="PlaceHolder 3"/>
+          <p:cNvPr id="21" name="PlaceHolder 3"/>
           <p:cNvSpPr>
             <a:spLocks noGrp="1"/>
           </p:cNvSpPr>
@@ -2644,18 +2218,15 @@
             <a:normAutofit/>
           </a:bodyPr>
           <a:p>
-            <a:endParaRPr b="0" lang="en-US" sz="2800" spc="-1" strike="noStrike">
-              <a:solidFill>
-                <a:srgbClr val="000000"/>
-              </a:solidFill>
-              <a:latin typeface="游ゴシック"/>
+            <a:endParaRPr b="0" lang="en-US" sz="3200" spc="-1" strike="noStrike">
+              <a:latin typeface="Arial"/>
             </a:endParaRPr>
           </a:p>
         </p:txBody>
       </p:sp>
       <p:sp>
         <p:nvSpPr>
-          <p:cNvPr id="25" name="PlaceHolder 4"/>
+          <p:cNvPr id="22" name="PlaceHolder 4"/>
           <p:cNvSpPr>
             <a:spLocks noGrp="1"/>
           </p:cNvSpPr>
@@ -2677,11 +2248,8 @@
             <a:normAutofit/>
           </a:bodyPr>
           <a:p>
-            <a:endParaRPr b="0" lang="en-US" sz="2800" spc="-1" strike="noStrike">
-              <a:solidFill>
-                <a:srgbClr val="000000"/>
-              </a:solidFill>
-              <a:latin typeface="游ゴシック"/>
+            <a:endParaRPr b="0" lang="en-US" sz="3200" spc="-1" strike="noStrike">
+              <a:latin typeface="Arial"/>
             </a:endParaRPr>
           </a:p>
         </p:txBody>
@@ -2722,124 +2290,6 @@
             <a:spLocks noGrp="1"/>
           </p:cNvSpPr>
           <p:nvPr>
-            <p:ph type="dt"/>
-          </p:nvPr>
-        </p:nvSpPr>
-        <p:spPr>
-          <a:xfrm>
-            <a:off x="838080" y="6356520"/>
-            <a:ext cx="2742840" cy="364680"/>
-          </a:xfrm>
-          <a:prstGeom prst="rect">
-            <a:avLst/>
-          </a:prstGeom>
-        </p:spPr>
-        <p:txBody>
-          <a:bodyPr anchor="ctr">
-            <a:noAutofit/>
-          </a:bodyPr>
-          <a:p>
-            <a:pPr>
-              <a:lnSpc>
-                <a:spcPct val="100000"/>
-              </a:lnSpc>
-            </a:pPr>
-            <a:fld id="{C7FE4B84-72B1-46AE-A199-78D4D105F10B}" type="datetime">
-              <a:rPr b="0" lang="en-US" sz="1200" spc="-1" strike="noStrike">
-                <a:solidFill>
-                  <a:srgbClr val="8b8b8b"/>
-                </a:solidFill>
-                <a:latin typeface="游ゴシック"/>
-              </a:rPr>
-              <a:t>1/13/21</a:t>
-            </a:fld>
-            <a:endParaRPr b="0" lang="en-US" sz="1200" spc="-1" strike="noStrike">
-              <a:latin typeface="Times New Roman"/>
-            </a:endParaRPr>
-          </a:p>
-        </p:txBody>
-      </p:sp>
-      <p:sp>
-        <p:nvSpPr>
-          <p:cNvPr id="1" name="PlaceHolder 2"/>
-          <p:cNvSpPr>
-            <a:spLocks noGrp="1"/>
-          </p:cNvSpPr>
-          <p:nvPr>
-            <p:ph type="ftr"/>
-          </p:nvPr>
-        </p:nvSpPr>
-        <p:spPr>
-          <a:xfrm>
-            <a:off x="4038480" y="6356520"/>
-            <a:ext cx="4114440" cy="364680"/>
-          </a:xfrm>
-          <a:prstGeom prst="rect">
-            <a:avLst/>
-          </a:prstGeom>
-        </p:spPr>
-        <p:txBody>
-          <a:bodyPr anchor="ctr">
-            <a:noAutofit/>
-          </a:bodyPr>
-          <a:p>
-            <a:endParaRPr b="0" lang="en-US" sz="2400" spc="-1" strike="noStrike">
-              <a:latin typeface="Times New Roman"/>
-            </a:endParaRPr>
-          </a:p>
-        </p:txBody>
-      </p:sp>
-      <p:sp>
-        <p:nvSpPr>
-          <p:cNvPr id="2" name="PlaceHolder 3"/>
-          <p:cNvSpPr>
-            <a:spLocks noGrp="1"/>
-          </p:cNvSpPr>
-          <p:nvPr>
-            <p:ph type="sldNum"/>
-          </p:nvPr>
-        </p:nvSpPr>
-        <p:spPr>
-          <a:xfrm>
-            <a:off x="8610480" y="6356520"/>
-            <a:ext cx="2742840" cy="364680"/>
-          </a:xfrm>
-          <a:prstGeom prst="rect">
-            <a:avLst/>
-          </a:prstGeom>
-        </p:spPr>
-        <p:txBody>
-          <a:bodyPr anchor="ctr">
-            <a:noAutofit/>
-          </a:bodyPr>
-          <a:p>
-            <a:pPr algn="r">
-              <a:lnSpc>
-                <a:spcPct val="100000"/>
-              </a:lnSpc>
-            </a:pPr>
-            <a:fld id="{2B813424-4EAF-4435-A097-DA01AE9355D3}" type="slidenum">
-              <a:rPr b="0" lang="en-US" sz="1200" spc="-1" strike="noStrike">
-                <a:solidFill>
-                  <a:srgbClr val="8b8b8b"/>
-                </a:solidFill>
-                <a:latin typeface="游ゴシック"/>
-              </a:rPr>
-              <a:t>&lt;number&gt;</a:t>
-            </a:fld>
-            <a:endParaRPr b="0" lang="en-US" sz="1200" spc="-1" strike="noStrike">
-              <a:latin typeface="Times New Roman"/>
-            </a:endParaRPr>
-          </a:p>
-        </p:txBody>
-      </p:sp>
-      <p:sp>
-        <p:nvSpPr>
-          <p:cNvPr id="3" name="PlaceHolder 4"/>
-          <p:cNvSpPr>
-            <a:spLocks noGrp="1"/>
-          </p:cNvSpPr>
-          <p:nvPr>
             <p:ph type="title"/>
           </p:nvPr>
         </p:nvSpPr>
@@ -2857,90 +2307,22 @@
             <a:noAutofit/>
           </a:bodyPr>
           <a:p>
+            <a:pPr algn="ctr"/>
             <a:r>
-              <a:rPr b="0" lang="en-US" sz="1800" spc="-1" strike="noStrike">
-                <a:solidFill>
-                  <a:srgbClr val="000000"/>
-                </a:solidFill>
-                <a:latin typeface="游ゴシック"/>
+              <a:rPr b="0" lang="en-US" sz="4400" spc="-1" strike="noStrike">
+                <a:latin typeface="Arial"/>
               </a:rPr>
-              <a:t>Clic</a:t>
+              <a:t>Click to edit the title text format</a:t>
             </a:r>
-            <a:r>
-              <a:rPr b="0" lang="en-US" sz="1800" spc="-1" strike="noStrike">
-                <a:solidFill>
-                  <a:srgbClr val="000000"/>
-                </a:solidFill>
-                <a:latin typeface="游ゴシック"/>
-              </a:rPr>
-              <a:t>k to </a:t>
-            </a:r>
-            <a:r>
-              <a:rPr b="0" lang="en-US" sz="1800" spc="-1" strike="noStrike">
-                <a:solidFill>
-                  <a:srgbClr val="000000"/>
-                </a:solidFill>
-                <a:latin typeface="游ゴシック"/>
-              </a:rPr>
-              <a:t>edit </a:t>
-            </a:r>
-            <a:r>
-              <a:rPr b="0" lang="en-US" sz="1800" spc="-1" strike="noStrike">
-                <a:solidFill>
-                  <a:srgbClr val="000000"/>
-                </a:solidFill>
-                <a:latin typeface="游ゴシック"/>
-              </a:rPr>
-              <a:t>the </a:t>
-            </a:r>
-            <a:r>
-              <a:rPr b="0" lang="en-US" sz="1800" spc="-1" strike="noStrike">
-                <a:solidFill>
-                  <a:srgbClr val="000000"/>
-                </a:solidFill>
-                <a:latin typeface="游ゴシック"/>
-              </a:rPr>
-              <a:t>title </a:t>
-            </a:r>
-            <a:r>
-              <a:rPr b="0" lang="en-US" sz="1800" spc="-1" strike="noStrike">
-                <a:solidFill>
-                  <a:srgbClr val="000000"/>
-                </a:solidFill>
-                <a:latin typeface="游ゴシック"/>
-              </a:rPr>
-              <a:t>text </a:t>
-            </a:r>
-            <a:r>
-              <a:rPr b="0" lang="en-US" sz="1800" spc="-1" strike="noStrike">
-                <a:solidFill>
-                  <a:srgbClr val="000000"/>
-                </a:solidFill>
-                <a:latin typeface="游ゴシック"/>
-              </a:rPr>
-              <a:t>for</a:t>
-            </a:r>
-            <a:r>
-              <a:rPr b="0" lang="en-US" sz="1800" spc="-1" strike="noStrike">
-                <a:solidFill>
-                  <a:srgbClr val="000000"/>
-                </a:solidFill>
-                <a:latin typeface="游ゴシック"/>
-              </a:rPr>
-              <a:t>mat</a:t>
-            </a:r>
-            <a:endParaRPr b="0" lang="en-US" sz="1800" spc="-1" strike="noStrike">
-              <a:solidFill>
-                <a:srgbClr val="000000"/>
-              </a:solidFill>
-              <a:latin typeface="游ゴシック"/>
+            <a:endParaRPr b="0" lang="en-US" sz="4400" spc="-1" strike="noStrike">
+              <a:latin typeface="Arial"/>
             </a:endParaRPr>
           </a:p>
         </p:txBody>
       </p:sp>
       <p:sp>
         <p:nvSpPr>
-          <p:cNvPr id="4" name="PlaceHolder 5"/>
+          <p:cNvPr id="1" name="PlaceHolder 2"/>
           <p:cNvSpPr>
             <a:spLocks noGrp="1"/>
           </p:cNvSpPr>
@@ -2974,19 +2356,13 @@
               <a:buChar char=""/>
             </a:pPr>
             <a:r>
-              <a:rPr b="0" lang="en-US" sz="2800" spc="-1" strike="noStrike">
-                <a:solidFill>
-                  <a:srgbClr val="000000"/>
-                </a:solidFill>
-                <a:latin typeface="游ゴシック"/>
+              <a:rPr b="0" lang="en-US" sz="3200" spc="-1" strike="noStrike">
+                <a:latin typeface="Arial"/>
               </a:rPr>
               <a:t>Click to edit the outline text format</a:t>
             </a:r>
-            <a:endParaRPr b="0" lang="en-US" sz="2800" spc="-1" strike="noStrike">
-              <a:solidFill>
-                <a:srgbClr val="000000"/>
-              </a:solidFill>
-              <a:latin typeface="游ゴシック"/>
+            <a:endParaRPr b="0" lang="en-US" sz="3200" spc="-1" strike="noStrike">
+              <a:latin typeface="Arial"/>
             </a:endParaRPr>
           </a:p>
           <a:p>
@@ -3002,19 +2378,13 @@
               <a:buChar char=""/>
             </a:pPr>
             <a:r>
-              <a:rPr b="0" lang="en-US" sz="2000" spc="-1" strike="noStrike">
-                <a:solidFill>
-                  <a:srgbClr val="000000"/>
-                </a:solidFill>
-                <a:latin typeface="游ゴシック"/>
+              <a:rPr b="0" lang="en-US" sz="2800" spc="-1" strike="noStrike">
+                <a:latin typeface="Arial"/>
               </a:rPr>
               <a:t>Second Outline Level</a:t>
             </a:r>
-            <a:endParaRPr b="0" lang="en-US" sz="2000" spc="-1" strike="noStrike">
-              <a:solidFill>
-                <a:srgbClr val="000000"/>
-              </a:solidFill>
-              <a:latin typeface="游ゴシック"/>
+            <a:endParaRPr b="0" lang="en-US" sz="2800" spc="-1" strike="noStrike">
+              <a:latin typeface="Arial"/>
             </a:endParaRPr>
           </a:p>
           <a:p>
@@ -3030,19 +2400,13 @@
               <a:buChar char=""/>
             </a:pPr>
             <a:r>
-              <a:rPr b="0" lang="en-US" sz="1800" spc="-1" strike="noStrike">
-                <a:solidFill>
-                  <a:srgbClr val="000000"/>
-                </a:solidFill>
-                <a:latin typeface="游ゴシック"/>
+              <a:rPr b="0" lang="en-US" sz="2400" spc="-1" strike="noStrike">
+                <a:latin typeface="Arial"/>
               </a:rPr>
               <a:t>Third Outline Level</a:t>
             </a:r>
-            <a:endParaRPr b="0" lang="en-US" sz="1800" spc="-1" strike="noStrike">
-              <a:solidFill>
-                <a:srgbClr val="000000"/>
-              </a:solidFill>
-              <a:latin typeface="游ゴシック"/>
+            <a:endParaRPr b="0" lang="en-US" sz="2400" spc="-1" strike="noStrike">
+              <a:latin typeface="Arial"/>
             </a:endParaRPr>
           </a:p>
           <a:p>
@@ -3058,19 +2422,13 @@
               <a:buChar char=""/>
             </a:pPr>
             <a:r>
-              <a:rPr b="0" lang="en-US" sz="1800" spc="-1" strike="noStrike">
-                <a:solidFill>
-                  <a:srgbClr val="000000"/>
-                </a:solidFill>
-                <a:latin typeface="游ゴシック"/>
+              <a:rPr b="0" lang="en-US" sz="2000" spc="-1" strike="noStrike">
+                <a:latin typeface="Arial"/>
               </a:rPr>
               <a:t>Fourth Outline Level</a:t>
             </a:r>
-            <a:endParaRPr b="0" lang="en-US" sz="1800" spc="-1" strike="noStrike">
-              <a:solidFill>
-                <a:srgbClr val="000000"/>
-              </a:solidFill>
-              <a:latin typeface="游ゴシック"/>
+            <a:endParaRPr b="0" lang="en-US" sz="2000" spc="-1" strike="noStrike">
+              <a:latin typeface="Arial"/>
             </a:endParaRPr>
           </a:p>
           <a:p>
@@ -3087,18 +2445,12 @@
             </a:pPr>
             <a:r>
               <a:rPr b="0" lang="en-US" sz="2000" spc="-1" strike="noStrike">
-                <a:solidFill>
-                  <a:srgbClr val="000000"/>
-                </a:solidFill>
-                <a:latin typeface="游ゴシック"/>
+                <a:latin typeface="Arial"/>
               </a:rPr>
               <a:t>Fifth Outline Level</a:t>
             </a:r>
             <a:endParaRPr b="0" lang="en-US" sz="2000" spc="-1" strike="noStrike">
-              <a:solidFill>
-                <a:srgbClr val="000000"/>
-              </a:solidFill>
-              <a:latin typeface="游ゴシック"/>
+              <a:latin typeface="Arial"/>
             </a:endParaRPr>
           </a:p>
           <a:p>
@@ -3115,18 +2467,12 @@
             </a:pPr>
             <a:r>
               <a:rPr b="0" lang="en-US" sz="2000" spc="-1" strike="noStrike">
-                <a:solidFill>
-                  <a:srgbClr val="000000"/>
-                </a:solidFill>
-                <a:latin typeface="游ゴシック"/>
+                <a:latin typeface="Arial"/>
               </a:rPr>
               <a:t>Sixth Outline Level</a:t>
             </a:r>
             <a:endParaRPr b="0" lang="en-US" sz="2000" spc="-1" strike="noStrike">
-              <a:solidFill>
-                <a:srgbClr val="000000"/>
-              </a:solidFill>
-              <a:latin typeface="游ゴシック"/>
+              <a:latin typeface="Arial"/>
             </a:endParaRPr>
           </a:p>
           <a:p>
@@ -3143,18 +2489,12 @@
             </a:pPr>
             <a:r>
               <a:rPr b="0" lang="en-US" sz="2000" spc="-1" strike="noStrike">
-                <a:solidFill>
-                  <a:srgbClr val="000000"/>
-                </a:solidFill>
-                <a:latin typeface="游ゴシック"/>
+                <a:latin typeface="Arial"/>
               </a:rPr>
               <a:t>Seventh Outline Level</a:t>
             </a:r>
             <a:endParaRPr b="0" lang="en-US" sz="2000" spc="-1" strike="noStrike">
-              <a:solidFill>
-                <a:srgbClr val="000000"/>
-              </a:solidFill>
-              <a:latin typeface="游ゴシック"/>
+              <a:latin typeface="Arial"/>
             </a:endParaRPr>
           </a:p>
         </p:txBody>
@@ -3198,14 +2538,14 @@
       </p:grpSpPr>
       <p:sp>
         <p:nvSpPr>
-          <p:cNvPr id="47" name="CustomShape 1"/>
+          <p:cNvPr id="44" name="CustomShape 1"/>
           <p:cNvSpPr/>
           <p:nvPr/>
         </p:nvSpPr>
         <p:spPr>
           <a:xfrm flipV="1">
-            <a:off x="1295280" y="3575160"/>
-            <a:ext cx="9415440" cy="28440"/>
+            <a:off x="1295280" y="3574800"/>
+            <a:ext cx="9415080" cy="28080"/>
           </a:xfrm>
           <a:custGeom>
             <a:avLst/>
@@ -3246,14 +2586,14 @@
       </p:sp>
       <p:sp>
         <p:nvSpPr>
-          <p:cNvPr id="48" name="CustomShape 2"/>
+          <p:cNvPr id="45" name="CustomShape 2"/>
           <p:cNvSpPr/>
           <p:nvPr/>
         </p:nvSpPr>
         <p:spPr>
           <a:xfrm>
             <a:off x="1596600" y="2041560"/>
-            <a:ext cx="7181280" cy="3057120"/>
+            <a:ext cx="7180920" cy="3056760"/>
           </a:xfrm>
           <a:custGeom>
             <a:avLst/>
@@ -3306,14 +2646,14 @@
       </p:sp>
       <p:sp>
         <p:nvSpPr>
-          <p:cNvPr id="49" name="CustomShape 3"/>
+          <p:cNvPr id="46" name="CustomShape 3"/>
           <p:cNvSpPr/>
           <p:nvPr/>
         </p:nvSpPr>
         <p:spPr>
           <a:xfrm>
             <a:off x="2828160" y="2039400"/>
-            <a:ext cx="3414960" cy="3072960"/>
+            <a:ext cx="3414600" cy="3072600"/>
           </a:xfrm>
           <a:custGeom>
             <a:avLst/>
@@ -3366,14 +2706,14 @@
       </p:sp>
       <p:sp>
         <p:nvSpPr>
-          <p:cNvPr id="50" name="CustomShape 4"/>
+          <p:cNvPr id="47" name="CustomShape 4"/>
           <p:cNvSpPr/>
           <p:nvPr/>
         </p:nvSpPr>
         <p:spPr>
           <a:xfrm rot="10800000">
-            <a:off x="7440480" y="2051640"/>
-            <a:ext cx="3414960" cy="3072960"/>
+            <a:off x="7440840" y="2051640"/>
+            <a:ext cx="3414600" cy="3072600"/>
           </a:xfrm>
           <a:custGeom>
             <a:avLst/>
@@ -3426,14 +2766,14 @@
       </p:sp>
       <p:sp>
         <p:nvSpPr>
-          <p:cNvPr id="51" name="CustomShape 5"/>
+          <p:cNvPr id="48" name="CustomShape 5"/>
           <p:cNvSpPr/>
           <p:nvPr/>
         </p:nvSpPr>
         <p:spPr>
           <a:xfrm>
             <a:off x="8038080" y="3544920"/>
-            <a:ext cx="91440" cy="91440"/>
+            <a:ext cx="91080" cy="91080"/>
           </a:xfrm>
           <a:prstGeom prst="ellipse">
             <a:avLst/>
@@ -3462,7 +2802,7 @@
       </p:sp>
       <p:sp>
         <p:nvSpPr>
-          <p:cNvPr id="52" name="Line 6"/>
+          <p:cNvPr id="49" name="Line 6"/>
           <p:cNvSpPr/>
           <p:nvPr/>
         </p:nvSpPr>
@@ -3495,7 +2835,7 @@
       </p:sp>
       <p:sp>
         <p:nvSpPr>
-          <p:cNvPr id="53" name="Line 7"/>
+          <p:cNvPr id="50" name="Line 7"/>
           <p:cNvSpPr/>
           <p:nvPr/>
         </p:nvSpPr>
@@ -3528,7 +2868,7 @@
       </p:sp>
       <p:sp>
         <p:nvSpPr>
-          <p:cNvPr id="54" name="Line 8"/>
+          <p:cNvPr id="51" name="Line 8"/>
           <p:cNvSpPr/>
           <p:nvPr/>
         </p:nvSpPr>
@@ -3561,7 +2901,7 @@
       </p:sp>
       <p:sp>
         <p:nvSpPr>
-          <p:cNvPr id="55" name="Line 9"/>
+          <p:cNvPr id="52" name="Line 9"/>
           <p:cNvSpPr/>
           <p:nvPr/>
         </p:nvSpPr>
@@ -3594,7 +2934,7 @@
       </p:sp>
       <p:sp>
         <p:nvSpPr>
-          <p:cNvPr id="56" name="Line 10"/>
+          <p:cNvPr id="53" name="Line 10"/>
           <p:cNvSpPr/>
           <p:nvPr/>
         </p:nvSpPr>
@@ -3627,7 +2967,7 @@
       </p:sp>
       <p:sp>
         <p:nvSpPr>
-          <p:cNvPr id="57" name="Line 11"/>
+          <p:cNvPr id="54" name="Line 11"/>
           <p:cNvSpPr/>
           <p:nvPr/>
         </p:nvSpPr>
@@ -3660,7 +3000,7 @@
       </p:sp>
       <p:sp>
         <p:nvSpPr>
-          <p:cNvPr id="58" name="Line 12"/>
+          <p:cNvPr id="55" name="Line 12"/>
           <p:cNvSpPr/>
           <p:nvPr/>
         </p:nvSpPr>
@@ -3693,7 +3033,7 @@
       </p:sp>
       <p:sp>
         <p:nvSpPr>
-          <p:cNvPr id="59" name="Line 13"/>
+          <p:cNvPr id="56" name="Line 13"/>
           <p:cNvSpPr/>
           <p:nvPr/>
         </p:nvSpPr>
@@ -3726,7 +3066,7 @@
       </p:sp>
       <p:sp>
         <p:nvSpPr>
-          <p:cNvPr id="60" name="Line 14"/>
+          <p:cNvPr id="57" name="Line 14"/>
           <p:cNvSpPr/>
           <p:nvPr/>
         </p:nvSpPr>
@@ -3759,7 +3099,7 @@
       </p:sp>
       <p:sp>
         <p:nvSpPr>
-          <p:cNvPr id="61" name="Line 15"/>
+          <p:cNvPr id="58" name="Line 15"/>
           <p:cNvSpPr/>
           <p:nvPr/>
         </p:nvSpPr>
@@ -3792,7 +3132,7 @@
       </p:sp>
       <p:sp>
         <p:nvSpPr>
-          <p:cNvPr id="62" name="Line 16"/>
+          <p:cNvPr id="59" name="Line 16"/>
           <p:cNvSpPr/>
           <p:nvPr/>
         </p:nvSpPr>
@@ -3825,7 +3165,7 @@
       </p:sp>
       <p:sp>
         <p:nvSpPr>
-          <p:cNvPr id="63" name="Line 17"/>
+          <p:cNvPr id="60" name="Line 17"/>
           <p:cNvSpPr/>
           <p:nvPr/>
         </p:nvSpPr>
@@ -3858,7 +3198,7 @@
       </p:sp>
       <p:sp>
         <p:nvSpPr>
-          <p:cNvPr id="64" name="Line 18"/>
+          <p:cNvPr id="61" name="Line 18"/>
           <p:cNvSpPr/>
           <p:nvPr/>
         </p:nvSpPr>
@@ -3891,7 +3231,7 @@
       </p:sp>
       <p:sp>
         <p:nvSpPr>
-          <p:cNvPr id="65" name="Line 19"/>
+          <p:cNvPr id="62" name="Line 19"/>
           <p:cNvSpPr/>
           <p:nvPr/>
         </p:nvSpPr>
@@ -3924,14 +3264,14 @@
       </p:sp>
       <p:sp>
         <p:nvSpPr>
-          <p:cNvPr id="66" name="CustomShape 20"/>
+          <p:cNvPr id="63" name="CustomShape 20"/>
           <p:cNvSpPr/>
           <p:nvPr/>
         </p:nvSpPr>
         <p:spPr>
           <a:xfrm>
             <a:off x="5616360" y="3532320"/>
-            <a:ext cx="103680" cy="103680"/>
+            <a:ext cx="103320" cy="103320"/>
           </a:xfrm>
           <a:prstGeom prst="ellipse">
             <a:avLst/>
@@ -3960,7 +3300,7 @@
       </p:sp>
       <p:sp>
         <p:nvSpPr>
-          <p:cNvPr id="67" name="Line 21"/>
+          <p:cNvPr id="64" name="Line 21"/>
           <p:cNvSpPr/>
           <p:nvPr/>
         </p:nvSpPr>
@@ -3993,7 +3333,7 @@
       </p:sp>
       <p:sp>
         <p:nvSpPr>
-          <p:cNvPr id="68" name="Line 22"/>
+          <p:cNvPr id="65" name="Line 22"/>
           <p:cNvSpPr/>
           <p:nvPr/>
         </p:nvSpPr>
@@ -4026,14 +3366,14 @@
       </p:sp>
       <p:sp>
         <p:nvSpPr>
-          <p:cNvPr id="69" name="CustomShape 23"/>
+          <p:cNvPr id="66" name="CustomShape 23"/>
           <p:cNvSpPr/>
           <p:nvPr/>
         </p:nvSpPr>
         <p:spPr>
           <a:xfrm flipV="1">
-            <a:off x="1602360" y="4802760"/>
-            <a:ext cx="2113200" cy="301320"/>
+            <a:off x="1602360" y="4802400"/>
+            <a:ext cx="2112840" cy="300960"/>
           </a:xfrm>
           <a:custGeom>
             <a:avLst/>
@@ -4054,7 +3394,7 @@
             </a:pathLst>
           </a:custGeom>
           <a:noFill/>
-          <a:ln w="25560">
+          <a:ln>
             <a:solidFill>
               <a:schemeClr val="accent1">
                 <a:lumMod val="50000"/>
@@ -4079,14 +3419,14 @@
       </p:sp>
       <p:sp>
         <p:nvSpPr>
-          <p:cNvPr id="70" name="CustomShape 24"/>
+          <p:cNvPr id="67" name="CustomShape 24"/>
           <p:cNvSpPr/>
           <p:nvPr/>
         </p:nvSpPr>
         <p:spPr>
           <a:xfrm flipV="1">
-            <a:off x="3710160" y="4337640"/>
-            <a:ext cx="1385280" cy="459720"/>
+            <a:off x="3710160" y="4337280"/>
+            <a:ext cx="1384920" cy="459360"/>
           </a:xfrm>
           <a:custGeom>
             <a:avLst/>
@@ -4107,7 +3447,7 @@
             </a:pathLst>
           </a:custGeom>
           <a:noFill/>
-          <a:ln w="25560">
+          <a:ln>
             <a:solidFill>
               <a:schemeClr val="accent1">
                 <a:lumMod val="50000"/>
@@ -4132,14 +3472,14 @@
       </p:sp>
       <p:sp>
         <p:nvSpPr>
-          <p:cNvPr id="71" name="CustomShape 25"/>
+          <p:cNvPr id="68" name="CustomShape 25"/>
           <p:cNvSpPr/>
           <p:nvPr/>
         </p:nvSpPr>
         <p:spPr>
           <a:xfrm>
             <a:off x="3710160" y="2330640"/>
-            <a:ext cx="1390680" cy="499320"/>
+            <a:ext cx="1390320" cy="498960"/>
           </a:xfrm>
           <a:custGeom>
             <a:avLst/>
@@ -4160,7 +3500,7 @@
             </a:pathLst>
           </a:custGeom>
           <a:noFill/>
-          <a:ln w="25560">
+          <a:ln>
             <a:solidFill>
               <a:schemeClr val="accent1">
                 <a:lumMod val="50000"/>
@@ -4185,14 +3525,14 @@
       </p:sp>
       <p:sp>
         <p:nvSpPr>
-          <p:cNvPr id="72" name="CustomShape 26"/>
+          <p:cNvPr id="69" name="CustomShape 26"/>
           <p:cNvSpPr/>
           <p:nvPr/>
         </p:nvSpPr>
         <p:spPr>
           <a:xfrm>
             <a:off x="1596600" y="2039400"/>
-            <a:ext cx="2113200" cy="290520"/>
+            <a:ext cx="2112840" cy="290160"/>
           </a:xfrm>
           <a:custGeom>
             <a:avLst/>
@@ -4211,7 +3551,7 @@
             </a:pathLst>
           </a:custGeom>
           <a:noFill/>
-          <a:ln w="25560">
+          <a:ln>
             <a:solidFill>
               <a:schemeClr val="accent1">
                 <a:lumMod val="50000"/>
@@ -4266,7 +3606,7 @@
       </p:grpSpPr>
       <p:sp>
         <p:nvSpPr>
-          <p:cNvPr id="185" name="Line 1"/>
+          <p:cNvPr id="182" name="Line 1"/>
           <p:cNvSpPr/>
           <p:nvPr/>
         </p:nvSpPr>
@@ -4302,7 +3642,7 @@
       </p:sp>
       <p:sp>
         <p:nvSpPr>
-          <p:cNvPr id="186" name="Line 2"/>
+          <p:cNvPr id="183" name="Line 2"/>
           <p:cNvSpPr/>
           <p:nvPr/>
         </p:nvSpPr>
@@ -4335,7 +3675,7 @@
       </p:sp>
       <p:sp>
         <p:nvSpPr>
-          <p:cNvPr id="187" name="Line 3"/>
+          <p:cNvPr id="184" name="Line 3"/>
           <p:cNvSpPr/>
           <p:nvPr/>
         </p:nvSpPr>
@@ -4368,14 +3708,14 @@
       </p:sp>
       <p:sp>
         <p:nvSpPr>
-          <p:cNvPr id="188" name="CustomShape 4"/>
+          <p:cNvPr id="185" name="CustomShape 4"/>
           <p:cNvSpPr/>
           <p:nvPr/>
         </p:nvSpPr>
         <p:spPr>
           <a:xfrm>
             <a:off x="2894760" y="2364480"/>
-            <a:ext cx="789120" cy="333720"/>
+            <a:ext cx="788760" cy="333360"/>
           </a:xfrm>
           <a:prstGeom prst="rect">
             <a:avLst/>
@@ -4419,14 +3759,14 @@
       </p:sp>
       <p:sp>
         <p:nvSpPr>
-          <p:cNvPr id="189" name="CustomShape 5"/>
+          <p:cNvPr id="186" name="CustomShape 5"/>
           <p:cNvSpPr/>
           <p:nvPr/>
         </p:nvSpPr>
         <p:spPr>
           <a:xfrm>
             <a:off x="5484240" y="2364480"/>
-            <a:ext cx="789120" cy="333720"/>
+            <a:ext cx="788760" cy="333360"/>
           </a:xfrm>
           <a:prstGeom prst="rect">
             <a:avLst/>
@@ -4470,14 +3810,14 @@
       </p:sp>
       <p:sp>
         <p:nvSpPr>
-          <p:cNvPr id="190" name="CustomShape 6"/>
+          <p:cNvPr id="187" name="CustomShape 6"/>
           <p:cNvSpPr/>
           <p:nvPr/>
         </p:nvSpPr>
         <p:spPr>
           <a:xfrm rot="5400000">
-            <a:off x="3579840" y="1186920"/>
-            <a:ext cx="1974240" cy="5178600"/>
+            <a:off x="3580200" y="1186920"/>
+            <a:ext cx="1973880" cy="5178240"/>
           </a:xfrm>
           <a:custGeom>
             <a:avLst/>
@@ -4535,7 +3875,7 @@
       </p:sp>
       <p:sp>
         <p:nvSpPr>
-          <p:cNvPr id="191" name="Line 7"/>
+          <p:cNvPr id="188" name="Line 7"/>
           <p:cNvSpPr/>
           <p:nvPr/>
         </p:nvSpPr>
@@ -4568,14 +3908,14 @@
       </p:sp>
       <p:sp>
         <p:nvSpPr>
-          <p:cNvPr id="192" name="CustomShape 8"/>
+          <p:cNvPr id="189" name="CustomShape 8"/>
           <p:cNvSpPr/>
           <p:nvPr/>
         </p:nvSpPr>
         <p:spPr>
           <a:xfrm>
             <a:off x="1340280" y="3386880"/>
-            <a:ext cx="418680" cy="401400"/>
+            <a:ext cx="418320" cy="401400"/>
           </a:xfrm>
           <a:prstGeom prst="rect">
             <a:avLst/>
@@ -4629,14 +3969,14 @@
       </p:sp>
       <p:sp>
         <p:nvSpPr>
-          <p:cNvPr id="193" name="CustomShape 9"/>
+          <p:cNvPr id="190" name="CustomShape 9"/>
           <p:cNvSpPr/>
           <p:nvPr/>
         </p:nvSpPr>
         <p:spPr>
           <a:xfrm>
             <a:off x="1803240" y="2789280"/>
-            <a:ext cx="360" cy="1974240"/>
+            <a:ext cx="360" cy="1973880"/>
           </a:xfrm>
           <a:custGeom>
             <a:avLst/>
@@ -4678,14 +4018,14 @@
       </p:sp>
       <p:sp>
         <p:nvSpPr>
-          <p:cNvPr id="194" name="CustomShape 10"/>
+          <p:cNvPr id="191" name="CustomShape 10"/>
           <p:cNvSpPr/>
           <p:nvPr/>
         </p:nvSpPr>
         <p:spPr>
           <a:xfrm>
             <a:off x="4145400" y="3386880"/>
-            <a:ext cx="400680" cy="401400"/>
+            <a:ext cx="400320" cy="401400"/>
           </a:xfrm>
           <a:prstGeom prst="rect">
             <a:avLst/>
@@ -4739,14 +4079,14 @@
       </p:sp>
       <p:sp>
         <p:nvSpPr>
-          <p:cNvPr id="195" name="CustomShape 11"/>
+          <p:cNvPr id="192" name="CustomShape 11"/>
           <p:cNvSpPr/>
           <p:nvPr/>
         </p:nvSpPr>
         <p:spPr>
           <a:xfrm>
             <a:off x="6672240" y="3406320"/>
-            <a:ext cx="420480" cy="401400"/>
+            <a:ext cx="420120" cy="401400"/>
           </a:xfrm>
           <a:prstGeom prst="rect">
             <a:avLst/>
@@ -4800,14 +4140,14 @@
       </p:sp>
       <p:sp>
         <p:nvSpPr>
-          <p:cNvPr id="196" name="CustomShape 12"/>
+          <p:cNvPr id="193" name="CustomShape 12"/>
           <p:cNvSpPr/>
           <p:nvPr/>
         </p:nvSpPr>
         <p:spPr>
           <a:xfrm flipH="1">
             <a:off x="1976760" y="4935960"/>
-            <a:ext cx="2624040" cy="360"/>
+            <a:ext cx="2623680" cy="360"/>
           </a:xfrm>
           <a:custGeom>
             <a:avLst/>
@@ -4849,14 +4189,14 @@
       </p:sp>
       <p:sp>
         <p:nvSpPr>
-          <p:cNvPr id="197" name="CustomShape 13"/>
+          <p:cNvPr id="194" name="CustomShape 13"/>
           <p:cNvSpPr/>
           <p:nvPr/>
         </p:nvSpPr>
         <p:spPr>
           <a:xfrm flipH="1">
             <a:off x="4601160" y="4935960"/>
-            <a:ext cx="2554200" cy="360"/>
+            <a:ext cx="2553840" cy="360"/>
           </a:xfrm>
           <a:custGeom>
             <a:avLst/>
@@ -4898,14 +4238,14 @@
       </p:sp>
       <p:sp>
         <p:nvSpPr>
-          <p:cNvPr id="198" name="CustomShape 14"/>
+          <p:cNvPr id="195" name="CustomShape 14"/>
           <p:cNvSpPr/>
           <p:nvPr/>
         </p:nvSpPr>
         <p:spPr>
           <a:xfrm>
             <a:off x="3095640" y="4932360"/>
-            <a:ext cx="387000" cy="401400"/>
+            <a:ext cx="386640" cy="401400"/>
           </a:xfrm>
           <a:prstGeom prst="rect">
             <a:avLst/>
@@ -4959,14 +4299,14 @@
       </p:sp>
       <p:sp>
         <p:nvSpPr>
-          <p:cNvPr id="199" name="CustomShape 15"/>
+          <p:cNvPr id="196" name="CustomShape 15"/>
           <p:cNvSpPr/>
           <p:nvPr/>
         </p:nvSpPr>
         <p:spPr>
           <a:xfrm>
             <a:off x="5686200" y="4926240"/>
-            <a:ext cx="385200" cy="401400"/>
+            <a:ext cx="384840" cy="401400"/>
           </a:xfrm>
           <a:prstGeom prst="rect">
             <a:avLst/>
@@ -5020,14 +4360,14 @@
       </p:sp>
       <p:sp>
         <p:nvSpPr>
-          <p:cNvPr id="200" name="CustomShape 16"/>
+          <p:cNvPr id="197" name="CustomShape 16"/>
           <p:cNvSpPr/>
           <p:nvPr/>
         </p:nvSpPr>
         <p:spPr>
           <a:xfrm>
             <a:off x="8293320" y="3564360"/>
-            <a:ext cx="93240" cy="421920"/>
+            <a:ext cx="92880" cy="421560"/>
           </a:xfrm>
           <a:custGeom>
             <a:avLst/>
@@ -5106,14 +4446,14 @@
       </p:sp>
       <p:sp>
         <p:nvSpPr>
-          <p:cNvPr id="201" name="CustomShape 17"/>
+          <p:cNvPr id="198" name="CustomShape 17"/>
           <p:cNvSpPr/>
           <p:nvPr/>
         </p:nvSpPr>
         <p:spPr>
           <a:xfrm>
             <a:off x="8386920" y="3564360"/>
-            <a:ext cx="93240" cy="421920"/>
+            <a:ext cx="92880" cy="421560"/>
           </a:xfrm>
           <a:custGeom>
             <a:avLst/>
@@ -5192,7 +4532,7 @@
       </p:sp>
       <p:sp>
         <p:nvSpPr>
-          <p:cNvPr id="202" name="Line 18"/>
+          <p:cNvPr id="199" name="Line 18"/>
           <p:cNvSpPr/>
           <p:nvPr/>
         </p:nvSpPr>
@@ -5225,7 +4565,7 @@
       </p:sp>
       <p:sp>
         <p:nvSpPr>
-          <p:cNvPr id="203" name="Line 19"/>
+          <p:cNvPr id="200" name="Line 19"/>
           <p:cNvSpPr/>
           <p:nvPr/>
         </p:nvSpPr>
@@ -5258,14 +4598,14 @@
       </p:sp>
       <p:sp>
         <p:nvSpPr>
-          <p:cNvPr id="204" name="CustomShape 20"/>
+          <p:cNvPr id="201" name="CustomShape 20"/>
           <p:cNvSpPr/>
           <p:nvPr/>
         </p:nvSpPr>
         <p:spPr>
           <a:xfrm flipH="1">
             <a:off x="4601160" y="4045680"/>
-            <a:ext cx="6049080" cy="360"/>
+            <a:ext cx="6048720" cy="360"/>
           </a:xfrm>
           <a:custGeom>
             <a:avLst/>
@@ -5307,14 +4647,14 @@
       </p:sp>
       <p:sp>
         <p:nvSpPr>
-          <p:cNvPr id="205" name="CustomShape 21"/>
+          <p:cNvPr id="202" name="CustomShape 21"/>
           <p:cNvSpPr/>
           <p:nvPr/>
         </p:nvSpPr>
         <p:spPr>
           <a:xfrm>
             <a:off x="7498440" y="3998160"/>
-            <a:ext cx="255600" cy="364680"/>
+            <a:ext cx="255240" cy="364320"/>
           </a:xfrm>
           <a:prstGeom prst="rect">
             <a:avLst/>
@@ -5388,14 +4728,14 @@
       </p:grpSpPr>
       <p:sp>
         <p:nvSpPr>
-          <p:cNvPr id="206" name="CustomShape 1"/>
+          <p:cNvPr id="203" name="CustomShape 1"/>
           <p:cNvSpPr/>
           <p:nvPr/>
         </p:nvSpPr>
         <p:spPr>
           <a:xfrm flipV="1">
-            <a:off x="1295280" y="3575160"/>
-            <a:ext cx="9415440" cy="28440"/>
+            <a:off x="1295280" y="3574800"/>
+            <a:ext cx="9415080" cy="28080"/>
           </a:xfrm>
           <a:custGeom>
             <a:avLst/>
@@ -5436,14 +4776,14 @@
       </p:sp>
       <p:sp>
         <p:nvSpPr>
-          <p:cNvPr id="207" name="CustomShape 2"/>
+          <p:cNvPr id="204" name="CustomShape 2"/>
           <p:cNvSpPr/>
           <p:nvPr/>
         </p:nvSpPr>
         <p:spPr>
           <a:xfrm>
             <a:off x="10715040" y="3453840"/>
-            <a:ext cx="241200" cy="244080"/>
+            <a:ext cx="240840" cy="243720"/>
           </a:xfrm>
           <a:prstGeom prst="rect">
             <a:avLst/>
@@ -5487,14 +4827,14 @@
       </p:sp>
       <p:sp>
         <p:nvSpPr>
-          <p:cNvPr id="208" name="CustomShape 3"/>
+          <p:cNvPr id="205" name="CustomShape 3"/>
           <p:cNvSpPr/>
           <p:nvPr/>
         </p:nvSpPr>
         <p:spPr>
           <a:xfrm>
             <a:off x="1596600" y="2041560"/>
-            <a:ext cx="7181280" cy="3057120"/>
+            <a:ext cx="7180920" cy="3056760"/>
           </a:xfrm>
           <a:custGeom>
             <a:avLst/>
@@ -5546,14 +4886,14 @@
       </p:sp>
       <p:sp>
         <p:nvSpPr>
-          <p:cNvPr id="209" name="CustomShape 4"/>
+          <p:cNvPr id="206" name="CustomShape 4"/>
           <p:cNvSpPr/>
           <p:nvPr/>
         </p:nvSpPr>
         <p:spPr>
           <a:xfrm>
             <a:off x="2828160" y="2039400"/>
-            <a:ext cx="3414960" cy="3072960"/>
+            <a:ext cx="3414600" cy="3072600"/>
           </a:xfrm>
           <a:custGeom>
             <a:avLst/>
@@ -5605,14 +4945,14 @@
       </p:sp>
       <p:sp>
         <p:nvSpPr>
-          <p:cNvPr id="210" name="CustomShape 5"/>
+          <p:cNvPr id="207" name="CustomShape 5"/>
           <p:cNvSpPr/>
           <p:nvPr/>
         </p:nvSpPr>
         <p:spPr>
           <a:xfrm rot="10800000">
-            <a:off x="7004520" y="2068560"/>
-            <a:ext cx="3414960" cy="3072960"/>
+            <a:off x="7004880" y="2068560"/>
+            <a:ext cx="3414600" cy="3072600"/>
           </a:xfrm>
           <a:custGeom>
             <a:avLst/>
@@ -5664,14 +5004,14 @@
       </p:sp>
       <p:sp>
         <p:nvSpPr>
-          <p:cNvPr id="211" name="CustomShape 6"/>
+          <p:cNvPr id="208" name="CustomShape 6"/>
           <p:cNvSpPr/>
           <p:nvPr/>
         </p:nvSpPr>
         <p:spPr>
           <a:xfrm>
             <a:off x="5613480" y="3544920"/>
-            <a:ext cx="91440" cy="91440"/>
+            <a:ext cx="91080" cy="91080"/>
           </a:xfrm>
           <a:prstGeom prst="ellipse">
             <a:avLst/>
@@ -5700,14 +5040,14 @@
       </p:sp>
       <p:sp>
         <p:nvSpPr>
-          <p:cNvPr id="212" name="CustomShape 7"/>
+          <p:cNvPr id="209" name="CustomShape 7"/>
           <p:cNvSpPr/>
           <p:nvPr/>
         </p:nvSpPr>
         <p:spPr>
           <a:xfrm>
             <a:off x="7543080" y="3544920"/>
-            <a:ext cx="91440" cy="91440"/>
+            <a:ext cx="91080" cy="91080"/>
           </a:xfrm>
           <a:prstGeom prst="ellipse">
             <a:avLst/>
@@ -5736,14 +5076,14 @@
       </p:sp>
       <p:sp>
         <p:nvSpPr>
-          <p:cNvPr id="213" name="CustomShape 8"/>
+          <p:cNvPr id="210" name="CustomShape 8"/>
           <p:cNvSpPr/>
           <p:nvPr/>
         </p:nvSpPr>
         <p:spPr>
           <a:xfrm>
             <a:off x="1596600" y="2039400"/>
-            <a:ext cx="2113200" cy="290520"/>
+            <a:ext cx="2112840" cy="290160"/>
           </a:xfrm>
           <a:custGeom>
             <a:avLst/>
@@ -5762,7 +5102,7 @@
             </a:pathLst>
           </a:custGeom>
           <a:noFill/>
-          <a:ln w="25560">
+          <a:ln>
             <a:solidFill>
               <a:srgbClr val="ff0000"/>
             </a:solidFill>
@@ -5785,14 +5125,14 @@
       </p:sp>
       <p:sp>
         <p:nvSpPr>
-          <p:cNvPr id="214" name="CustomShape 9"/>
+          <p:cNvPr id="211" name="CustomShape 9"/>
           <p:cNvSpPr/>
           <p:nvPr/>
         </p:nvSpPr>
         <p:spPr>
           <a:xfrm flipV="1">
-            <a:off x="1596600" y="4803480"/>
-            <a:ext cx="2118960" cy="313200"/>
+            <a:off x="1596600" y="4802400"/>
+            <a:ext cx="2118600" cy="312840"/>
           </a:xfrm>
           <a:custGeom>
             <a:avLst/>
@@ -5811,7 +5151,7 @@
             </a:pathLst>
           </a:custGeom>
           <a:noFill/>
-          <a:ln w="25560">
+          <a:ln>
             <a:solidFill>
               <a:srgbClr val="ff0000"/>
             </a:solidFill>
@@ -5834,14 +5174,14 @@
       </p:sp>
       <p:sp>
         <p:nvSpPr>
-          <p:cNvPr id="215" name="CustomShape 10"/>
+          <p:cNvPr id="212" name="CustomShape 10"/>
           <p:cNvSpPr/>
           <p:nvPr/>
         </p:nvSpPr>
         <p:spPr>
           <a:xfrm>
             <a:off x="3710160" y="2330640"/>
-            <a:ext cx="1390680" cy="499320"/>
+            <a:ext cx="1390320" cy="498960"/>
           </a:xfrm>
           <a:custGeom>
             <a:avLst/>
@@ -5862,7 +5202,7 @@
             </a:pathLst>
           </a:custGeom>
           <a:noFill/>
-          <a:ln w="25560">
+          <a:ln>
             <a:solidFill>
               <a:srgbClr val="ff0000"/>
             </a:solidFill>
@@ -5885,14 +5225,14 @@
       </p:sp>
       <p:sp>
         <p:nvSpPr>
-          <p:cNvPr id="216" name="CustomShape 11"/>
+          <p:cNvPr id="213" name="CustomShape 11"/>
           <p:cNvSpPr/>
           <p:nvPr/>
         </p:nvSpPr>
         <p:spPr>
           <a:xfrm flipV="1">
-            <a:off x="3710160" y="4337640"/>
-            <a:ext cx="1385280" cy="459720"/>
+            <a:off x="3710160" y="4337280"/>
+            <a:ext cx="1384920" cy="459360"/>
           </a:xfrm>
           <a:custGeom>
             <a:avLst/>
@@ -5913,7 +5253,7 @@
             </a:pathLst>
           </a:custGeom>
           <a:noFill/>
-          <a:ln w="25560">
+          <a:ln>
             <a:solidFill>
               <a:srgbClr val="ff0000"/>
             </a:solidFill>
@@ -5936,14 +5276,14 @@
       </p:sp>
       <p:sp>
         <p:nvSpPr>
-          <p:cNvPr id="217" name="CustomShape 12"/>
+          <p:cNvPr id="214" name="CustomShape 12"/>
           <p:cNvSpPr/>
           <p:nvPr/>
         </p:nvSpPr>
         <p:spPr>
           <a:xfrm>
             <a:off x="2764080" y="2205720"/>
-            <a:ext cx="360" cy="1370160"/>
+            <a:ext cx="360" cy="1369800"/>
           </a:xfrm>
           <a:custGeom>
             <a:avLst/>
@@ -5985,14 +5325,14 @@
       </p:sp>
       <p:sp>
         <p:nvSpPr>
-          <p:cNvPr id="218" name="CustomShape 13"/>
+          <p:cNvPr id="215" name="CustomShape 13"/>
           <p:cNvSpPr/>
           <p:nvPr/>
         </p:nvSpPr>
         <p:spPr>
           <a:xfrm>
             <a:off x="4410360" y="2596680"/>
-            <a:ext cx="360" cy="979200"/>
+            <a:ext cx="360" cy="978840"/>
           </a:xfrm>
           <a:custGeom>
             <a:avLst/>
@@ -6034,14 +5374,14 @@
       </p:sp>
       <p:sp>
         <p:nvSpPr>
-          <p:cNvPr id="219" name="CustomShape 14"/>
+          <p:cNvPr id="216" name="CustomShape 14"/>
           <p:cNvSpPr/>
           <p:nvPr/>
         </p:nvSpPr>
         <p:spPr>
           <a:xfrm>
             <a:off x="2106360" y="2901600"/>
-            <a:ext cx="615600" cy="401400"/>
+            <a:ext cx="615240" cy="401400"/>
           </a:xfrm>
           <a:prstGeom prst="rect">
             <a:avLst/>
@@ -6105,14 +5445,14 @@
       </p:sp>
       <p:sp>
         <p:nvSpPr>
-          <p:cNvPr id="220" name="CustomShape 15"/>
+          <p:cNvPr id="217" name="CustomShape 15"/>
           <p:cNvSpPr/>
           <p:nvPr/>
         </p:nvSpPr>
         <p:spPr>
           <a:xfrm>
             <a:off x="3748680" y="2917080"/>
-            <a:ext cx="613800" cy="401400"/>
+            <a:ext cx="613440" cy="401400"/>
           </a:xfrm>
           <a:prstGeom prst="rect">
             <a:avLst/>
@@ -6176,14 +5516,14 @@
       </p:sp>
       <p:sp>
         <p:nvSpPr>
-          <p:cNvPr id="221" name="CustomShape 16"/>
+          <p:cNvPr id="218" name="CustomShape 16"/>
           <p:cNvSpPr/>
           <p:nvPr/>
         </p:nvSpPr>
         <p:spPr>
           <a:xfrm>
             <a:off x="5448960" y="3145320"/>
-            <a:ext cx="328680" cy="401400"/>
+            <a:ext cx="328320" cy="401400"/>
           </a:xfrm>
           <a:prstGeom prst="rect">
             <a:avLst/>
@@ -6237,14 +5577,14 @@
       </p:sp>
       <p:sp>
         <p:nvSpPr>
-          <p:cNvPr id="222" name="CustomShape 17"/>
+          <p:cNvPr id="219" name="CustomShape 17"/>
           <p:cNvSpPr/>
           <p:nvPr/>
         </p:nvSpPr>
         <p:spPr>
           <a:xfrm>
             <a:off x="7346160" y="3169440"/>
-            <a:ext cx="328680" cy="401400"/>
+            <a:ext cx="328320" cy="401400"/>
           </a:xfrm>
           <a:prstGeom prst="rect">
             <a:avLst/>
@@ -6328,7 +5668,7 @@
       </p:grpSpPr>
       <p:sp>
         <p:nvSpPr>
-          <p:cNvPr id="223" name="CustomShape 1"/>
+          <p:cNvPr id="220" name="CustomShape 1"/>
           <p:cNvSpPr/>
           <p:nvPr/>
         </p:nvSpPr>
@@ -6367,6 +5707,7 @@
                   <a:srgbClr val="000000"/>
                 </a:solidFill>
                 <a:latin typeface="Arial"/>
+                <a:ea typeface="DejaVu Sans"/>
               </a:rPr>
               <a:t>2.5</a:t>
             </a:r>
@@ -6378,7 +5719,7 @@
       </p:sp>
       <p:sp>
         <p:nvSpPr>
-          <p:cNvPr id="224" name="CustomShape 2"/>
+          <p:cNvPr id="221" name="CustomShape 2"/>
           <p:cNvSpPr/>
           <p:nvPr/>
         </p:nvSpPr>
@@ -6417,6 +5758,7 @@
                   <a:srgbClr val="000000"/>
                 </a:solidFill>
                 <a:latin typeface="Arial"/>
+                <a:ea typeface="DejaVu Sans"/>
               </a:rPr>
               <a:t>Φ26</a:t>
             </a:r>
@@ -6428,7 +5770,7 @@
       </p:sp>
       <p:sp>
         <p:nvSpPr>
-          <p:cNvPr id="225" name="Line 3"/>
+          <p:cNvPr id="222" name="Line 3"/>
           <p:cNvSpPr/>
           <p:nvPr/>
         </p:nvSpPr>
@@ -6461,7 +5803,7 @@
       </p:sp>
       <p:sp>
         <p:nvSpPr>
-          <p:cNvPr id="226" name="Line 4"/>
+          <p:cNvPr id="223" name="Line 4"/>
           <p:cNvSpPr/>
           <p:nvPr/>
         </p:nvSpPr>
@@ -6494,14 +5836,14 @@
       </p:sp>
       <p:sp>
         <p:nvSpPr>
-          <p:cNvPr id="227" name="CustomShape 5"/>
+          <p:cNvPr id="224" name="CustomShape 5"/>
           <p:cNvSpPr/>
           <p:nvPr/>
         </p:nvSpPr>
         <p:spPr>
           <a:xfrm rot="10800000">
-            <a:off x="4462560" y="1910880"/>
-            <a:ext cx="3267000" cy="3267000"/>
+            <a:off x="4462920" y="1910880"/>
+            <a:ext cx="3266640" cy="3266640"/>
           </a:xfrm>
           <a:prstGeom prst="blockArc">
             <a:avLst>
@@ -6534,14 +5876,14 @@
       </p:sp>
       <p:sp>
         <p:nvSpPr>
-          <p:cNvPr id="228" name="CustomShape 6"/>
+          <p:cNvPr id="225" name="CustomShape 6"/>
           <p:cNvSpPr/>
           <p:nvPr/>
         </p:nvSpPr>
         <p:spPr>
           <a:xfrm rot="10800000">
-            <a:off x="4623120" y="2066400"/>
-            <a:ext cx="2945880" cy="2955600"/>
+            <a:off x="4623480" y="2066400"/>
+            <a:ext cx="2945520" cy="2955240"/>
           </a:xfrm>
           <a:prstGeom prst="blockArc">
             <a:avLst>
@@ -6574,7 +5916,7 @@
       </p:sp>
       <p:sp>
         <p:nvSpPr>
-          <p:cNvPr id="229" name="Line 7"/>
+          <p:cNvPr id="226" name="Line 7"/>
           <p:cNvSpPr/>
           <p:nvPr/>
         </p:nvSpPr>
@@ -6607,7 +5949,7 @@
       </p:sp>
       <p:sp>
         <p:nvSpPr>
-          <p:cNvPr id="230" name="Line 8"/>
+          <p:cNvPr id="227" name="Line 8"/>
           <p:cNvSpPr/>
           <p:nvPr/>
         </p:nvSpPr>
@@ -6640,14 +5982,14 @@
       </p:sp>
       <p:sp>
         <p:nvSpPr>
-          <p:cNvPr id="231" name="CustomShape 9"/>
+          <p:cNvPr id="228" name="CustomShape 9"/>
           <p:cNvSpPr/>
           <p:nvPr/>
         </p:nvSpPr>
         <p:spPr>
           <a:xfrm>
             <a:off x="5595120" y="1719360"/>
-            <a:ext cx="375840" cy="360"/>
+            <a:ext cx="375480" cy="360"/>
           </a:xfrm>
           <a:custGeom>
             <a:avLst/>
@@ -6688,7 +6030,7 @@
       </p:sp>
       <p:sp>
         <p:nvSpPr>
-          <p:cNvPr id="232" name="Line 10"/>
+          <p:cNvPr id="229" name="Line 10"/>
           <p:cNvSpPr/>
           <p:nvPr/>
         </p:nvSpPr>
@@ -6721,7 +6063,7 @@
       </p:sp>
       <p:sp>
         <p:nvSpPr>
-          <p:cNvPr id="233" name="Line 11"/>
+          <p:cNvPr id="230" name="Line 11"/>
           <p:cNvSpPr/>
           <p:nvPr/>
         </p:nvSpPr>
@@ -6754,14 +6096,14 @@
       </p:sp>
       <p:sp>
         <p:nvSpPr>
-          <p:cNvPr id="234" name="CustomShape 12"/>
+          <p:cNvPr id="231" name="CustomShape 12"/>
           <p:cNvSpPr/>
           <p:nvPr/>
         </p:nvSpPr>
         <p:spPr>
           <a:xfrm>
             <a:off x="6221880" y="1719360"/>
-            <a:ext cx="375840" cy="360"/>
+            <a:ext cx="375480" cy="360"/>
           </a:xfrm>
           <a:custGeom>
             <a:avLst/>
@@ -6802,7 +6144,7 @@
       </p:sp>
       <p:sp>
         <p:nvSpPr>
-          <p:cNvPr id="235" name="Line 13"/>
+          <p:cNvPr id="232" name="Line 13"/>
           <p:cNvSpPr/>
           <p:nvPr/>
         </p:nvSpPr>
@@ -6835,7 +6177,7 @@
       </p:sp>
       <p:sp>
         <p:nvSpPr>
-          <p:cNvPr id="236" name="Line 14"/>
+          <p:cNvPr id="233" name="Line 14"/>
           <p:cNvSpPr/>
           <p:nvPr/>
         </p:nvSpPr>
@@ -6868,7 +6210,7 @@
       </p:sp>
       <p:sp>
         <p:nvSpPr>
-          <p:cNvPr id="237" name="CustomShape 15"/>
+          <p:cNvPr id="234" name="CustomShape 15"/>
           <p:cNvSpPr/>
           <p:nvPr/>
         </p:nvSpPr>
@@ -6907,6 +6249,7 @@
                   <a:srgbClr val="000000"/>
                 </a:solidFill>
                 <a:latin typeface="Arial"/>
+                <a:ea typeface="DejaVu Sans"/>
               </a:rPr>
               <a:t>Φ25</a:t>
             </a:r>
@@ -6948,14 +6291,14 @@
       </p:grpSpPr>
       <p:sp>
         <p:nvSpPr>
-          <p:cNvPr id="238" name="CustomShape 1"/>
+          <p:cNvPr id="235" name="CustomShape 1"/>
           <p:cNvSpPr/>
           <p:nvPr/>
         </p:nvSpPr>
         <p:spPr>
           <a:xfrm>
             <a:off x="5858280" y="1739880"/>
-            <a:ext cx="341280" cy="341280"/>
+            <a:ext cx="340920" cy="340920"/>
           </a:xfrm>
           <a:prstGeom prst="ellipse">
             <a:avLst/>
@@ -6984,14 +6327,14 @@
       </p:sp>
       <p:sp>
         <p:nvSpPr>
-          <p:cNvPr id="239" name="CustomShape 2"/>
+          <p:cNvPr id="236" name="CustomShape 2"/>
           <p:cNvSpPr/>
           <p:nvPr/>
         </p:nvSpPr>
         <p:spPr>
           <a:xfrm>
             <a:off x="4395240" y="1910880"/>
-            <a:ext cx="3267000" cy="3267000"/>
+            <a:ext cx="3266640" cy="3266640"/>
           </a:xfrm>
           <a:prstGeom prst="ellipse">
             <a:avLst/>
@@ -7021,14 +6364,14 @@
       </p:sp>
       <p:sp>
         <p:nvSpPr>
-          <p:cNvPr id="240" name="CustomShape 3"/>
+          <p:cNvPr id="237" name="CustomShape 3"/>
           <p:cNvSpPr/>
           <p:nvPr/>
         </p:nvSpPr>
         <p:spPr>
           <a:xfrm>
             <a:off x="5858280" y="5007600"/>
-            <a:ext cx="341280" cy="341280"/>
+            <a:ext cx="340920" cy="340920"/>
           </a:xfrm>
           <a:prstGeom prst="ellipse">
             <a:avLst/>
@@ -7057,14 +6400,14 @@
       </p:sp>
       <p:sp>
         <p:nvSpPr>
-          <p:cNvPr id="241" name="CustomShape 4"/>
+          <p:cNvPr id="238" name="CustomShape 4"/>
           <p:cNvSpPr/>
           <p:nvPr/>
         </p:nvSpPr>
         <p:spPr>
           <a:xfrm>
             <a:off x="7013520" y="4545360"/>
-            <a:ext cx="341280" cy="341280"/>
+            <a:ext cx="340920" cy="340920"/>
           </a:xfrm>
           <a:prstGeom prst="ellipse">
             <a:avLst/>
@@ -7093,7 +6436,7 @@
       </p:sp>
       <p:sp>
         <p:nvSpPr>
-          <p:cNvPr id="242" name="Line 5"/>
+          <p:cNvPr id="239" name="Line 5"/>
           <p:cNvSpPr/>
           <p:nvPr/>
         </p:nvSpPr>
@@ -7127,7 +6470,7 @@
       </p:sp>
       <p:sp>
         <p:nvSpPr>
-          <p:cNvPr id="243" name="Line 6"/>
+          <p:cNvPr id="240" name="Line 6"/>
           <p:cNvSpPr/>
           <p:nvPr/>
         </p:nvSpPr>
@@ -7161,14 +6504,14 @@
       </p:sp>
       <p:sp>
         <p:nvSpPr>
-          <p:cNvPr id="244" name="CustomShape 7"/>
+          <p:cNvPr id="241" name="CustomShape 7"/>
           <p:cNvSpPr/>
           <p:nvPr/>
         </p:nvSpPr>
         <p:spPr>
           <a:xfrm>
             <a:off x="5653440" y="1324440"/>
-            <a:ext cx="750960" cy="364680"/>
+            <a:ext cx="750600" cy="364320"/>
           </a:xfrm>
           <a:prstGeom prst="rect">
             <a:avLst/>
@@ -7200,6 +6543,7 @@
                   <a:srgbClr val="000000"/>
                 </a:solidFill>
                 <a:latin typeface="Arial"/>
+                <a:ea typeface="DejaVu Sans"/>
               </a:rPr>
               <a:t>3×Φ3</a:t>
             </a:r>
@@ -7211,14 +6555,14 @@
       </p:sp>
       <p:sp>
         <p:nvSpPr>
-          <p:cNvPr id="245" name="CustomShape 8"/>
+          <p:cNvPr id="242" name="CustomShape 8"/>
           <p:cNvSpPr/>
           <p:nvPr/>
         </p:nvSpPr>
         <p:spPr>
           <a:xfrm>
             <a:off x="8100360" y="2818440"/>
-            <a:ext cx="617040" cy="364680"/>
+            <a:ext cx="616680" cy="364320"/>
           </a:xfrm>
           <a:prstGeom prst="rect">
             <a:avLst/>
@@ -7250,6 +6594,7 @@
                   <a:srgbClr val="000000"/>
                 </a:solidFill>
                 <a:latin typeface="Arial"/>
+                <a:ea typeface="DejaVu Sans"/>
               </a:rPr>
               <a:t>Φ25</a:t>
             </a:r>
@@ -7261,7 +6606,7 @@
       </p:sp>
       <p:sp>
         <p:nvSpPr>
-          <p:cNvPr id="246" name="Line 9"/>
+          <p:cNvPr id="243" name="Line 9"/>
           <p:cNvSpPr/>
           <p:nvPr/>
         </p:nvSpPr>
@@ -7294,7 +6639,7 @@
       </p:sp>
       <p:sp>
         <p:nvSpPr>
-          <p:cNvPr id="247" name="Line 10"/>
+          <p:cNvPr id="244" name="Line 10"/>
           <p:cNvSpPr/>
           <p:nvPr/>
         </p:nvSpPr>
@@ -7327,14 +6672,14 @@
       </p:sp>
       <p:sp>
         <p:nvSpPr>
-          <p:cNvPr id="248" name="CustomShape 11"/>
+          <p:cNvPr id="245" name="CustomShape 11"/>
           <p:cNvSpPr/>
           <p:nvPr/>
         </p:nvSpPr>
         <p:spPr>
           <a:xfrm rot="5400000">
-            <a:off x="5586120" y="3126240"/>
-            <a:ext cx="885600" cy="836280"/>
+            <a:off x="5586480" y="3126240"/>
+            <a:ext cx="885240" cy="835920"/>
           </a:xfrm>
           <a:prstGeom prst="blockArc">
             <a:avLst>
@@ -7369,14 +6714,14 @@
       </p:sp>
       <p:sp>
         <p:nvSpPr>
-          <p:cNvPr id="249" name="CustomShape 12"/>
+          <p:cNvPr id="246" name="CustomShape 12"/>
           <p:cNvSpPr/>
           <p:nvPr/>
         </p:nvSpPr>
         <p:spPr>
           <a:xfrm>
             <a:off x="6042240" y="3945600"/>
-            <a:ext cx="525240" cy="346680"/>
+            <a:ext cx="524880" cy="346320"/>
           </a:xfrm>
           <a:prstGeom prst="rect">
             <a:avLst/>
@@ -7408,6 +6753,7 @@
                   <a:srgbClr val="000000"/>
                 </a:solidFill>
                 <a:latin typeface="Arial"/>
+                <a:ea typeface="DejaVu Sans"/>
               </a:rPr>
               <a:t>45˚</a:t>
             </a:r>
@@ -7449,7 +6795,7 @@
       </p:grpSpPr>
       <p:sp>
         <p:nvSpPr>
-          <p:cNvPr id="250" name="CustomShape 1"/>
+          <p:cNvPr id="247" name="CustomShape 1"/>
           <p:cNvSpPr/>
           <p:nvPr/>
         </p:nvSpPr>
@@ -7488,6 +6834,7 @@
                   <a:srgbClr val="000000"/>
                 </a:solidFill>
                 <a:latin typeface="Arial"/>
+                <a:ea typeface="DejaVu Sans"/>
               </a:rPr>
               <a:t>2.5</a:t>
             </a:r>
@@ -7499,7 +6846,7 @@
       </p:sp>
       <p:sp>
         <p:nvSpPr>
-          <p:cNvPr id="251" name="CustomShape 2"/>
+          <p:cNvPr id="248" name="CustomShape 2"/>
           <p:cNvSpPr/>
           <p:nvPr/>
         </p:nvSpPr>
@@ -7538,6 +6885,7 @@
                   <a:srgbClr val="000000"/>
                 </a:solidFill>
                 <a:latin typeface="Arial"/>
+                <a:ea typeface="DejaVu Sans"/>
               </a:rPr>
               <a:t>Φ26</a:t>
             </a:r>
@@ -7549,7 +6897,7 @@
       </p:sp>
       <p:sp>
         <p:nvSpPr>
-          <p:cNvPr id="252" name="Line 3"/>
+          <p:cNvPr id="249" name="Line 3"/>
           <p:cNvSpPr/>
           <p:nvPr/>
         </p:nvSpPr>
@@ -7582,7 +6930,7 @@
       </p:sp>
       <p:sp>
         <p:nvSpPr>
-          <p:cNvPr id="253" name="Line 4"/>
+          <p:cNvPr id="250" name="Line 4"/>
           <p:cNvSpPr/>
           <p:nvPr/>
         </p:nvSpPr>
@@ -7615,14 +6963,14 @@
       </p:sp>
       <p:sp>
         <p:nvSpPr>
-          <p:cNvPr id="254" name="CustomShape 5"/>
+          <p:cNvPr id="251" name="CustomShape 5"/>
           <p:cNvSpPr/>
           <p:nvPr/>
         </p:nvSpPr>
         <p:spPr>
           <a:xfrm rot="10800000">
-            <a:off x="4462560" y="1910880"/>
-            <a:ext cx="3267000" cy="3267000"/>
+            <a:off x="4462920" y="1910880"/>
+            <a:ext cx="3266640" cy="3266640"/>
           </a:xfrm>
           <a:prstGeom prst="blockArc">
             <a:avLst>
@@ -7655,14 +7003,14 @@
       </p:sp>
       <p:sp>
         <p:nvSpPr>
-          <p:cNvPr id="255" name="CustomShape 6"/>
+          <p:cNvPr id="252" name="CustomShape 6"/>
           <p:cNvSpPr/>
           <p:nvPr/>
         </p:nvSpPr>
         <p:spPr>
           <a:xfrm rot="10800000">
-            <a:off x="4623120" y="2066400"/>
-            <a:ext cx="2945880" cy="2955600"/>
+            <a:off x="4623480" y="2066400"/>
+            <a:ext cx="2945520" cy="2955240"/>
           </a:xfrm>
           <a:prstGeom prst="blockArc">
             <a:avLst>
@@ -7695,7 +7043,7 @@
       </p:sp>
       <p:sp>
         <p:nvSpPr>
-          <p:cNvPr id="256" name="Line 7"/>
+          <p:cNvPr id="253" name="Line 7"/>
           <p:cNvSpPr/>
           <p:nvPr/>
         </p:nvSpPr>
@@ -7728,7 +7076,7 @@
       </p:sp>
       <p:sp>
         <p:nvSpPr>
-          <p:cNvPr id="257" name="Line 8"/>
+          <p:cNvPr id="254" name="Line 8"/>
           <p:cNvSpPr/>
           <p:nvPr/>
         </p:nvSpPr>
@@ -7761,14 +7109,14 @@
       </p:sp>
       <p:sp>
         <p:nvSpPr>
-          <p:cNvPr id="258" name="CustomShape 9"/>
+          <p:cNvPr id="255" name="CustomShape 9"/>
           <p:cNvSpPr/>
           <p:nvPr/>
         </p:nvSpPr>
         <p:spPr>
           <a:xfrm>
             <a:off x="5595120" y="1719360"/>
-            <a:ext cx="375840" cy="360"/>
+            <a:ext cx="375480" cy="360"/>
           </a:xfrm>
           <a:custGeom>
             <a:avLst/>
@@ -7809,7 +7157,7 @@
       </p:sp>
       <p:sp>
         <p:nvSpPr>
-          <p:cNvPr id="259" name="Line 10"/>
+          <p:cNvPr id="256" name="Line 10"/>
           <p:cNvSpPr/>
           <p:nvPr/>
         </p:nvSpPr>
@@ -7842,7 +7190,7 @@
       </p:sp>
       <p:sp>
         <p:nvSpPr>
-          <p:cNvPr id="260" name="Line 11"/>
+          <p:cNvPr id="257" name="Line 11"/>
           <p:cNvSpPr/>
           <p:nvPr/>
         </p:nvSpPr>
@@ -7875,14 +7223,14 @@
       </p:sp>
       <p:sp>
         <p:nvSpPr>
-          <p:cNvPr id="261" name="CustomShape 12"/>
+          <p:cNvPr id="258" name="CustomShape 12"/>
           <p:cNvSpPr/>
           <p:nvPr/>
         </p:nvSpPr>
         <p:spPr>
           <a:xfrm>
             <a:off x="6221880" y="1719360"/>
-            <a:ext cx="375840" cy="360"/>
+            <a:ext cx="375480" cy="360"/>
           </a:xfrm>
           <a:custGeom>
             <a:avLst/>
@@ -7923,7 +7271,7 @@
       </p:sp>
       <p:sp>
         <p:nvSpPr>
-          <p:cNvPr id="262" name="Line 13"/>
+          <p:cNvPr id="259" name="Line 13"/>
           <p:cNvSpPr/>
           <p:nvPr/>
         </p:nvSpPr>
@@ -7956,7 +7304,7 @@
       </p:sp>
       <p:sp>
         <p:nvSpPr>
-          <p:cNvPr id="263" name="Line 14"/>
+          <p:cNvPr id="260" name="Line 14"/>
           <p:cNvSpPr/>
           <p:nvPr/>
         </p:nvSpPr>
@@ -7989,7 +7337,7 @@
       </p:sp>
       <p:sp>
         <p:nvSpPr>
-          <p:cNvPr id="264" name="CustomShape 15"/>
+          <p:cNvPr id="261" name="CustomShape 15"/>
           <p:cNvSpPr/>
           <p:nvPr/>
         </p:nvSpPr>
@@ -8028,6 +7376,7 @@
                   <a:srgbClr val="000000"/>
                 </a:solidFill>
                 <a:latin typeface="Arial"/>
+                <a:ea typeface="DejaVu Sans"/>
               </a:rPr>
               <a:t>Φ25</a:t>
             </a:r>
@@ -8039,7 +7388,7 @@
       </p:sp>
       <p:sp>
         <p:nvSpPr>
-          <p:cNvPr id="265" name="Line 16"/>
+          <p:cNvPr id="262" name="Line 16"/>
           <p:cNvSpPr/>
           <p:nvPr/>
         </p:nvSpPr>
@@ -8072,7 +7421,7 @@
       </p:sp>
       <p:sp>
         <p:nvSpPr>
-          <p:cNvPr id="266" name="Line 17"/>
+          <p:cNvPr id="263" name="Line 17"/>
           <p:cNvSpPr/>
           <p:nvPr/>
         </p:nvSpPr>
@@ -8105,14 +7454,14 @@
       </p:sp>
       <p:sp>
         <p:nvSpPr>
-          <p:cNvPr id="267" name="CustomShape 18"/>
+          <p:cNvPr id="264" name="CustomShape 18"/>
           <p:cNvSpPr/>
           <p:nvPr/>
         </p:nvSpPr>
         <p:spPr>
           <a:xfrm rot="10800000">
-            <a:off x="5029200" y="2468520"/>
-            <a:ext cx="2103120" cy="2103120"/>
+            <a:off x="5029560" y="2468520"/>
+            <a:ext cx="2102760" cy="2102760"/>
           </a:xfrm>
           <a:prstGeom prst="blockArc">
             <a:avLst>
@@ -8145,7 +7494,7 @@
       </p:sp>
       <p:sp>
         <p:nvSpPr>
-          <p:cNvPr id="268" name="Line 19"/>
+          <p:cNvPr id="265" name="Line 19"/>
           <p:cNvSpPr/>
           <p:nvPr/>
         </p:nvSpPr>
@@ -8178,7 +7527,7 @@
       </p:sp>
       <p:sp>
         <p:nvSpPr>
-          <p:cNvPr id="269" name="Line 20"/>
+          <p:cNvPr id="266" name="Line 20"/>
           <p:cNvSpPr/>
           <p:nvPr/>
         </p:nvSpPr>
@@ -8211,7 +7560,7 @@
       </p:sp>
       <p:sp>
         <p:nvSpPr>
-          <p:cNvPr id="270" name="Line 21"/>
+          <p:cNvPr id="267" name="Line 21"/>
           <p:cNvSpPr/>
           <p:nvPr/>
         </p:nvSpPr>
@@ -8244,7 +7593,7 @@
       </p:sp>
       <p:sp>
         <p:nvSpPr>
-          <p:cNvPr id="271" name="Line 22"/>
+          <p:cNvPr id="268" name="Line 22"/>
           <p:cNvSpPr/>
           <p:nvPr/>
         </p:nvSpPr>
@@ -8277,14 +7626,14 @@
       </p:sp>
       <p:sp>
         <p:nvSpPr>
-          <p:cNvPr id="272" name="CustomShape 23"/>
+          <p:cNvPr id="269" name="CustomShape 23"/>
           <p:cNvSpPr/>
           <p:nvPr/>
         </p:nvSpPr>
         <p:spPr>
           <a:xfrm rot="10800000">
-            <a:off x="5175360" y="2595960"/>
-            <a:ext cx="1828800" cy="1828800"/>
+            <a:off x="5175720" y="2595960"/>
+            <a:ext cx="1828440" cy="1828440"/>
           </a:xfrm>
           <a:prstGeom prst="blockArc">
             <a:avLst>
@@ -8317,7 +7666,7 @@
       </p:sp>
       <p:sp>
         <p:nvSpPr>
-          <p:cNvPr id="273" name="Line 24"/>
+          <p:cNvPr id="270" name="Line 24"/>
           <p:cNvSpPr/>
           <p:nvPr/>
         </p:nvSpPr>
@@ -8350,7 +7699,7 @@
       </p:sp>
       <p:sp>
         <p:nvSpPr>
-          <p:cNvPr id="274" name="CustomShape 25"/>
+          <p:cNvPr id="271" name="CustomShape 25"/>
           <p:cNvSpPr/>
           <p:nvPr/>
         </p:nvSpPr>
@@ -8389,6 +7738,7 @@
                   <a:srgbClr val="000000"/>
                 </a:solidFill>
                 <a:latin typeface="Arial"/>
+                <a:ea typeface="DejaVu Sans"/>
               </a:rPr>
               <a:t>Φ20</a:t>
             </a:r>
@@ -8400,7 +7750,7 @@
       </p:sp>
       <p:sp>
         <p:nvSpPr>
-          <p:cNvPr id="275" name="CustomShape 26"/>
+          <p:cNvPr id="272" name="CustomShape 26"/>
           <p:cNvSpPr/>
           <p:nvPr/>
         </p:nvSpPr>
@@ -8439,6 +7789,7 @@
                   <a:srgbClr val="000000"/>
                 </a:solidFill>
                 <a:latin typeface="Arial"/>
+                <a:ea typeface="DejaVu Sans"/>
               </a:rPr>
               <a:t>Φ21</a:t>
             </a:r>
@@ -8450,7 +7801,7 @@
       </p:sp>
       <p:sp>
         <p:nvSpPr>
-          <p:cNvPr id="276" name="Line 27"/>
+          <p:cNvPr id="273" name="Line 27"/>
           <p:cNvSpPr/>
           <p:nvPr/>
         </p:nvSpPr>
@@ -8483,7 +7834,7 @@
       </p:sp>
       <p:sp>
         <p:nvSpPr>
-          <p:cNvPr id="277" name="Line 28"/>
+          <p:cNvPr id="274" name="Line 28"/>
           <p:cNvSpPr/>
           <p:nvPr/>
         </p:nvSpPr>
@@ -8516,7 +7867,7 @@
       </p:sp>
       <p:sp>
         <p:nvSpPr>
-          <p:cNvPr id="278" name="Line 29"/>
+          <p:cNvPr id="275" name="Line 29"/>
           <p:cNvSpPr/>
           <p:nvPr/>
         </p:nvSpPr>
@@ -8549,7 +7900,7 @@
       </p:sp>
       <p:sp>
         <p:nvSpPr>
-          <p:cNvPr id="279" name="Line 30"/>
+          <p:cNvPr id="276" name="Line 30"/>
           <p:cNvSpPr/>
           <p:nvPr/>
         </p:nvSpPr>
@@ -8612,14 +7963,14 @@
       </p:grpSpPr>
       <p:sp>
         <p:nvSpPr>
-          <p:cNvPr id="280" name="CustomShape 1"/>
+          <p:cNvPr id="277" name="CustomShape 1"/>
           <p:cNvSpPr/>
           <p:nvPr/>
         </p:nvSpPr>
         <p:spPr>
           <a:xfrm>
             <a:off x="5858280" y="1739880"/>
-            <a:ext cx="341280" cy="341280"/>
+            <a:ext cx="340920" cy="340920"/>
           </a:xfrm>
           <a:prstGeom prst="ellipse">
             <a:avLst/>
@@ -8648,14 +7999,14 @@
       </p:sp>
       <p:sp>
         <p:nvSpPr>
-          <p:cNvPr id="281" name="CustomShape 2"/>
+          <p:cNvPr id="278" name="CustomShape 2"/>
           <p:cNvSpPr/>
           <p:nvPr/>
         </p:nvSpPr>
         <p:spPr>
           <a:xfrm>
             <a:off x="4395240" y="1910880"/>
-            <a:ext cx="3267000" cy="3267000"/>
+            <a:ext cx="3266640" cy="3266640"/>
           </a:xfrm>
           <a:prstGeom prst="ellipse">
             <a:avLst/>
@@ -8685,14 +8036,14 @@
       </p:sp>
       <p:sp>
         <p:nvSpPr>
-          <p:cNvPr id="282" name="CustomShape 3"/>
+          <p:cNvPr id="279" name="CustomShape 3"/>
           <p:cNvSpPr/>
           <p:nvPr/>
         </p:nvSpPr>
         <p:spPr>
           <a:xfrm>
             <a:off x="5858280" y="5007600"/>
-            <a:ext cx="341280" cy="341280"/>
+            <a:ext cx="340920" cy="340920"/>
           </a:xfrm>
           <a:prstGeom prst="ellipse">
             <a:avLst/>
@@ -8721,14 +8072,14 @@
       </p:sp>
       <p:sp>
         <p:nvSpPr>
-          <p:cNvPr id="283" name="CustomShape 4"/>
+          <p:cNvPr id="280" name="CustomShape 4"/>
           <p:cNvSpPr/>
           <p:nvPr/>
         </p:nvSpPr>
         <p:spPr>
           <a:xfrm>
             <a:off x="7013520" y="4545360"/>
-            <a:ext cx="341280" cy="341280"/>
+            <a:ext cx="340920" cy="340920"/>
           </a:xfrm>
           <a:prstGeom prst="ellipse">
             <a:avLst/>
@@ -8757,7 +8108,7 @@
       </p:sp>
       <p:sp>
         <p:nvSpPr>
-          <p:cNvPr id="284" name="Line 5"/>
+          <p:cNvPr id="281" name="Line 5"/>
           <p:cNvSpPr/>
           <p:nvPr/>
         </p:nvSpPr>
@@ -8791,7 +8142,7 @@
       </p:sp>
       <p:sp>
         <p:nvSpPr>
-          <p:cNvPr id="285" name="Line 6"/>
+          <p:cNvPr id="282" name="Line 6"/>
           <p:cNvSpPr/>
           <p:nvPr/>
         </p:nvSpPr>
@@ -8825,14 +8176,14 @@
       </p:sp>
       <p:sp>
         <p:nvSpPr>
-          <p:cNvPr id="286" name="CustomShape 7"/>
+          <p:cNvPr id="283" name="CustomShape 7"/>
           <p:cNvSpPr/>
           <p:nvPr/>
         </p:nvSpPr>
         <p:spPr>
           <a:xfrm>
             <a:off x="5653440" y="1324440"/>
-            <a:ext cx="750960" cy="364680"/>
+            <a:ext cx="750600" cy="364320"/>
           </a:xfrm>
           <a:prstGeom prst="rect">
             <a:avLst/>
@@ -8864,35 +8215,9 @@
                   <a:srgbClr val="000000"/>
                 </a:solidFill>
                 <a:latin typeface="Arial"/>
+                <a:ea typeface="DejaVu Sans"/>
               </a:rPr>
-              <a:t>3</a:t>
-            </a:r>
-            <a:r>
-              <a:rPr b="0" lang="en-US" sz="1800" spc="-1" strike="noStrike">
-                <a:solidFill>
-                  <a:srgbClr val="000000"/>
-                </a:solidFill>
-                <a:latin typeface="Arial"/>
-              </a:rPr>
-              <a:t>×</a:t>
-            </a:r>
-            <a:r>
-              <a:rPr b="0" lang="en-US" sz="1800" spc="-1" strike="noStrike">
-                <a:solidFill>
-                  <a:srgbClr val="000000"/>
-                </a:solidFill>
-                <a:latin typeface="Arial"/>
-              </a:rPr>
-              <a:t>Φ</a:t>
-            </a:r>
-            <a:r>
-              <a:rPr b="0" lang="en-US" sz="1800" spc="-1" strike="noStrike">
-                <a:solidFill>
-                  <a:srgbClr val="000000"/>
-                </a:solidFill>
-                <a:latin typeface="Arial"/>
-              </a:rPr>
-              <a:t>3</a:t>
+              <a:t>3×Φ3</a:t>
             </a:r>
             <a:endParaRPr b="0" lang="en-US" sz="1800" spc="-1" strike="noStrike">
               <a:latin typeface="Arial"/>
@@ -8902,14 +8227,14 @@
       </p:sp>
       <p:sp>
         <p:nvSpPr>
-          <p:cNvPr id="287" name="CustomShape 8"/>
+          <p:cNvPr id="284" name="CustomShape 8"/>
           <p:cNvSpPr/>
           <p:nvPr/>
         </p:nvSpPr>
         <p:spPr>
           <a:xfrm>
             <a:off x="8100360" y="2818440"/>
-            <a:ext cx="617040" cy="364680"/>
+            <a:ext cx="616680" cy="364320"/>
           </a:xfrm>
           <a:prstGeom prst="rect">
             <a:avLst/>
@@ -8941,6 +8266,7 @@
                   <a:srgbClr val="000000"/>
                 </a:solidFill>
                 <a:latin typeface="Arial"/>
+                <a:ea typeface="DejaVu Sans"/>
               </a:rPr>
               <a:t>Φ25</a:t>
             </a:r>
@@ -8952,7 +8278,7 @@
       </p:sp>
       <p:sp>
         <p:nvSpPr>
-          <p:cNvPr id="288" name="Line 9"/>
+          <p:cNvPr id="285" name="Line 9"/>
           <p:cNvSpPr/>
           <p:nvPr/>
         </p:nvSpPr>
@@ -8985,7 +8311,7 @@
       </p:sp>
       <p:sp>
         <p:nvSpPr>
-          <p:cNvPr id="289" name="Line 10"/>
+          <p:cNvPr id="286" name="Line 10"/>
           <p:cNvSpPr/>
           <p:nvPr/>
         </p:nvSpPr>
@@ -9018,14 +8344,14 @@
       </p:sp>
       <p:sp>
         <p:nvSpPr>
-          <p:cNvPr id="290" name="CustomShape 11"/>
+          <p:cNvPr id="287" name="CustomShape 11"/>
           <p:cNvSpPr/>
           <p:nvPr/>
         </p:nvSpPr>
         <p:spPr>
           <a:xfrm rot="5400000">
-            <a:off x="5586120" y="3126240"/>
-            <a:ext cx="885600" cy="836280"/>
+            <a:off x="5586480" y="3126240"/>
+            <a:ext cx="885240" cy="835920"/>
           </a:xfrm>
           <a:prstGeom prst="blockArc">
             <a:avLst>
@@ -9060,14 +8386,14 @@
       </p:sp>
       <p:sp>
         <p:nvSpPr>
-          <p:cNvPr id="291" name="CustomShape 12"/>
+          <p:cNvPr id="288" name="CustomShape 12"/>
           <p:cNvSpPr/>
           <p:nvPr/>
         </p:nvSpPr>
         <p:spPr>
           <a:xfrm>
             <a:off x="6042240" y="3945600"/>
-            <a:ext cx="525240" cy="346680"/>
+            <a:ext cx="524880" cy="346320"/>
           </a:xfrm>
           <a:prstGeom prst="rect">
             <a:avLst/>
@@ -9099,6 +8425,7 @@
                   <a:srgbClr val="000000"/>
                 </a:solidFill>
                 <a:latin typeface="Arial"/>
+                <a:ea typeface="DejaVu Sans"/>
               </a:rPr>
               <a:t>45˚</a:t>
             </a:r>
@@ -9110,14 +8437,14 @@
       </p:sp>
       <p:sp>
         <p:nvSpPr>
-          <p:cNvPr id="292" name="CustomShape 13"/>
+          <p:cNvPr id="289" name="CustomShape 13"/>
           <p:cNvSpPr/>
           <p:nvPr/>
         </p:nvSpPr>
         <p:spPr>
           <a:xfrm>
             <a:off x="4773240" y="2267640"/>
-            <a:ext cx="2526120" cy="2526120"/>
+            <a:ext cx="2525760" cy="2525760"/>
           </a:xfrm>
           <a:prstGeom prst="ellipse">
             <a:avLst/>
@@ -9147,7 +8474,7 @@
       </p:sp>
       <p:sp>
         <p:nvSpPr>
-          <p:cNvPr id="293" name="Line 14"/>
+          <p:cNvPr id="290" name="Line 14"/>
           <p:cNvSpPr/>
           <p:nvPr/>
         </p:nvSpPr>
@@ -9181,7 +8508,7 @@
       </p:sp>
       <p:sp>
         <p:nvSpPr>
-          <p:cNvPr id="294" name="Line 15"/>
+          <p:cNvPr id="291" name="Line 15"/>
           <p:cNvSpPr/>
           <p:nvPr/>
         </p:nvSpPr>
@@ -9215,14 +8542,14 @@
       </p:sp>
       <p:sp>
         <p:nvSpPr>
-          <p:cNvPr id="295" name="CustomShape 16"/>
+          <p:cNvPr id="292" name="CustomShape 16"/>
           <p:cNvSpPr/>
           <p:nvPr/>
         </p:nvSpPr>
         <p:spPr>
           <a:xfrm>
             <a:off x="5789520" y="3200400"/>
-            <a:ext cx="702720" cy="745200"/>
+            <a:ext cx="702360" cy="744840"/>
           </a:xfrm>
           <a:prstGeom prst="blockArc">
             <a:avLst>
@@ -9257,14 +8584,14 @@
       </p:sp>
       <p:sp>
         <p:nvSpPr>
-          <p:cNvPr id="296" name="CustomShape 17"/>
+          <p:cNvPr id="293" name="CustomShape 17"/>
           <p:cNvSpPr/>
           <p:nvPr/>
         </p:nvSpPr>
         <p:spPr>
           <a:xfrm>
             <a:off x="6424200" y="3200400"/>
-            <a:ext cx="525240" cy="346680"/>
+            <a:ext cx="524880" cy="346320"/>
           </a:xfrm>
           <a:prstGeom prst="rect">
             <a:avLst/>
@@ -9296,6 +8623,7 @@
                   <a:srgbClr val="000000"/>
                 </a:solidFill>
                 <a:latin typeface="Arial"/>
+                <a:ea typeface="DejaVu Sans"/>
               </a:rPr>
               <a:t>45˚</a:t>
             </a:r>
@@ -9307,14 +8635,14 @@
       </p:sp>
       <p:sp>
         <p:nvSpPr>
-          <p:cNvPr id="297" name="CustomShape 18"/>
+          <p:cNvPr id="294" name="CustomShape 18"/>
           <p:cNvSpPr/>
           <p:nvPr/>
         </p:nvSpPr>
         <p:spPr>
           <a:xfrm>
             <a:off x="6882480" y="2651760"/>
-            <a:ext cx="341280" cy="341280"/>
+            <a:ext cx="340920" cy="340920"/>
           </a:xfrm>
           <a:prstGeom prst="ellipse">
             <a:avLst/>
@@ -9343,14 +8671,14 @@
       </p:sp>
       <p:sp>
         <p:nvSpPr>
-          <p:cNvPr id="298" name="CustomShape 19"/>
+          <p:cNvPr id="295" name="CustomShape 19"/>
           <p:cNvSpPr/>
           <p:nvPr/>
         </p:nvSpPr>
         <p:spPr>
           <a:xfrm>
             <a:off x="7132320" y="3383280"/>
-            <a:ext cx="341280" cy="341280"/>
+            <a:ext cx="340920" cy="340920"/>
           </a:xfrm>
           <a:prstGeom prst="ellipse">
             <a:avLst/>
@@ -9379,14 +8707,14 @@
       </p:sp>
       <p:sp>
         <p:nvSpPr>
-          <p:cNvPr id="299" name="CustomShape 20"/>
+          <p:cNvPr id="296" name="CustomShape 20"/>
           <p:cNvSpPr/>
           <p:nvPr/>
         </p:nvSpPr>
         <p:spPr>
           <a:xfrm>
             <a:off x="4596480" y="3407760"/>
-            <a:ext cx="341280" cy="341280"/>
+            <a:ext cx="340920" cy="340920"/>
           </a:xfrm>
           <a:prstGeom prst="ellipse">
             <a:avLst/>
@@ -9445,14 +8773,14 @@
       </p:grpSpPr>
       <p:sp>
         <p:nvSpPr>
-          <p:cNvPr id="300" name="CustomShape 1"/>
+          <p:cNvPr id="297" name="CustomShape 1"/>
           <p:cNvSpPr/>
           <p:nvPr/>
         </p:nvSpPr>
         <p:spPr>
           <a:xfrm flipV="1">
             <a:off x="6298200" y="3374640"/>
-            <a:ext cx="106920" cy="106920"/>
+            <a:ext cx="106560" cy="106560"/>
           </a:xfrm>
           <a:prstGeom prst="ellipse">
             <a:avLst/>
@@ -9481,14 +8809,14 @@
       </p:sp>
       <p:sp>
         <p:nvSpPr>
-          <p:cNvPr id="301" name="CustomShape 2"/>
+          <p:cNvPr id="298" name="CustomShape 2"/>
           <p:cNvSpPr/>
           <p:nvPr/>
         </p:nvSpPr>
         <p:spPr>
           <a:xfrm>
             <a:off x="4168800" y="2337480"/>
-            <a:ext cx="2182680" cy="2182680"/>
+            <a:ext cx="2182320" cy="2182320"/>
           </a:xfrm>
           <a:prstGeom prst="ellipse">
             <a:avLst/>
@@ -9517,14 +8845,14 @@
       </p:sp>
       <p:sp>
         <p:nvSpPr>
-          <p:cNvPr id="302" name="CustomShape 3"/>
+          <p:cNvPr id="299" name="CustomShape 3"/>
           <p:cNvSpPr/>
           <p:nvPr/>
         </p:nvSpPr>
         <p:spPr>
           <a:xfrm>
             <a:off x="5260320" y="2337480"/>
-            <a:ext cx="2182680" cy="2182680"/>
+            <a:ext cx="2182320" cy="2182320"/>
           </a:xfrm>
           <a:prstGeom prst="ellipse">
             <a:avLst/>
@@ -9553,14 +8881,14 @@
       </p:sp>
       <p:sp>
         <p:nvSpPr>
-          <p:cNvPr id="303" name="CustomShape 4"/>
+          <p:cNvPr id="300" name="CustomShape 4"/>
           <p:cNvSpPr/>
           <p:nvPr/>
         </p:nvSpPr>
         <p:spPr>
           <a:xfrm>
             <a:off x="4168800" y="3429000"/>
-            <a:ext cx="2182680" cy="360"/>
+            <a:ext cx="2182320" cy="360"/>
           </a:xfrm>
           <a:custGeom>
             <a:avLst/>
@@ -9602,14 +8930,14 @@
       </p:sp>
       <p:sp>
         <p:nvSpPr>
-          <p:cNvPr id="304" name="CustomShape 5"/>
+          <p:cNvPr id="301" name="CustomShape 5"/>
           <p:cNvSpPr/>
           <p:nvPr/>
         </p:nvSpPr>
         <p:spPr>
           <a:xfrm>
             <a:off x="4504680" y="3435120"/>
-            <a:ext cx="662760" cy="364680"/>
+            <a:ext cx="662400" cy="364320"/>
           </a:xfrm>
           <a:prstGeom prst="rect">
             <a:avLst/>
@@ -9641,6 +8969,7 @@
                   <a:srgbClr val="000000"/>
                 </a:solidFill>
                 <a:latin typeface="Arial"/>
+                <a:ea typeface="DejaVu Sans"/>
               </a:rPr>
               <a:t>HPD</a:t>
             </a:r>
@@ -9652,14 +8981,14 @@
       </p:sp>
       <p:sp>
         <p:nvSpPr>
-          <p:cNvPr id="305" name="CustomShape 6"/>
+          <p:cNvPr id="302" name="CustomShape 6"/>
           <p:cNvSpPr/>
           <p:nvPr/>
         </p:nvSpPr>
         <p:spPr>
           <a:xfrm flipV="1">
             <a:off x="5206680" y="3374640"/>
-            <a:ext cx="106920" cy="106920"/>
+            <a:ext cx="106560" cy="106560"/>
           </a:xfrm>
           <a:prstGeom prst="ellipse">
             <a:avLst/>
@@ -9718,7 +9047,7 @@
       </p:grpSpPr>
       <p:pic>
         <p:nvPicPr>
-          <p:cNvPr id="306" name="図 1" descr="スポーツゲーム, ミラー, テーブル が含まれている画像&#10;&#10;自動的に生成された説明"/>
+          <p:cNvPr id="303" name="図 1" descr="スポーツゲーム, ミラー, テーブル が含まれている画像&#10;&#10;自動的に生成された説明"/>
           <p:cNvPicPr/>
           <p:nvPr/>
         </p:nvPicPr>
@@ -9729,7 +9058,7 @@
         <p:spPr>
           <a:xfrm>
             <a:off x="2376360" y="2209680"/>
-            <a:ext cx="3975120" cy="2007000"/>
+            <a:ext cx="3974760" cy="2006640"/>
           </a:xfrm>
           <a:prstGeom prst="rect">
             <a:avLst/>
@@ -9741,14 +9070,14 @@
       </p:pic>
       <p:sp>
         <p:nvSpPr>
-          <p:cNvPr id="307" name="CustomShape 1"/>
+          <p:cNvPr id="304" name="CustomShape 1"/>
           <p:cNvSpPr/>
           <p:nvPr/>
         </p:nvSpPr>
         <p:spPr>
           <a:xfrm>
             <a:off x="6835320" y="2963160"/>
-            <a:ext cx="1621440" cy="1616760"/>
+            <a:ext cx="1621080" cy="1616400"/>
           </a:xfrm>
           <a:prstGeom prst="rect">
             <a:avLst/>
@@ -9783,7 +9112,7 @@
       </p:sp>
       <p:sp>
         <p:nvSpPr>
-          <p:cNvPr id="308" name="Line 2"/>
+          <p:cNvPr id="305" name="Line 2"/>
           <p:cNvSpPr/>
           <p:nvPr/>
         </p:nvSpPr>
@@ -9816,14 +9145,14 @@
       </p:sp>
       <p:sp>
         <p:nvSpPr>
-          <p:cNvPr id="309" name="CustomShape 3"/>
+          <p:cNvPr id="306" name="CustomShape 3"/>
           <p:cNvSpPr/>
           <p:nvPr/>
         </p:nvSpPr>
         <p:spPr>
           <a:xfrm>
             <a:off x="7494840" y="3600000"/>
-            <a:ext cx="414720" cy="427680"/>
+            <a:ext cx="414360" cy="427320"/>
           </a:xfrm>
           <a:prstGeom prst="ellipse">
             <a:avLst/>
@@ -9858,7 +9187,7 @@
       </p:sp>
       <p:sp>
         <p:nvSpPr>
-          <p:cNvPr id="310" name="Line 4"/>
+          <p:cNvPr id="307" name="Line 4"/>
           <p:cNvSpPr/>
           <p:nvPr/>
         </p:nvSpPr>
@@ -9891,14 +9220,14 @@
       </p:sp>
       <p:sp>
         <p:nvSpPr>
-          <p:cNvPr id="311" name="CustomShape 5"/>
+          <p:cNvPr id="308" name="CustomShape 5"/>
           <p:cNvSpPr/>
           <p:nvPr/>
         </p:nvSpPr>
         <p:spPr>
           <a:xfrm rot="979800">
-            <a:off x="6156720" y="3260880"/>
-            <a:ext cx="417600" cy="538560"/>
+            <a:off x="6156720" y="3260520"/>
+            <a:ext cx="417240" cy="538200"/>
           </a:xfrm>
           <a:prstGeom prst="blockArc">
             <a:avLst>
@@ -9933,14 +9262,14 @@
       </p:sp>
       <p:sp>
         <p:nvSpPr>
-          <p:cNvPr id="312" name="CustomShape 6"/>
+          <p:cNvPr id="309" name="CustomShape 6"/>
           <p:cNvSpPr/>
           <p:nvPr/>
         </p:nvSpPr>
         <p:spPr>
           <a:xfrm>
             <a:off x="6419880" y="3059640"/>
-            <a:ext cx="394200" cy="364680"/>
+            <a:ext cx="393840" cy="364320"/>
           </a:xfrm>
           <a:prstGeom prst="rect">
             <a:avLst/>
@@ -9972,6 +9301,7 @@
                   <a:srgbClr val="000000"/>
                 </a:solidFill>
                 <a:latin typeface="Arial"/>
+                <a:ea typeface="DejaVu Sans"/>
               </a:rPr>
               <a:t>1″</a:t>
             </a:r>
@@ -9983,14 +9313,14 @@
       </p:sp>
       <p:sp>
         <p:nvSpPr>
-          <p:cNvPr id="313" name="CustomShape 7"/>
+          <p:cNvPr id="310" name="CustomShape 7"/>
           <p:cNvSpPr/>
           <p:nvPr/>
         </p:nvSpPr>
         <p:spPr>
           <a:xfrm>
             <a:off x="7702200" y="3600000"/>
-            <a:ext cx="360" cy="427680"/>
+            <a:ext cx="360" cy="427320"/>
           </a:xfrm>
           <a:custGeom>
             <a:avLst/>
@@ -10032,14 +9362,14 @@
       </p:sp>
       <p:sp>
         <p:nvSpPr>
-          <p:cNvPr id="314" name="CustomShape 8"/>
+          <p:cNvPr id="311" name="CustomShape 8"/>
           <p:cNvSpPr/>
           <p:nvPr/>
         </p:nvSpPr>
         <p:spPr>
           <a:xfrm>
             <a:off x="7631640" y="3281400"/>
-            <a:ext cx="555840" cy="303480"/>
+            <a:ext cx="555480" cy="303120"/>
           </a:xfrm>
           <a:prstGeom prst="rect">
             <a:avLst/>
@@ -10071,6 +9401,7 @@
                   <a:srgbClr val="000000"/>
                 </a:solidFill>
                 <a:latin typeface="Arial"/>
+                <a:ea typeface="DejaVu Sans"/>
               </a:rPr>
               <a:t>HPD</a:t>
             </a:r>
@@ -10112,7 +9443,7 @@
       </p:grpSpPr>
       <p:sp>
         <p:nvSpPr>
-          <p:cNvPr id="315" name="Line 1"/>
+          <p:cNvPr id="312" name="Line 1"/>
           <p:cNvSpPr/>
           <p:nvPr/>
         </p:nvSpPr>
@@ -10145,7 +9476,7 @@
       </p:sp>
       <p:sp>
         <p:nvSpPr>
-          <p:cNvPr id="316" name="Line 2"/>
+          <p:cNvPr id="313" name="Line 2"/>
           <p:cNvSpPr/>
           <p:nvPr/>
         </p:nvSpPr>
@@ -10178,7 +9509,7 @@
       </p:sp>
       <p:sp>
         <p:nvSpPr>
-          <p:cNvPr id="317" name="Line 3"/>
+          <p:cNvPr id="314" name="Line 3"/>
           <p:cNvSpPr/>
           <p:nvPr/>
         </p:nvSpPr>
@@ -10211,7 +9542,7 @@
       </p:sp>
       <p:sp>
         <p:nvSpPr>
-          <p:cNvPr id="318" name="Line 4"/>
+          <p:cNvPr id="315" name="Line 4"/>
           <p:cNvSpPr/>
           <p:nvPr/>
         </p:nvSpPr>
@@ -10244,7 +9575,7 @@
       </p:sp>
       <p:sp>
         <p:nvSpPr>
-          <p:cNvPr id="319" name="Line 5"/>
+          <p:cNvPr id="316" name="Line 5"/>
           <p:cNvSpPr/>
           <p:nvPr/>
         </p:nvSpPr>
@@ -10277,7 +9608,7 @@
       </p:sp>
       <p:sp>
         <p:nvSpPr>
-          <p:cNvPr id="320" name="Line 6"/>
+          <p:cNvPr id="317" name="Line 6"/>
           <p:cNvSpPr/>
           <p:nvPr/>
         </p:nvSpPr>
@@ -10310,7 +9641,7 @@
       </p:sp>
       <p:sp>
         <p:nvSpPr>
-          <p:cNvPr id="321" name="Line 7"/>
+          <p:cNvPr id="318" name="Line 7"/>
           <p:cNvSpPr/>
           <p:nvPr/>
         </p:nvSpPr>
@@ -10343,7 +9674,7 @@
       </p:sp>
       <p:sp>
         <p:nvSpPr>
-          <p:cNvPr id="322" name="Line 8"/>
+          <p:cNvPr id="319" name="Line 8"/>
           <p:cNvSpPr/>
           <p:nvPr/>
         </p:nvSpPr>
@@ -10376,7 +9707,7 @@
       </p:sp>
       <p:sp>
         <p:nvSpPr>
-          <p:cNvPr id="323" name="Line 9"/>
+          <p:cNvPr id="320" name="Line 9"/>
           <p:cNvSpPr/>
           <p:nvPr/>
         </p:nvSpPr>
@@ -10409,7 +9740,7 @@
       </p:sp>
       <p:sp>
         <p:nvSpPr>
-          <p:cNvPr id="324" name="Line 10"/>
+          <p:cNvPr id="321" name="Line 10"/>
           <p:cNvSpPr/>
           <p:nvPr/>
         </p:nvSpPr>
@@ -10442,7 +9773,7 @@
       </p:sp>
       <p:sp>
         <p:nvSpPr>
-          <p:cNvPr id="325" name="Line 11"/>
+          <p:cNvPr id="322" name="Line 11"/>
           <p:cNvSpPr/>
           <p:nvPr/>
         </p:nvSpPr>
@@ -10479,7 +9810,7 @@
       </p:sp>
       <p:sp>
         <p:nvSpPr>
-          <p:cNvPr id="326" name="Line 12"/>
+          <p:cNvPr id="323" name="Line 12"/>
           <p:cNvSpPr/>
           <p:nvPr/>
         </p:nvSpPr>
@@ -10516,14 +9847,14 @@
       </p:sp>
       <p:sp>
         <p:nvSpPr>
-          <p:cNvPr id="327" name="CustomShape 13"/>
+          <p:cNvPr id="324" name="CustomShape 13"/>
           <p:cNvSpPr/>
           <p:nvPr/>
         </p:nvSpPr>
         <p:spPr>
           <a:xfrm>
             <a:off x="1968480" y="1791000"/>
-            <a:ext cx="140400" cy="249120"/>
+            <a:ext cx="140040" cy="248760"/>
           </a:xfrm>
           <a:custGeom>
             <a:avLst/>
@@ -10544,7 +9875,7 @@
             </a:pathLst>
           </a:custGeom>
           <a:noFill/>
-          <a:ln w="25560">
+          <a:ln>
             <a:solidFill>
               <a:schemeClr val="tx1"/>
             </a:solidFill>
@@ -10567,14 +9898,14 @@
       </p:sp>
       <p:sp>
         <p:nvSpPr>
-          <p:cNvPr id="328" name="CustomShape 14"/>
+          <p:cNvPr id="325" name="CustomShape 14"/>
           <p:cNvSpPr/>
           <p:nvPr/>
         </p:nvSpPr>
         <p:spPr>
           <a:xfrm>
             <a:off x="2394720" y="1592640"/>
-            <a:ext cx="383760" cy="639000"/>
+            <a:ext cx="383400" cy="638640"/>
           </a:xfrm>
           <a:prstGeom prst="rect">
             <a:avLst/>
@@ -10606,6 +9937,7 @@
                   <a:srgbClr val="000000"/>
                 </a:solidFill>
                 <a:latin typeface="Times New Roman"/>
+                <a:ea typeface="DejaVu Sans"/>
               </a:rPr>
               <a:t>a</a:t>
             </a:r>
@@ -10617,14 +9949,14 @@
       </p:sp>
       <p:sp>
         <p:nvSpPr>
-          <p:cNvPr id="329" name="CustomShape 15"/>
+          <p:cNvPr id="326" name="CustomShape 15"/>
           <p:cNvSpPr/>
           <p:nvPr/>
         </p:nvSpPr>
         <p:spPr>
           <a:xfrm>
             <a:off x="4270680" y="2708280"/>
-            <a:ext cx="206280" cy="263160"/>
+            <a:ext cx="205920" cy="262800"/>
           </a:xfrm>
           <a:custGeom>
             <a:avLst/>
@@ -10645,7 +9977,7 @@
             </a:pathLst>
           </a:custGeom>
           <a:noFill/>
-          <a:ln w="25560">
+          <a:ln>
             <a:solidFill>
               <a:schemeClr val="tx1"/>
             </a:solidFill>
@@ -10668,14 +10000,14 @@
       </p:sp>
       <p:sp>
         <p:nvSpPr>
-          <p:cNvPr id="330" name="CustomShape 16"/>
+          <p:cNvPr id="327" name="CustomShape 16"/>
           <p:cNvSpPr/>
           <p:nvPr/>
         </p:nvSpPr>
         <p:spPr>
           <a:xfrm>
             <a:off x="4479840" y="2610720"/>
-            <a:ext cx="409680" cy="639000"/>
+            <a:ext cx="409320" cy="638640"/>
           </a:xfrm>
           <a:prstGeom prst="rect">
             <a:avLst/>
@@ -10707,10 +10039,515 @@
                   <a:srgbClr val="000000"/>
                 </a:solidFill>
                 <a:latin typeface="Times New Roman"/>
+                <a:ea typeface="DejaVu Sans"/>
               </a:rPr>
               <a:t>b</a:t>
             </a:r>
             <a:endParaRPr b="0" lang="en-US" sz="3600" spc="-1" strike="noStrike">
+              <a:latin typeface="Arial"/>
+            </a:endParaRPr>
+          </a:p>
+        </p:txBody>
+      </p:sp>
+    </p:spTree>
+  </p:cSld>
+  <mc:AlternateContent>
+    <mc:Choice Requires="p14">
+      <p:transition spd="slow" p14:dur="2000"/>
+    </mc:Choice>
+    <mc:Fallback>
+      <p:transition spd="slow"/>
+    </mc:Fallback>
+  </mc:AlternateContent>
+</p:sld>
+</file>
+
+<file path=ppt/slides/slide19.xml><?xml version="1.0" encoding="utf-8"?>
+<p:sld xmlns:a="http://schemas.openxmlformats.org/drawingml/2006/main" xmlns:p="http://schemas.openxmlformats.org/presentationml/2006/main" xmlns:r="http://schemas.openxmlformats.org/officeDocument/2006/relationships" xmlns:p14="http://schemas.microsoft.com/office/powerpoint/2010/main" xmlns:p15="http://schemas.microsoft.com/office/powerpoint/2012/main" xmlns:mc="http://schemas.openxmlformats.org/markup-compatibility/2006">
+  <p:cSld>
+    <p:spTree>
+      <p:nvGrpSpPr>
+        <p:cNvPr id="1" name=""/>
+        <p:cNvGrpSpPr/>
+        <p:nvPr/>
+      </p:nvGrpSpPr>
+      <p:grpSpPr>
+        <a:xfrm>
+          <a:off x="0" y="0"/>
+          <a:ext cx="0" cy="0"/>
+          <a:chOff x="0" y="0"/>
+          <a:chExt cx="0" cy="0"/>
+        </a:xfrm>
+      </p:grpSpPr>
+      <p:sp>
+        <p:nvSpPr>
+          <p:cNvPr id="328" name="CustomShape 1"/>
+          <p:cNvSpPr/>
+          <p:nvPr/>
+        </p:nvSpPr>
+        <p:spPr>
+          <a:xfrm>
+            <a:off x="5858280" y="1739880"/>
+            <a:ext cx="340920" cy="340920"/>
+          </a:xfrm>
+          <a:prstGeom prst="ellipse">
+            <a:avLst/>
+          </a:prstGeom>
+          <a:noFill/>
+          <a:ln w="19080">
+            <a:solidFill>
+              <a:schemeClr val="tx1"/>
+            </a:solidFill>
+          </a:ln>
+        </p:spPr>
+        <p:style>
+          <a:lnRef idx="2">
+            <a:schemeClr val="accent1">
+              <a:shade val="50000"/>
+            </a:schemeClr>
+          </a:lnRef>
+          <a:fillRef idx="1">
+            <a:schemeClr val="accent1"/>
+          </a:fillRef>
+          <a:effectRef idx="0">
+            <a:schemeClr val="accent1"/>
+          </a:effectRef>
+          <a:fontRef idx="minor"/>
+        </p:style>
+      </p:sp>
+      <p:sp>
+        <p:nvSpPr>
+          <p:cNvPr id="329" name="CustomShape 2"/>
+          <p:cNvSpPr/>
+          <p:nvPr/>
+        </p:nvSpPr>
+        <p:spPr>
+          <a:xfrm>
+            <a:off x="4395240" y="1910880"/>
+            <a:ext cx="3266640" cy="3266640"/>
+          </a:xfrm>
+          <a:prstGeom prst="ellipse">
+            <a:avLst/>
+          </a:prstGeom>
+          <a:noFill/>
+          <a:ln>
+            <a:solidFill>
+              <a:schemeClr val="tx1"/>
+            </a:solidFill>
+            <a:prstDash val="dash"/>
+          </a:ln>
+        </p:spPr>
+        <p:style>
+          <a:lnRef idx="2">
+            <a:schemeClr val="accent1">
+              <a:shade val="50000"/>
+            </a:schemeClr>
+          </a:lnRef>
+          <a:fillRef idx="1">
+            <a:schemeClr val="accent1"/>
+          </a:fillRef>
+          <a:effectRef idx="0">
+            <a:schemeClr val="accent1"/>
+          </a:effectRef>
+          <a:fontRef idx="minor"/>
+        </p:style>
+      </p:sp>
+      <p:sp>
+        <p:nvSpPr>
+          <p:cNvPr id="330" name="CustomShape 3"/>
+          <p:cNvSpPr/>
+          <p:nvPr/>
+        </p:nvSpPr>
+        <p:spPr>
+          <a:xfrm>
+            <a:off x="5858280" y="5007600"/>
+            <a:ext cx="340920" cy="340920"/>
+          </a:xfrm>
+          <a:prstGeom prst="ellipse">
+            <a:avLst/>
+          </a:prstGeom>
+          <a:noFill/>
+          <a:ln w="19080">
+            <a:solidFill>
+              <a:schemeClr val="tx1"/>
+            </a:solidFill>
+          </a:ln>
+        </p:spPr>
+        <p:style>
+          <a:lnRef idx="2">
+            <a:schemeClr val="accent1">
+              <a:shade val="50000"/>
+            </a:schemeClr>
+          </a:lnRef>
+          <a:fillRef idx="1">
+            <a:schemeClr val="accent1"/>
+          </a:fillRef>
+          <a:effectRef idx="0">
+            <a:schemeClr val="accent1"/>
+          </a:effectRef>
+          <a:fontRef idx="minor"/>
+        </p:style>
+      </p:sp>
+      <p:sp>
+        <p:nvSpPr>
+          <p:cNvPr id="331" name="CustomShape 4"/>
+          <p:cNvSpPr/>
+          <p:nvPr/>
+        </p:nvSpPr>
+        <p:spPr>
+          <a:xfrm>
+            <a:off x="7013520" y="4545360"/>
+            <a:ext cx="340920" cy="340920"/>
+          </a:xfrm>
+          <a:prstGeom prst="ellipse">
+            <a:avLst/>
+          </a:prstGeom>
+          <a:noFill/>
+          <a:ln w="19080">
+            <a:solidFill>
+              <a:schemeClr val="tx1"/>
+            </a:solidFill>
+          </a:ln>
+        </p:spPr>
+        <p:style>
+          <a:lnRef idx="2">
+            <a:schemeClr val="accent1">
+              <a:shade val="50000"/>
+            </a:schemeClr>
+          </a:lnRef>
+          <a:fillRef idx="1">
+            <a:schemeClr val="accent1"/>
+          </a:fillRef>
+          <a:effectRef idx="0">
+            <a:schemeClr val="accent1"/>
+          </a:effectRef>
+          <a:fontRef idx="minor"/>
+        </p:style>
+      </p:sp>
+      <p:sp>
+        <p:nvSpPr>
+          <p:cNvPr id="332" name="Line 5"/>
+          <p:cNvSpPr/>
+          <p:nvPr/>
+        </p:nvSpPr>
+        <p:spPr>
+          <a:xfrm flipV="1">
+            <a:off x="6028920" y="1910520"/>
+            <a:ext cx="0" cy="3267720"/>
+          </a:xfrm>
+          <a:prstGeom prst="line">
+            <a:avLst/>
+          </a:prstGeom>
+          <a:ln w="12600">
+            <a:solidFill>
+              <a:schemeClr val="tx1"/>
+            </a:solidFill>
+            <a:prstDash val="dash"/>
+          </a:ln>
+        </p:spPr>
+        <p:style>
+          <a:lnRef idx="1">
+            <a:schemeClr val="accent1"/>
+          </a:lnRef>
+          <a:fillRef idx="0">
+            <a:schemeClr val="accent1"/>
+          </a:fillRef>
+          <a:effectRef idx="0">
+            <a:schemeClr val="accent1"/>
+          </a:effectRef>
+          <a:fontRef idx="minor"/>
+        </p:style>
+      </p:sp>
+      <p:sp>
+        <p:nvSpPr>
+          <p:cNvPr id="333" name="Line 6"/>
+          <p:cNvSpPr/>
+          <p:nvPr/>
+        </p:nvSpPr>
+        <p:spPr>
+          <a:xfrm flipH="1" flipV="1">
+            <a:off x="4873680" y="2389320"/>
+            <a:ext cx="2310480" cy="2310120"/>
+          </a:xfrm>
+          <a:prstGeom prst="line">
+            <a:avLst/>
+          </a:prstGeom>
+          <a:ln w="12600">
+            <a:solidFill>
+              <a:schemeClr val="tx1"/>
+            </a:solidFill>
+            <a:prstDash val="dash"/>
+          </a:ln>
+        </p:spPr>
+        <p:style>
+          <a:lnRef idx="1">
+            <a:schemeClr val="accent1"/>
+          </a:lnRef>
+          <a:fillRef idx="0">
+            <a:schemeClr val="accent1"/>
+          </a:fillRef>
+          <a:effectRef idx="0">
+            <a:schemeClr val="accent1"/>
+          </a:effectRef>
+          <a:fontRef idx="minor"/>
+        </p:style>
+      </p:sp>
+      <p:sp>
+        <p:nvSpPr>
+          <p:cNvPr id="334" name="CustomShape 7"/>
+          <p:cNvSpPr/>
+          <p:nvPr/>
+        </p:nvSpPr>
+        <p:spPr>
+          <a:xfrm>
+            <a:off x="5495760" y="1324440"/>
+            <a:ext cx="1066680" cy="364320"/>
+          </a:xfrm>
+          <a:prstGeom prst="rect">
+            <a:avLst/>
+          </a:prstGeom>
+          <a:noFill/>
+          <a:ln>
+            <a:noFill/>
+          </a:ln>
+        </p:spPr>
+        <p:style>
+          <a:lnRef idx="0"/>
+          <a:fillRef idx="0"/>
+          <a:effectRef idx="0"/>
+          <a:fontRef idx="minor"/>
+        </p:style>
+        <p:txBody>
+          <a:bodyPr wrap="none" lIns="90000" rIns="90000" tIns="45000" bIns="45000">
+            <a:spAutoFit/>
+          </a:bodyPr>
+          <a:p>
+            <a:pPr algn="ctr">
+              <a:lnSpc>
+                <a:spcPct val="100000"/>
+              </a:lnSpc>
+            </a:pPr>
+            <a:r>
+              <a:rPr b="0" lang="en-US" sz="1800" spc="-1" strike="noStrike">
+                <a:solidFill>
+                  <a:srgbClr val="000000"/>
+                </a:solidFill>
+                <a:latin typeface="Arial"/>
+                <a:ea typeface="DejaVu Sans"/>
+              </a:rPr>
+              <a:t>3×Φ2.25</a:t>
+            </a:r>
+            <a:endParaRPr b="0" lang="en-US" sz="1800" spc="-1" strike="noStrike">
+              <a:latin typeface="Arial"/>
+            </a:endParaRPr>
+          </a:p>
+        </p:txBody>
+      </p:sp>
+      <p:sp>
+        <p:nvSpPr>
+          <p:cNvPr id="335" name="CustomShape 8"/>
+          <p:cNvSpPr/>
+          <p:nvPr/>
+        </p:nvSpPr>
+        <p:spPr>
+          <a:xfrm>
+            <a:off x="8138160" y="2836080"/>
+            <a:ext cx="932400" cy="364320"/>
+          </a:xfrm>
+          <a:prstGeom prst="rect">
+            <a:avLst/>
+          </a:prstGeom>
+          <a:noFill/>
+          <a:ln>
+            <a:noFill/>
+          </a:ln>
+        </p:spPr>
+        <p:style>
+          <a:lnRef idx="0"/>
+          <a:fillRef idx="0"/>
+          <a:effectRef idx="0"/>
+          <a:fontRef idx="minor"/>
+        </p:style>
+        <p:txBody>
+          <a:bodyPr wrap="none" lIns="90000" rIns="90000" tIns="45000" bIns="45000">
+            <a:spAutoFit/>
+          </a:bodyPr>
+          <a:p>
+            <a:pPr algn="ctr">
+              <a:lnSpc>
+                <a:spcPct val="100000"/>
+              </a:lnSpc>
+            </a:pPr>
+            <a:r>
+              <a:rPr b="0" lang="en-US" sz="1800" spc="-1" strike="noStrike">
+                <a:solidFill>
+                  <a:srgbClr val="000000"/>
+                </a:solidFill>
+                <a:latin typeface="Arial"/>
+                <a:ea typeface="DejaVu Sans"/>
+              </a:rPr>
+              <a:t>Φ57.26</a:t>
+            </a:r>
+            <a:endParaRPr b="0" lang="en-US" sz="1800" spc="-1" strike="noStrike">
+              <a:latin typeface="Arial"/>
+            </a:endParaRPr>
+          </a:p>
+        </p:txBody>
+      </p:sp>
+      <p:sp>
+        <p:nvSpPr>
+          <p:cNvPr id="336" name="Line 9"/>
+          <p:cNvSpPr/>
+          <p:nvPr/>
+        </p:nvSpPr>
+        <p:spPr>
+          <a:xfrm flipV="1">
+            <a:off x="7662600" y="2994120"/>
+            <a:ext cx="168840" cy="550080"/>
+          </a:xfrm>
+          <a:prstGeom prst="line">
+            <a:avLst/>
+          </a:prstGeom>
+          <a:ln w="12600">
+            <a:solidFill>
+              <a:schemeClr val="tx1"/>
+            </a:solidFill>
+          </a:ln>
+        </p:spPr>
+        <p:style>
+          <a:lnRef idx="1">
+            <a:schemeClr val="accent1"/>
+          </a:lnRef>
+          <a:fillRef idx="0">
+            <a:schemeClr val="accent1"/>
+          </a:fillRef>
+          <a:effectRef idx="0">
+            <a:schemeClr val="accent1"/>
+          </a:effectRef>
+          <a:fontRef idx="minor"/>
+        </p:style>
+      </p:sp>
+      <p:sp>
+        <p:nvSpPr>
+          <p:cNvPr id="337" name="Line 10"/>
+          <p:cNvSpPr/>
+          <p:nvPr/>
+        </p:nvSpPr>
+        <p:spPr>
+          <a:xfrm>
+            <a:off x="7831440" y="3003120"/>
+            <a:ext cx="264600" cy="0"/>
+          </a:xfrm>
+          <a:prstGeom prst="line">
+            <a:avLst/>
+          </a:prstGeom>
+          <a:ln w="12600">
+            <a:solidFill>
+              <a:schemeClr val="tx1"/>
+            </a:solidFill>
+          </a:ln>
+        </p:spPr>
+        <p:style>
+          <a:lnRef idx="1">
+            <a:schemeClr val="accent1"/>
+          </a:lnRef>
+          <a:fillRef idx="0">
+            <a:schemeClr val="accent1"/>
+          </a:fillRef>
+          <a:effectRef idx="0">
+            <a:schemeClr val="accent1"/>
+          </a:effectRef>
+          <a:fontRef idx="minor"/>
+        </p:style>
+      </p:sp>
+      <p:sp>
+        <p:nvSpPr>
+          <p:cNvPr id="338" name="CustomShape 11"/>
+          <p:cNvSpPr/>
+          <p:nvPr/>
+        </p:nvSpPr>
+        <p:spPr>
+          <a:xfrm rot="5400000">
+            <a:off x="5586480" y="3126240"/>
+            <a:ext cx="885240" cy="835920"/>
+          </a:xfrm>
+          <a:prstGeom prst="blockArc">
+            <a:avLst>
+              <a:gd name="adj1" fmla="val 18940121"/>
+              <a:gd name="adj2" fmla="val 21480308"/>
+              <a:gd name="adj3" fmla="val 0"/>
+            </a:avLst>
+          </a:prstGeom>
+          <a:solidFill>
+            <a:schemeClr val="tx1"/>
+          </a:solidFill>
+          <a:ln>
+            <a:solidFill>
+              <a:schemeClr val="tx1"/>
+            </a:solidFill>
+          </a:ln>
+        </p:spPr>
+        <p:style>
+          <a:lnRef idx="2">
+            <a:schemeClr val="accent1">
+              <a:shade val="50000"/>
+            </a:schemeClr>
+          </a:lnRef>
+          <a:fillRef idx="1">
+            <a:schemeClr val="accent1"/>
+          </a:fillRef>
+          <a:effectRef idx="0">
+            <a:schemeClr val="accent1"/>
+          </a:effectRef>
+          <a:fontRef idx="minor"/>
+        </p:style>
+      </p:sp>
+      <p:sp>
+        <p:nvSpPr>
+          <p:cNvPr id="339" name="CustomShape 12"/>
+          <p:cNvSpPr/>
+          <p:nvPr/>
+        </p:nvSpPr>
+        <p:spPr>
+          <a:xfrm>
+            <a:off x="6042240" y="3945600"/>
+            <a:ext cx="524880" cy="346320"/>
+          </a:xfrm>
+          <a:prstGeom prst="rect">
+            <a:avLst/>
+          </a:prstGeom>
+          <a:noFill/>
+          <a:ln>
+            <a:noFill/>
+          </a:ln>
+        </p:spPr>
+        <p:style>
+          <a:lnRef idx="0"/>
+          <a:fillRef idx="0"/>
+          <a:effectRef idx="0"/>
+          <a:fontRef idx="minor"/>
+        </p:style>
+        <p:txBody>
+          <a:bodyPr lIns="36000" rIns="36000" tIns="36000" bIns="36000">
+            <a:spAutoFit/>
+          </a:bodyPr>
+          <a:p>
+            <a:pPr algn="ctr">
+              <a:lnSpc>
+                <a:spcPct val="100000"/>
+              </a:lnSpc>
+            </a:pPr>
+            <a:r>
+              <a:rPr b="0" lang="en-US" sz="1800" spc="-1" strike="noStrike">
+                <a:solidFill>
+                  <a:srgbClr val="000000"/>
+                </a:solidFill>
+                <a:latin typeface="Arial"/>
+                <a:ea typeface="DejaVu Sans"/>
+              </a:rPr>
+              <a:t>45˚</a:t>
+            </a:r>
+            <a:endParaRPr b="0" lang="en-US" sz="1800" spc="-1" strike="noStrike">
               <a:latin typeface="Arial"/>
             </a:endParaRPr>
           </a:p>
@@ -10748,14 +10585,14 @@
       </p:grpSpPr>
       <p:sp>
         <p:nvSpPr>
-          <p:cNvPr id="73" name="CustomShape 1"/>
+          <p:cNvPr id="70" name="CustomShape 1"/>
           <p:cNvSpPr/>
           <p:nvPr/>
         </p:nvSpPr>
         <p:spPr>
           <a:xfrm flipV="1">
-            <a:off x="1295280" y="3575160"/>
-            <a:ext cx="9415440" cy="28440"/>
+            <a:off x="1295280" y="3574800"/>
+            <a:ext cx="9415080" cy="28080"/>
           </a:xfrm>
           <a:custGeom>
             <a:avLst/>
@@ -10796,14 +10633,14 @@
       </p:sp>
       <p:sp>
         <p:nvSpPr>
-          <p:cNvPr id="74" name="CustomShape 2"/>
+          <p:cNvPr id="71" name="CustomShape 2"/>
           <p:cNvSpPr/>
           <p:nvPr/>
         </p:nvSpPr>
         <p:spPr>
           <a:xfrm>
             <a:off x="2193840" y="2425680"/>
-            <a:ext cx="4135320" cy="2319480"/>
+            <a:ext cx="4134960" cy="2319120"/>
           </a:xfrm>
           <a:custGeom>
             <a:avLst/>
@@ -10856,14 +10693,14 @@
       </p:sp>
       <p:sp>
         <p:nvSpPr>
-          <p:cNvPr id="75" name="CustomShape 3"/>
+          <p:cNvPr id="72" name="CustomShape 3"/>
           <p:cNvSpPr/>
           <p:nvPr/>
         </p:nvSpPr>
         <p:spPr>
           <a:xfrm>
             <a:off x="2194560" y="2427480"/>
-            <a:ext cx="3729240" cy="2317680"/>
+            <a:ext cx="3728880" cy="2317320"/>
           </a:xfrm>
           <a:custGeom>
             <a:avLst/>
@@ -10916,7 +10753,7 @@
       </p:sp>
       <p:sp>
         <p:nvSpPr>
-          <p:cNvPr id="76" name="Line 4"/>
+          <p:cNvPr id="73" name="Line 4"/>
           <p:cNvSpPr/>
           <p:nvPr/>
         </p:nvSpPr>
@@ -10949,14 +10786,14 @@
       </p:sp>
       <p:sp>
         <p:nvSpPr>
-          <p:cNvPr id="77" name="CustomShape 5"/>
+          <p:cNvPr id="74" name="CustomShape 5"/>
           <p:cNvSpPr/>
           <p:nvPr/>
         </p:nvSpPr>
         <p:spPr>
           <a:xfrm>
             <a:off x="5504040" y="3532320"/>
-            <a:ext cx="103680" cy="103680"/>
+            <a:ext cx="103320" cy="103320"/>
           </a:xfrm>
           <a:prstGeom prst="ellipse">
             <a:avLst/>
@@ -10985,7 +10822,7 @@
       </p:sp>
       <p:sp>
         <p:nvSpPr>
-          <p:cNvPr id="78" name="Line 6"/>
+          <p:cNvPr id="75" name="Line 6"/>
           <p:cNvSpPr/>
           <p:nvPr/>
         </p:nvSpPr>
@@ -11018,14 +10855,14 @@
       </p:sp>
       <p:sp>
         <p:nvSpPr>
-          <p:cNvPr id="79" name="CustomShape 7"/>
+          <p:cNvPr id="76" name="CustomShape 7"/>
           <p:cNvSpPr/>
           <p:nvPr/>
         </p:nvSpPr>
         <p:spPr>
           <a:xfrm flipH="1">
             <a:off x="7259040" y="2425680"/>
-            <a:ext cx="3712680" cy="2295720"/>
+            <a:ext cx="3712320" cy="2295360"/>
           </a:xfrm>
           <a:custGeom>
             <a:avLst/>
@@ -11078,7 +10915,7 @@
       </p:sp>
       <p:sp>
         <p:nvSpPr>
-          <p:cNvPr id="80" name="Line 8"/>
+          <p:cNvPr id="77" name="Line 8"/>
           <p:cNvSpPr/>
           <p:nvPr/>
         </p:nvSpPr>
@@ -11111,7 +10948,7 @@
       </p:sp>
       <p:sp>
         <p:nvSpPr>
-          <p:cNvPr id="81" name="Line 9"/>
+          <p:cNvPr id="78" name="Line 9"/>
           <p:cNvSpPr/>
           <p:nvPr/>
         </p:nvSpPr>
@@ -11144,7 +10981,7 @@
       </p:sp>
       <p:sp>
         <p:nvSpPr>
-          <p:cNvPr id="82" name="Line 10"/>
+          <p:cNvPr id="79" name="Line 10"/>
           <p:cNvSpPr/>
           <p:nvPr/>
         </p:nvSpPr>
@@ -11177,7 +11014,7 @@
       </p:sp>
       <p:sp>
         <p:nvSpPr>
-          <p:cNvPr id="83" name="Line 11"/>
+          <p:cNvPr id="80" name="Line 11"/>
           <p:cNvSpPr/>
           <p:nvPr/>
         </p:nvSpPr>
@@ -11210,7 +11047,7 @@
       </p:sp>
       <p:sp>
         <p:nvSpPr>
-          <p:cNvPr id="84" name="Line 12"/>
+          <p:cNvPr id="81" name="Line 12"/>
           <p:cNvSpPr/>
           <p:nvPr/>
         </p:nvSpPr>
@@ -11243,7 +11080,7 @@
       </p:sp>
       <p:sp>
         <p:nvSpPr>
-          <p:cNvPr id="85" name="Line 13"/>
+          <p:cNvPr id="82" name="Line 13"/>
           <p:cNvSpPr/>
           <p:nvPr/>
         </p:nvSpPr>
@@ -11276,7 +11113,7 @@
       </p:sp>
       <p:sp>
         <p:nvSpPr>
-          <p:cNvPr id="86" name="Line 14"/>
+          <p:cNvPr id="83" name="Line 14"/>
           <p:cNvSpPr/>
           <p:nvPr/>
         </p:nvSpPr>
@@ -11309,7 +11146,7 @@
       </p:sp>
       <p:sp>
         <p:nvSpPr>
-          <p:cNvPr id="87" name="Line 15"/>
+          <p:cNvPr id="84" name="Line 15"/>
           <p:cNvSpPr/>
           <p:nvPr/>
         </p:nvSpPr>
@@ -11342,7 +11179,7 @@
       </p:sp>
       <p:sp>
         <p:nvSpPr>
-          <p:cNvPr id="88" name="Line 16"/>
+          <p:cNvPr id="85" name="Line 16"/>
           <p:cNvSpPr/>
           <p:nvPr/>
         </p:nvSpPr>
@@ -11375,7 +11212,7 @@
       </p:sp>
       <p:sp>
         <p:nvSpPr>
-          <p:cNvPr id="89" name="Line 17"/>
+          <p:cNvPr id="86" name="Line 17"/>
           <p:cNvSpPr/>
           <p:nvPr/>
         </p:nvSpPr>
@@ -11408,7 +11245,7 @@
       </p:sp>
       <p:sp>
         <p:nvSpPr>
-          <p:cNvPr id="90" name="Line 18"/>
+          <p:cNvPr id="87" name="Line 18"/>
           <p:cNvSpPr/>
           <p:nvPr/>
         </p:nvSpPr>
@@ -11441,7 +11278,7 @@
       </p:sp>
       <p:sp>
         <p:nvSpPr>
-          <p:cNvPr id="91" name="Line 19"/>
+          <p:cNvPr id="88" name="Line 19"/>
           <p:cNvSpPr/>
           <p:nvPr/>
         </p:nvSpPr>
@@ -11474,7 +11311,7 @@
       </p:sp>
       <p:sp>
         <p:nvSpPr>
-          <p:cNvPr id="92" name="Line 20"/>
+          <p:cNvPr id="89" name="Line 20"/>
           <p:cNvSpPr/>
           <p:nvPr/>
         </p:nvSpPr>
@@ -11507,7 +11344,7 @@
       </p:sp>
       <p:sp>
         <p:nvSpPr>
-          <p:cNvPr id="93" name="Line 21"/>
+          <p:cNvPr id="90" name="Line 21"/>
           <p:cNvSpPr/>
           <p:nvPr/>
         </p:nvSpPr>
@@ -11540,14 +11377,14 @@
       </p:sp>
       <p:sp>
         <p:nvSpPr>
-          <p:cNvPr id="94" name="CustomShape 22"/>
+          <p:cNvPr id="91" name="CustomShape 22"/>
           <p:cNvSpPr/>
           <p:nvPr/>
         </p:nvSpPr>
         <p:spPr>
           <a:xfrm flipV="1">
-            <a:off x="3426840" y="4290480"/>
-            <a:ext cx="1400040" cy="269280"/>
+            <a:off x="3426840" y="4289400"/>
+            <a:ext cx="1399680" cy="268920"/>
           </a:xfrm>
           <a:custGeom>
             <a:avLst/>
@@ -11568,7 +11405,7 @@
             </a:pathLst>
           </a:custGeom>
           <a:noFill/>
-          <a:ln w="25560">
+          <a:ln>
             <a:solidFill>
               <a:schemeClr val="accent1">
                 <a:lumMod val="50000"/>
@@ -11593,14 +11430,14 @@
       </p:sp>
       <p:sp>
         <p:nvSpPr>
-          <p:cNvPr id="95" name="CustomShape 23"/>
+          <p:cNvPr id="92" name="CustomShape 23"/>
           <p:cNvSpPr/>
           <p:nvPr/>
         </p:nvSpPr>
         <p:spPr>
           <a:xfrm>
             <a:off x="3400200" y="2598480"/>
-            <a:ext cx="1402200" cy="274320"/>
+            <a:ext cx="1401840" cy="273960"/>
           </a:xfrm>
           <a:custGeom>
             <a:avLst/>
@@ -11621,7 +11458,7 @@
             </a:pathLst>
           </a:custGeom>
           <a:noFill/>
-          <a:ln w="25560">
+          <a:ln>
             <a:solidFill>
               <a:schemeClr val="accent1">
                 <a:lumMod val="50000"/>
@@ -11646,7 +11483,7 @@
       </p:sp>
       <p:sp>
         <p:nvSpPr>
-          <p:cNvPr id="96" name="Line 24"/>
+          <p:cNvPr id="93" name="Line 24"/>
           <p:cNvSpPr/>
           <p:nvPr/>
         </p:nvSpPr>
@@ -11679,7 +11516,7 @@
       </p:sp>
       <p:sp>
         <p:nvSpPr>
-          <p:cNvPr id="97" name="Line 25"/>
+          <p:cNvPr id="94" name="Line 25"/>
           <p:cNvSpPr/>
           <p:nvPr/>
         </p:nvSpPr>
@@ -11712,14 +11549,14 @@
       </p:sp>
       <p:sp>
         <p:nvSpPr>
-          <p:cNvPr id="98" name="CustomShape 26"/>
+          <p:cNvPr id="95" name="CustomShape 26"/>
           <p:cNvSpPr/>
           <p:nvPr/>
         </p:nvSpPr>
         <p:spPr>
           <a:xfrm flipV="1">
             <a:off x="4312440" y="3897720"/>
-            <a:ext cx="1100880" cy="368280"/>
+            <a:ext cx="1100520" cy="367920"/>
           </a:xfrm>
           <a:custGeom>
             <a:avLst/>
@@ -11740,7 +11577,7 @@
             </a:pathLst>
           </a:custGeom>
           <a:noFill/>
-          <a:ln w="25560">
+          <a:ln>
             <a:solidFill>
               <a:schemeClr val="accent1">
                 <a:lumMod val="50000"/>
@@ -11765,14 +11602,14 @@
       </p:sp>
       <p:sp>
         <p:nvSpPr>
-          <p:cNvPr id="99" name="CustomShape 27"/>
+          <p:cNvPr id="96" name="CustomShape 27"/>
           <p:cNvSpPr/>
           <p:nvPr/>
         </p:nvSpPr>
         <p:spPr>
           <a:xfrm>
             <a:off x="4312440" y="2905560"/>
-            <a:ext cx="1100880" cy="371880"/>
+            <a:ext cx="1100520" cy="371520"/>
           </a:xfrm>
           <a:custGeom>
             <a:avLst/>
@@ -11793,7 +11630,7 @@
             </a:pathLst>
           </a:custGeom>
           <a:noFill/>
-          <a:ln w="25560">
+          <a:ln>
             <a:solidFill>
               <a:schemeClr val="accent1">
                 <a:lumMod val="50000"/>
@@ -11818,14 +11655,14 @@
       </p:sp>
       <p:sp>
         <p:nvSpPr>
-          <p:cNvPr id="100" name="CustomShape 28"/>
+          <p:cNvPr id="97" name="CustomShape 28"/>
           <p:cNvSpPr/>
           <p:nvPr/>
         </p:nvSpPr>
         <p:spPr>
           <a:xfrm>
             <a:off x="7624800" y="3536640"/>
-            <a:ext cx="91440" cy="91440"/>
+            <a:ext cx="91080" cy="91080"/>
           </a:xfrm>
           <a:prstGeom prst="ellipse">
             <a:avLst/>
@@ -11884,14 +11721,14 @@
       </p:grpSpPr>
       <p:sp>
         <p:nvSpPr>
-          <p:cNvPr id="101" name="CustomShape 1"/>
+          <p:cNvPr id="98" name="CustomShape 1"/>
           <p:cNvSpPr/>
           <p:nvPr/>
         </p:nvSpPr>
         <p:spPr>
           <a:xfrm>
             <a:off x="1295280" y="3605040"/>
-            <a:ext cx="9459000" cy="360"/>
+            <a:ext cx="9458640" cy="360"/>
           </a:xfrm>
           <a:custGeom>
             <a:avLst/>
@@ -11932,14 +11769,14 @@
       </p:sp>
       <p:sp>
         <p:nvSpPr>
-          <p:cNvPr id="102" name="CustomShape 2"/>
+          <p:cNvPr id="99" name="CustomShape 2"/>
           <p:cNvSpPr/>
           <p:nvPr/>
         </p:nvSpPr>
         <p:spPr>
           <a:xfrm flipH="1">
             <a:off x="2777400" y="1778400"/>
-            <a:ext cx="5690520" cy="3637080"/>
+            <a:ext cx="5690160" cy="3636720"/>
           </a:xfrm>
           <a:custGeom>
             <a:avLst/>
@@ -11992,14 +11829,14 @@
       </p:sp>
       <p:sp>
         <p:nvSpPr>
-          <p:cNvPr id="103" name="CustomShape 3"/>
+          <p:cNvPr id="100" name="CustomShape 3"/>
           <p:cNvSpPr/>
           <p:nvPr/>
         </p:nvSpPr>
         <p:spPr>
           <a:xfrm>
             <a:off x="3531240" y="3558240"/>
-            <a:ext cx="91440" cy="91440"/>
+            <a:ext cx="91080" cy="91080"/>
           </a:xfrm>
           <a:prstGeom prst="ellipse">
             <a:avLst/>
@@ -12028,7 +11865,7 @@
       </p:sp>
       <p:sp>
         <p:nvSpPr>
-          <p:cNvPr id="104" name="Line 4"/>
+          <p:cNvPr id="101" name="Line 4"/>
           <p:cNvSpPr/>
           <p:nvPr/>
         </p:nvSpPr>
@@ -12061,14 +11898,14 @@
       </p:sp>
       <p:sp>
         <p:nvSpPr>
-          <p:cNvPr id="105" name="CustomShape 5"/>
+          <p:cNvPr id="102" name="CustomShape 5"/>
           <p:cNvSpPr/>
           <p:nvPr/>
         </p:nvSpPr>
         <p:spPr>
           <a:xfrm>
             <a:off x="1873800" y="1887480"/>
-            <a:ext cx="7977600" cy="3393720"/>
+            <a:ext cx="7977240" cy="3393360"/>
           </a:xfrm>
           <a:prstGeom prst="ellipse">
             <a:avLst/>
@@ -12101,7 +11938,7 @@
       </p:sp>
       <p:sp>
         <p:nvSpPr>
-          <p:cNvPr id="106" name="Line 6"/>
+          <p:cNvPr id="103" name="Line 6"/>
           <p:cNvSpPr/>
           <p:nvPr/>
         </p:nvSpPr>
@@ -12134,7 +11971,7 @@
       </p:sp>
       <p:sp>
         <p:nvSpPr>
-          <p:cNvPr id="107" name="Line 7"/>
+          <p:cNvPr id="104" name="Line 7"/>
           <p:cNvSpPr/>
           <p:nvPr/>
         </p:nvSpPr>
@@ -12167,7 +12004,7 @@
       </p:sp>
       <p:sp>
         <p:nvSpPr>
-          <p:cNvPr id="108" name="Line 8"/>
+          <p:cNvPr id="105" name="Line 8"/>
           <p:cNvSpPr/>
           <p:nvPr/>
         </p:nvSpPr>
@@ -12200,7 +12037,7 @@
       </p:sp>
       <p:sp>
         <p:nvSpPr>
-          <p:cNvPr id="109" name="Line 9"/>
+          <p:cNvPr id="106" name="Line 9"/>
           <p:cNvSpPr/>
           <p:nvPr/>
         </p:nvSpPr>
@@ -12233,7 +12070,7 @@
       </p:sp>
       <p:sp>
         <p:nvSpPr>
-          <p:cNvPr id="110" name="Line 10"/>
+          <p:cNvPr id="107" name="Line 10"/>
           <p:cNvSpPr/>
           <p:nvPr/>
         </p:nvSpPr>
@@ -12266,7 +12103,7 @@
       </p:sp>
       <p:sp>
         <p:nvSpPr>
-          <p:cNvPr id="111" name="Line 11"/>
+          <p:cNvPr id="108" name="Line 11"/>
           <p:cNvSpPr/>
           <p:nvPr/>
         </p:nvSpPr>
@@ -12299,7 +12136,7 @@
       </p:sp>
       <p:sp>
         <p:nvSpPr>
-          <p:cNvPr id="112" name="Line 12"/>
+          <p:cNvPr id="109" name="Line 12"/>
           <p:cNvSpPr/>
           <p:nvPr/>
         </p:nvSpPr>
@@ -12332,7 +12169,7 @@
       </p:sp>
       <p:sp>
         <p:nvSpPr>
-          <p:cNvPr id="113" name="Line 13"/>
+          <p:cNvPr id="110" name="Line 13"/>
           <p:cNvSpPr/>
           <p:nvPr/>
         </p:nvSpPr>
@@ -12365,7 +12202,7 @@
       </p:sp>
       <p:sp>
         <p:nvSpPr>
-          <p:cNvPr id="114" name="Line 14"/>
+          <p:cNvPr id="111" name="Line 14"/>
           <p:cNvSpPr/>
           <p:nvPr/>
         </p:nvSpPr>
@@ -12398,7 +12235,7 @@
       </p:sp>
       <p:sp>
         <p:nvSpPr>
-          <p:cNvPr id="115" name="Line 15"/>
+          <p:cNvPr id="112" name="Line 15"/>
           <p:cNvSpPr/>
           <p:nvPr/>
         </p:nvSpPr>
@@ -12431,7 +12268,7 @@
       </p:sp>
       <p:sp>
         <p:nvSpPr>
-          <p:cNvPr id="116" name="Line 16"/>
+          <p:cNvPr id="113" name="Line 16"/>
           <p:cNvSpPr/>
           <p:nvPr/>
         </p:nvSpPr>
@@ -12464,7 +12301,7 @@
       </p:sp>
       <p:sp>
         <p:nvSpPr>
-          <p:cNvPr id="117" name="Line 17"/>
+          <p:cNvPr id="114" name="Line 17"/>
           <p:cNvSpPr/>
           <p:nvPr/>
         </p:nvSpPr>
@@ -12497,7 +12334,7 @@
       </p:sp>
       <p:sp>
         <p:nvSpPr>
-          <p:cNvPr id="118" name="Line 18"/>
+          <p:cNvPr id="115" name="Line 18"/>
           <p:cNvSpPr/>
           <p:nvPr/>
         </p:nvSpPr>
@@ -12530,7 +12367,7 @@
       </p:sp>
       <p:sp>
         <p:nvSpPr>
-          <p:cNvPr id="119" name="Line 19"/>
+          <p:cNvPr id="116" name="Line 19"/>
           <p:cNvSpPr/>
           <p:nvPr/>
         </p:nvSpPr>
@@ -12563,7 +12400,7 @@
       </p:sp>
       <p:sp>
         <p:nvSpPr>
-          <p:cNvPr id="120" name="Line 20"/>
+          <p:cNvPr id="117" name="Line 20"/>
           <p:cNvSpPr/>
           <p:nvPr/>
         </p:nvSpPr>
@@ -12596,7 +12433,7 @@
       </p:sp>
       <p:sp>
         <p:nvSpPr>
-          <p:cNvPr id="121" name="Line 21"/>
+          <p:cNvPr id="118" name="Line 21"/>
           <p:cNvSpPr/>
           <p:nvPr/>
         </p:nvSpPr>
@@ -12629,7 +12466,7 @@
       </p:sp>
       <p:sp>
         <p:nvSpPr>
-          <p:cNvPr id="122" name="Line 22"/>
+          <p:cNvPr id="119" name="Line 22"/>
           <p:cNvSpPr/>
           <p:nvPr/>
         </p:nvSpPr>
@@ -12662,14 +12499,14 @@
       </p:sp>
       <p:sp>
         <p:nvSpPr>
-          <p:cNvPr id="123" name="CustomShape 23"/>
+          <p:cNvPr id="120" name="CustomShape 23"/>
           <p:cNvSpPr/>
           <p:nvPr/>
         </p:nvSpPr>
         <p:spPr>
           <a:xfrm>
             <a:off x="8305920" y="3559680"/>
-            <a:ext cx="91440" cy="91440"/>
+            <a:ext cx="91080" cy="91080"/>
           </a:xfrm>
           <a:prstGeom prst="ellipse">
             <a:avLst/>
@@ -12698,14 +12535,14 @@
       </p:sp>
       <p:sp>
         <p:nvSpPr>
-          <p:cNvPr id="124" name="CustomShape 24"/>
+          <p:cNvPr id="121" name="CustomShape 24"/>
           <p:cNvSpPr/>
           <p:nvPr/>
         </p:nvSpPr>
         <p:spPr>
           <a:xfrm flipH="1" flipV="1">
-            <a:off x="4104360" y="5114880"/>
-            <a:ext cx="1507680" cy="165600"/>
+            <a:off x="4103640" y="5114160"/>
+            <a:ext cx="1507320" cy="165240"/>
           </a:xfrm>
           <a:custGeom>
             <a:avLst/>
@@ -12726,7 +12563,7 @@
             </a:pathLst>
           </a:custGeom>
           <a:noFill/>
-          <a:ln w="25560">
+          <a:ln>
             <a:solidFill>
               <a:schemeClr val="accent1">
                 <a:lumMod val="50000"/>
@@ -12751,14 +12588,14 @@
       </p:sp>
       <p:sp>
         <p:nvSpPr>
-          <p:cNvPr id="125" name="CustomShape 25"/>
+          <p:cNvPr id="122" name="CustomShape 25"/>
           <p:cNvSpPr/>
           <p:nvPr/>
         </p:nvSpPr>
         <p:spPr>
           <a:xfrm flipH="1">
-            <a:off x="4104360" y="1888920"/>
-            <a:ext cx="1507680" cy="178560"/>
+            <a:off x="4103640" y="1888920"/>
+            <a:ext cx="1507320" cy="178200"/>
           </a:xfrm>
           <a:custGeom>
             <a:avLst/>
@@ -12779,7 +12616,7 @@
             </a:pathLst>
           </a:custGeom>
           <a:noFill/>
-          <a:ln w="25560">
+          <a:ln>
             <a:solidFill>
               <a:schemeClr val="accent1">
                 <a:lumMod val="50000"/>
@@ -12804,14 +12641,14 @@
       </p:sp>
       <p:sp>
         <p:nvSpPr>
-          <p:cNvPr id="126" name="CustomShape 26"/>
+          <p:cNvPr id="123" name="CustomShape 26"/>
           <p:cNvSpPr/>
           <p:nvPr/>
         </p:nvSpPr>
         <p:spPr>
           <a:xfrm flipH="1">
             <a:off x="3801600" y="2495880"/>
-            <a:ext cx="999720" cy="315360"/>
+            <a:ext cx="999360" cy="315000"/>
           </a:xfrm>
           <a:custGeom>
             <a:avLst/>
@@ -12832,7 +12669,7 @@
             </a:pathLst>
           </a:custGeom>
           <a:noFill/>
-          <a:ln w="25560">
+          <a:ln>
             <a:solidFill>
               <a:schemeClr val="accent1">
                 <a:lumMod val="50000"/>
@@ -12857,14 +12694,14 @@
       </p:sp>
       <p:sp>
         <p:nvSpPr>
-          <p:cNvPr id="127" name="CustomShape 27"/>
+          <p:cNvPr id="124" name="CustomShape 27"/>
           <p:cNvSpPr/>
           <p:nvPr/>
         </p:nvSpPr>
         <p:spPr>
           <a:xfrm flipH="1" flipV="1">
             <a:off x="3801600" y="4358520"/>
-            <a:ext cx="1071000" cy="338760"/>
+            <a:ext cx="1070640" cy="338400"/>
           </a:xfrm>
           <a:custGeom>
             <a:avLst/>
@@ -12885,7 +12722,7 @@
             </a:pathLst>
           </a:custGeom>
           <a:noFill/>
-          <a:ln w="25560">
+          <a:ln>
             <a:solidFill>
               <a:schemeClr val="accent1">
                 <a:lumMod val="50000"/>
@@ -12940,7 +12777,7 @@
       </p:grpSpPr>
       <p:pic>
         <p:nvPicPr>
-          <p:cNvPr id="128" name="図 4" descr="グラフ&#10;&#10;自動的に生成された説明"/>
+          <p:cNvPr id="125" name="図 4" descr="グラフ&#10;&#10;自動的に生成された説明"/>
           <p:cNvPicPr/>
           <p:nvPr/>
         </p:nvPicPr>
@@ -12951,7 +12788,7 @@
         <p:spPr>
           <a:xfrm>
             <a:off x="2201040" y="1610640"/>
-            <a:ext cx="3633120" cy="3663000"/>
+            <a:ext cx="3632760" cy="3662640"/>
           </a:xfrm>
           <a:prstGeom prst="rect">
             <a:avLst/>
@@ -12963,7 +12800,7 @@
       </p:pic>
       <p:pic>
         <p:nvPicPr>
-          <p:cNvPr id="129" name="図 6" descr="障子, 建物, 公共, 座る が含まれている画像&#10;&#10;自動的に生成された説明"/>
+          <p:cNvPr id="126" name="図 6" descr="障子, 建物, 公共, 座る が含まれている画像&#10;&#10;自動的に生成された説明"/>
           <p:cNvPicPr/>
           <p:nvPr/>
         </p:nvPicPr>
@@ -12974,7 +12811,7 @@
         <p:spPr>
           <a:xfrm>
             <a:off x="6425280" y="1610640"/>
-            <a:ext cx="3633120" cy="3663000"/>
+            <a:ext cx="3632760" cy="3662640"/>
           </a:xfrm>
           <a:prstGeom prst="rect">
             <a:avLst/>
@@ -12986,14 +12823,14 @@
       </p:pic>
       <p:sp>
         <p:nvSpPr>
-          <p:cNvPr id="130" name="CustomShape 1"/>
+          <p:cNvPr id="127" name="CustomShape 1"/>
           <p:cNvSpPr/>
           <p:nvPr/>
         </p:nvSpPr>
         <p:spPr>
           <a:xfrm>
             <a:off x="1677240" y="1682280"/>
-            <a:ext cx="357840" cy="3504960"/>
+            <a:ext cx="357480" cy="3504600"/>
           </a:xfrm>
           <a:prstGeom prst="leftBrace">
             <a:avLst>
@@ -13023,7 +12860,7 @@
       </p:sp>
       <p:sp>
         <p:nvSpPr>
-          <p:cNvPr id="131" name="CustomShape 2"/>
+          <p:cNvPr id="128" name="CustomShape 2"/>
           <p:cNvSpPr/>
           <p:nvPr/>
         </p:nvSpPr>
@@ -13064,6 +12901,7 @@
                   <a:srgbClr val="000000"/>
                 </a:solidFill>
                 <a:latin typeface="游ゴシック"/>
+                <a:ea typeface="DejaVu Sans"/>
               </a:rPr>
               <a:t>N</a:t>
             </a:r>
@@ -13075,14 +12913,14 @@
       </p:sp>
       <p:sp>
         <p:nvSpPr>
-          <p:cNvPr id="132" name="CustomShape 3"/>
+          <p:cNvPr id="129" name="CustomShape 3"/>
           <p:cNvSpPr/>
           <p:nvPr/>
         </p:nvSpPr>
         <p:spPr>
           <a:xfrm rot="5400000">
-            <a:off x="3839040" y="-424440"/>
-            <a:ext cx="357840" cy="3504960"/>
+            <a:off x="3839400" y="-424440"/>
+            <a:ext cx="357480" cy="3504600"/>
           </a:xfrm>
           <a:prstGeom prst="leftBrace">
             <a:avLst>
@@ -13112,7 +12950,7 @@
       </p:sp>
       <p:sp>
         <p:nvSpPr>
-          <p:cNvPr id="133" name="CustomShape 4"/>
+          <p:cNvPr id="130" name="CustomShape 4"/>
           <p:cNvSpPr/>
           <p:nvPr/>
         </p:nvSpPr>
@@ -13153,6 +12991,7 @@
                   <a:srgbClr val="000000"/>
                 </a:solidFill>
                 <a:latin typeface="游ゴシック"/>
+                <a:ea typeface="DejaVu Sans"/>
               </a:rPr>
               <a:t>N</a:t>
             </a:r>
@@ -13164,14 +13003,14 @@
       </p:sp>
       <p:sp>
         <p:nvSpPr>
-          <p:cNvPr id="134" name="CustomShape 5"/>
+          <p:cNvPr id="131" name="CustomShape 5"/>
           <p:cNvSpPr/>
           <p:nvPr/>
         </p:nvSpPr>
         <p:spPr>
           <a:xfrm>
             <a:off x="3292920" y="3115440"/>
-            <a:ext cx="1449720" cy="653400"/>
+            <a:ext cx="1449360" cy="653040"/>
           </a:xfrm>
           <a:prstGeom prst="roundRect">
             <a:avLst>
@@ -13210,7 +13049,7 @@
               </a:lnSpc>
             </a:pPr>
             <a:r>
-              <a:rPr b="1" lang="ja-JP" sz="4800" spc="299" strike="noStrike">
+              <a:rPr b="1" lang="ja-JP" sz="4800" spc="296" strike="noStrike">
                 <a:solidFill>
                   <a:srgbClr val="000000"/>
                 </a:solidFill>
@@ -13227,14 +13066,14 @@
       </p:sp>
       <p:sp>
         <p:nvSpPr>
-          <p:cNvPr id="135" name="CustomShape 6"/>
+          <p:cNvPr id="132" name="CustomShape 6"/>
           <p:cNvSpPr/>
           <p:nvPr/>
         </p:nvSpPr>
         <p:spPr>
           <a:xfrm>
             <a:off x="7516800" y="3107880"/>
-            <a:ext cx="1449720" cy="653400"/>
+            <a:ext cx="1449360" cy="653040"/>
           </a:xfrm>
           <a:prstGeom prst="roundRect">
             <a:avLst>
@@ -13273,7 +13112,7 @@
               </a:lnSpc>
             </a:pPr>
             <a:r>
-              <a:rPr b="1" lang="ja-JP" sz="4800" spc="299" strike="noStrike">
+              <a:rPr b="1" lang="ja-JP" sz="4800" spc="296" strike="noStrike">
                 <a:solidFill>
                   <a:srgbClr val="000000"/>
                 </a:solidFill>
@@ -13290,14 +13129,14 @@
       </p:sp>
       <p:sp>
         <p:nvSpPr>
-          <p:cNvPr id="136" name="CustomShape 7"/>
+          <p:cNvPr id="133" name="CustomShape 7"/>
           <p:cNvSpPr/>
           <p:nvPr/>
         </p:nvSpPr>
         <p:spPr>
           <a:xfrm>
             <a:off x="3573000" y="5274000"/>
-            <a:ext cx="889920" cy="515880"/>
+            <a:ext cx="889920" cy="516240"/>
           </a:xfrm>
           <a:prstGeom prst="rect">
             <a:avLst/>
@@ -13341,14 +13180,14 @@
       </p:sp>
       <p:sp>
         <p:nvSpPr>
-          <p:cNvPr id="137" name="CustomShape 8"/>
+          <p:cNvPr id="134" name="CustomShape 8"/>
           <p:cNvSpPr/>
           <p:nvPr/>
         </p:nvSpPr>
         <p:spPr>
           <a:xfrm>
             <a:off x="7760160" y="5258160"/>
-            <a:ext cx="889920" cy="515880"/>
+            <a:ext cx="889920" cy="516240"/>
           </a:xfrm>
           <a:prstGeom prst="rect">
             <a:avLst/>
@@ -13422,7 +13261,7 @@
       </p:grpSpPr>
       <p:pic>
         <p:nvPicPr>
-          <p:cNvPr id="138" name="図 4" descr="グラフ&#10;&#10;自動的に生成された説明"/>
+          <p:cNvPr id="135" name="図 4" descr="グラフ&#10;&#10;自動的に生成された説明"/>
           <p:cNvPicPr/>
           <p:nvPr/>
         </p:nvPicPr>
@@ -13433,7 +13272,7 @@
         <p:spPr>
           <a:xfrm>
             <a:off x="6604920" y="2478960"/>
-            <a:ext cx="2538720" cy="2559600"/>
+            <a:ext cx="2538360" cy="2559240"/>
           </a:xfrm>
           <a:prstGeom prst="rect">
             <a:avLst/>
@@ -13445,7 +13284,7 @@
       </p:pic>
       <p:pic>
         <p:nvPicPr>
-          <p:cNvPr id="139" name="図 6" descr="障子, 建物, 公共, 座る が含まれている画像&#10;&#10;自動的に生成された説明"/>
+          <p:cNvPr id="136" name="図 6" descr="障子, 建物, 公共, 座る が含まれている画像&#10;&#10;自動的に生成された説明"/>
           <p:cNvPicPr/>
           <p:nvPr/>
         </p:nvPicPr>
@@ -13456,7 +13295,7 @@
         <p:spPr>
           <a:xfrm>
             <a:off x="3227400" y="2481120"/>
-            <a:ext cx="2538720" cy="2559600"/>
+            <a:ext cx="2538360" cy="2559240"/>
           </a:xfrm>
           <a:prstGeom prst="rect">
             <a:avLst/>
@@ -13468,14 +13307,14 @@
       </p:pic>
       <p:sp>
         <p:nvSpPr>
-          <p:cNvPr id="140" name="CustomShape 1"/>
+          <p:cNvPr id="137" name="CustomShape 1"/>
           <p:cNvSpPr/>
           <p:nvPr/>
         </p:nvSpPr>
         <p:spPr>
           <a:xfrm>
             <a:off x="164160" y="2531160"/>
-            <a:ext cx="183960" cy="2449800"/>
+            <a:ext cx="183600" cy="2449440"/>
           </a:xfrm>
           <a:prstGeom prst="leftBrace">
             <a:avLst>
@@ -13505,14 +13344,14 @@
       </p:sp>
       <p:sp>
         <p:nvSpPr>
-          <p:cNvPr id="141" name="CustomShape 2"/>
+          <p:cNvPr id="138" name="CustomShape 2"/>
           <p:cNvSpPr/>
           <p:nvPr/>
         </p:nvSpPr>
         <p:spPr>
           <a:xfrm>
             <a:off x="23400" y="3558960"/>
-            <a:ext cx="393120" cy="455040"/>
+            <a:ext cx="392760" cy="455400"/>
           </a:xfrm>
           <a:prstGeom prst="rect">
             <a:avLst/>
@@ -13546,6 +13385,7 @@
                   <a:srgbClr val="000000"/>
                 </a:solidFill>
                 <a:latin typeface="游ゴシック"/>
+                <a:ea typeface="DejaVu Sans"/>
               </a:rPr>
               <a:t>N</a:t>
             </a:r>
@@ -13557,14 +13397,14 @@
       </p:sp>
       <p:sp>
         <p:nvSpPr>
-          <p:cNvPr id="142" name="CustomShape 3"/>
+          <p:cNvPr id="139" name="CustomShape 3"/>
           <p:cNvSpPr/>
           <p:nvPr/>
         </p:nvSpPr>
         <p:spPr>
           <a:xfrm rot="5400000">
-            <a:off x="1652760" y="1002960"/>
-            <a:ext cx="261000" cy="2484720"/>
+            <a:off x="1653120" y="1002960"/>
+            <a:ext cx="260640" cy="2484360"/>
           </a:xfrm>
           <a:prstGeom prst="leftBrace">
             <a:avLst>
@@ -13594,14 +13434,14 @@
       </p:sp>
       <p:sp>
         <p:nvSpPr>
-          <p:cNvPr id="143" name="CustomShape 4"/>
+          <p:cNvPr id="140" name="CustomShape 4"/>
           <p:cNvSpPr/>
           <p:nvPr/>
         </p:nvSpPr>
         <p:spPr>
           <a:xfrm>
             <a:off x="1554480" y="2011680"/>
-            <a:ext cx="378360" cy="424800"/>
+            <a:ext cx="378000" cy="424800"/>
           </a:xfrm>
           <a:prstGeom prst="rect">
             <a:avLst/>
@@ -13635,6 +13475,7 @@
                   <a:srgbClr val="000000"/>
                 </a:solidFill>
                 <a:latin typeface="游ゴシック"/>
+                <a:ea typeface="DejaVu Sans"/>
               </a:rPr>
               <a:t>N</a:t>
             </a:r>
@@ -13646,14 +13487,14 @@
       </p:sp>
       <p:sp>
         <p:nvSpPr>
-          <p:cNvPr id="144" name="CustomShape 5"/>
+          <p:cNvPr id="141" name="CustomShape 5"/>
           <p:cNvSpPr/>
           <p:nvPr/>
         </p:nvSpPr>
         <p:spPr>
           <a:xfrm>
             <a:off x="7199280" y="3510720"/>
-            <a:ext cx="1340640" cy="477000"/>
+            <a:ext cx="1340280" cy="476640"/>
           </a:xfrm>
           <a:prstGeom prst="roundRect">
             <a:avLst>
@@ -13692,7 +13533,7 @@
               </a:lnSpc>
             </a:pPr>
             <a:r>
-              <a:rPr b="1" lang="ja-JP" sz="4000" spc="299" strike="noStrike">
+              <a:rPr b="1" lang="ja-JP" sz="4000" spc="296" strike="noStrike">
                 <a:solidFill>
                   <a:srgbClr val="000000"/>
                 </a:solidFill>
@@ -13709,14 +13550,14 @@
       </p:sp>
       <p:sp>
         <p:nvSpPr>
-          <p:cNvPr id="145" name="CustomShape 6"/>
+          <p:cNvPr id="142" name="CustomShape 6"/>
           <p:cNvSpPr/>
           <p:nvPr/>
         </p:nvSpPr>
         <p:spPr>
           <a:xfrm>
             <a:off x="3803760" y="3512520"/>
-            <a:ext cx="1361520" cy="477000"/>
+            <a:ext cx="1361160" cy="476640"/>
           </a:xfrm>
           <a:prstGeom prst="roundRect">
             <a:avLst>
@@ -13755,7 +13596,7 @@
               </a:lnSpc>
             </a:pPr>
             <a:r>
-              <a:rPr b="1" lang="ja-JP" sz="4000" spc="299" strike="noStrike">
+              <a:rPr b="1" lang="ja-JP" sz="4000" spc="296" strike="noStrike">
                 <a:solidFill>
                   <a:srgbClr val="000000"/>
                 </a:solidFill>
@@ -13772,14 +13613,14 @@
       </p:sp>
       <p:sp>
         <p:nvSpPr>
-          <p:cNvPr id="146" name="CustomShape 7"/>
+          <p:cNvPr id="143" name="CustomShape 7"/>
           <p:cNvSpPr/>
           <p:nvPr/>
         </p:nvSpPr>
         <p:spPr>
           <a:xfrm>
             <a:off x="7315200" y="5030280"/>
-            <a:ext cx="1115640" cy="394200"/>
+            <a:ext cx="1115280" cy="394560"/>
           </a:xfrm>
           <a:prstGeom prst="rect">
             <a:avLst/>
@@ -13823,14 +13664,14 @@
       </p:sp>
       <p:sp>
         <p:nvSpPr>
-          <p:cNvPr id="147" name="CustomShape 8"/>
+          <p:cNvPr id="144" name="CustomShape 8"/>
           <p:cNvSpPr/>
           <p:nvPr/>
         </p:nvSpPr>
         <p:spPr>
           <a:xfrm>
             <a:off x="4023360" y="5038920"/>
-            <a:ext cx="835560" cy="394200"/>
+            <a:ext cx="835200" cy="394560"/>
           </a:xfrm>
           <a:prstGeom prst="rect">
             <a:avLst/>
@@ -13874,7 +13715,7 @@
       </p:sp>
       <p:pic>
         <p:nvPicPr>
-          <p:cNvPr id="148" name="図 12" descr="障子, 建物, 公共, 座る が含まれている画像&#10;&#10;自動的に生成された説明"/>
+          <p:cNvPr id="145" name="図 12" descr="障子, 建物, 公共, 座る が含まれている画像&#10;&#10;自動的に生成された説明"/>
           <p:cNvPicPr/>
           <p:nvPr/>
         </p:nvPicPr>
@@ -13885,7 +13726,7 @@
         <p:spPr>
           <a:xfrm>
             <a:off x="9318600" y="2478960"/>
-            <a:ext cx="2538720" cy="2559600"/>
+            <a:ext cx="2538360" cy="2559240"/>
           </a:xfrm>
           <a:prstGeom prst="rect">
             <a:avLst/>
@@ -13897,14 +13738,14 @@
       </p:pic>
       <p:sp>
         <p:nvSpPr>
-          <p:cNvPr id="149" name="CustomShape 9"/>
+          <p:cNvPr id="146" name="CustomShape 9"/>
           <p:cNvSpPr/>
           <p:nvPr/>
         </p:nvSpPr>
         <p:spPr>
           <a:xfrm>
             <a:off x="9882000" y="3511440"/>
-            <a:ext cx="1488240" cy="477000"/>
+            <a:ext cx="1487880" cy="476640"/>
           </a:xfrm>
           <a:prstGeom prst="roundRect">
             <a:avLst>
@@ -13943,7 +13784,7 @@
               </a:lnSpc>
             </a:pPr>
             <a:r>
-              <a:rPr b="1" lang="ja-JP" sz="4000" spc="299" strike="noStrike">
+              <a:rPr b="1" lang="ja-JP" sz="4000" spc="296" strike="noStrike">
                 <a:solidFill>
                   <a:srgbClr val="000000"/>
                 </a:solidFill>
@@ -13960,14 +13801,14 @@
       </p:sp>
       <p:sp>
         <p:nvSpPr>
-          <p:cNvPr id="150" name="CustomShape 10"/>
+          <p:cNvPr id="147" name="CustomShape 10"/>
           <p:cNvSpPr/>
           <p:nvPr/>
         </p:nvSpPr>
         <p:spPr>
           <a:xfrm>
             <a:off x="1287360" y="5038920"/>
-            <a:ext cx="907200" cy="394200"/>
+            <a:ext cx="906840" cy="394560"/>
           </a:xfrm>
           <a:prstGeom prst="rect">
             <a:avLst/>
@@ -14011,14 +13852,14 @@
       </p:sp>
       <p:sp>
         <p:nvSpPr>
-          <p:cNvPr id="151" name="CustomShape 11"/>
+          <p:cNvPr id="148" name="CustomShape 11"/>
           <p:cNvSpPr/>
           <p:nvPr/>
         </p:nvSpPr>
         <p:spPr>
           <a:xfrm>
             <a:off x="10149840" y="5030280"/>
-            <a:ext cx="962280" cy="394200"/>
+            <a:ext cx="961920" cy="394560"/>
           </a:xfrm>
           <a:prstGeom prst="rect">
             <a:avLst/>
@@ -14062,7 +13903,7 @@
       </p:sp>
       <p:pic>
         <p:nvPicPr>
-          <p:cNvPr id="152" name="図 25" descr="障子, 建物, 公共, 座る が含まれている画像&#10;&#10;自動的に生成された説明"/>
+          <p:cNvPr id="149" name="図 25" descr="障子, 建物, 公共, 座る が含まれている画像&#10;&#10;自動的に生成された説明"/>
           <p:cNvPicPr/>
           <p:nvPr/>
         </p:nvPicPr>
@@ -14073,7 +13914,7 @@
         <p:spPr>
           <a:xfrm>
             <a:off x="513720" y="2478960"/>
-            <a:ext cx="2538720" cy="2559600"/>
+            <a:ext cx="2538360" cy="2559240"/>
           </a:xfrm>
           <a:prstGeom prst="rect">
             <a:avLst/>
@@ -14085,14 +13926,14 @@
       </p:pic>
       <p:sp>
         <p:nvSpPr>
-          <p:cNvPr id="153" name="CustomShape 12"/>
+          <p:cNvPr id="150" name="CustomShape 12"/>
           <p:cNvSpPr/>
           <p:nvPr/>
         </p:nvSpPr>
         <p:spPr>
           <a:xfrm>
             <a:off x="1062000" y="3566160"/>
-            <a:ext cx="1442880" cy="406800"/>
+            <a:ext cx="1442520" cy="406440"/>
           </a:xfrm>
           <a:prstGeom prst="roundRect">
             <a:avLst>
@@ -14131,7 +13972,7 @@
               </a:lnSpc>
             </a:pPr>
             <a:r>
-              <a:rPr b="1" lang="ja-JP" sz="4400" spc="299" strike="noStrike">
+              <a:rPr b="1" lang="ja-JP" sz="4400" spc="296" strike="noStrike">
                 <a:solidFill>
                   <a:srgbClr val="000000"/>
                 </a:solidFill>
@@ -14148,14 +13989,14 @@
       </p:sp>
       <p:sp>
         <p:nvSpPr>
-          <p:cNvPr id="154" name="CustomShape 13"/>
+          <p:cNvPr id="151" name="CustomShape 13"/>
           <p:cNvSpPr/>
           <p:nvPr/>
         </p:nvSpPr>
         <p:spPr>
           <a:xfrm rot="10800000">
-            <a:off x="5869440" y="3786120"/>
-            <a:ext cx="618840" cy="197280"/>
+            <a:off x="5869800" y="3786480"/>
+            <a:ext cx="618480" cy="196920"/>
           </a:xfrm>
           <a:prstGeom prst="rightArrow">
             <a:avLst>
@@ -14187,14 +14028,14 @@
       </p:sp>
       <p:sp>
         <p:nvSpPr>
-          <p:cNvPr id="155" name="CustomShape 14"/>
+          <p:cNvPr id="152" name="CustomShape 14"/>
           <p:cNvSpPr/>
           <p:nvPr/>
         </p:nvSpPr>
         <p:spPr>
           <a:xfrm>
             <a:off x="5887800" y="3520080"/>
-            <a:ext cx="618840" cy="197280"/>
+            <a:ext cx="618480" cy="196920"/>
           </a:xfrm>
           <a:prstGeom prst="rightArrow">
             <a:avLst>
@@ -14226,14 +14067,14 @@
       </p:sp>
       <p:sp>
         <p:nvSpPr>
-          <p:cNvPr id="156" name="CustomShape 15"/>
+          <p:cNvPr id="153" name="CustomShape 15"/>
           <p:cNvSpPr/>
           <p:nvPr/>
         </p:nvSpPr>
         <p:spPr>
           <a:xfrm>
             <a:off x="5733360" y="3110040"/>
-            <a:ext cx="871560" cy="425520"/>
+            <a:ext cx="871200" cy="425160"/>
           </a:xfrm>
           <a:prstGeom prst="rect">
             <a:avLst/>
@@ -14260,7 +14101,7 @@
               </a:lnSpc>
             </a:pPr>
             <a:r>
-              <a:rPr b="0" lang="ja-JP" sz="2200" spc="299" strike="noStrike">
+              <a:rPr b="0" lang="ja-JP" sz="2200" spc="296" strike="noStrike">
                 <a:solidFill>
                   <a:srgbClr val="000000"/>
                 </a:solidFill>
@@ -14277,14 +14118,14 @@
       </p:sp>
       <p:sp>
         <p:nvSpPr>
-          <p:cNvPr id="157" name="CustomShape 16"/>
+          <p:cNvPr id="154" name="CustomShape 16"/>
           <p:cNvSpPr/>
           <p:nvPr/>
         </p:nvSpPr>
         <p:spPr>
           <a:xfrm>
             <a:off x="5681520" y="3980520"/>
-            <a:ext cx="1038960" cy="394200"/>
+            <a:ext cx="1038600" cy="394560"/>
           </a:xfrm>
           <a:prstGeom prst="rect">
             <a:avLst/>
@@ -14311,7 +14152,7 @@
               </a:lnSpc>
             </a:pPr>
             <a:r>
-              <a:rPr b="0" lang="ja-JP" sz="2000" spc="299" strike="noStrike">
+              <a:rPr b="0" lang="ja-JP" sz="2000" spc="296" strike="noStrike">
                 <a:solidFill>
                   <a:srgbClr val="000000"/>
                 </a:solidFill>
@@ -14358,7 +14199,7 @@
       </p:grpSpPr>
       <p:pic>
         <p:nvPicPr>
-          <p:cNvPr id="158" name="図 2" descr="スポーツゲーム, ミラー, テーブル が含まれている画像&#10;&#10;自動的に生成された説明"/>
+          <p:cNvPr id="155" name="図 2" descr="スポーツゲーム, ミラー, テーブル が含まれている画像&#10;&#10;自動的に生成された説明"/>
           <p:cNvPicPr/>
           <p:nvPr/>
         </p:nvPicPr>
@@ -14369,7 +14210,7 @@
         <p:spPr>
           <a:xfrm>
             <a:off x="2024640" y="2174400"/>
-            <a:ext cx="3975120" cy="2007000"/>
+            <a:ext cx="3974760" cy="2006640"/>
           </a:xfrm>
           <a:prstGeom prst="rect">
             <a:avLst/>
@@ -14381,7 +14222,7 @@
       </p:pic>
       <p:sp>
         <p:nvSpPr>
-          <p:cNvPr id="159" name="Line 1"/>
+          <p:cNvPr id="156" name="Line 1"/>
           <p:cNvSpPr/>
           <p:nvPr/>
         </p:nvSpPr>
@@ -14417,7 +14258,7 @@
       </p:sp>
       <p:sp>
         <p:nvSpPr>
-          <p:cNvPr id="160" name="Line 2"/>
+          <p:cNvPr id="157" name="Line 2"/>
           <p:cNvSpPr/>
           <p:nvPr/>
         </p:nvSpPr>
@@ -14450,7 +14291,7 @@
       </p:sp>
       <p:sp>
         <p:nvSpPr>
-          <p:cNvPr id="161" name="Line 3"/>
+          <p:cNvPr id="158" name="Line 3"/>
           <p:cNvSpPr/>
           <p:nvPr/>
         </p:nvSpPr>
@@ -14483,7 +14324,7 @@
       </p:sp>
       <p:sp>
         <p:nvSpPr>
-          <p:cNvPr id="162" name="Line 4"/>
+          <p:cNvPr id="159" name="Line 4"/>
           <p:cNvSpPr/>
           <p:nvPr/>
         </p:nvSpPr>
@@ -14519,14 +14360,14 @@
       </p:sp>
       <p:sp>
         <p:nvSpPr>
-          <p:cNvPr id="163" name="CustomShape 5"/>
+          <p:cNvPr id="160" name="CustomShape 5"/>
           <p:cNvSpPr/>
           <p:nvPr/>
         </p:nvSpPr>
         <p:spPr>
           <a:xfrm>
             <a:off x="4003560" y="3148920"/>
-            <a:ext cx="45360" cy="45360"/>
+            <a:ext cx="45000" cy="45000"/>
           </a:xfrm>
           <a:prstGeom prst="ellipse">
             <a:avLst/>
@@ -14555,14 +14396,14 @@
       </p:sp>
       <p:sp>
         <p:nvSpPr>
-          <p:cNvPr id="164" name="CustomShape 6"/>
+          <p:cNvPr id="161" name="CustomShape 6"/>
           <p:cNvSpPr/>
           <p:nvPr/>
         </p:nvSpPr>
         <p:spPr>
           <a:xfrm>
             <a:off x="5378760" y="3406320"/>
-            <a:ext cx="45360" cy="45360"/>
+            <a:ext cx="45000" cy="45000"/>
           </a:xfrm>
           <a:prstGeom prst="ellipse">
             <a:avLst/>
@@ -14591,14 +14432,14 @@
       </p:sp>
       <p:sp>
         <p:nvSpPr>
-          <p:cNvPr id="165" name="CustomShape 7"/>
+          <p:cNvPr id="162" name="CustomShape 7"/>
           <p:cNvSpPr/>
           <p:nvPr/>
         </p:nvSpPr>
         <p:spPr>
           <a:xfrm>
             <a:off x="2630520" y="2887920"/>
-            <a:ext cx="45360" cy="45360"/>
+            <a:ext cx="45000" cy="45000"/>
           </a:xfrm>
           <a:prstGeom prst="ellipse">
             <a:avLst/>
@@ -14627,14 +14468,14 @@
       </p:sp>
       <p:sp>
         <p:nvSpPr>
-          <p:cNvPr id="166" name="CustomShape 8"/>
+          <p:cNvPr id="163" name="CustomShape 8"/>
           <p:cNvSpPr/>
           <p:nvPr/>
         </p:nvSpPr>
         <p:spPr>
           <a:xfrm>
             <a:off x="3059280" y="1950840"/>
-            <a:ext cx="789120" cy="333720"/>
+            <a:ext cx="788760" cy="333360"/>
           </a:xfrm>
           <a:prstGeom prst="rect">
             <a:avLst/>
@@ -14678,14 +14519,14 @@
       </p:sp>
       <p:sp>
         <p:nvSpPr>
-          <p:cNvPr id="167" name="CustomShape 9"/>
+          <p:cNvPr id="164" name="CustomShape 9"/>
           <p:cNvSpPr/>
           <p:nvPr/>
         </p:nvSpPr>
         <p:spPr>
           <a:xfrm>
             <a:off x="4390920" y="2150640"/>
-            <a:ext cx="789120" cy="333720"/>
+            <a:ext cx="788760" cy="333360"/>
           </a:xfrm>
           <a:prstGeom prst="rect">
             <a:avLst/>
@@ -14759,7 +14600,7 @@
       </p:grpSpPr>
       <p:sp>
         <p:nvSpPr>
-          <p:cNvPr id="168" name="Line 1"/>
+          <p:cNvPr id="165" name="Line 1"/>
           <p:cNvSpPr/>
           <p:nvPr/>
         </p:nvSpPr>
@@ -14795,7 +14636,7 @@
       </p:sp>
       <p:sp>
         <p:nvSpPr>
-          <p:cNvPr id="169" name="Line 2"/>
+          <p:cNvPr id="166" name="Line 2"/>
           <p:cNvSpPr/>
           <p:nvPr/>
         </p:nvSpPr>
@@ -14828,7 +14669,7 @@
       </p:sp>
       <p:sp>
         <p:nvSpPr>
-          <p:cNvPr id="170" name="Line 3"/>
+          <p:cNvPr id="167" name="Line 3"/>
           <p:cNvSpPr/>
           <p:nvPr/>
         </p:nvSpPr>
@@ -14861,14 +14702,14 @@
       </p:sp>
       <p:sp>
         <p:nvSpPr>
-          <p:cNvPr id="171" name="CustomShape 4"/>
+          <p:cNvPr id="168" name="CustomShape 4"/>
           <p:cNvSpPr/>
           <p:nvPr/>
         </p:nvSpPr>
         <p:spPr>
           <a:xfrm>
             <a:off x="4003560" y="3148920"/>
-            <a:ext cx="45360" cy="45360"/>
+            <a:ext cx="45000" cy="45000"/>
           </a:xfrm>
           <a:prstGeom prst="ellipse">
             <a:avLst/>
@@ -14897,14 +14738,14 @@
       </p:sp>
       <p:sp>
         <p:nvSpPr>
-          <p:cNvPr id="172" name="CustomShape 5"/>
+          <p:cNvPr id="169" name="CustomShape 5"/>
           <p:cNvSpPr/>
           <p:nvPr/>
         </p:nvSpPr>
         <p:spPr>
           <a:xfrm>
             <a:off x="2026080" y="2489400"/>
-            <a:ext cx="45360" cy="45360"/>
+            <a:ext cx="45000" cy="45000"/>
           </a:xfrm>
           <a:prstGeom prst="ellipse">
             <a:avLst/>
@@ -14933,14 +14774,14 @@
       </p:sp>
       <p:sp>
         <p:nvSpPr>
-          <p:cNvPr id="173" name="CustomShape 6"/>
+          <p:cNvPr id="170" name="CustomShape 6"/>
           <p:cNvSpPr/>
           <p:nvPr/>
         </p:nvSpPr>
         <p:spPr>
           <a:xfrm>
             <a:off x="2630520" y="2887920"/>
-            <a:ext cx="45360" cy="45360"/>
+            <a:ext cx="45000" cy="45000"/>
           </a:xfrm>
           <a:prstGeom prst="ellipse">
             <a:avLst/>
@@ -14969,14 +14810,14 @@
       </p:sp>
       <p:sp>
         <p:nvSpPr>
-          <p:cNvPr id="174" name="CustomShape 7"/>
+          <p:cNvPr id="171" name="CustomShape 7"/>
           <p:cNvSpPr/>
           <p:nvPr/>
         </p:nvSpPr>
         <p:spPr>
           <a:xfrm>
             <a:off x="3059280" y="1950840"/>
-            <a:ext cx="789120" cy="333720"/>
+            <a:ext cx="788760" cy="333360"/>
           </a:xfrm>
           <a:prstGeom prst="rect">
             <a:avLst/>
@@ -15020,14 +14861,14 @@
       </p:sp>
       <p:sp>
         <p:nvSpPr>
-          <p:cNvPr id="175" name="CustomShape 8"/>
+          <p:cNvPr id="172" name="CustomShape 8"/>
           <p:cNvSpPr/>
           <p:nvPr/>
         </p:nvSpPr>
         <p:spPr>
           <a:xfrm>
             <a:off x="4390920" y="2150640"/>
-            <a:ext cx="789120" cy="333720"/>
+            <a:ext cx="788760" cy="333360"/>
           </a:xfrm>
           <a:prstGeom prst="rect">
             <a:avLst/>
@@ -15101,14 +14942,14 @@
       </p:grpSpPr>
       <p:sp>
         <p:nvSpPr>
-          <p:cNvPr id="176" name="CustomShape 1"/>
+          <p:cNvPr id="173" name="CustomShape 1"/>
           <p:cNvSpPr/>
           <p:nvPr/>
         </p:nvSpPr>
         <p:spPr>
           <a:xfrm>
             <a:off x="2491200" y="2441880"/>
-            <a:ext cx="183960" cy="2449800"/>
+            <a:ext cx="183600" cy="2449440"/>
           </a:xfrm>
           <a:prstGeom prst="leftBrace">
             <a:avLst>
@@ -15138,14 +14979,14 @@
       </p:sp>
       <p:sp>
         <p:nvSpPr>
-          <p:cNvPr id="177" name="CustomShape 2"/>
+          <p:cNvPr id="174" name="CustomShape 2"/>
           <p:cNvSpPr/>
           <p:nvPr/>
         </p:nvSpPr>
         <p:spPr>
           <a:xfrm>
             <a:off x="2447280" y="3469680"/>
-            <a:ext cx="271440" cy="395280"/>
+            <a:ext cx="271080" cy="394920"/>
           </a:xfrm>
           <a:prstGeom prst="rect">
             <a:avLst/>
@@ -15179,6 +15020,7 @@
                   <a:srgbClr val="000000"/>
                 </a:solidFill>
                 <a:latin typeface="游ゴシック"/>
+                <a:ea typeface="DejaVu Sans"/>
               </a:rPr>
               <a:t>N</a:t>
             </a:r>
@@ -15190,14 +15032,14 @@
       </p:sp>
       <p:sp>
         <p:nvSpPr>
-          <p:cNvPr id="178" name="CustomShape 3"/>
+          <p:cNvPr id="175" name="CustomShape 3"/>
           <p:cNvSpPr/>
           <p:nvPr/>
         </p:nvSpPr>
         <p:spPr>
           <a:xfrm rot="5400000">
-            <a:off x="3979800" y="913680"/>
-            <a:ext cx="261000" cy="2484720"/>
+            <a:off x="3980160" y="913680"/>
+            <a:ext cx="260640" cy="2484360"/>
           </a:xfrm>
           <a:prstGeom prst="leftBrace">
             <a:avLst>
@@ -15227,14 +15069,14 @@
       </p:sp>
       <p:sp>
         <p:nvSpPr>
-          <p:cNvPr id="179" name="CustomShape 4"/>
+          <p:cNvPr id="176" name="CustomShape 4"/>
           <p:cNvSpPr/>
           <p:nvPr/>
         </p:nvSpPr>
         <p:spPr>
           <a:xfrm>
             <a:off x="3960360" y="1971720"/>
-            <a:ext cx="271440" cy="364680"/>
+            <a:ext cx="271080" cy="364320"/>
           </a:xfrm>
           <a:prstGeom prst="rect">
             <a:avLst/>
@@ -15268,6 +15110,7 @@
                   <a:srgbClr val="000000"/>
                 </a:solidFill>
                 <a:latin typeface="游ゴシック"/>
+                <a:ea typeface="DejaVu Sans"/>
               </a:rPr>
               <a:t>N</a:t>
             </a:r>
@@ -15279,7 +15122,7 @@
       </p:sp>
       <p:pic>
         <p:nvPicPr>
-          <p:cNvPr id="180" name="図 11" descr="図形&#10;&#10;低い精度で自動的に生成された説明"/>
+          <p:cNvPr id="177" name="図 11" descr="図形&#10;&#10;低い精度で自動的に生成された説明"/>
           <p:cNvPicPr/>
           <p:nvPr/>
         </p:nvPicPr>
@@ -15290,7 +15133,7 @@
         <p:spPr>
           <a:xfrm>
             <a:off x="2858400" y="2391840"/>
-            <a:ext cx="2538720" cy="2559600"/>
+            <a:ext cx="2538360" cy="2559240"/>
           </a:xfrm>
           <a:prstGeom prst="rect">
             <a:avLst/>
@@ -15302,7 +15145,7 @@
       </p:pic>
       <p:pic>
         <p:nvPicPr>
-          <p:cNvPr id="181" name="図 30" descr="図形&#10;&#10;低い精度で自動的に生成された説明"/>
+          <p:cNvPr id="178" name="図 30" descr="図形&#10;&#10;低い精度で自動的に生成された説明"/>
           <p:cNvPicPr/>
           <p:nvPr/>
         </p:nvPicPr>
@@ -15313,7 +15156,7 @@
         <p:spPr>
           <a:xfrm>
             <a:off x="7002720" y="2391840"/>
-            <a:ext cx="2538720" cy="2559600"/>
+            <a:ext cx="2538360" cy="2559240"/>
           </a:xfrm>
           <a:prstGeom prst="rect">
             <a:avLst/>
@@ -15355,7 +15198,7 @@
       </p:grpSpPr>
       <p:pic>
         <p:nvPicPr>
-          <p:cNvPr id="182" name="図 6" descr="三脚の上に立っている男性の白黒写真&#10;&#10;中程度の精度で自動的に生成された説明"/>
+          <p:cNvPr id="179" name="図 6" descr="三脚の上に立っている男性の白黒写真&#10;&#10;中程度の精度で自動的に生成された説明"/>
           <p:cNvPicPr/>
           <p:nvPr/>
         </p:nvPicPr>
@@ -15366,7 +15209,7 @@
         <p:spPr>
           <a:xfrm>
             <a:off x="6413040" y="3445560"/>
-            <a:ext cx="579600" cy="579600"/>
+            <a:ext cx="579240" cy="579240"/>
           </a:xfrm>
           <a:prstGeom prst="rect">
             <a:avLst/>
@@ -15384,7 +15227,7 @@
       </p:pic>
       <p:pic>
         <p:nvPicPr>
-          <p:cNvPr id="183" name="図 8" descr="モニター画面に映る文字&#10;&#10;低い精度で自動的に生成された説明"/>
+          <p:cNvPr id="180" name="図 8" descr="モニター画面に映る文字&#10;&#10;低い精度で自動的に生成された説明"/>
           <p:cNvPicPr/>
           <p:nvPr/>
         </p:nvPicPr>
@@ -15398,7 +15241,7 @@
         <p:spPr>
           <a:xfrm>
             <a:off x="7315200" y="1410840"/>
-            <a:ext cx="3565440" cy="3517920"/>
+            <a:ext cx="3565080" cy="3517560"/>
           </a:xfrm>
           <a:prstGeom prst="rect">
             <a:avLst/>
@@ -15416,19 +15259,19 @@
       </p:pic>
       <p:pic>
         <p:nvPicPr>
-          <p:cNvPr id="184" name="図 4" descr="ダイアグラム&#10;&#10;低い精度で自動的に生成された説明"/>
+          <p:cNvPr id="181" name="図 4" descr="ダイアグラム&#10;&#10;低い精度で自動的に生成された説明"/>
           <p:cNvPicPr/>
           <p:nvPr/>
         </p:nvPicPr>
         <p:blipFill>
           <a:blip r:embed="rId3"/>
-          <a:srcRect l="15378" t="11880" r="16977" b="10558"/>
+          <a:srcRect l="15376" t="11880" r="16975" b="10558"/>
           <a:stretch/>
         </p:blipFill>
         <p:spPr>
           <a:xfrm>
             <a:off x="1310760" y="1117440"/>
-            <a:ext cx="9569880" cy="4622400"/>
+            <a:ext cx="9569520" cy="4622040"/>
           </a:xfrm>
           <a:prstGeom prst="rect">
             <a:avLst/>
